--- a/presentations/gats-intro.pptx
+++ b/presentations/gats-intro.pptx
@@ -2,14 +2,14 @@
 <file path=ppt/presentation.xml><?xml version="1.0" encoding="utf-8"?>
 <p:presentation xmlns:a="http://schemas.openxmlformats.org/drawingml/2006/main" xmlns:r="http://schemas.openxmlformats.org/officeDocument/2006/relationships" xmlns:p="http://schemas.openxmlformats.org/presentationml/2006/main" saveSubsetFonts="1" autoCompressPictures="0">
   <p:sldMasterIdLst>
-    <p:sldMasterId id="2147483678" r:id="rId1"/>
+    <p:sldMasterId id="2147483702" r:id="rId1"/>
   </p:sldMasterIdLst>
   <p:sldIdLst>
     <p:sldId id="312" r:id="rId2"/>
     <p:sldId id="301" r:id="rId3"/>
     <p:sldId id="297" r:id="rId4"/>
-    <p:sldId id="310" r:id="rId5"/>
-    <p:sldId id="313" r:id="rId6"/>
+    <p:sldId id="319" r:id="rId5"/>
+    <p:sldId id="310" r:id="rId6"/>
     <p:sldId id="315" r:id="rId7"/>
     <p:sldId id="314" r:id="rId8"/>
     <p:sldId id="302" r:id="rId9"/>
@@ -140,8 +140,8 @@
             <p14:sldId id="312"/>
             <p14:sldId id="301"/>
             <p14:sldId id="297"/>
+            <p14:sldId id="319"/>
             <p14:sldId id="310"/>
-            <p14:sldId id="313"/>
             <p14:sldId id="315"/>
             <p14:sldId id="314"/>
             <p14:sldId id="302"/>
@@ -1215,77 +1215,6 @@
         </a:p>
       </dgm:t>
     </dgm:pt>
-    <dgm:pt modelId="{6104E7EA-922E-DF47-AC73-66D6985ADA57}">
-      <dgm:prSet phldrT="[Text]"/>
-      <dgm:spPr>
-        <a:gradFill flip="none" rotWithShape="0">
-          <a:gsLst>
-            <a:gs pos="0">
-              <a:schemeClr val="accent1">
-                <a:lumMod val="89000"/>
-              </a:schemeClr>
-            </a:gs>
-            <a:gs pos="23000">
-              <a:schemeClr val="accent1">
-                <a:lumMod val="89000"/>
-              </a:schemeClr>
-            </a:gs>
-            <a:gs pos="69000">
-              <a:schemeClr val="accent1">
-                <a:lumMod val="75000"/>
-              </a:schemeClr>
-            </a:gs>
-            <a:gs pos="97000">
-              <a:schemeClr val="accent1">
-                <a:lumMod val="70000"/>
-              </a:schemeClr>
-            </a:gs>
-          </a:gsLst>
-          <a:path path="circle">
-            <a:fillToRect l="50000" t="50000" r="50000" b="50000"/>
-          </a:path>
-          <a:tileRect/>
-        </a:gradFill>
-      </dgm:spPr>
-      <dgm:t>
-        <a:bodyPr/>
-        <a:lstStyle/>
-        <a:p>
-          <a:r>
-            <a:rPr lang="en-US" dirty="0">
-              <a:latin typeface="Comfortaa" pitchFamily="2" charset="0"/>
-            </a:rPr>
-            <a:t>Models in Theories</a:t>
-          </a:r>
-        </a:p>
-      </dgm:t>
-    </dgm:pt>
-    <dgm:pt modelId="{778E5BB6-9998-7944-87B1-1CDD3FE2C94F}" type="parTrans" cxnId="{50A74878-2F8D-3342-A86D-C99124928654}">
-      <dgm:prSet/>
-      <dgm:spPr/>
-      <dgm:t>
-        <a:bodyPr/>
-        <a:lstStyle/>
-        <a:p>
-          <a:endParaRPr lang="en-US">
-            <a:latin typeface="Comfortaa" pitchFamily="2" charset="0"/>
-          </a:endParaRPr>
-        </a:p>
-      </dgm:t>
-    </dgm:pt>
-    <dgm:pt modelId="{AE4C18E0-C97B-754B-B063-0B99E1C805BA}" type="sibTrans" cxnId="{50A74878-2F8D-3342-A86D-C99124928654}">
-      <dgm:prSet/>
-      <dgm:spPr/>
-      <dgm:t>
-        <a:bodyPr/>
-        <a:lstStyle/>
-        <a:p>
-          <a:endParaRPr lang="en-US">
-            <a:latin typeface="Comfortaa" pitchFamily="2" charset="0"/>
-          </a:endParaRPr>
-        </a:p>
-      </dgm:t>
-    </dgm:pt>
     <dgm:pt modelId="{1511C3A7-7AE3-E44E-934D-BA86B7C3D081}">
       <dgm:prSet phldrT="[Text]"/>
       <dgm:spPr>
@@ -1494,7 +1423,7 @@
             <a:buNone/>
           </a:pPr>
           <a:r>
-            <a:rPr lang="en-US" sz="1100" kern="1200" dirty="0">
+            <a:rPr lang="en-US" sz="2000" kern="1200" dirty="0">
               <a:solidFill>
                 <a:prstClr val="white"/>
               </a:solidFill>
@@ -1596,7 +1525,7 @@
             <a:buNone/>
           </a:pPr>
           <a:r>
-            <a:rPr lang="en-US" sz="1100" kern="1200" dirty="0">
+            <a:rPr lang="en-US" sz="2000" kern="1200" dirty="0">
               <a:solidFill>
                 <a:prstClr val="white"/>
               </a:solidFill>
@@ -1698,7 +1627,7 @@
             <a:buNone/>
           </a:pPr>
           <a:r>
-            <a:rPr lang="en-US" sz="1100" kern="1200" dirty="0">
+            <a:rPr lang="en-US" sz="2000" kern="1200" dirty="0">
               <a:solidFill>
                 <a:prstClr val="white"/>
               </a:solidFill>
@@ -1706,7 +1635,7 @@
               <a:ea typeface="+mn-ea"/>
               <a:cs typeface="+mn-cs"/>
             </a:rPr>
-            <a:t>Instances</a:t>
+            <a:t>Implementation</a:t>
           </a:r>
         </a:p>
       </dgm:t>
@@ -1800,7 +1729,7 @@
             <a:buNone/>
           </a:pPr>
           <a:r>
-            <a:rPr lang="en-US" sz="1100" kern="1200" dirty="0">
+            <a:rPr lang="en-US" sz="1200" kern="1200" dirty="0">
               <a:solidFill>
                 <a:prstClr val="white"/>
               </a:solidFill>
@@ -1902,7 +1831,7 @@
             <a:buNone/>
           </a:pPr>
           <a:r>
-            <a:rPr lang="en-US" sz="1100" kern="1200" dirty="0">
+            <a:rPr lang="en-US" sz="1200" kern="1200" dirty="0">
               <a:solidFill>
                 <a:prstClr val="white"/>
               </a:solidFill>
@@ -2004,7 +1933,7 @@
             <a:buNone/>
           </a:pPr>
           <a:r>
-            <a:rPr lang="en-US" sz="1100" kern="1200" dirty="0">
+            <a:rPr lang="en-US" sz="1200" kern="1200" dirty="0">
               <a:solidFill>
                 <a:prstClr val="white"/>
               </a:solidFill>
@@ -2106,7 +2035,7 @@
             <a:buNone/>
           </a:pPr>
           <a:r>
-            <a:rPr lang="en-US" sz="1100" kern="1200" dirty="0">
+            <a:rPr lang="en-US" sz="1200" kern="1200" dirty="0">
               <a:solidFill>
                 <a:prstClr val="white"/>
               </a:solidFill>
@@ -2208,7 +2137,7 @@
             <a:buNone/>
           </a:pPr>
           <a:r>
-            <a:rPr lang="en-US" sz="1100" kern="1200" dirty="0">
+            <a:rPr lang="en-US" sz="1200" kern="1200" dirty="0">
               <a:solidFill>
                 <a:prstClr val="white"/>
               </a:solidFill>
@@ -2298,7 +2227,7 @@
         <a:lstStyle/>
         <a:p>
           <a:r>
-            <a:rPr lang="en-US" sz="1100" kern="1200" dirty="0">
+            <a:rPr lang="en-US" sz="1200" kern="1200" dirty="0">
               <a:solidFill>
                 <a:prstClr val="white"/>
               </a:solidFill>
@@ -2315,7 +2244,7 @@
             <a:t> </a:t>
           </a:r>
           <a:r>
-            <a:rPr lang="en-US" sz="1100" kern="1200" dirty="0">
+            <a:rPr lang="en-US" sz="1200" kern="1200" dirty="0">
               <a:solidFill>
                 <a:prstClr val="white"/>
               </a:solidFill>
@@ -2405,7 +2334,7 @@
         <a:lstStyle/>
         <a:p>
           <a:r>
-            <a:rPr lang="en-US" sz="1100" kern="1200" dirty="0">
+            <a:rPr lang="en-US" sz="1200" kern="1200" dirty="0">
               <a:solidFill>
                 <a:prstClr val="white"/>
               </a:solidFill>
@@ -2507,7 +2436,7 @@
             <a:buNone/>
           </a:pPr>
           <a:r>
-            <a:rPr lang="en-US" sz="1100" kern="1200" dirty="0">
+            <a:rPr lang="en-US" sz="1200" kern="1200" dirty="0">
               <a:solidFill>
                 <a:prstClr val="white"/>
               </a:solidFill>
@@ -2532,6 +2461,215 @@
       </dgm:t>
     </dgm:pt>
     <dgm:pt modelId="{20C92CC4-60FA-E642-8DF3-128C5AE80BA5}" type="sibTrans" cxnId="{B9E2D2AC-FB34-CA4C-B179-8FFC261DC05C}">
+      <dgm:prSet/>
+      <dgm:spPr/>
+      <dgm:t>
+        <a:bodyPr/>
+        <a:lstStyle/>
+        <a:p>
+          <a:endParaRPr lang="en-US"/>
+        </a:p>
+      </dgm:t>
+    </dgm:pt>
+    <dgm:pt modelId="{C87BC000-4ECD-174D-A398-49F0BFCBD606}">
+      <dgm:prSet phldrT="[Text]" custT="1"/>
+      <dgm:spPr>
+        <a:gradFill flip="none" rotWithShape="0">
+          <a:gsLst>
+            <a:gs pos="0">
+              <a:srgbClr val="4472C4">
+                <a:lumMod val="89000"/>
+                <a:alpha val="32000"/>
+              </a:srgbClr>
+            </a:gs>
+            <a:gs pos="23000">
+              <a:srgbClr val="4472C4">
+                <a:lumMod val="89000"/>
+                <a:alpha val="28000"/>
+              </a:srgbClr>
+            </a:gs>
+            <a:gs pos="69000">
+              <a:srgbClr val="4472C4">
+                <a:lumMod val="75000"/>
+                <a:alpha val="18000"/>
+              </a:srgbClr>
+            </a:gs>
+            <a:gs pos="97000">
+              <a:srgbClr val="4472C4">
+                <a:lumMod val="70000"/>
+                <a:alpha val="21000"/>
+              </a:srgbClr>
+            </a:gs>
+          </a:gsLst>
+          <a:path path="circle">
+            <a:fillToRect l="50000" t="50000" r="50000" b="50000"/>
+          </a:path>
+          <a:tileRect/>
+        </a:gradFill>
+        <a:ln>
+          <a:noFill/>
+        </a:ln>
+        <a:effectLst>
+          <a:outerShdw blurRad="57150" dist="19050" dir="5400000" algn="ctr" rotWithShape="0">
+            <a:srgbClr val="000000">
+              <a:alpha val="63000"/>
+            </a:srgbClr>
+          </a:outerShdw>
+        </a:effectLst>
+      </dgm:spPr>
+      <dgm:t>
+        <a:bodyPr spcFirstLastPara="0" vert="horz" wrap="square" lIns="41910" tIns="41910" rIns="41910" bIns="41910" numCol="1" spcCol="1270" anchor="ctr" anchorCtr="0"/>
+        <a:lstStyle/>
+        <a:p>
+          <a:pPr marL="0" lvl="0" indent="0" algn="ctr" defTabSz="488950">
+            <a:lnSpc>
+              <a:spcPct val="90000"/>
+            </a:lnSpc>
+            <a:spcBef>
+              <a:spcPct val="0"/>
+            </a:spcBef>
+            <a:spcAft>
+              <a:spcPct val="35000"/>
+            </a:spcAft>
+            <a:buNone/>
+          </a:pPr>
+          <a:r>
+            <a:rPr lang="en-US" sz="1200" kern="1200" dirty="0">
+              <a:solidFill>
+                <a:prstClr val="white"/>
+              </a:solidFill>
+              <a:latin typeface="Comfortaa" pitchFamily="2" charset="0"/>
+              <a:ea typeface="+mn-ea"/>
+              <a:cs typeface="+mn-cs"/>
+            </a:rPr>
+            <a:t>Meta</a:t>
+          </a:r>
+        </a:p>
+        <a:p>
+          <a:pPr marL="0" lvl="0" indent="0" algn="ctr" defTabSz="488950">
+            <a:lnSpc>
+              <a:spcPct val="90000"/>
+            </a:lnSpc>
+            <a:spcBef>
+              <a:spcPct val="0"/>
+            </a:spcBef>
+            <a:spcAft>
+              <a:spcPct val="35000"/>
+            </a:spcAft>
+            <a:buNone/>
+          </a:pPr>
+          <a:r>
+            <a:rPr lang="en-US" sz="1200" kern="1200" dirty="0">
+              <a:solidFill>
+                <a:prstClr val="white"/>
+              </a:solidFill>
+              <a:latin typeface="Comfortaa" pitchFamily="2" charset="0"/>
+              <a:ea typeface="+mn-ea"/>
+              <a:cs typeface="+mn-cs"/>
+            </a:rPr>
+            <a:t>Models</a:t>
+          </a:r>
+        </a:p>
+      </dgm:t>
+    </dgm:pt>
+    <dgm:pt modelId="{F76C5326-6507-0245-9AF0-72D5047AB75C}" type="parTrans" cxnId="{EA006F35-0FB6-B948-87D5-AB766CC41164}">
+      <dgm:prSet/>
+      <dgm:spPr/>
+      <dgm:t>
+        <a:bodyPr/>
+        <a:lstStyle/>
+        <a:p>
+          <a:endParaRPr lang="en-US"/>
+        </a:p>
+      </dgm:t>
+    </dgm:pt>
+    <dgm:pt modelId="{E2AA72FD-0FC9-D44B-A138-8D553419A068}" type="sibTrans" cxnId="{EA006F35-0FB6-B948-87D5-AB766CC41164}">
+      <dgm:prSet/>
+      <dgm:spPr/>
+      <dgm:t>
+        <a:bodyPr/>
+        <a:lstStyle/>
+        <a:p>
+          <a:endParaRPr lang="en-US"/>
+        </a:p>
+      </dgm:t>
+    </dgm:pt>
+    <dgm:pt modelId="{CF29BF5A-8AF1-394C-8C1E-A1BCE28BEA3D}">
+      <dgm:prSet phldrT="[Text]" custT="1"/>
+      <dgm:spPr>
+        <a:gradFill flip="none" rotWithShape="0">
+          <a:gsLst>
+            <a:gs pos="0">
+              <a:srgbClr val="4472C4">
+                <a:lumMod val="89000"/>
+                <a:alpha val="32000"/>
+              </a:srgbClr>
+            </a:gs>
+            <a:gs pos="23000">
+              <a:srgbClr val="4472C4">
+                <a:lumMod val="89000"/>
+                <a:alpha val="28000"/>
+              </a:srgbClr>
+            </a:gs>
+            <a:gs pos="69000">
+              <a:srgbClr val="4472C4">
+                <a:lumMod val="75000"/>
+                <a:alpha val="18000"/>
+              </a:srgbClr>
+            </a:gs>
+            <a:gs pos="97000">
+              <a:srgbClr val="4472C4">
+                <a:lumMod val="70000"/>
+                <a:alpha val="21000"/>
+              </a:srgbClr>
+            </a:gs>
+          </a:gsLst>
+          <a:path path="circle">
+            <a:fillToRect l="50000" t="50000" r="50000" b="50000"/>
+          </a:path>
+          <a:tileRect/>
+        </a:gradFill>
+        <a:ln>
+          <a:noFill/>
+        </a:ln>
+        <a:effectLst>
+          <a:outerShdw blurRad="57150" dist="19050" dir="5400000" algn="ctr" rotWithShape="0">
+            <a:srgbClr val="000000">
+              <a:alpha val="63000"/>
+            </a:srgbClr>
+          </a:outerShdw>
+        </a:effectLst>
+      </dgm:spPr>
+      <dgm:t>
+        <a:bodyPr spcFirstLastPara="0" vert="horz" wrap="square" lIns="41910" tIns="41910" rIns="41910" bIns="41910" numCol="1" spcCol="1270" anchor="ctr" anchorCtr="0"/>
+        <a:lstStyle/>
+        <a:p>
+          <a:r>
+            <a:rPr lang="en-US" sz="1200" kern="1200" dirty="0">
+              <a:solidFill>
+                <a:prstClr val="white"/>
+              </a:solidFill>
+              <a:latin typeface="Comfortaa" pitchFamily="2" charset="0"/>
+              <a:ea typeface="+mn-ea"/>
+              <a:cs typeface="+mn-cs"/>
+            </a:rPr>
+            <a:t>Models</a:t>
+          </a:r>
+        </a:p>
+      </dgm:t>
+    </dgm:pt>
+    <dgm:pt modelId="{BFA0FC60-C5D1-8F4E-B848-62F48FE508AF}" type="parTrans" cxnId="{94398852-6A25-BC46-AA46-72300DBC6459}">
+      <dgm:prSet/>
+      <dgm:spPr/>
+      <dgm:t>
+        <a:bodyPr/>
+        <a:lstStyle/>
+        <a:p>
+          <a:endParaRPr lang="en-US"/>
+        </a:p>
+      </dgm:t>
+    </dgm:pt>
+    <dgm:pt modelId="{0B412309-9401-1B40-9648-FF56BE6DF923}" type="sibTrans" cxnId="{94398852-6A25-BC46-AA46-72300DBC6459}">
       <dgm:prSet/>
       <dgm:spPr/>
       <dgm:t>
@@ -2623,7 +2761,7 @@
       <dgm:spPr/>
     </dgm:pt>
     <dgm:pt modelId="{B3BAAD14-6CD3-1F4D-99B6-3709B19A5977}" type="pres">
-      <dgm:prSet presAssocID="{620B910D-1DB7-B446-A501-2BB1A75BE6E2}" presName="txFour" presStyleLbl="node4" presStyleIdx="0" presStyleCnt="13">
+      <dgm:prSet presAssocID="{620B910D-1DB7-B446-A501-2BB1A75BE6E2}" presName="txFour" presStyleLbl="node4" presStyleIdx="0" presStyleCnt="14">
         <dgm:presLayoutVars>
           <dgm:chPref val="3"/>
         </dgm:presLayoutVars>
@@ -2638,30 +2776,6 @@
       <dgm:prSet presAssocID="{620B910D-1DB7-B446-A501-2BB1A75BE6E2}" presName="horzFour" presStyleCnt="0"/>
       <dgm:spPr/>
     </dgm:pt>
-    <dgm:pt modelId="{F0D8F055-327A-5540-A0CD-145987467205}" type="pres">
-      <dgm:prSet presAssocID="{6104E7EA-922E-DF47-AC73-66D6985ADA57}" presName="vertFour" presStyleCnt="0">
-        <dgm:presLayoutVars>
-          <dgm:chPref val="3"/>
-        </dgm:presLayoutVars>
-      </dgm:prSet>
-      <dgm:spPr/>
-    </dgm:pt>
-    <dgm:pt modelId="{0C625EC5-B8EB-2841-AAAE-3B840D0407D3}" type="pres">
-      <dgm:prSet presAssocID="{6104E7EA-922E-DF47-AC73-66D6985ADA57}" presName="txFour" presStyleLbl="node4" presStyleIdx="1" presStyleCnt="13">
-        <dgm:presLayoutVars>
-          <dgm:chPref val="3"/>
-        </dgm:presLayoutVars>
-      </dgm:prSet>
-      <dgm:spPr/>
-    </dgm:pt>
-    <dgm:pt modelId="{8F770837-291A-C743-9888-5572D4BA5B27}" type="pres">
-      <dgm:prSet presAssocID="{6104E7EA-922E-DF47-AC73-66D6985ADA57}" presName="parTransFour" presStyleCnt="0"/>
-      <dgm:spPr/>
-    </dgm:pt>
-    <dgm:pt modelId="{4E25B9E3-5B60-9148-97B9-801EE282E499}" type="pres">
-      <dgm:prSet presAssocID="{6104E7EA-922E-DF47-AC73-66D6985ADA57}" presName="horzFour" presStyleCnt="0"/>
-      <dgm:spPr/>
-    </dgm:pt>
     <dgm:pt modelId="{E25572F0-A5B3-6647-BAB9-4F8F1D39C9EC}" type="pres">
       <dgm:prSet presAssocID="{2BC54243-A1D0-AF4E-8AA7-5F31EE929C1E}" presName="vertFour" presStyleCnt="0">
         <dgm:presLayoutVars>
@@ -2671,15 +2785,15 @@
       <dgm:spPr/>
     </dgm:pt>
     <dgm:pt modelId="{CD4B9C5C-DB68-7846-A351-9CBE451C3329}" type="pres">
-      <dgm:prSet presAssocID="{2BC54243-A1D0-AF4E-8AA7-5F31EE929C1E}" presName="txFour" presStyleLbl="node4" presStyleIdx="2" presStyleCnt="13">
+      <dgm:prSet presAssocID="{2BC54243-A1D0-AF4E-8AA7-5F31EE929C1E}" presName="txFour" presStyleLbl="node4" presStyleIdx="1" presStyleCnt="14">
         <dgm:presLayoutVars>
           <dgm:chPref val="3"/>
         </dgm:presLayoutVars>
       </dgm:prSet>
       <dgm:spPr>
         <a:xfrm>
-          <a:off x="2115" y="3911944"/>
-          <a:ext cx="997148" cy="720989"/>
+          <a:off x="28" y="3672342"/>
+          <a:ext cx="3172178" cy="826822"/>
         </a:xfrm>
         <a:prstGeom prst="roundRect">
           <a:avLst>
@@ -2705,15 +2819,15 @@
       <dgm:spPr/>
     </dgm:pt>
     <dgm:pt modelId="{C84B7433-2F3C-C24C-AAEA-376C8270B64E}" type="pres">
-      <dgm:prSet presAssocID="{DAE5B034-4A0E-224C-B5D5-C31294D6971A}" presName="txFour" presStyleLbl="node4" presStyleIdx="3" presStyleCnt="13">
+      <dgm:prSet presAssocID="{DAE5B034-4A0E-224C-B5D5-C31294D6971A}" presName="txFour" presStyleLbl="node4" presStyleIdx="2" presStyleCnt="14">
         <dgm:presLayoutVars>
           <dgm:chPref val="3"/>
         </dgm:presLayoutVars>
       </dgm:prSet>
       <dgm:spPr>
         <a:xfrm>
-          <a:off x="2115" y="4693496"/>
-          <a:ext cx="997148" cy="720989"/>
+          <a:off x="28" y="4589955"/>
+          <a:ext cx="1042793" cy="826822"/>
         </a:xfrm>
         <a:prstGeom prst="roundRect">
           <a:avLst>
@@ -2726,7 +2840,75 @@
       <dgm:prSet presAssocID="{DAE5B034-4A0E-224C-B5D5-C31294D6971A}" presName="horzFour" presStyleCnt="0"/>
       <dgm:spPr/>
     </dgm:pt>
-    <dgm:pt modelId="{5F667D5F-5DEF-2C42-B142-B82F6B4C801B}" type="pres">
+    <dgm:pt modelId="{D68D4B18-104B-C54F-B397-92FF6A36E794}" type="pres">
+      <dgm:prSet presAssocID="{20C92CC4-60FA-E642-8DF3-128C5AE80BA5}" presName="sibSpaceFour" presStyleCnt="0"/>
+      <dgm:spPr/>
+    </dgm:pt>
+    <dgm:pt modelId="{5B4CAB8B-5116-9648-A66F-BF17E9DD920D}" type="pres">
+      <dgm:prSet presAssocID="{C87BC000-4ECD-174D-A398-49F0BFCBD606}" presName="vertFour" presStyleCnt="0">
+        <dgm:presLayoutVars>
+          <dgm:chPref val="3"/>
+        </dgm:presLayoutVars>
+      </dgm:prSet>
+      <dgm:spPr/>
+    </dgm:pt>
+    <dgm:pt modelId="{C68BCD08-7A2D-3C4C-848B-E880A6134277}" type="pres">
+      <dgm:prSet presAssocID="{C87BC000-4ECD-174D-A398-49F0BFCBD606}" presName="txFour" presStyleLbl="node4" presStyleIdx="3" presStyleCnt="14">
+        <dgm:presLayoutVars>
+          <dgm:chPref val="3"/>
+        </dgm:presLayoutVars>
+      </dgm:prSet>
+      <dgm:spPr>
+        <a:xfrm>
+          <a:off x="1064720" y="4589955"/>
+          <a:ext cx="1042793" cy="826822"/>
+        </a:xfrm>
+        <a:prstGeom prst="roundRect">
+          <a:avLst>
+            <a:gd name="adj" fmla="val 10000"/>
+          </a:avLst>
+        </a:prstGeom>
+      </dgm:spPr>
+    </dgm:pt>
+    <dgm:pt modelId="{C4AE18AB-F85B-8749-A12B-46119F986A2A}" type="pres">
+      <dgm:prSet presAssocID="{C87BC000-4ECD-174D-A398-49F0BFCBD606}" presName="horzFour" presStyleCnt="0"/>
+      <dgm:spPr/>
+    </dgm:pt>
+    <dgm:pt modelId="{1F8D56D5-4A26-F04C-A3CC-9F120AFBD059}" type="pres">
+      <dgm:prSet presAssocID="{E2AA72FD-0FC9-D44B-A138-8D553419A068}" presName="sibSpaceFour" presStyleCnt="0"/>
+      <dgm:spPr/>
+    </dgm:pt>
+    <dgm:pt modelId="{72BC1984-977B-7241-9549-BC8681729761}" type="pres">
+      <dgm:prSet presAssocID="{CF29BF5A-8AF1-394C-8C1E-A1BCE28BEA3D}" presName="vertFour" presStyleCnt="0">
+        <dgm:presLayoutVars>
+          <dgm:chPref val="3"/>
+        </dgm:presLayoutVars>
+      </dgm:prSet>
+      <dgm:spPr/>
+    </dgm:pt>
+    <dgm:pt modelId="{35AF544E-52F2-1A4B-8589-EBF28762710F}" type="pres">
+      <dgm:prSet presAssocID="{CF29BF5A-8AF1-394C-8C1E-A1BCE28BEA3D}" presName="txFour" presStyleLbl="node4" presStyleIdx="4" presStyleCnt="14">
+        <dgm:presLayoutVars>
+          <dgm:chPref val="3"/>
+        </dgm:presLayoutVars>
+      </dgm:prSet>
+      <dgm:spPr>
+        <a:xfrm>
+          <a:off x="2129413" y="4589955"/>
+          <a:ext cx="1042793" cy="826822"/>
+        </a:xfrm>
+        <a:prstGeom prst="roundRect">
+          <a:avLst>
+            <a:gd name="adj" fmla="val 10000"/>
+          </a:avLst>
+        </a:prstGeom>
+      </dgm:spPr>
+    </dgm:pt>
+    <dgm:pt modelId="{375E5878-8319-2E4B-AC3D-552355323911}" type="pres">
+      <dgm:prSet presAssocID="{CF29BF5A-8AF1-394C-8C1E-A1BCE28BEA3D}" presName="horzFour" presStyleCnt="0"/>
+      <dgm:spPr/>
+    </dgm:pt>
+    <dgm:pt modelId="{EE36DC09-90FA-C04E-B55F-40DABF21A8CB}" type="pres">
       <dgm:prSet presAssocID="{8C0CBBDE-DA88-8D41-A372-CD13B146E83A}" presName="sibSpaceFour" presStyleCnt="0"/>
       <dgm:spPr/>
     </dgm:pt>
@@ -2739,15 +2921,15 @@
       <dgm:spPr/>
     </dgm:pt>
     <dgm:pt modelId="{DDC25A61-BF72-E64B-87B7-1E38DEB82BA1}" type="pres">
-      <dgm:prSet presAssocID="{F3DB23FA-4C85-B247-844F-D2A426FE4B0B}" presName="txFour" presStyleLbl="node4" presStyleIdx="4" presStyleCnt="13">
+      <dgm:prSet presAssocID="{F3DB23FA-4C85-B247-844F-D2A426FE4B0B}" presName="txFour" presStyleLbl="node4" presStyleIdx="5" presStyleCnt="14">
         <dgm:presLayoutVars>
           <dgm:chPref val="3"/>
         </dgm:presLayoutVars>
       </dgm:prSet>
       <dgm:spPr>
         <a:xfrm>
-          <a:off x="1020204" y="3911944"/>
-          <a:ext cx="3033325" cy="720989"/>
+          <a:off x="3194105" y="3672342"/>
+          <a:ext cx="3172178" cy="826822"/>
         </a:xfrm>
         <a:prstGeom prst="roundRect">
           <a:avLst>
@@ -2773,15 +2955,15 @@
       <dgm:spPr/>
     </dgm:pt>
     <dgm:pt modelId="{DF5FCE03-678C-254A-8244-576B461ED360}" type="pres">
-      <dgm:prSet presAssocID="{D6FC5D84-B6F4-BA4A-BEA0-978E30E5535A}" presName="txFour" presStyleLbl="node4" presStyleIdx="5" presStyleCnt="13">
+      <dgm:prSet presAssocID="{D6FC5D84-B6F4-BA4A-BEA0-978E30E5535A}" presName="txFour" presStyleLbl="node4" presStyleIdx="6" presStyleCnt="14">
         <dgm:presLayoutVars>
           <dgm:chPref val="3"/>
         </dgm:presLayoutVars>
       </dgm:prSet>
       <dgm:spPr>
         <a:xfrm>
-          <a:off x="1020204" y="4693496"/>
-          <a:ext cx="997148" cy="720989"/>
+          <a:off x="3194105" y="4589955"/>
+          <a:ext cx="1042793" cy="826822"/>
         </a:xfrm>
         <a:prstGeom prst="roundRect">
           <a:avLst>
@@ -2807,15 +2989,15 @@
       <dgm:spPr/>
     </dgm:pt>
     <dgm:pt modelId="{4062AFFF-85E2-D046-A5E8-B8841671DADB}" type="pres">
-      <dgm:prSet presAssocID="{7CD55E68-3EA7-5346-A5FD-EE5AD07F8864}" presName="txFour" presStyleLbl="node4" presStyleIdx="6" presStyleCnt="13">
+      <dgm:prSet presAssocID="{7CD55E68-3EA7-5346-A5FD-EE5AD07F8864}" presName="txFour" presStyleLbl="node4" presStyleIdx="7" presStyleCnt="14">
         <dgm:presLayoutVars>
           <dgm:chPref val="3"/>
         </dgm:presLayoutVars>
       </dgm:prSet>
       <dgm:spPr>
         <a:xfrm>
-          <a:off x="2038292" y="4693496"/>
-          <a:ext cx="997148" cy="720989"/>
+          <a:off x="4258797" y="4589955"/>
+          <a:ext cx="1042793" cy="826822"/>
         </a:xfrm>
         <a:prstGeom prst="roundRect">
           <a:avLst>
@@ -2841,15 +3023,15 @@
       <dgm:spPr/>
     </dgm:pt>
     <dgm:pt modelId="{89F9CF55-25DA-964D-8C45-D4FA1A305F70}" type="pres">
-      <dgm:prSet presAssocID="{9776AEDE-6489-E84B-810C-A32C51362F24}" presName="txFour" presStyleLbl="node4" presStyleIdx="7" presStyleCnt="13">
+      <dgm:prSet presAssocID="{9776AEDE-6489-E84B-810C-A32C51362F24}" presName="txFour" presStyleLbl="node4" presStyleIdx="8" presStyleCnt="14">
         <dgm:presLayoutVars>
           <dgm:chPref val="3"/>
         </dgm:presLayoutVars>
       </dgm:prSet>
       <dgm:spPr>
         <a:xfrm>
-          <a:off x="3056381" y="4693496"/>
-          <a:ext cx="997148" cy="720989"/>
+          <a:off x="5323489" y="4589955"/>
+          <a:ext cx="1042793" cy="826822"/>
         </a:xfrm>
         <a:prstGeom prst="roundRect">
           <a:avLst>
@@ -2862,7 +3044,7 @@
       <dgm:prSet presAssocID="{9776AEDE-6489-E84B-810C-A32C51362F24}" presName="horzFour" presStyleCnt="0"/>
       <dgm:spPr/>
     </dgm:pt>
-    <dgm:pt modelId="{D43DD2E2-7466-A14E-A58D-51BF63EEE02F}" type="pres">
+    <dgm:pt modelId="{DF14A1FF-FCD9-B74F-A8A2-71585C791368}" type="pres">
       <dgm:prSet presAssocID="{4C3AF9F0-EF66-2847-BD9B-E736AAE8957D}" presName="sibSpaceFour" presStyleCnt="0"/>
       <dgm:spPr/>
     </dgm:pt>
@@ -2875,7 +3057,7 @@
       <dgm:spPr/>
     </dgm:pt>
     <dgm:pt modelId="{5A4CD250-3F8C-EE48-A23F-C4EB38B05826}" type="pres">
-      <dgm:prSet presAssocID="{E8029C3D-3204-D042-8954-368BC200B6AD}" presName="txFour" presStyleLbl="node4" presStyleIdx="8" presStyleCnt="13">
+      <dgm:prSet presAssocID="{E8029C3D-3204-D042-8954-368BC200B6AD}" presName="txFour" presStyleLbl="node4" presStyleIdx="9" presStyleCnt="14">
         <dgm:presLayoutVars>
           <dgm:chPref val="3"/>
         </dgm:presLayoutVars>
@@ -2909,15 +3091,15 @@
       <dgm:spPr/>
     </dgm:pt>
     <dgm:pt modelId="{6FFF63E7-2999-2D4D-AE4E-8D5A452097ED}" type="pres">
-      <dgm:prSet presAssocID="{CF19BF1E-4D67-E141-88FF-C5C9F1C44698}" presName="txFour" presStyleLbl="node4" presStyleIdx="9" presStyleCnt="13">
+      <dgm:prSet presAssocID="{CF19BF1E-4D67-E141-88FF-C5C9F1C44698}" presName="txFour" presStyleLbl="node4" presStyleIdx="10" presStyleCnt="14">
         <dgm:presLayoutVars>
           <dgm:chPref val="3"/>
         </dgm:presLayoutVars>
       </dgm:prSet>
       <dgm:spPr>
         <a:xfrm>
-          <a:off x="4074470" y="4693496"/>
-          <a:ext cx="997148" cy="720989"/>
+          <a:off x="6388182" y="4589955"/>
+          <a:ext cx="1042793" cy="826822"/>
         </a:xfrm>
         <a:prstGeom prst="roundRect">
           <a:avLst>
@@ -2943,15 +3125,15 @@
       <dgm:spPr/>
     </dgm:pt>
     <dgm:pt modelId="{40815CA2-1E42-ED40-97A8-FC7E4A190301}" type="pres">
-      <dgm:prSet presAssocID="{E41C9FD5-3B68-4C4B-AE85-142973C0037E}" presName="txFour" presStyleLbl="node4" presStyleIdx="10" presStyleCnt="13">
+      <dgm:prSet presAssocID="{E41C9FD5-3B68-4C4B-AE85-142973C0037E}" presName="txFour" presStyleLbl="node4" presStyleIdx="11" presStyleCnt="14">
         <dgm:presLayoutVars>
           <dgm:chPref val="3"/>
         </dgm:presLayoutVars>
       </dgm:prSet>
       <dgm:spPr>
         <a:xfrm>
-          <a:off x="5092558" y="4693496"/>
-          <a:ext cx="997148" cy="720989"/>
+          <a:off x="4525618" y="4574619"/>
+          <a:ext cx="886023" cy="844020"/>
         </a:xfrm>
         <a:prstGeom prst="roundRect">
           <a:avLst>
@@ -2977,15 +3159,15 @@
       <dgm:spPr/>
     </dgm:pt>
     <dgm:pt modelId="{D6F9B091-7293-EE43-B389-9D8941B2A94B}" type="pres">
-      <dgm:prSet presAssocID="{D76F1465-BEA0-CA45-B6F2-35437E4BA118}" presName="txFour" presStyleLbl="node4" presStyleIdx="11" presStyleCnt="13">
+      <dgm:prSet presAssocID="{D76F1465-BEA0-CA45-B6F2-35437E4BA118}" presName="txFour" presStyleLbl="node4" presStyleIdx="12" presStyleCnt="14">
         <dgm:presLayoutVars>
           <dgm:chPref val="3"/>
         </dgm:presLayoutVars>
       </dgm:prSet>
       <dgm:spPr>
         <a:xfrm>
-          <a:off x="6110647" y="4693496"/>
-          <a:ext cx="997148" cy="720989"/>
+          <a:off x="8517566" y="4589955"/>
+          <a:ext cx="1042793" cy="826822"/>
         </a:xfrm>
         <a:prstGeom prst="roundRect">
           <a:avLst>
@@ -3011,15 +3193,15 @@
       <dgm:spPr/>
     </dgm:pt>
     <dgm:pt modelId="{3DFDB91B-335C-1C4C-81FB-D6F8C75BF934}" type="pres">
-      <dgm:prSet presAssocID="{41B070DF-4293-0F4B-B337-F87B16B39908}" presName="txFour" presStyleLbl="node4" presStyleIdx="12" presStyleCnt="13">
+      <dgm:prSet presAssocID="{41B070DF-4293-0F4B-B337-F87B16B39908}" presName="txFour" presStyleLbl="node4" presStyleIdx="13" presStyleCnt="14">
         <dgm:presLayoutVars>
           <dgm:chPref val="3"/>
         </dgm:presLayoutVars>
       </dgm:prSet>
       <dgm:spPr>
         <a:xfrm>
-          <a:off x="7128735" y="4693496"/>
-          <a:ext cx="997148" cy="720989"/>
+          <a:off x="9582258" y="4589955"/>
+          <a:ext cx="1042793" cy="826822"/>
         </a:xfrm>
         <a:prstGeom prst="roundRect">
           <a:avLst>
@@ -3035,101 +3217,107 @@
   </dgm:ptLst>
   <dgm:cxnLst>
     <dgm:cxn modelId="{B0EB3F07-9545-5B43-A7AE-C441E2F2BEA6}" srcId="{62B9B8AB-63AB-A44E-9774-6C58BEED5E9E}" destId="{620B910D-1DB7-B446-A501-2BB1A75BE6E2}" srcOrd="0" destOrd="0" parTransId="{AD6CB5D1-562C-414E-87B0-D869F4D5E00A}" sibTransId="{C7E1170A-0C4F-F741-A8DC-357D902B5600}"/>
+    <dgm:cxn modelId="{39C59A09-7FAD-7C43-B57F-6CB46D382776}" type="presOf" srcId="{9776AEDE-6489-E84B-810C-A32C51362F24}" destId="{89F9CF55-25DA-964D-8C45-D4FA1A305F70}" srcOrd="0" destOrd="0" presId="urn:microsoft.com/office/officeart/2005/8/layout/hierarchy4"/>
     <dgm:cxn modelId="{17D2A909-47D9-BF49-933A-4096C373D4CB}" srcId="{F3DB23FA-4C85-B247-844F-D2A426FE4B0B}" destId="{D6FC5D84-B6F4-BA4A-BEA0-978E30E5535A}" srcOrd="0" destOrd="0" parTransId="{379E9F68-2AB5-5147-93F5-6B90FE527AE8}" sibTransId="{D9ABDB04-0648-5E44-A97B-08C01298A136}"/>
     <dgm:cxn modelId="{68AD300F-CB63-A14B-96C5-ADAB1180700E}" srcId="{E8029C3D-3204-D042-8954-368BC200B6AD}" destId="{CF19BF1E-4D67-E141-88FF-C5C9F1C44698}" srcOrd="0" destOrd="0" parTransId="{0371C149-5041-1F4F-B7C3-A4738EF3E959}" sibTransId="{0C53B909-6482-A043-B67E-1FBA71DEACEE}"/>
-    <dgm:cxn modelId="{F32C9215-559B-4C45-AD13-1F80F7D5AA4B}" type="presOf" srcId="{E8029C3D-3204-D042-8954-368BC200B6AD}" destId="{5A4CD250-3F8C-EE48-A23F-C4EB38B05826}" srcOrd="0" destOrd="0" presId="urn:microsoft.com/office/officeart/2005/8/layout/hierarchy4"/>
-    <dgm:cxn modelId="{A42B1B22-120B-5445-88C7-9AE3AAA904ED}" type="presOf" srcId="{CF19BF1E-4D67-E141-88FF-C5C9F1C44698}" destId="{6FFF63E7-2999-2D4D-AE4E-8D5A452097ED}" srcOrd="0" destOrd="0" presId="urn:microsoft.com/office/officeart/2005/8/layout/hierarchy4"/>
-    <dgm:cxn modelId="{1CF3EA29-311A-374F-9202-35B5E22AD0F8}" type="presOf" srcId="{D76F1465-BEA0-CA45-B6F2-35437E4BA118}" destId="{D6F9B091-7293-EE43-B389-9D8941B2A94B}" srcOrd="0" destOrd="0" presId="urn:microsoft.com/office/officeart/2005/8/layout/hierarchy4"/>
-    <dgm:cxn modelId="{A20F273A-ACB5-464F-93D1-EDEB61D57180}" type="presOf" srcId="{9776AEDE-6489-E84B-810C-A32C51362F24}" destId="{89F9CF55-25DA-964D-8C45-D4FA1A305F70}" srcOrd="0" destOrd="0" presId="urn:microsoft.com/office/officeart/2005/8/layout/hierarchy4"/>
-    <dgm:cxn modelId="{9FA9713F-667D-6D42-97CF-BC12BB7D32D0}" type="presOf" srcId="{E259AAFA-47B3-E845-91C1-CB5541F16BE0}" destId="{50122404-9043-5343-8B7E-CE4DAA17B8DA}" srcOrd="0" destOrd="0" presId="urn:microsoft.com/office/officeart/2005/8/layout/hierarchy4"/>
-    <dgm:cxn modelId="{4CD5B345-BD42-9B4B-98DE-D086E0F38048}" type="presOf" srcId="{2BC54243-A1D0-AF4E-8AA7-5F31EE929C1E}" destId="{CD4B9C5C-DB68-7846-A351-9CBE451C3329}" srcOrd="0" destOrd="0" presId="urn:microsoft.com/office/officeart/2005/8/layout/hierarchy4"/>
+    <dgm:cxn modelId="{8325212E-FB95-E845-9137-512A847F6696}" type="presOf" srcId="{DAE5B034-4A0E-224C-B5D5-C31294D6971A}" destId="{C84B7433-2F3C-C24C-AAEA-376C8270B64E}" srcOrd="0" destOrd="0" presId="urn:microsoft.com/office/officeart/2005/8/layout/hierarchy4"/>
+    <dgm:cxn modelId="{EA006F35-0FB6-B948-87D5-AB766CC41164}" srcId="{2BC54243-A1D0-AF4E-8AA7-5F31EE929C1E}" destId="{C87BC000-4ECD-174D-A398-49F0BFCBD606}" srcOrd="1" destOrd="0" parTransId="{F76C5326-6507-0245-9AF0-72D5047AB75C}" sibTransId="{E2AA72FD-0FC9-D44B-A138-8D553419A068}"/>
+    <dgm:cxn modelId="{DA75DB3A-BB7D-A341-B005-552619BA7379}" type="presOf" srcId="{D6FC5D84-B6F4-BA4A-BEA0-978E30E5535A}" destId="{DF5FCE03-678C-254A-8244-576B461ED360}" srcOrd="0" destOrd="0" presId="urn:microsoft.com/office/officeart/2005/8/layout/hierarchy4"/>
+    <dgm:cxn modelId="{4D809042-2454-BD42-8A6E-4DB012C276D5}" type="presOf" srcId="{41B070DF-4293-0F4B-B337-F87B16B39908}" destId="{3DFDB91B-335C-1C4C-81FB-D6F8C75BF934}" srcOrd="0" destOrd="0" presId="urn:microsoft.com/office/officeart/2005/8/layout/hierarchy4"/>
+    <dgm:cxn modelId="{94398852-6A25-BC46-AA46-72300DBC6459}" srcId="{2BC54243-A1D0-AF4E-8AA7-5F31EE929C1E}" destId="{CF29BF5A-8AF1-394C-8C1E-A1BCE28BEA3D}" srcOrd="2" destOrd="0" parTransId="{BFA0FC60-C5D1-8F4E-B848-62F48FE508AF}" sibTransId="{0B412309-9401-1B40-9648-FF56BE6DF923}"/>
     <dgm:cxn modelId="{72D90454-C0C0-5649-BB85-0E468CA459E7}" srcId="{E8029C3D-3204-D042-8954-368BC200B6AD}" destId="{41B070DF-4293-0F4B-B337-F87B16B39908}" srcOrd="3" destOrd="0" parTransId="{21A152B4-32C1-7040-BB11-A45C790530F0}" sibTransId="{798C5AEB-E3D4-154D-AC61-1E8357C31B45}"/>
-    <dgm:cxn modelId="{BDFA1766-0F71-494A-BFAC-3178E093ED72}" type="presOf" srcId="{DAE5B034-4A0E-224C-B5D5-C31294D6971A}" destId="{C84B7433-2F3C-C24C-AAEA-376C8270B64E}" srcOrd="0" destOrd="0" presId="urn:microsoft.com/office/officeart/2005/8/layout/hierarchy4"/>
-    <dgm:cxn modelId="{D9B25567-636F-F14F-A119-58E039E515D9}" type="presOf" srcId="{D6FC5D84-B6F4-BA4A-BEA0-978E30E5535A}" destId="{DF5FCE03-678C-254A-8244-576B461ED360}" srcOrd="0" destOrd="0" presId="urn:microsoft.com/office/officeart/2005/8/layout/hierarchy4"/>
-    <dgm:cxn modelId="{72560F6A-C211-5248-8ACF-8ED5C29A8777}" srcId="{6104E7EA-922E-DF47-AC73-66D6985ADA57}" destId="{F3DB23FA-4C85-B247-844F-D2A426FE4B0B}" srcOrd="1" destOrd="0" parTransId="{82570845-E333-FD40-8E8B-BF47A7915B4A}" sibTransId="{4C3AF9F0-EF66-2847-BD9B-E736AAE8957D}"/>
-    <dgm:cxn modelId="{B836BB6F-B075-8346-8F73-E15F427B539F}" type="presOf" srcId="{62B9B8AB-63AB-A44E-9774-6C58BEED5E9E}" destId="{E9A69E59-4CCD-4C4B-8AD5-5F8233BFB132}" srcOrd="0" destOrd="0" presId="urn:microsoft.com/office/officeart/2005/8/layout/hierarchy4"/>
+    <dgm:cxn modelId="{8F9B2755-F318-F947-82BF-504F1D0DD8E4}" type="presOf" srcId="{2BC54243-A1D0-AF4E-8AA7-5F31EE929C1E}" destId="{CD4B9C5C-DB68-7846-A351-9CBE451C3329}" srcOrd="0" destOrd="0" presId="urn:microsoft.com/office/officeart/2005/8/layout/hierarchy4"/>
+    <dgm:cxn modelId="{F8D5AF5D-6A05-804A-8637-D19FFD23BD1B}" type="presOf" srcId="{F3DB23FA-4C85-B247-844F-D2A426FE4B0B}" destId="{DDC25A61-BF72-E64B-87B7-1E38DEB82BA1}" srcOrd="0" destOrd="0" presId="urn:microsoft.com/office/officeart/2005/8/layout/hierarchy4"/>
+    <dgm:cxn modelId="{2267A566-4C38-D54E-BF41-2FE6AF00EB14}" type="presOf" srcId="{1511C3A7-7AE3-E44E-934D-BA86B7C3D081}" destId="{FA4EDECC-87D6-0848-B75C-E1BAC0BD3BEE}" srcOrd="0" destOrd="0" presId="urn:microsoft.com/office/officeart/2005/8/layout/hierarchy4"/>
+    <dgm:cxn modelId="{72560F6A-C211-5248-8ACF-8ED5C29A8777}" srcId="{620B910D-1DB7-B446-A501-2BB1A75BE6E2}" destId="{F3DB23FA-4C85-B247-844F-D2A426FE4B0B}" srcOrd="1" destOrd="0" parTransId="{82570845-E333-FD40-8E8B-BF47A7915B4A}" sibTransId="{4C3AF9F0-EF66-2847-BD9B-E736AAE8957D}"/>
+    <dgm:cxn modelId="{7B72F170-53F8-1142-A331-C06B9BDC7265}" type="presOf" srcId="{D76F1465-BEA0-CA45-B6F2-35437E4BA118}" destId="{D6F9B091-7293-EE43-B389-9D8941B2A94B}" srcOrd="0" destOrd="0" presId="urn:microsoft.com/office/officeart/2005/8/layout/hierarchy4"/>
+    <dgm:cxn modelId="{39074D71-8851-B344-B54F-462835F64077}" type="presOf" srcId="{C87BC000-4ECD-174D-A398-49F0BFCBD606}" destId="{C68BCD08-7A2D-3C4C-848B-E880A6134277}" srcOrd="0" destOrd="0" presId="urn:microsoft.com/office/officeart/2005/8/layout/hierarchy4"/>
     <dgm:cxn modelId="{8BE52373-482C-924C-A027-D19FF742B69F}" srcId="{1511C3A7-7AE3-E44E-934D-BA86B7C3D081}" destId="{62B9B8AB-63AB-A44E-9774-6C58BEED5E9E}" srcOrd="0" destOrd="0" parTransId="{54658640-3645-D147-8343-D045472A03F8}" sibTransId="{34C4E990-FA7A-514B-A932-E50F39A0987A}"/>
-    <dgm:cxn modelId="{57981378-C470-AB42-8B29-9B34B1330E22}" type="presOf" srcId="{41B070DF-4293-0F4B-B337-F87B16B39908}" destId="{3DFDB91B-335C-1C4C-81FB-D6F8C75BF934}" srcOrd="0" destOrd="0" presId="urn:microsoft.com/office/officeart/2005/8/layout/hierarchy4"/>
-    <dgm:cxn modelId="{50A74878-2F8D-3342-A86D-C99124928654}" srcId="{620B910D-1DB7-B446-A501-2BB1A75BE6E2}" destId="{6104E7EA-922E-DF47-AC73-66D6985ADA57}" srcOrd="0" destOrd="0" parTransId="{778E5BB6-9998-7944-87B1-1CDD3FE2C94F}" sibTransId="{AE4C18E0-C97B-754B-B063-0B99E1C805BA}"/>
+    <dgm:cxn modelId="{848F8A7F-D98A-9942-8A10-FB0AD624FB0C}" type="presOf" srcId="{7CD55E68-3EA7-5346-A5FD-EE5AD07F8864}" destId="{4062AFFF-85E2-D046-A5E8-B8841671DADB}" srcOrd="0" destOrd="0" presId="urn:microsoft.com/office/officeart/2005/8/layout/hierarchy4"/>
+    <dgm:cxn modelId="{3BF9D982-98DF-6645-8D18-57AAFFAE599C}" type="presOf" srcId="{620B910D-1DB7-B446-A501-2BB1A75BE6E2}" destId="{B3BAAD14-6CD3-1F4D-99B6-3709B19A5977}" srcOrd="0" destOrd="0" presId="urn:microsoft.com/office/officeart/2005/8/layout/hierarchy4"/>
     <dgm:cxn modelId="{B2197A83-4971-A14F-845F-F5766D12871A}" srcId="{E259AAFA-47B3-E845-91C1-CB5541F16BE0}" destId="{1511C3A7-7AE3-E44E-934D-BA86B7C3D081}" srcOrd="0" destOrd="0" parTransId="{92ACB6F4-9D68-6D45-A2C7-9160992FC819}" sibTransId="{F9BA77DC-12E2-954A-8D4B-0371F00F35B6}"/>
     <dgm:cxn modelId="{0F23D28A-87BA-DC4A-B7AA-FF46D1550538}" srcId="{F3DB23FA-4C85-B247-844F-D2A426FE4B0B}" destId="{9776AEDE-6489-E84B-810C-A32C51362F24}" srcOrd="2" destOrd="0" parTransId="{EB5E6AFE-D41F-6040-99CD-638F06551AC3}" sibTransId="{EFA4A4DA-786C-7745-969A-0885EA459F0E}"/>
-    <dgm:cxn modelId="{ED36CE8B-E443-5446-8FE3-CDD3F490333C}" srcId="{6104E7EA-922E-DF47-AC73-66D6985ADA57}" destId="{2BC54243-A1D0-AF4E-8AA7-5F31EE929C1E}" srcOrd="0" destOrd="0" parTransId="{203EA515-FA15-EB48-A129-B7AF023D8B5A}" sibTransId="{8C0CBBDE-DA88-8D41-A372-CD13B146E83A}"/>
-    <dgm:cxn modelId="{04215C8C-6C14-5149-8969-AB512D3AE23C}" srcId="{6104E7EA-922E-DF47-AC73-66D6985ADA57}" destId="{E8029C3D-3204-D042-8954-368BC200B6AD}" srcOrd="2" destOrd="0" parTransId="{8B976B22-5EAA-D04B-A3EE-1896B664434C}" sibTransId="{05AF509D-7508-B04D-8320-E24D1A29FE25}"/>
+    <dgm:cxn modelId="{ED36CE8B-E443-5446-8FE3-CDD3F490333C}" srcId="{620B910D-1DB7-B446-A501-2BB1A75BE6E2}" destId="{2BC54243-A1D0-AF4E-8AA7-5F31EE929C1E}" srcOrd="0" destOrd="0" parTransId="{203EA515-FA15-EB48-A129-B7AF023D8B5A}" sibTransId="{8C0CBBDE-DA88-8D41-A372-CD13B146E83A}"/>
+    <dgm:cxn modelId="{04215C8C-6C14-5149-8969-AB512D3AE23C}" srcId="{620B910D-1DB7-B446-A501-2BB1A75BE6E2}" destId="{E8029C3D-3204-D042-8954-368BC200B6AD}" srcOrd="2" destOrd="0" parTransId="{8B976B22-5EAA-D04B-A3EE-1896B664434C}" sibTransId="{05AF509D-7508-B04D-8320-E24D1A29FE25}"/>
     <dgm:cxn modelId="{E85B838F-4F9D-A748-9713-BA606EDF5EE5}" type="presOf" srcId="{F6C20C91-A250-EA40-927B-7478A1DE19FC}" destId="{211DB7E7-1B4E-F548-A55B-8CD099AB0426}" srcOrd="0" destOrd="0" presId="urn:microsoft.com/office/officeart/2005/8/layout/hierarchy4"/>
-    <dgm:cxn modelId="{DB9A5C9B-A38E-0845-8BF9-9E5A69587811}" type="presOf" srcId="{F3DB23FA-4C85-B247-844F-D2A426FE4B0B}" destId="{DDC25A61-BF72-E64B-87B7-1E38DEB82BA1}" srcOrd="0" destOrd="0" presId="urn:microsoft.com/office/officeart/2005/8/layout/hierarchy4"/>
-    <dgm:cxn modelId="{54830E9E-B37B-8144-8359-8845A9FA1D4B}" type="presOf" srcId="{1511C3A7-7AE3-E44E-934D-BA86B7C3D081}" destId="{FA4EDECC-87D6-0848-B75C-E1BAC0BD3BEE}" srcOrd="0" destOrd="0" presId="urn:microsoft.com/office/officeart/2005/8/layout/hierarchy4"/>
-    <dgm:cxn modelId="{35F78F9F-53F3-8C49-92C6-DAC4567F3F9E}" type="presOf" srcId="{6104E7EA-922E-DF47-AC73-66D6985ADA57}" destId="{0C625EC5-B8EB-2841-AAAE-3B840D0407D3}" srcOrd="0" destOrd="0" presId="urn:microsoft.com/office/officeart/2005/8/layout/hierarchy4"/>
+    <dgm:cxn modelId="{85424791-4FBE-2644-9508-E797554FA4A4}" type="presOf" srcId="{E41C9FD5-3B68-4C4B-AE85-142973C0037E}" destId="{40815CA2-1E42-ED40-97A8-FC7E4A190301}" srcOrd="0" destOrd="0" presId="urn:microsoft.com/office/officeart/2005/8/layout/hierarchy4"/>
+    <dgm:cxn modelId="{94998092-73A6-B640-A426-9DAEC327CAC2}" type="presOf" srcId="{E8029C3D-3204-D042-8954-368BC200B6AD}" destId="{5A4CD250-3F8C-EE48-A23F-C4EB38B05826}" srcOrd="0" destOrd="0" presId="urn:microsoft.com/office/officeart/2005/8/layout/hierarchy4"/>
     <dgm:cxn modelId="{B9E2D2AC-FB34-CA4C-B179-8FFC261DC05C}" srcId="{2BC54243-A1D0-AF4E-8AA7-5F31EE929C1E}" destId="{DAE5B034-4A0E-224C-B5D5-C31294D6971A}" srcOrd="0" destOrd="0" parTransId="{1C8453C9-4899-654C-942F-F34EB8307C12}" sibTransId="{20C92CC4-60FA-E642-8DF3-128C5AE80BA5}"/>
     <dgm:cxn modelId="{E25F8AB3-D2DE-A742-A20B-C0C1A65C453F}" srcId="{F3DB23FA-4C85-B247-844F-D2A426FE4B0B}" destId="{7CD55E68-3EA7-5346-A5FD-EE5AD07F8864}" srcOrd="1" destOrd="0" parTransId="{2CB308EB-2B2E-DE47-9DB3-8BCD51F3D7FE}" sibTransId="{0ABC3037-2B4D-1843-97CA-3ADB1D4C2572}"/>
     <dgm:cxn modelId="{55BCDDB3-918C-DC40-BAB6-9CC69BFADC0D}" srcId="{E8029C3D-3204-D042-8954-368BC200B6AD}" destId="{E41C9FD5-3B68-4C4B-AE85-142973C0037E}" srcOrd="1" destOrd="0" parTransId="{A935ABD7-1DCD-A74A-96ED-5BB9B1A62ADA}" sibTransId="{941D3ABC-6243-3C44-9B89-1FD531A7F5C1}"/>
-    <dgm:cxn modelId="{75DDC4BE-2DDB-114C-A67C-20ACE0CFD9EB}" type="presOf" srcId="{7CD55E68-3EA7-5346-A5FD-EE5AD07F8864}" destId="{4062AFFF-85E2-D046-A5E8-B8841671DADB}" srcOrd="0" destOrd="0" presId="urn:microsoft.com/office/officeart/2005/8/layout/hierarchy4"/>
-    <dgm:cxn modelId="{E8B0FFE4-0DCE-0244-8FBB-FA04929571D1}" type="presOf" srcId="{620B910D-1DB7-B446-A501-2BB1A75BE6E2}" destId="{B3BAAD14-6CD3-1F4D-99B6-3709B19A5977}" srcOrd="0" destOrd="0" presId="urn:microsoft.com/office/officeart/2005/8/layout/hierarchy4"/>
+    <dgm:cxn modelId="{B2DFD7C1-968F-7148-932A-14BDBA56BE73}" type="presOf" srcId="{62B9B8AB-63AB-A44E-9774-6C58BEED5E9E}" destId="{E9A69E59-4CCD-4C4B-8AD5-5F8233BFB132}" srcOrd="0" destOrd="0" presId="urn:microsoft.com/office/officeart/2005/8/layout/hierarchy4"/>
+    <dgm:cxn modelId="{EDBB0FCC-2DD4-7A41-BD63-4945A3CF3EA3}" type="presOf" srcId="{CF19BF1E-4D67-E141-88FF-C5C9F1C44698}" destId="{6FFF63E7-2999-2D4D-AE4E-8D5A452097ED}" srcOrd="0" destOrd="0" presId="urn:microsoft.com/office/officeart/2005/8/layout/hierarchy4"/>
+    <dgm:cxn modelId="{F0D076CC-A76B-0B4D-A9E4-2230E40FA026}" type="presOf" srcId="{E259AAFA-47B3-E845-91C1-CB5541F16BE0}" destId="{50122404-9043-5343-8B7E-CE4DAA17B8DA}" srcOrd="0" destOrd="0" presId="urn:microsoft.com/office/officeart/2005/8/layout/hierarchy4"/>
+    <dgm:cxn modelId="{6C7BC1CC-D368-C04D-BF47-BF729A27B5B1}" type="presOf" srcId="{CF29BF5A-8AF1-394C-8C1E-A1BCE28BEA3D}" destId="{35AF544E-52F2-1A4B-8589-EBF28762710F}" srcOrd="0" destOrd="0" presId="urn:microsoft.com/office/officeart/2005/8/layout/hierarchy4"/>
     <dgm:cxn modelId="{BA48A9E7-F78D-AF47-9D88-E3E609DFAEC6}" srcId="{F6C20C91-A250-EA40-927B-7478A1DE19FC}" destId="{E259AAFA-47B3-E845-91C1-CB5541F16BE0}" srcOrd="0" destOrd="0" parTransId="{E6F74968-5B37-3D4C-8449-436115446EAB}" sibTransId="{3FA0515B-0369-AB44-96C8-3F50177F4F4B}"/>
-    <dgm:cxn modelId="{CC91D6EC-E666-D248-A6F9-FB939D4797A6}" type="presOf" srcId="{E41C9FD5-3B68-4C4B-AE85-142973C0037E}" destId="{40815CA2-1E42-ED40-97A8-FC7E4A190301}" srcOrd="0" destOrd="0" presId="urn:microsoft.com/office/officeart/2005/8/layout/hierarchy4"/>
     <dgm:cxn modelId="{C9D21BF1-C87D-E943-BD99-7B9E708DA0AF}" srcId="{E8029C3D-3204-D042-8954-368BC200B6AD}" destId="{D76F1465-BEA0-CA45-B6F2-35437E4BA118}" srcOrd="2" destOrd="0" parTransId="{3EA1837B-C563-4241-95E9-43131673F2CA}" sibTransId="{8572AF48-F0FC-2347-A0D3-030A7CF38042}"/>
-    <dgm:cxn modelId="{E303A4F0-44FB-8F40-A9F4-E91EB7A3F408}" type="presParOf" srcId="{211DB7E7-1B4E-F548-A55B-8CD099AB0426}" destId="{E66FE7DE-8536-5649-AF31-8342F987B15F}" srcOrd="0" destOrd="0" presId="urn:microsoft.com/office/officeart/2005/8/layout/hierarchy4"/>
-    <dgm:cxn modelId="{66BD928A-5877-954A-B562-5CEC4A7A4DD5}" type="presParOf" srcId="{E66FE7DE-8536-5649-AF31-8342F987B15F}" destId="{50122404-9043-5343-8B7E-CE4DAA17B8DA}" srcOrd="0" destOrd="0" presId="urn:microsoft.com/office/officeart/2005/8/layout/hierarchy4"/>
-    <dgm:cxn modelId="{D9B0EAE3-1883-434F-B4FF-BC05B35BA007}" type="presParOf" srcId="{E66FE7DE-8536-5649-AF31-8342F987B15F}" destId="{1A3C4FF8-CBF7-4E43-A960-F831712BD220}" srcOrd="1" destOrd="0" presId="urn:microsoft.com/office/officeart/2005/8/layout/hierarchy4"/>
-    <dgm:cxn modelId="{BC25A8B9-F55E-C747-ADAE-4EB5FE22D3BC}" type="presParOf" srcId="{E66FE7DE-8536-5649-AF31-8342F987B15F}" destId="{0CE3323B-FEC7-C74F-BD1D-E8FDDE0B9F0E}" srcOrd="2" destOrd="0" presId="urn:microsoft.com/office/officeart/2005/8/layout/hierarchy4"/>
-    <dgm:cxn modelId="{F78928AE-8D9E-1E47-83AA-13D24D7A76F0}" type="presParOf" srcId="{0CE3323B-FEC7-C74F-BD1D-E8FDDE0B9F0E}" destId="{E8E7A6CD-EC8F-2B4D-A302-C26B98878CD4}" srcOrd="0" destOrd="0" presId="urn:microsoft.com/office/officeart/2005/8/layout/hierarchy4"/>
-    <dgm:cxn modelId="{350D93B5-FC6B-A347-A486-4B5015E63542}" type="presParOf" srcId="{E8E7A6CD-EC8F-2B4D-A302-C26B98878CD4}" destId="{FA4EDECC-87D6-0848-B75C-E1BAC0BD3BEE}" srcOrd="0" destOrd="0" presId="urn:microsoft.com/office/officeart/2005/8/layout/hierarchy4"/>
-    <dgm:cxn modelId="{710D2471-54BC-854B-B870-3B728FBA86AA}" type="presParOf" srcId="{E8E7A6CD-EC8F-2B4D-A302-C26B98878CD4}" destId="{77C3DDDE-4274-A344-849B-0E42395DF0AA}" srcOrd="1" destOrd="0" presId="urn:microsoft.com/office/officeart/2005/8/layout/hierarchy4"/>
-    <dgm:cxn modelId="{DF71A122-66FD-A141-9358-72CD49B907DD}" type="presParOf" srcId="{E8E7A6CD-EC8F-2B4D-A302-C26B98878CD4}" destId="{07D59346-D607-7C4F-9880-3178C332469C}" srcOrd="2" destOrd="0" presId="urn:microsoft.com/office/officeart/2005/8/layout/hierarchy4"/>
-    <dgm:cxn modelId="{29670FA4-9C55-1E41-B569-290E673A41F6}" type="presParOf" srcId="{07D59346-D607-7C4F-9880-3178C332469C}" destId="{EBE9D578-2F56-C847-AFC3-8A10852A84EA}" srcOrd="0" destOrd="0" presId="urn:microsoft.com/office/officeart/2005/8/layout/hierarchy4"/>
-    <dgm:cxn modelId="{564C38A4-6ECC-B94A-AF1B-600136E9EE22}" type="presParOf" srcId="{EBE9D578-2F56-C847-AFC3-8A10852A84EA}" destId="{E9A69E59-4CCD-4C4B-8AD5-5F8233BFB132}" srcOrd="0" destOrd="0" presId="urn:microsoft.com/office/officeart/2005/8/layout/hierarchy4"/>
-    <dgm:cxn modelId="{16BD641D-3BE1-314E-B784-52260DDF5E11}" type="presParOf" srcId="{EBE9D578-2F56-C847-AFC3-8A10852A84EA}" destId="{8420CEED-04E1-BF42-88A3-1DBE0EA5B504}" srcOrd="1" destOrd="0" presId="urn:microsoft.com/office/officeart/2005/8/layout/hierarchy4"/>
-    <dgm:cxn modelId="{F0AEF62F-4BC3-444E-84CC-91A7C15AC0AE}" type="presParOf" srcId="{EBE9D578-2F56-C847-AFC3-8A10852A84EA}" destId="{CA73B50E-D4B3-B64C-8387-D0445C4F3E16}" srcOrd="2" destOrd="0" presId="urn:microsoft.com/office/officeart/2005/8/layout/hierarchy4"/>
-    <dgm:cxn modelId="{0E059BE3-1E83-324B-AC46-2D74FC7145D2}" type="presParOf" srcId="{CA73B50E-D4B3-B64C-8387-D0445C4F3E16}" destId="{86F4C4A6-CFE9-5342-8739-D8E74BF49114}" srcOrd="0" destOrd="0" presId="urn:microsoft.com/office/officeart/2005/8/layout/hierarchy4"/>
-    <dgm:cxn modelId="{6574BB89-CB99-4B4F-8446-6CF8B77B736D}" type="presParOf" srcId="{86F4C4A6-CFE9-5342-8739-D8E74BF49114}" destId="{B3BAAD14-6CD3-1F4D-99B6-3709B19A5977}" srcOrd="0" destOrd="0" presId="urn:microsoft.com/office/officeart/2005/8/layout/hierarchy4"/>
-    <dgm:cxn modelId="{2B6088FD-1CAF-2049-8565-DC7385879F31}" type="presParOf" srcId="{86F4C4A6-CFE9-5342-8739-D8E74BF49114}" destId="{C3EF1B53-4F2C-524D-8EBA-2D9A5D3B82B9}" srcOrd="1" destOrd="0" presId="urn:microsoft.com/office/officeart/2005/8/layout/hierarchy4"/>
-    <dgm:cxn modelId="{23474104-99A5-B34C-AA2E-AEDCB228F8B5}" type="presParOf" srcId="{86F4C4A6-CFE9-5342-8739-D8E74BF49114}" destId="{EF63E4D5-D7C8-9146-AD1D-17F47D96BEA5}" srcOrd="2" destOrd="0" presId="urn:microsoft.com/office/officeart/2005/8/layout/hierarchy4"/>
-    <dgm:cxn modelId="{8D3AA1AD-0357-F545-BE15-2D77A0C908CA}" type="presParOf" srcId="{EF63E4D5-D7C8-9146-AD1D-17F47D96BEA5}" destId="{F0D8F055-327A-5540-A0CD-145987467205}" srcOrd="0" destOrd="0" presId="urn:microsoft.com/office/officeart/2005/8/layout/hierarchy4"/>
-    <dgm:cxn modelId="{FC420F55-95ED-744C-A9A3-F02BA99F2241}" type="presParOf" srcId="{F0D8F055-327A-5540-A0CD-145987467205}" destId="{0C625EC5-B8EB-2841-AAAE-3B840D0407D3}" srcOrd="0" destOrd="0" presId="urn:microsoft.com/office/officeart/2005/8/layout/hierarchy4"/>
-    <dgm:cxn modelId="{A56FEE85-CE99-F74D-99FE-657A0AB0EC5C}" type="presParOf" srcId="{F0D8F055-327A-5540-A0CD-145987467205}" destId="{8F770837-291A-C743-9888-5572D4BA5B27}" srcOrd="1" destOrd="0" presId="urn:microsoft.com/office/officeart/2005/8/layout/hierarchy4"/>
-    <dgm:cxn modelId="{D019E4A0-0AD2-7343-8F20-145395768EF1}" type="presParOf" srcId="{F0D8F055-327A-5540-A0CD-145987467205}" destId="{4E25B9E3-5B60-9148-97B9-801EE282E499}" srcOrd="2" destOrd="0" presId="urn:microsoft.com/office/officeart/2005/8/layout/hierarchy4"/>
-    <dgm:cxn modelId="{900FAFC4-DE87-9F4A-8278-AE31206FB3E0}" type="presParOf" srcId="{4E25B9E3-5B60-9148-97B9-801EE282E499}" destId="{E25572F0-A5B3-6647-BAB9-4F8F1D39C9EC}" srcOrd="0" destOrd="0" presId="urn:microsoft.com/office/officeart/2005/8/layout/hierarchy4"/>
-    <dgm:cxn modelId="{6C8EE5F2-4716-1D45-A4A9-8A2A666B566D}" type="presParOf" srcId="{E25572F0-A5B3-6647-BAB9-4F8F1D39C9EC}" destId="{CD4B9C5C-DB68-7846-A351-9CBE451C3329}" srcOrd="0" destOrd="0" presId="urn:microsoft.com/office/officeart/2005/8/layout/hierarchy4"/>
-    <dgm:cxn modelId="{5C1EBA92-29D5-914F-9DAA-3A1FE972C2D0}" type="presParOf" srcId="{E25572F0-A5B3-6647-BAB9-4F8F1D39C9EC}" destId="{3E7EED21-35E3-FF4B-AB35-6C5CBA5B55DE}" srcOrd="1" destOrd="0" presId="urn:microsoft.com/office/officeart/2005/8/layout/hierarchy4"/>
-    <dgm:cxn modelId="{ACCB7988-7CEB-F541-A193-C3BC52787035}" type="presParOf" srcId="{E25572F0-A5B3-6647-BAB9-4F8F1D39C9EC}" destId="{91A3001F-222C-5840-A6CD-36BF77441E85}" srcOrd="2" destOrd="0" presId="urn:microsoft.com/office/officeart/2005/8/layout/hierarchy4"/>
-    <dgm:cxn modelId="{E52C3B22-4901-2E48-84DE-1B3825296060}" type="presParOf" srcId="{91A3001F-222C-5840-A6CD-36BF77441E85}" destId="{F9A99654-ECEC-904D-935B-64B1F7DC8013}" srcOrd="0" destOrd="0" presId="urn:microsoft.com/office/officeart/2005/8/layout/hierarchy4"/>
-    <dgm:cxn modelId="{A06BD99A-75B7-C142-8201-F3C2A644B4C0}" type="presParOf" srcId="{F9A99654-ECEC-904D-935B-64B1F7DC8013}" destId="{C84B7433-2F3C-C24C-AAEA-376C8270B64E}" srcOrd="0" destOrd="0" presId="urn:microsoft.com/office/officeart/2005/8/layout/hierarchy4"/>
-    <dgm:cxn modelId="{1609F116-F4FA-A545-ABC8-0A76AE3E3E66}" type="presParOf" srcId="{F9A99654-ECEC-904D-935B-64B1F7DC8013}" destId="{9B8E8795-1151-5C49-8608-37AC100758FE}" srcOrd="1" destOrd="0" presId="urn:microsoft.com/office/officeart/2005/8/layout/hierarchy4"/>
-    <dgm:cxn modelId="{2AD3F5BB-E686-A64B-90E3-937465AE0831}" type="presParOf" srcId="{4E25B9E3-5B60-9148-97B9-801EE282E499}" destId="{5F667D5F-5DEF-2C42-B142-B82F6B4C801B}" srcOrd="1" destOrd="0" presId="urn:microsoft.com/office/officeart/2005/8/layout/hierarchy4"/>
-    <dgm:cxn modelId="{58423B9A-C214-2843-ADC4-1A9BBCE47422}" type="presParOf" srcId="{4E25B9E3-5B60-9148-97B9-801EE282E499}" destId="{CC6BF1FB-B16C-8545-B02A-D01614480AF5}" srcOrd="2" destOrd="0" presId="urn:microsoft.com/office/officeart/2005/8/layout/hierarchy4"/>
-    <dgm:cxn modelId="{C1F8881E-F240-F24C-8DE9-9F5B6D3D56C6}" type="presParOf" srcId="{CC6BF1FB-B16C-8545-B02A-D01614480AF5}" destId="{DDC25A61-BF72-E64B-87B7-1E38DEB82BA1}" srcOrd="0" destOrd="0" presId="urn:microsoft.com/office/officeart/2005/8/layout/hierarchy4"/>
-    <dgm:cxn modelId="{6FDA3778-78D7-BE45-9685-54C95760B804}" type="presParOf" srcId="{CC6BF1FB-B16C-8545-B02A-D01614480AF5}" destId="{1AF143C5-3534-364F-82E1-455C35021721}" srcOrd="1" destOrd="0" presId="urn:microsoft.com/office/officeart/2005/8/layout/hierarchy4"/>
-    <dgm:cxn modelId="{E0525E94-C717-6E44-B5D5-1EB466BF036F}" type="presParOf" srcId="{CC6BF1FB-B16C-8545-B02A-D01614480AF5}" destId="{655D0C90-4285-F746-884E-F04985B90967}" srcOrd="2" destOrd="0" presId="urn:microsoft.com/office/officeart/2005/8/layout/hierarchy4"/>
-    <dgm:cxn modelId="{D46F041D-A1F8-C045-9F56-CFB782239E10}" type="presParOf" srcId="{655D0C90-4285-F746-884E-F04985B90967}" destId="{C969A01B-3D70-E940-BF55-15C072DE7201}" srcOrd="0" destOrd="0" presId="urn:microsoft.com/office/officeart/2005/8/layout/hierarchy4"/>
-    <dgm:cxn modelId="{30A49DF0-B6F7-6D45-AA36-2A46475A7067}" type="presParOf" srcId="{C969A01B-3D70-E940-BF55-15C072DE7201}" destId="{DF5FCE03-678C-254A-8244-576B461ED360}" srcOrd="0" destOrd="0" presId="urn:microsoft.com/office/officeart/2005/8/layout/hierarchy4"/>
-    <dgm:cxn modelId="{BCD5F155-F775-E04B-923A-DEA955934DC7}" type="presParOf" srcId="{C969A01B-3D70-E940-BF55-15C072DE7201}" destId="{E35FFFAB-A584-1B4E-901D-BC37857A534E}" srcOrd="1" destOrd="0" presId="urn:microsoft.com/office/officeart/2005/8/layout/hierarchy4"/>
-    <dgm:cxn modelId="{052A85EB-4DB2-2F4A-8034-8ABB28C4DC0D}" type="presParOf" srcId="{655D0C90-4285-F746-884E-F04985B90967}" destId="{3CB73A60-C191-1744-80A2-02E3388B29AC}" srcOrd="1" destOrd="0" presId="urn:microsoft.com/office/officeart/2005/8/layout/hierarchy4"/>
-    <dgm:cxn modelId="{C14E4630-AFAC-AB4D-86C5-7993F4B36F74}" type="presParOf" srcId="{655D0C90-4285-F746-884E-F04985B90967}" destId="{93488D10-E950-E240-ACEA-7D808A1C09A7}" srcOrd="2" destOrd="0" presId="urn:microsoft.com/office/officeart/2005/8/layout/hierarchy4"/>
-    <dgm:cxn modelId="{404309DC-1FA8-734D-A3FA-97A4DA3EB505}" type="presParOf" srcId="{93488D10-E950-E240-ACEA-7D808A1C09A7}" destId="{4062AFFF-85E2-D046-A5E8-B8841671DADB}" srcOrd="0" destOrd="0" presId="urn:microsoft.com/office/officeart/2005/8/layout/hierarchy4"/>
-    <dgm:cxn modelId="{AE033E75-7701-9948-8A9C-235C67AB8F66}" type="presParOf" srcId="{93488D10-E950-E240-ACEA-7D808A1C09A7}" destId="{42BB8D1C-B6E4-3546-AE83-D35A5B929727}" srcOrd="1" destOrd="0" presId="urn:microsoft.com/office/officeart/2005/8/layout/hierarchy4"/>
-    <dgm:cxn modelId="{56ABFE56-A9B9-7D41-B941-C9E9320F6C71}" type="presParOf" srcId="{655D0C90-4285-F746-884E-F04985B90967}" destId="{1B20D658-C1FF-8248-9D4A-19F58B2579A9}" srcOrd="3" destOrd="0" presId="urn:microsoft.com/office/officeart/2005/8/layout/hierarchy4"/>
-    <dgm:cxn modelId="{A694D28C-5A6F-CA40-8D20-8B8C9E20558C}" type="presParOf" srcId="{655D0C90-4285-F746-884E-F04985B90967}" destId="{8F499A44-6FE5-8749-A9CB-CF224D7403D2}" srcOrd="4" destOrd="0" presId="urn:microsoft.com/office/officeart/2005/8/layout/hierarchy4"/>
-    <dgm:cxn modelId="{8465EB66-B363-C242-BDD0-C0BE6E8EE7D2}" type="presParOf" srcId="{8F499A44-6FE5-8749-A9CB-CF224D7403D2}" destId="{89F9CF55-25DA-964D-8C45-D4FA1A305F70}" srcOrd="0" destOrd="0" presId="urn:microsoft.com/office/officeart/2005/8/layout/hierarchy4"/>
-    <dgm:cxn modelId="{E4429BB6-4166-6C4A-8013-4229E2123990}" type="presParOf" srcId="{8F499A44-6FE5-8749-A9CB-CF224D7403D2}" destId="{4D2E65FE-88F4-694D-B907-B89580DF0495}" srcOrd="1" destOrd="0" presId="urn:microsoft.com/office/officeart/2005/8/layout/hierarchy4"/>
-    <dgm:cxn modelId="{C2A2FF2D-A4C4-2E44-937D-F1C71439FA8F}" type="presParOf" srcId="{4E25B9E3-5B60-9148-97B9-801EE282E499}" destId="{D43DD2E2-7466-A14E-A58D-51BF63EEE02F}" srcOrd="3" destOrd="0" presId="urn:microsoft.com/office/officeart/2005/8/layout/hierarchy4"/>
-    <dgm:cxn modelId="{304308D0-144A-5645-ACC2-10C7400BBFD7}" type="presParOf" srcId="{4E25B9E3-5B60-9148-97B9-801EE282E499}" destId="{7162C06B-FB60-8048-9A67-DC58DF1B6478}" srcOrd="4" destOrd="0" presId="urn:microsoft.com/office/officeart/2005/8/layout/hierarchy4"/>
-    <dgm:cxn modelId="{632C7ADA-A86E-CA44-A0FE-668AA1C7D074}" type="presParOf" srcId="{7162C06B-FB60-8048-9A67-DC58DF1B6478}" destId="{5A4CD250-3F8C-EE48-A23F-C4EB38B05826}" srcOrd="0" destOrd="0" presId="urn:microsoft.com/office/officeart/2005/8/layout/hierarchy4"/>
-    <dgm:cxn modelId="{58DC8D0D-8713-D743-8010-BD69A3D7C3E7}" type="presParOf" srcId="{7162C06B-FB60-8048-9A67-DC58DF1B6478}" destId="{AC221C76-2770-E14A-AC73-98D0559BF5F6}" srcOrd="1" destOrd="0" presId="urn:microsoft.com/office/officeart/2005/8/layout/hierarchy4"/>
-    <dgm:cxn modelId="{D04C460F-5151-F544-852C-131B4E74073B}" type="presParOf" srcId="{7162C06B-FB60-8048-9A67-DC58DF1B6478}" destId="{6BCB6C5D-8022-0041-9D68-8F8275D69064}" srcOrd="2" destOrd="0" presId="urn:microsoft.com/office/officeart/2005/8/layout/hierarchy4"/>
-    <dgm:cxn modelId="{B6ED01C2-23D6-D44A-830B-053F9AF89567}" type="presParOf" srcId="{6BCB6C5D-8022-0041-9D68-8F8275D69064}" destId="{0A66C48F-2138-A844-AA3C-CE8A37ACFB14}" srcOrd="0" destOrd="0" presId="urn:microsoft.com/office/officeart/2005/8/layout/hierarchy4"/>
-    <dgm:cxn modelId="{5BBEDDCE-D02E-304A-9FEF-8ADB60C4A7D5}" type="presParOf" srcId="{0A66C48F-2138-A844-AA3C-CE8A37ACFB14}" destId="{6FFF63E7-2999-2D4D-AE4E-8D5A452097ED}" srcOrd="0" destOrd="0" presId="urn:microsoft.com/office/officeart/2005/8/layout/hierarchy4"/>
-    <dgm:cxn modelId="{1DCF6C14-1037-1044-9F84-F66C74A2E16E}" type="presParOf" srcId="{0A66C48F-2138-A844-AA3C-CE8A37ACFB14}" destId="{77F2B67E-6C87-1A4C-80F1-718DD41C99B5}" srcOrd="1" destOrd="0" presId="urn:microsoft.com/office/officeart/2005/8/layout/hierarchy4"/>
-    <dgm:cxn modelId="{9C13332B-7594-0847-8F8C-703048A94CB0}" type="presParOf" srcId="{6BCB6C5D-8022-0041-9D68-8F8275D69064}" destId="{836E989D-E98C-824D-B0E1-9227DA8E198D}" srcOrd="1" destOrd="0" presId="urn:microsoft.com/office/officeart/2005/8/layout/hierarchy4"/>
-    <dgm:cxn modelId="{82E3B02A-0F0E-5E4C-806F-5A2400C34173}" type="presParOf" srcId="{6BCB6C5D-8022-0041-9D68-8F8275D69064}" destId="{E0F51997-7442-D243-93D6-BB88AFE36C10}" srcOrd="2" destOrd="0" presId="urn:microsoft.com/office/officeart/2005/8/layout/hierarchy4"/>
-    <dgm:cxn modelId="{AF8D1002-6BF6-5245-B6C7-27A4D59AD734}" type="presParOf" srcId="{E0F51997-7442-D243-93D6-BB88AFE36C10}" destId="{40815CA2-1E42-ED40-97A8-FC7E4A190301}" srcOrd="0" destOrd="0" presId="urn:microsoft.com/office/officeart/2005/8/layout/hierarchy4"/>
-    <dgm:cxn modelId="{56DE6E1D-A7B1-904C-849D-0A9162C52381}" type="presParOf" srcId="{E0F51997-7442-D243-93D6-BB88AFE36C10}" destId="{8BF0D61D-0CD0-974D-8D3F-8EC22EBDB7C2}" srcOrd="1" destOrd="0" presId="urn:microsoft.com/office/officeart/2005/8/layout/hierarchy4"/>
-    <dgm:cxn modelId="{56BDC44C-4173-674D-9AE2-42E3C9211910}" type="presParOf" srcId="{6BCB6C5D-8022-0041-9D68-8F8275D69064}" destId="{2F74EB5B-5ADF-4C47-BA88-F0A07ADCA70E}" srcOrd="3" destOrd="0" presId="urn:microsoft.com/office/officeart/2005/8/layout/hierarchy4"/>
-    <dgm:cxn modelId="{5033B2EA-7DD0-064E-ACB9-25A758611078}" type="presParOf" srcId="{6BCB6C5D-8022-0041-9D68-8F8275D69064}" destId="{C8D28629-89B6-0D41-A9C6-4EC27E54BF6C}" srcOrd="4" destOrd="0" presId="urn:microsoft.com/office/officeart/2005/8/layout/hierarchy4"/>
-    <dgm:cxn modelId="{BD1467B0-3F64-284A-8CFD-2026DE1E854A}" type="presParOf" srcId="{C8D28629-89B6-0D41-A9C6-4EC27E54BF6C}" destId="{D6F9B091-7293-EE43-B389-9D8941B2A94B}" srcOrd="0" destOrd="0" presId="urn:microsoft.com/office/officeart/2005/8/layout/hierarchy4"/>
-    <dgm:cxn modelId="{E44A3B9B-2959-DB4E-8CE8-FF358E6A907A}" type="presParOf" srcId="{C8D28629-89B6-0D41-A9C6-4EC27E54BF6C}" destId="{60C67ED6-FF85-9F4D-A76B-8BA20CA19C37}" srcOrd="1" destOrd="0" presId="urn:microsoft.com/office/officeart/2005/8/layout/hierarchy4"/>
-    <dgm:cxn modelId="{1FA69F92-2023-7247-A26D-CF14880825B6}" type="presParOf" srcId="{6BCB6C5D-8022-0041-9D68-8F8275D69064}" destId="{57F46661-8C64-3145-ABC7-3288C6D6248F}" srcOrd="5" destOrd="0" presId="urn:microsoft.com/office/officeart/2005/8/layout/hierarchy4"/>
-    <dgm:cxn modelId="{BA42D023-73E8-7E4B-8E05-CF474869305E}" type="presParOf" srcId="{6BCB6C5D-8022-0041-9D68-8F8275D69064}" destId="{DEDC4E45-5124-AE4C-9A11-8301B1215B75}" srcOrd="6" destOrd="0" presId="urn:microsoft.com/office/officeart/2005/8/layout/hierarchy4"/>
-    <dgm:cxn modelId="{09292170-BCD4-B34F-AA74-1071A2C42DB0}" type="presParOf" srcId="{DEDC4E45-5124-AE4C-9A11-8301B1215B75}" destId="{3DFDB91B-335C-1C4C-81FB-D6F8C75BF934}" srcOrd="0" destOrd="0" presId="urn:microsoft.com/office/officeart/2005/8/layout/hierarchy4"/>
-    <dgm:cxn modelId="{FD235F1B-628A-3248-8523-583F17D52660}" type="presParOf" srcId="{DEDC4E45-5124-AE4C-9A11-8301B1215B75}" destId="{67252174-EF82-CE4A-B817-BC107767E247}" srcOrd="1" destOrd="0" presId="urn:microsoft.com/office/officeart/2005/8/layout/hierarchy4"/>
+    <dgm:cxn modelId="{55C00B45-B66B-2B49-BA89-389C894CC7F1}" type="presParOf" srcId="{211DB7E7-1B4E-F548-A55B-8CD099AB0426}" destId="{E66FE7DE-8536-5649-AF31-8342F987B15F}" srcOrd="0" destOrd="0" presId="urn:microsoft.com/office/officeart/2005/8/layout/hierarchy4"/>
+    <dgm:cxn modelId="{940139AC-7A2F-4D44-A5AD-E056BBBACA87}" type="presParOf" srcId="{E66FE7DE-8536-5649-AF31-8342F987B15F}" destId="{50122404-9043-5343-8B7E-CE4DAA17B8DA}" srcOrd="0" destOrd="0" presId="urn:microsoft.com/office/officeart/2005/8/layout/hierarchy4"/>
+    <dgm:cxn modelId="{E9F76490-8CCE-E449-942D-4953924F687F}" type="presParOf" srcId="{E66FE7DE-8536-5649-AF31-8342F987B15F}" destId="{1A3C4FF8-CBF7-4E43-A960-F831712BD220}" srcOrd="1" destOrd="0" presId="urn:microsoft.com/office/officeart/2005/8/layout/hierarchy4"/>
+    <dgm:cxn modelId="{1F10F50F-5830-9C4C-A85E-FDEB74B9826A}" type="presParOf" srcId="{E66FE7DE-8536-5649-AF31-8342F987B15F}" destId="{0CE3323B-FEC7-C74F-BD1D-E8FDDE0B9F0E}" srcOrd="2" destOrd="0" presId="urn:microsoft.com/office/officeart/2005/8/layout/hierarchy4"/>
+    <dgm:cxn modelId="{BD00E763-C88F-E843-8C58-3D5664A17E01}" type="presParOf" srcId="{0CE3323B-FEC7-C74F-BD1D-E8FDDE0B9F0E}" destId="{E8E7A6CD-EC8F-2B4D-A302-C26B98878CD4}" srcOrd="0" destOrd="0" presId="urn:microsoft.com/office/officeart/2005/8/layout/hierarchy4"/>
+    <dgm:cxn modelId="{2ACCDA1A-CCB0-434E-A71F-28F5D9BFDD31}" type="presParOf" srcId="{E8E7A6CD-EC8F-2B4D-A302-C26B98878CD4}" destId="{FA4EDECC-87D6-0848-B75C-E1BAC0BD3BEE}" srcOrd="0" destOrd="0" presId="urn:microsoft.com/office/officeart/2005/8/layout/hierarchy4"/>
+    <dgm:cxn modelId="{3444C35B-EF1F-544E-A53E-63575AD30A2E}" type="presParOf" srcId="{E8E7A6CD-EC8F-2B4D-A302-C26B98878CD4}" destId="{77C3DDDE-4274-A344-849B-0E42395DF0AA}" srcOrd="1" destOrd="0" presId="urn:microsoft.com/office/officeart/2005/8/layout/hierarchy4"/>
+    <dgm:cxn modelId="{511F009B-5FE6-B547-A114-34BFFFA656F7}" type="presParOf" srcId="{E8E7A6CD-EC8F-2B4D-A302-C26B98878CD4}" destId="{07D59346-D607-7C4F-9880-3178C332469C}" srcOrd="2" destOrd="0" presId="urn:microsoft.com/office/officeart/2005/8/layout/hierarchy4"/>
+    <dgm:cxn modelId="{21FA86EA-CBCB-554F-86A9-CBB14FEDD7CB}" type="presParOf" srcId="{07D59346-D607-7C4F-9880-3178C332469C}" destId="{EBE9D578-2F56-C847-AFC3-8A10852A84EA}" srcOrd="0" destOrd="0" presId="urn:microsoft.com/office/officeart/2005/8/layout/hierarchy4"/>
+    <dgm:cxn modelId="{21C8BDEE-FB47-ED4C-BF7F-04782AD100DA}" type="presParOf" srcId="{EBE9D578-2F56-C847-AFC3-8A10852A84EA}" destId="{E9A69E59-4CCD-4C4B-8AD5-5F8233BFB132}" srcOrd="0" destOrd="0" presId="urn:microsoft.com/office/officeart/2005/8/layout/hierarchy4"/>
+    <dgm:cxn modelId="{2F846DEA-D2EB-1846-AA29-F8F92190DE83}" type="presParOf" srcId="{EBE9D578-2F56-C847-AFC3-8A10852A84EA}" destId="{8420CEED-04E1-BF42-88A3-1DBE0EA5B504}" srcOrd="1" destOrd="0" presId="urn:microsoft.com/office/officeart/2005/8/layout/hierarchy4"/>
+    <dgm:cxn modelId="{D93FC475-B294-5E40-AF98-468C1E4054A3}" type="presParOf" srcId="{EBE9D578-2F56-C847-AFC3-8A10852A84EA}" destId="{CA73B50E-D4B3-B64C-8387-D0445C4F3E16}" srcOrd="2" destOrd="0" presId="urn:microsoft.com/office/officeart/2005/8/layout/hierarchy4"/>
+    <dgm:cxn modelId="{7BFB5659-DC47-454E-8FBB-FA4099DA4ED6}" type="presParOf" srcId="{CA73B50E-D4B3-B64C-8387-D0445C4F3E16}" destId="{86F4C4A6-CFE9-5342-8739-D8E74BF49114}" srcOrd="0" destOrd="0" presId="urn:microsoft.com/office/officeart/2005/8/layout/hierarchy4"/>
+    <dgm:cxn modelId="{154C217D-8869-D147-94A0-DCB463D4E5FE}" type="presParOf" srcId="{86F4C4A6-CFE9-5342-8739-D8E74BF49114}" destId="{B3BAAD14-6CD3-1F4D-99B6-3709B19A5977}" srcOrd="0" destOrd="0" presId="urn:microsoft.com/office/officeart/2005/8/layout/hierarchy4"/>
+    <dgm:cxn modelId="{8C57A6E6-4054-EB48-A6D4-3A25149A0EB3}" type="presParOf" srcId="{86F4C4A6-CFE9-5342-8739-D8E74BF49114}" destId="{C3EF1B53-4F2C-524D-8EBA-2D9A5D3B82B9}" srcOrd="1" destOrd="0" presId="urn:microsoft.com/office/officeart/2005/8/layout/hierarchy4"/>
+    <dgm:cxn modelId="{7C8361AF-91E0-4B4A-8C63-844E48E6D49A}" type="presParOf" srcId="{86F4C4A6-CFE9-5342-8739-D8E74BF49114}" destId="{EF63E4D5-D7C8-9146-AD1D-17F47D96BEA5}" srcOrd="2" destOrd="0" presId="urn:microsoft.com/office/officeart/2005/8/layout/hierarchy4"/>
+    <dgm:cxn modelId="{53BB55B8-CFB7-4C42-A4D1-E90D7C5D301B}" type="presParOf" srcId="{EF63E4D5-D7C8-9146-AD1D-17F47D96BEA5}" destId="{E25572F0-A5B3-6647-BAB9-4F8F1D39C9EC}" srcOrd="0" destOrd="0" presId="urn:microsoft.com/office/officeart/2005/8/layout/hierarchy4"/>
+    <dgm:cxn modelId="{466E56C8-E534-BB4A-A399-BE7E6393D967}" type="presParOf" srcId="{E25572F0-A5B3-6647-BAB9-4F8F1D39C9EC}" destId="{CD4B9C5C-DB68-7846-A351-9CBE451C3329}" srcOrd="0" destOrd="0" presId="urn:microsoft.com/office/officeart/2005/8/layout/hierarchy4"/>
+    <dgm:cxn modelId="{94C19F3C-B804-F146-A79C-847AE8D581EE}" type="presParOf" srcId="{E25572F0-A5B3-6647-BAB9-4F8F1D39C9EC}" destId="{3E7EED21-35E3-FF4B-AB35-6C5CBA5B55DE}" srcOrd="1" destOrd="0" presId="urn:microsoft.com/office/officeart/2005/8/layout/hierarchy4"/>
+    <dgm:cxn modelId="{A11E5746-C1FB-494A-A410-D6C44943CC77}" type="presParOf" srcId="{E25572F0-A5B3-6647-BAB9-4F8F1D39C9EC}" destId="{91A3001F-222C-5840-A6CD-36BF77441E85}" srcOrd="2" destOrd="0" presId="urn:microsoft.com/office/officeart/2005/8/layout/hierarchy4"/>
+    <dgm:cxn modelId="{3C0789D3-33FB-2F44-8EFA-C226B957862B}" type="presParOf" srcId="{91A3001F-222C-5840-A6CD-36BF77441E85}" destId="{F9A99654-ECEC-904D-935B-64B1F7DC8013}" srcOrd="0" destOrd="0" presId="urn:microsoft.com/office/officeart/2005/8/layout/hierarchy4"/>
+    <dgm:cxn modelId="{65B9BC2D-72E8-9D4B-B335-8527A0826B3B}" type="presParOf" srcId="{F9A99654-ECEC-904D-935B-64B1F7DC8013}" destId="{C84B7433-2F3C-C24C-AAEA-376C8270B64E}" srcOrd="0" destOrd="0" presId="urn:microsoft.com/office/officeart/2005/8/layout/hierarchy4"/>
+    <dgm:cxn modelId="{090DDC37-AE90-DE4E-8539-2370764A5489}" type="presParOf" srcId="{F9A99654-ECEC-904D-935B-64B1F7DC8013}" destId="{9B8E8795-1151-5C49-8608-37AC100758FE}" srcOrd="1" destOrd="0" presId="urn:microsoft.com/office/officeart/2005/8/layout/hierarchy4"/>
+    <dgm:cxn modelId="{96A9047E-65B6-CE4E-8326-BD968F3390C0}" type="presParOf" srcId="{91A3001F-222C-5840-A6CD-36BF77441E85}" destId="{D68D4B18-104B-C54F-B397-92FF6A36E794}" srcOrd="1" destOrd="0" presId="urn:microsoft.com/office/officeart/2005/8/layout/hierarchy4"/>
+    <dgm:cxn modelId="{CF5BAB28-AEE0-E441-A70A-08128E324E0B}" type="presParOf" srcId="{91A3001F-222C-5840-A6CD-36BF77441E85}" destId="{5B4CAB8B-5116-9648-A66F-BF17E9DD920D}" srcOrd="2" destOrd="0" presId="urn:microsoft.com/office/officeart/2005/8/layout/hierarchy4"/>
+    <dgm:cxn modelId="{0F8577C8-498C-5643-A679-AAC74B5EF145}" type="presParOf" srcId="{5B4CAB8B-5116-9648-A66F-BF17E9DD920D}" destId="{C68BCD08-7A2D-3C4C-848B-E880A6134277}" srcOrd="0" destOrd="0" presId="urn:microsoft.com/office/officeart/2005/8/layout/hierarchy4"/>
+    <dgm:cxn modelId="{F068F5B9-4640-E84E-933A-8628F0A57485}" type="presParOf" srcId="{5B4CAB8B-5116-9648-A66F-BF17E9DD920D}" destId="{C4AE18AB-F85B-8749-A12B-46119F986A2A}" srcOrd="1" destOrd="0" presId="urn:microsoft.com/office/officeart/2005/8/layout/hierarchy4"/>
+    <dgm:cxn modelId="{4BA601DE-A36A-4A42-BB99-03993378C9E4}" type="presParOf" srcId="{91A3001F-222C-5840-A6CD-36BF77441E85}" destId="{1F8D56D5-4A26-F04C-A3CC-9F120AFBD059}" srcOrd="3" destOrd="0" presId="urn:microsoft.com/office/officeart/2005/8/layout/hierarchy4"/>
+    <dgm:cxn modelId="{AD58D142-F9CD-4C4E-AC25-4CE4D51A0714}" type="presParOf" srcId="{91A3001F-222C-5840-A6CD-36BF77441E85}" destId="{72BC1984-977B-7241-9549-BC8681729761}" srcOrd="4" destOrd="0" presId="urn:microsoft.com/office/officeart/2005/8/layout/hierarchy4"/>
+    <dgm:cxn modelId="{C6266626-0C3E-AA4C-ADBC-ADF554B8E158}" type="presParOf" srcId="{72BC1984-977B-7241-9549-BC8681729761}" destId="{35AF544E-52F2-1A4B-8589-EBF28762710F}" srcOrd="0" destOrd="0" presId="urn:microsoft.com/office/officeart/2005/8/layout/hierarchy4"/>
+    <dgm:cxn modelId="{0CD0ACFB-6A4A-2942-B335-E6BA6944BC09}" type="presParOf" srcId="{72BC1984-977B-7241-9549-BC8681729761}" destId="{375E5878-8319-2E4B-AC3D-552355323911}" srcOrd="1" destOrd="0" presId="urn:microsoft.com/office/officeart/2005/8/layout/hierarchy4"/>
+    <dgm:cxn modelId="{CFA223DC-B830-E54E-82F9-DEA20779ACD3}" type="presParOf" srcId="{EF63E4D5-D7C8-9146-AD1D-17F47D96BEA5}" destId="{EE36DC09-90FA-C04E-B55F-40DABF21A8CB}" srcOrd="1" destOrd="0" presId="urn:microsoft.com/office/officeart/2005/8/layout/hierarchy4"/>
+    <dgm:cxn modelId="{E4571499-A01F-A340-8572-BC7A076B4410}" type="presParOf" srcId="{EF63E4D5-D7C8-9146-AD1D-17F47D96BEA5}" destId="{CC6BF1FB-B16C-8545-B02A-D01614480AF5}" srcOrd="2" destOrd="0" presId="urn:microsoft.com/office/officeart/2005/8/layout/hierarchy4"/>
+    <dgm:cxn modelId="{DB40D87F-D5AD-E240-95E2-E9A69E140DDB}" type="presParOf" srcId="{CC6BF1FB-B16C-8545-B02A-D01614480AF5}" destId="{DDC25A61-BF72-E64B-87B7-1E38DEB82BA1}" srcOrd="0" destOrd="0" presId="urn:microsoft.com/office/officeart/2005/8/layout/hierarchy4"/>
+    <dgm:cxn modelId="{3DDE8927-0C04-3D4B-9027-D7DC1CFD4643}" type="presParOf" srcId="{CC6BF1FB-B16C-8545-B02A-D01614480AF5}" destId="{1AF143C5-3534-364F-82E1-455C35021721}" srcOrd="1" destOrd="0" presId="urn:microsoft.com/office/officeart/2005/8/layout/hierarchy4"/>
+    <dgm:cxn modelId="{206DE9F5-078F-6842-8C42-4CC571CFA5E5}" type="presParOf" srcId="{CC6BF1FB-B16C-8545-B02A-D01614480AF5}" destId="{655D0C90-4285-F746-884E-F04985B90967}" srcOrd="2" destOrd="0" presId="urn:microsoft.com/office/officeart/2005/8/layout/hierarchy4"/>
+    <dgm:cxn modelId="{657FC8E4-E548-0544-9856-88968ADE2D28}" type="presParOf" srcId="{655D0C90-4285-F746-884E-F04985B90967}" destId="{C969A01B-3D70-E940-BF55-15C072DE7201}" srcOrd="0" destOrd="0" presId="urn:microsoft.com/office/officeart/2005/8/layout/hierarchy4"/>
+    <dgm:cxn modelId="{490AE8BE-DB1E-6F43-B59C-46765837A53E}" type="presParOf" srcId="{C969A01B-3D70-E940-BF55-15C072DE7201}" destId="{DF5FCE03-678C-254A-8244-576B461ED360}" srcOrd="0" destOrd="0" presId="urn:microsoft.com/office/officeart/2005/8/layout/hierarchy4"/>
+    <dgm:cxn modelId="{2936924F-E5C3-D747-936C-13780B509D90}" type="presParOf" srcId="{C969A01B-3D70-E940-BF55-15C072DE7201}" destId="{E35FFFAB-A584-1B4E-901D-BC37857A534E}" srcOrd="1" destOrd="0" presId="urn:microsoft.com/office/officeart/2005/8/layout/hierarchy4"/>
+    <dgm:cxn modelId="{CDBA22F5-AE59-C34D-B1DA-BA876F82A9A8}" type="presParOf" srcId="{655D0C90-4285-F746-884E-F04985B90967}" destId="{3CB73A60-C191-1744-80A2-02E3388B29AC}" srcOrd="1" destOrd="0" presId="urn:microsoft.com/office/officeart/2005/8/layout/hierarchy4"/>
+    <dgm:cxn modelId="{5686FEBB-C1F1-8247-8F96-8BFCBC422816}" type="presParOf" srcId="{655D0C90-4285-F746-884E-F04985B90967}" destId="{93488D10-E950-E240-ACEA-7D808A1C09A7}" srcOrd="2" destOrd="0" presId="urn:microsoft.com/office/officeart/2005/8/layout/hierarchy4"/>
+    <dgm:cxn modelId="{6C7E74C0-0731-2740-BBAA-0DABED6AB3F3}" type="presParOf" srcId="{93488D10-E950-E240-ACEA-7D808A1C09A7}" destId="{4062AFFF-85E2-D046-A5E8-B8841671DADB}" srcOrd="0" destOrd="0" presId="urn:microsoft.com/office/officeart/2005/8/layout/hierarchy4"/>
+    <dgm:cxn modelId="{E70FD891-0063-B84C-942A-52173657B9AC}" type="presParOf" srcId="{93488D10-E950-E240-ACEA-7D808A1C09A7}" destId="{42BB8D1C-B6E4-3546-AE83-D35A5B929727}" srcOrd="1" destOrd="0" presId="urn:microsoft.com/office/officeart/2005/8/layout/hierarchy4"/>
+    <dgm:cxn modelId="{2C8F8BBF-117B-7E49-B8A7-F11595C574D0}" type="presParOf" srcId="{655D0C90-4285-F746-884E-F04985B90967}" destId="{1B20D658-C1FF-8248-9D4A-19F58B2579A9}" srcOrd="3" destOrd="0" presId="urn:microsoft.com/office/officeart/2005/8/layout/hierarchy4"/>
+    <dgm:cxn modelId="{AFEF9BEA-5C05-7749-B279-E4EDC17D1FAF}" type="presParOf" srcId="{655D0C90-4285-F746-884E-F04985B90967}" destId="{8F499A44-6FE5-8749-A9CB-CF224D7403D2}" srcOrd="4" destOrd="0" presId="urn:microsoft.com/office/officeart/2005/8/layout/hierarchy4"/>
+    <dgm:cxn modelId="{73F0F8A6-FF18-4F47-9594-1D8AC4CA383F}" type="presParOf" srcId="{8F499A44-6FE5-8749-A9CB-CF224D7403D2}" destId="{89F9CF55-25DA-964D-8C45-D4FA1A305F70}" srcOrd="0" destOrd="0" presId="urn:microsoft.com/office/officeart/2005/8/layout/hierarchy4"/>
+    <dgm:cxn modelId="{FB0DD233-BD87-694F-A991-AD34366929D3}" type="presParOf" srcId="{8F499A44-6FE5-8749-A9CB-CF224D7403D2}" destId="{4D2E65FE-88F4-694D-B907-B89580DF0495}" srcOrd="1" destOrd="0" presId="urn:microsoft.com/office/officeart/2005/8/layout/hierarchy4"/>
+    <dgm:cxn modelId="{23AFFA4C-EF7A-334B-8BE4-75BB7AA8F0AB}" type="presParOf" srcId="{EF63E4D5-D7C8-9146-AD1D-17F47D96BEA5}" destId="{DF14A1FF-FCD9-B74F-A8A2-71585C791368}" srcOrd="3" destOrd="0" presId="urn:microsoft.com/office/officeart/2005/8/layout/hierarchy4"/>
+    <dgm:cxn modelId="{131ED626-C5A0-8E4E-8DE2-A8F7EC384CDF}" type="presParOf" srcId="{EF63E4D5-D7C8-9146-AD1D-17F47D96BEA5}" destId="{7162C06B-FB60-8048-9A67-DC58DF1B6478}" srcOrd="4" destOrd="0" presId="urn:microsoft.com/office/officeart/2005/8/layout/hierarchy4"/>
+    <dgm:cxn modelId="{838D6DA3-35B0-8E43-8F05-B49589B03B7E}" type="presParOf" srcId="{7162C06B-FB60-8048-9A67-DC58DF1B6478}" destId="{5A4CD250-3F8C-EE48-A23F-C4EB38B05826}" srcOrd="0" destOrd="0" presId="urn:microsoft.com/office/officeart/2005/8/layout/hierarchy4"/>
+    <dgm:cxn modelId="{EA59DC87-A94B-5D45-BEFD-E51751C697AA}" type="presParOf" srcId="{7162C06B-FB60-8048-9A67-DC58DF1B6478}" destId="{AC221C76-2770-E14A-AC73-98D0559BF5F6}" srcOrd="1" destOrd="0" presId="urn:microsoft.com/office/officeart/2005/8/layout/hierarchy4"/>
+    <dgm:cxn modelId="{ED85A00C-30B7-2540-9C75-1C111AC8C311}" type="presParOf" srcId="{7162C06B-FB60-8048-9A67-DC58DF1B6478}" destId="{6BCB6C5D-8022-0041-9D68-8F8275D69064}" srcOrd="2" destOrd="0" presId="urn:microsoft.com/office/officeart/2005/8/layout/hierarchy4"/>
+    <dgm:cxn modelId="{C7BCC1A5-39BD-9449-9B14-75DDBEE28266}" type="presParOf" srcId="{6BCB6C5D-8022-0041-9D68-8F8275D69064}" destId="{0A66C48F-2138-A844-AA3C-CE8A37ACFB14}" srcOrd="0" destOrd="0" presId="urn:microsoft.com/office/officeart/2005/8/layout/hierarchy4"/>
+    <dgm:cxn modelId="{159AC723-FEA2-E347-A649-7C78150E6A98}" type="presParOf" srcId="{0A66C48F-2138-A844-AA3C-CE8A37ACFB14}" destId="{6FFF63E7-2999-2D4D-AE4E-8D5A452097ED}" srcOrd="0" destOrd="0" presId="urn:microsoft.com/office/officeart/2005/8/layout/hierarchy4"/>
+    <dgm:cxn modelId="{3E92BE4F-0D99-8648-B6F4-AE89B95EB4AA}" type="presParOf" srcId="{0A66C48F-2138-A844-AA3C-CE8A37ACFB14}" destId="{77F2B67E-6C87-1A4C-80F1-718DD41C99B5}" srcOrd="1" destOrd="0" presId="urn:microsoft.com/office/officeart/2005/8/layout/hierarchy4"/>
+    <dgm:cxn modelId="{91EEC121-AFB2-3A4E-BA09-7479CFC11CD8}" type="presParOf" srcId="{6BCB6C5D-8022-0041-9D68-8F8275D69064}" destId="{836E989D-E98C-824D-B0E1-9227DA8E198D}" srcOrd="1" destOrd="0" presId="urn:microsoft.com/office/officeart/2005/8/layout/hierarchy4"/>
+    <dgm:cxn modelId="{13D18DAD-47E4-6A41-9975-8D5A16B47C11}" type="presParOf" srcId="{6BCB6C5D-8022-0041-9D68-8F8275D69064}" destId="{E0F51997-7442-D243-93D6-BB88AFE36C10}" srcOrd="2" destOrd="0" presId="urn:microsoft.com/office/officeart/2005/8/layout/hierarchy4"/>
+    <dgm:cxn modelId="{D91A804A-67CC-BA46-BAC5-F8C6B7E9775D}" type="presParOf" srcId="{E0F51997-7442-D243-93D6-BB88AFE36C10}" destId="{40815CA2-1E42-ED40-97A8-FC7E4A190301}" srcOrd="0" destOrd="0" presId="urn:microsoft.com/office/officeart/2005/8/layout/hierarchy4"/>
+    <dgm:cxn modelId="{713F2510-5701-9045-8103-B09FBB98471E}" type="presParOf" srcId="{E0F51997-7442-D243-93D6-BB88AFE36C10}" destId="{8BF0D61D-0CD0-974D-8D3F-8EC22EBDB7C2}" srcOrd="1" destOrd="0" presId="urn:microsoft.com/office/officeart/2005/8/layout/hierarchy4"/>
+    <dgm:cxn modelId="{1546D867-C8E2-CE42-B190-2BF4D5AC1369}" type="presParOf" srcId="{6BCB6C5D-8022-0041-9D68-8F8275D69064}" destId="{2F74EB5B-5ADF-4C47-BA88-F0A07ADCA70E}" srcOrd="3" destOrd="0" presId="urn:microsoft.com/office/officeart/2005/8/layout/hierarchy4"/>
+    <dgm:cxn modelId="{B0D40AE8-AB75-4E4B-8F2A-C2942B53A6E4}" type="presParOf" srcId="{6BCB6C5D-8022-0041-9D68-8F8275D69064}" destId="{C8D28629-89B6-0D41-A9C6-4EC27E54BF6C}" srcOrd="4" destOrd="0" presId="urn:microsoft.com/office/officeart/2005/8/layout/hierarchy4"/>
+    <dgm:cxn modelId="{73443355-A2B0-9540-9E3A-9BB886C8E336}" type="presParOf" srcId="{C8D28629-89B6-0D41-A9C6-4EC27E54BF6C}" destId="{D6F9B091-7293-EE43-B389-9D8941B2A94B}" srcOrd="0" destOrd="0" presId="urn:microsoft.com/office/officeart/2005/8/layout/hierarchy4"/>
+    <dgm:cxn modelId="{68755764-F634-DE46-AB0F-A848720B83BA}" type="presParOf" srcId="{C8D28629-89B6-0D41-A9C6-4EC27E54BF6C}" destId="{60C67ED6-FF85-9F4D-A76B-8BA20CA19C37}" srcOrd="1" destOrd="0" presId="urn:microsoft.com/office/officeart/2005/8/layout/hierarchy4"/>
+    <dgm:cxn modelId="{3CF34771-3D68-0842-8CEE-BCE345A21BA2}" type="presParOf" srcId="{6BCB6C5D-8022-0041-9D68-8F8275D69064}" destId="{57F46661-8C64-3145-ABC7-3288C6D6248F}" srcOrd="5" destOrd="0" presId="urn:microsoft.com/office/officeart/2005/8/layout/hierarchy4"/>
+    <dgm:cxn modelId="{5A485CB5-578A-6E4A-B2CD-FF1C72729CA6}" type="presParOf" srcId="{6BCB6C5D-8022-0041-9D68-8F8275D69064}" destId="{DEDC4E45-5124-AE4C-9A11-8301B1215B75}" srcOrd="6" destOrd="0" presId="urn:microsoft.com/office/officeart/2005/8/layout/hierarchy4"/>
+    <dgm:cxn modelId="{C051EBA8-54E5-6F40-9B95-A72B29D5C8EC}" type="presParOf" srcId="{DEDC4E45-5124-AE4C-9A11-8301B1215B75}" destId="{3DFDB91B-335C-1C4C-81FB-D6F8C75BF934}" srcOrd="0" destOrd="0" presId="urn:microsoft.com/office/officeart/2005/8/layout/hierarchy4"/>
+    <dgm:cxn modelId="{08B79AF5-9666-C24F-80B4-0A6EBDD895FF}" type="presParOf" srcId="{DEDC4E45-5124-AE4C-9A11-8301B1215B75}" destId="{67252174-EF82-CE4A-B817-BC107767E247}" srcOrd="1" destOrd="0" presId="urn:microsoft.com/office/officeart/2005/8/layout/hierarchy4"/>
   </dgm:cxnLst>
   <dgm:bg/>
   <dgm:whole/>
@@ -3159,8 +3347,8 @@
       </dsp:nvSpPr>
       <dsp:spPr>
         <a:xfrm>
-          <a:off x="2115" y="4180"/>
-          <a:ext cx="8123768" cy="720989"/>
+          <a:off x="28" y="1888"/>
+          <a:ext cx="10625023" cy="826822"/>
         </a:xfrm>
         <a:prstGeom prst="roundRect">
           <a:avLst>
@@ -3219,12 +3407,12 @@
         </a:fontRef>
       </dsp:style>
       <dsp:txBody>
-        <a:bodyPr spcFirstLastPara="0" vert="horz" wrap="square" lIns="118110" tIns="118110" rIns="118110" bIns="118110" numCol="1" spcCol="1270" anchor="ctr" anchorCtr="0">
+        <a:bodyPr spcFirstLastPara="0" vert="horz" wrap="square" lIns="144780" tIns="144780" rIns="144780" bIns="144780" numCol="1" spcCol="1270" anchor="ctr" anchorCtr="0">
           <a:noAutofit/>
         </a:bodyPr>
         <a:lstStyle/>
         <a:p>
-          <a:pPr marL="0" lvl="0" indent="0" algn="ctr" defTabSz="1377950">
+          <a:pPr marL="0" lvl="0" indent="0" algn="ctr" defTabSz="1689100">
             <a:lnSpc>
               <a:spcPct val="90000"/>
             </a:lnSpc>
@@ -3237,7 +3425,7 @@
             <a:buNone/>
           </a:pPr>
           <a:r>
-            <a:rPr lang="en-US" sz="3100" kern="1200" dirty="0">
+            <a:rPr lang="en-US" sz="3800" kern="1200" dirty="0">
               <a:latin typeface="Comfortaa" pitchFamily="2" charset="0"/>
             </a:rPr>
             <a:t>Operational Domain Models</a:t>
@@ -3245,8 +3433,8 @@
         </a:p>
       </dsp:txBody>
       <dsp:txXfrm>
-        <a:off x="23232" y="25297"/>
-        <a:ext cx="8081534" cy="678755"/>
+        <a:off x="24245" y="26105"/>
+        <a:ext cx="10576589" cy="778388"/>
       </dsp:txXfrm>
     </dsp:sp>
     <dsp:sp modelId="{FA4EDECC-87D6-0848-B75C-E1BAC0BD3BEE}">
@@ -3256,8 +3444,8 @@
       </dsp:nvSpPr>
       <dsp:spPr>
         <a:xfrm>
-          <a:off x="2115" y="785733"/>
-          <a:ext cx="8123768" cy="720989"/>
+          <a:off x="28" y="919501"/>
+          <a:ext cx="10625023" cy="826822"/>
         </a:xfrm>
         <a:prstGeom prst="roundRect">
           <a:avLst>
@@ -3318,12 +3506,12 @@
         </a:fontRef>
       </dsp:style>
       <dsp:txBody>
-        <a:bodyPr spcFirstLastPara="0" vert="horz" wrap="square" lIns="118110" tIns="118110" rIns="118110" bIns="118110" numCol="1" spcCol="1270" anchor="ctr" anchorCtr="0">
+        <a:bodyPr spcFirstLastPara="0" vert="horz" wrap="square" lIns="144780" tIns="144780" rIns="144780" bIns="144780" numCol="1" spcCol="1270" anchor="ctr" anchorCtr="0">
           <a:noAutofit/>
         </a:bodyPr>
         <a:lstStyle/>
         <a:p>
-          <a:pPr marL="0" lvl="0" indent="0" algn="ctr" defTabSz="1377950">
+          <a:pPr marL="0" lvl="0" indent="0" algn="ctr" defTabSz="1689100">
             <a:lnSpc>
               <a:spcPct val="90000"/>
             </a:lnSpc>
@@ -3336,7 +3524,7 @@
             <a:buNone/>
           </a:pPr>
           <a:r>
-            <a:rPr lang="en-US" sz="3100" kern="1200" dirty="0">
+            <a:rPr lang="en-US" sz="3800" kern="1200" dirty="0">
               <a:latin typeface="Comfortaa" pitchFamily="2" charset="0"/>
             </a:rPr>
             <a:t>MBSE</a:t>
@@ -3344,8 +3532,8 @@
         </a:p>
       </dsp:txBody>
       <dsp:txXfrm>
-        <a:off x="23232" y="806850"/>
-        <a:ext cx="8081534" cy="678755"/>
+        <a:off x="24245" y="943718"/>
+        <a:ext cx="10576589" cy="778388"/>
       </dsp:txXfrm>
     </dsp:sp>
     <dsp:sp modelId="{E9A69E59-4CCD-4C4B-8AD5-5F8233BFB132}">
@@ -3355,8 +3543,8 @@
       </dsp:nvSpPr>
       <dsp:spPr>
         <a:xfrm>
-          <a:off x="2115" y="1567285"/>
-          <a:ext cx="8123768" cy="720989"/>
+          <a:off x="28" y="1837115"/>
+          <a:ext cx="10625023" cy="826822"/>
         </a:xfrm>
         <a:prstGeom prst="roundRect">
           <a:avLst>
@@ -3417,12 +3605,12 @@
         </a:fontRef>
       </dsp:style>
       <dsp:txBody>
-        <a:bodyPr spcFirstLastPara="0" vert="horz" wrap="square" lIns="118110" tIns="118110" rIns="118110" bIns="118110" numCol="1" spcCol="1270" anchor="ctr" anchorCtr="0">
+        <a:bodyPr spcFirstLastPara="0" vert="horz" wrap="square" lIns="144780" tIns="144780" rIns="144780" bIns="144780" numCol="1" spcCol="1270" anchor="ctr" anchorCtr="0">
           <a:noAutofit/>
         </a:bodyPr>
         <a:lstStyle/>
         <a:p>
-          <a:pPr marL="0" lvl="0" indent="0" algn="ctr" defTabSz="1377950">
+          <a:pPr marL="0" lvl="0" indent="0" algn="ctr" defTabSz="1689100">
             <a:lnSpc>
               <a:spcPct val="90000"/>
             </a:lnSpc>
@@ -3435,19 +3623,19 @@
             <a:buNone/>
           </a:pPr>
           <a:r>
-            <a:rPr lang="en-US" sz="3100" kern="1200" dirty="0" err="1">
+            <a:rPr lang="en-US" sz="3800" kern="1200" dirty="0" err="1">
               <a:latin typeface="Comfortaa" pitchFamily="2" charset="0"/>
             </a:rPr>
             <a:t>CatML</a:t>
           </a:r>
-          <a:endParaRPr lang="en-US" sz="3100" kern="1200" dirty="0">
+          <a:endParaRPr lang="en-US" sz="3800" kern="1200" dirty="0">
             <a:latin typeface="Comfortaa" pitchFamily="2" charset="0"/>
           </a:endParaRPr>
         </a:p>
       </dsp:txBody>
       <dsp:txXfrm>
-        <a:off x="23232" y="1588402"/>
-        <a:ext cx="8081534" cy="678755"/>
+        <a:off x="24245" y="1861332"/>
+        <a:ext cx="10576589" cy="778388"/>
       </dsp:txXfrm>
     </dsp:sp>
     <dsp:sp modelId="{B3BAAD14-6CD3-1F4D-99B6-3709B19A5977}">
@@ -3457,8 +3645,8 @@
       </dsp:nvSpPr>
       <dsp:spPr>
         <a:xfrm>
-          <a:off x="2115" y="2348838"/>
-          <a:ext cx="8123768" cy="720989"/>
+          <a:off x="28" y="2754728"/>
+          <a:ext cx="10625023" cy="826822"/>
         </a:xfrm>
         <a:prstGeom prst="roundRect">
           <a:avLst>
@@ -3519,12 +3707,12 @@
         </a:fontRef>
       </dsp:style>
       <dsp:txBody>
-        <a:bodyPr spcFirstLastPara="0" vert="horz" wrap="square" lIns="118110" tIns="118110" rIns="118110" bIns="118110" numCol="1" spcCol="1270" anchor="ctr" anchorCtr="0">
+        <a:bodyPr spcFirstLastPara="0" vert="horz" wrap="square" lIns="144780" tIns="144780" rIns="144780" bIns="144780" numCol="1" spcCol="1270" anchor="ctr" anchorCtr="0">
           <a:noAutofit/>
         </a:bodyPr>
         <a:lstStyle/>
         <a:p>
-          <a:pPr marL="0" lvl="0" indent="0" algn="ctr" defTabSz="1377950">
+          <a:pPr marL="0" lvl="0" indent="0" algn="ctr" defTabSz="1689100">
             <a:lnSpc>
               <a:spcPct val="90000"/>
             </a:lnSpc>
@@ -3537,7 +3725,7 @@
             <a:buNone/>
           </a:pPr>
           <a:r>
-            <a:rPr lang="en-US" sz="3100" kern="1200" dirty="0">
+            <a:rPr lang="en-US" sz="3800" kern="1200" dirty="0">
               <a:latin typeface="Comfortaa" pitchFamily="2" charset="0"/>
             </a:rPr>
             <a:t>Algebraic Computing</a:t>
@@ -3545,107 +3733,8 @@
         </a:p>
       </dsp:txBody>
       <dsp:txXfrm>
-        <a:off x="23232" y="2369955"/>
-        <a:ext cx="8081534" cy="678755"/>
-      </dsp:txXfrm>
-    </dsp:sp>
-    <dsp:sp modelId="{0C625EC5-B8EB-2841-AAAE-3B840D0407D3}">
-      <dsp:nvSpPr>
-        <dsp:cNvPr id="0" name=""/>
-        <dsp:cNvSpPr/>
-      </dsp:nvSpPr>
-      <dsp:spPr>
-        <a:xfrm>
-          <a:off x="2115" y="3130391"/>
-          <a:ext cx="8123768" cy="720989"/>
-        </a:xfrm>
-        <a:prstGeom prst="roundRect">
-          <a:avLst>
-            <a:gd name="adj" fmla="val 10000"/>
-          </a:avLst>
-        </a:prstGeom>
-        <a:gradFill flip="none" rotWithShape="0">
-          <a:gsLst>
-            <a:gs pos="0">
-              <a:schemeClr val="accent1">
-                <a:lumMod val="89000"/>
-              </a:schemeClr>
-            </a:gs>
-            <a:gs pos="23000">
-              <a:schemeClr val="accent1">
-                <a:lumMod val="89000"/>
-              </a:schemeClr>
-            </a:gs>
-            <a:gs pos="69000">
-              <a:schemeClr val="accent1">
-                <a:lumMod val="75000"/>
-              </a:schemeClr>
-            </a:gs>
-            <a:gs pos="97000">
-              <a:schemeClr val="accent1">
-                <a:lumMod val="70000"/>
-              </a:schemeClr>
-            </a:gs>
-          </a:gsLst>
-          <a:path path="circle">
-            <a:fillToRect l="50000" t="50000" r="50000" b="50000"/>
-          </a:path>
-          <a:tileRect/>
-        </a:gradFill>
-        <a:ln>
-          <a:noFill/>
-        </a:ln>
-        <a:effectLst>
-          <a:outerShdw blurRad="57150" dist="19050" dir="5400000" algn="ctr" rotWithShape="0">
-            <a:srgbClr val="000000">
-              <a:alpha val="63000"/>
-            </a:srgbClr>
-          </a:outerShdw>
-        </a:effectLst>
-      </dsp:spPr>
-      <dsp:style>
-        <a:lnRef idx="0">
-          <a:scrgbClr r="0" g="0" b="0"/>
-        </a:lnRef>
-        <a:fillRef idx="3">
-          <a:scrgbClr r="0" g="0" b="0"/>
-        </a:fillRef>
-        <a:effectRef idx="3">
-          <a:scrgbClr r="0" g="0" b="0"/>
-        </a:effectRef>
-        <a:fontRef idx="minor">
-          <a:schemeClr val="lt1"/>
-        </a:fontRef>
-      </dsp:style>
-      <dsp:txBody>
-        <a:bodyPr spcFirstLastPara="0" vert="horz" wrap="square" lIns="118110" tIns="118110" rIns="118110" bIns="118110" numCol="1" spcCol="1270" anchor="ctr" anchorCtr="0">
-          <a:noAutofit/>
-        </a:bodyPr>
-        <a:lstStyle/>
-        <a:p>
-          <a:pPr marL="0" lvl="0" indent="0" algn="ctr" defTabSz="1377950">
-            <a:lnSpc>
-              <a:spcPct val="90000"/>
-            </a:lnSpc>
-            <a:spcBef>
-              <a:spcPct val="0"/>
-            </a:spcBef>
-            <a:spcAft>
-              <a:spcPct val="35000"/>
-            </a:spcAft>
-            <a:buNone/>
-          </a:pPr>
-          <a:r>
-            <a:rPr lang="en-US" sz="3100" kern="1200" dirty="0">
-              <a:latin typeface="Comfortaa" pitchFamily="2" charset="0"/>
-            </a:rPr>
-            <a:t>Models in Theories</a:t>
-          </a:r>
-        </a:p>
-      </dsp:txBody>
-      <dsp:txXfrm>
-        <a:off x="23232" y="3151508"/>
-        <a:ext cx="8081534" cy="678755"/>
+        <a:off x="24245" y="2778945"/>
+        <a:ext cx="10576589" cy="778388"/>
       </dsp:txXfrm>
     </dsp:sp>
     <dsp:sp modelId="{CD4B9C5C-DB68-7846-A351-9CBE451C3329}">
@@ -3655,8 +3744,8 @@
       </dsp:nvSpPr>
       <dsp:spPr>
         <a:xfrm>
-          <a:off x="2115" y="3911944"/>
-          <a:ext cx="997148" cy="720989"/>
+          <a:off x="28" y="3672342"/>
+          <a:ext cx="3172178" cy="826822"/>
         </a:xfrm>
         <a:prstGeom prst="roundRect">
           <a:avLst>
@@ -3739,7 +3828,7 @@
             <a:buNone/>
           </a:pPr>
           <a:r>
-            <a:rPr lang="en-US" sz="1100" kern="1200" dirty="0">
+            <a:rPr lang="en-US" sz="2000" kern="1200" dirty="0">
               <a:solidFill>
                 <a:prstClr val="white"/>
               </a:solidFill>
@@ -3752,8 +3841,8 @@
         </a:p>
       </dsp:txBody>
       <dsp:txXfrm>
-        <a:off x="23232" y="3933061"/>
-        <a:ext cx="954914" cy="678755"/>
+        <a:off x="24245" y="3696559"/>
+        <a:ext cx="3123744" cy="778388"/>
       </dsp:txXfrm>
     </dsp:sp>
     <dsp:sp modelId="{C84B7433-2F3C-C24C-AAEA-376C8270B64E}">
@@ -3763,8 +3852,8 @@
       </dsp:nvSpPr>
       <dsp:spPr>
         <a:xfrm>
-          <a:off x="2115" y="4693496"/>
-          <a:ext cx="997148" cy="720989"/>
+          <a:off x="28" y="4589955"/>
+          <a:ext cx="1042793" cy="826822"/>
         </a:xfrm>
         <a:prstGeom prst="roundRect">
           <a:avLst>
@@ -3847,7 +3936,7 @@
             <a:buNone/>
           </a:pPr>
           <a:r>
-            <a:rPr lang="en-US" sz="1100" kern="1200" dirty="0">
+            <a:rPr lang="en-US" sz="1200" kern="1200" dirty="0">
               <a:solidFill>
                 <a:prstClr val="white"/>
               </a:solidFill>
@@ -3860,8 +3949,249 @@
         </a:p>
       </dsp:txBody>
       <dsp:txXfrm>
-        <a:off x="23232" y="4714613"/>
-        <a:ext cx="954914" cy="678755"/>
+        <a:off x="24245" y="4614172"/>
+        <a:ext cx="994359" cy="778388"/>
+      </dsp:txXfrm>
+    </dsp:sp>
+    <dsp:sp modelId="{C68BCD08-7A2D-3C4C-848B-E880A6134277}">
+      <dsp:nvSpPr>
+        <dsp:cNvPr id="0" name=""/>
+        <dsp:cNvSpPr/>
+      </dsp:nvSpPr>
+      <dsp:spPr>
+        <a:xfrm>
+          <a:off x="1064720" y="4589955"/>
+          <a:ext cx="1042793" cy="826822"/>
+        </a:xfrm>
+        <a:prstGeom prst="roundRect">
+          <a:avLst>
+            <a:gd name="adj" fmla="val 10000"/>
+          </a:avLst>
+        </a:prstGeom>
+        <a:gradFill flip="none" rotWithShape="0">
+          <a:gsLst>
+            <a:gs pos="0">
+              <a:srgbClr val="4472C4">
+                <a:lumMod val="89000"/>
+                <a:alpha val="32000"/>
+              </a:srgbClr>
+            </a:gs>
+            <a:gs pos="23000">
+              <a:srgbClr val="4472C4">
+                <a:lumMod val="89000"/>
+                <a:alpha val="28000"/>
+              </a:srgbClr>
+            </a:gs>
+            <a:gs pos="69000">
+              <a:srgbClr val="4472C4">
+                <a:lumMod val="75000"/>
+                <a:alpha val="18000"/>
+              </a:srgbClr>
+            </a:gs>
+            <a:gs pos="97000">
+              <a:srgbClr val="4472C4">
+                <a:lumMod val="70000"/>
+                <a:alpha val="21000"/>
+              </a:srgbClr>
+            </a:gs>
+          </a:gsLst>
+          <a:path path="circle">
+            <a:fillToRect l="50000" t="50000" r="50000" b="50000"/>
+          </a:path>
+          <a:tileRect/>
+        </a:gradFill>
+        <a:ln>
+          <a:noFill/>
+        </a:ln>
+        <a:effectLst>
+          <a:outerShdw blurRad="57150" dist="19050" dir="5400000" algn="ctr" rotWithShape="0">
+            <a:srgbClr val="000000">
+              <a:alpha val="63000"/>
+            </a:srgbClr>
+          </a:outerShdw>
+        </a:effectLst>
+      </dsp:spPr>
+      <dsp:style>
+        <a:lnRef idx="0">
+          <a:scrgbClr r="0" g="0" b="0"/>
+        </a:lnRef>
+        <a:fillRef idx="3">
+          <a:scrgbClr r="0" g="0" b="0"/>
+        </a:fillRef>
+        <a:effectRef idx="3">
+          <a:scrgbClr r="0" g="0" b="0"/>
+        </a:effectRef>
+        <a:fontRef idx="minor">
+          <a:schemeClr val="lt1"/>
+        </a:fontRef>
+      </dsp:style>
+      <dsp:txBody>
+        <a:bodyPr spcFirstLastPara="0" vert="horz" wrap="square" lIns="41910" tIns="41910" rIns="41910" bIns="41910" numCol="1" spcCol="1270" anchor="ctr" anchorCtr="0">
+          <a:noAutofit/>
+        </a:bodyPr>
+        <a:lstStyle/>
+        <a:p>
+          <a:pPr marL="0" lvl="0" indent="0" algn="ctr" defTabSz="488950">
+            <a:lnSpc>
+              <a:spcPct val="90000"/>
+            </a:lnSpc>
+            <a:spcBef>
+              <a:spcPct val="0"/>
+            </a:spcBef>
+            <a:spcAft>
+              <a:spcPct val="35000"/>
+            </a:spcAft>
+            <a:buNone/>
+          </a:pPr>
+          <a:r>
+            <a:rPr lang="en-US" sz="1200" kern="1200" dirty="0">
+              <a:solidFill>
+                <a:prstClr val="white"/>
+              </a:solidFill>
+              <a:latin typeface="Comfortaa" pitchFamily="2" charset="0"/>
+              <a:ea typeface="+mn-ea"/>
+              <a:cs typeface="+mn-cs"/>
+            </a:rPr>
+            <a:t>Meta</a:t>
+          </a:r>
+        </a:p>
+        <a:p>
+          <a:pPr marL="0" lvl="0" indent="0" algn="ctr" defTabSz="488950">
+            <a:lnSpc>
+              <a:spcPct val="90000"/>
+            </a:lnSpc>
+            <a:spcBef>
+              <a:spcPct val="0"/>
+            </a:spcBef>
+            <a:spcAft>
+              <a:spcPct val="35000"/>
+            </a:spcAft>
+            <a:buNone/>
+          </a:pPr>
+          <a:r>
+            <a:rPr lang="en-US" sz="1200" kern="1200" dirty="0">
+              <a:solidFill>
+                <a:prstClr val="white"/>
+              </a:solidFill>
+              <a:latin typeface="Comfortaa" pitchFamily="2" charset="0"/>
+              <a:ea typeface="+mn-ea"/>
+              <a:cs typeface="+mn-cs"/>
+            </a:rPr>
+            <a:t>Models</a:t>
+          </a:r>
+        </a:p>
+      </dsp:txBody>
+      <dsp:txXfrm>
+        <a:off x="1088937" y="4614172"/>
+        <a:ext cx="994359" cy="778388"/>
+      </dsp:txXfrm>
+    </dsp:sp>
+    <dsp:sp modelId="{35AF544E-52F2-1A4B-8589-EBF28762710F}">
+      <dsp:nvSpPr>
+        <dsp:cNvPr id="0" name=""/>
+        <dsp:cNvSpPr/>
+      </dsp:nvSpPr>
+      <dsp:spPr>
+        <a:xfrm>
+          <a:off x="2129413" y="4589955"/>
+          <a:ext cx="1042793" cy="826822"/>
+        </a:xfrm>
+        <a:prstGeom prst="roundRect">
+          <a:avLst>
+            <a:gd name="adj" fmla="val 10000"/>
+          </a:avLst>
+        </a:prstGeom>
+        <a:gradFill flip="none" rotWithShape="0">
+          <a:gsLst>
+            <a:gs pos="0">
+              <a:srgbClr val="4472C4">
+                <a:lumMod val="89000"/>
+                <a:alpha val="32000"/>
+              </a:srgbClr>
+            </a:gs>
+            <a:gs pos="23000">
+              <a:srgbClr val="4472C4">
+                <a:lumMod val="89000"/>
+                <a:alpha val="28000"/>
+              </a:srgbClr>
+            </a:gs>
+            <a:gs pos="69000">
+              <a:srgbClr val="4472C4">
+                <a:lumMod val="75000"/>
+                <a:alpha val="18000"/>
+              </a:srgbClr>
+            </a:gs>
+            <a:gs pos="97000">
+              <a:srgbClr val="4472C4">
+                <a:lumMod val="70000"/>
+                <a:alpha val="21000"/>
+              </a:srgbClr>
+            </a:gs>
+          </a:gsLst>
+          <a:path path="circle">
+            <a:fillToRect l="50000" t="50000" r="50000" b="50000"/>
+          </a:path>
+          <a:tileRect/>
+        </a:gradFill>
+        <a:ln>
+          <a:noFill/>
+        </a:ln>
+        <a:effectLst>
+          <a:outerShdw blurRad="57150" dist="19050" dir="5400000" algn="ctr" rotWithShape="0">
+            <a:srgbClr val="000000">
+              <a:alpha val="63000"/>
+            </a:srgbClr>
+          </a:outerShdw>
+        </a:effectLst>
+      </dsp:spPr>
+      <dsp:style>
+        <a:lnRef idx="0">
+          <a:scrgbClr r="0" g="0" b="0"/>
+        </a:lnRef>
+        <a:fillRef idx="3">
+          <a:scrgbClr r="0" g="0" b="0"/>
+        </a:fillRef>
+        <a:effectRef idx="3">
+          <a:scrgbClr r="0" g="0" b="0"/>
+        </a:effectRef>
+        <a:fontRef idx="minor">
+          <a:schemeClr val="lt1"/>
+        </a:fontRef>
+      </dsp:style>
+      <dsp:txBody>
+        <a:bodyPr spcFirstLastPara="0" vert="horz" wrap="square" lIns="41910" tIns="41910" rIns="41910" bIns="41910" numCol="1" spcCol="1270" anchor="ctr" anchorCtr="0">
+          <a:noAutofit/>
+        </a:bodyPr>
+        <a:lstStyle/>
+        <a:p>
+          <a:pPr marL="0" lvl="0" indent="0" algn="ctr" defTabSz="533400">
+            <a:lnSpc>
+              <a:spcPct val="90000"/>
+            </a:lnSpc>
+            <a:spcBef>
+              <a:spcPct val="0"/>
+            </a:spcBef>
+            <a:spcAft>
+              <a:spcPct val="35000"/>
+            </a:spcAft>
+            <a:buNone/>
+          </a:pPr>
+          <a:r>
+            <a:rPr lang="en-US" sz="1200" kern="1200" dirty="0">
+              <a:solidFill>
+                <a:prstClr val="white"/>
+              </a:solidFill>
+              <a:latin typeface="Comfortaa" pitchFamily="2" charset="0"/>
+              <a:ea typeface="+mn-ea"/>
+              <a:cs typeface="+mn-cs"/>
+            </a:rPr>
+            <a:t>Models</a:t>
+          </a:r>
+        </a:p>
+      </dsp:txBody>
+      <dsp:txXfrm>
+        <a:off x="2153630" y="4614172"/>
+        <a:ext cx="994359" cy="778388"/>
       </dsp:txXfrm>
     </dsp:sp>
     <dsp:sp modelId="{DDC25A61-BF72-E64B-87B7-1E38DEB82BA1}">
@@ -3871,8 +4201,8 @@
       </dsp:nvSpPr>
       <dsp:spPr>
         <a:xfrm>
-          <a:off x="1020204" y="3911944"/>
-          <a:ext cx="3033325" cy="720989"/>
+          <a:off x="3194105" y="3672342"/>
+          <a:ext cx="3172178" cy="826822"/>
         </a:xfrm>
         <a:prstGeom prst="roundRect">
           <a:avLst>
@@ -3955,7 +4285,7 @@
             <a:buNone/>
           </a:pPr>
           <a:r>
-            <a:rPr lang="en-US" sz="1100" kern="1200" dirty="0">
+            <a:rPr lang="en-US" sz="2000" kern="1200" dirty="0">
               <a:solidFill>
                 <a:prstClr val="white"/>
               </a:solidFill>
@@ -3968,8 +4298,8 @@
         </a:p>
       </dsp:txBody>
       <dsp:txXfrm>
-        <a:off x="1041321" y="3933061"/>
-        <a:ext cx="2991091" cy="678755"/>
+        <a:off x="3218322" y="3696559"/>
+        <a:ext cx="3123744" cy="778388"/>
       </dsp:txXfrm>
     </dsp:sp>
     <dsp:sp modelId="{DF5FCE03-678C-254A-8244-576B461ED360}">
@@ -3979,8 +4309,8 @@
       </dsp:nvSpPr>
       <dsp:spPr>
         <a:xfrm>
-          <a:off x="1020204" y="4693496"/>
-          <a:ext cx="997148" cy="720989"/>
+          <a:off x="3194105" y="4589955"/>
+          <a:ext cx="1042793" cy="826822"/>
         </a:xfrm>
         <a:prstGeom prst="roundRect">
           <a:avLst>
@@ -4063,7 +4393,7 @@
             <a:buNone/>
           </a:pPr>
           <a:r>
-            <a:rPr lang="en-US" sz="1100" kern="1200" dirty="0">
+            <a:rPr lang="en-US" sz="1200" kern="1200" dirty="0">
               <a:solidFill>
                 <a:prstClr val="white"/>
               </a:solidFill>
@@ -4076,8 +4406,8 @@
         </a:p>
       </dsp:txBody>
       <dsp:txXfrm>
-        <a:off x="1041321" y="4714613"/>
-        <a:ext cx="954914" cy="678755"/>
+        <a:off x="3218322" y="4614172"/>
+        <a:ext cx="994359" cy="778388"/>
       </dsp:txXfrm>
     </dsp:sp>
     <dsp:sp modelId="{4062AFFF-85E2-D046-A5E8-B8841671DADB}">
@@ -4087,8 +4417,8 @@
       </dsp:nvSpPr>
       <dsp:spPr>
         <a:xfrm>
-          <a:off x="2038292" y="4693496"/>
-          <a:ext cx="997148" cy="720989"/>
+          <a:off x="4258797" y="4589955"/>
+          <a:ext cx="1042793" cy="826822"/>
         </a:xfrm>
         <a:prstGeom prst="roundRect">
           <a:avLst>
@@ -4171,7 +4501,7 @@
             <a:buNone/>
           </a:pPr>
           <a:r>
-            <a:rPr lang="en-US" sz="1100" kern="1200" dirty="0">
+            <a:rPr lang="en-US" sz="1200" kern="1200" dirty="0">
               <a:solidFill>
                 <a:prstClr val="white"/>
               </a:solidFill>
@@ -4184,8 +4514,8 @@
         </a:p>
       </dsp:txBody>
       <dsp:txXfrm>
-        <a:off x="2059409" y="4714613"/>
-        <a:ext cx="954914" cy="678755"/>
+        <a:off x="4283014" y="4614172"/>
+        <a:ext cx="994359" cy="778388"/>
       </dsp:txXfrm>
     </dsp:sp>
     <dsp:sp modelId="{89F9CF55-25DA-964D-8C45-D4FA1A305F70}">
@@ -4195,8 +4525,8 @@
       </dsp:nvSpPr>
       <dsp:spPr>
         <a:xfrm>
-          <a:off x="3056381" y="4693496"/>
-          <a:ext cx="997148" cy="720989"/>
+          <a:off x="5323489" y="4589955"/>
+          <a:ext cx="1042793" cy="826822"/>
         </a:xfrm>
         <a:prstGeom prst="roundRect">
           <a:avLst>
@@ -4279,7 +4609,7 @@
             <a:buNone/>
           </a:pPr>
           <a:r>
-            <a:rPr lang="en-US" sz="1100" kern="1200" dirty="0">
+            <a:rPr lang="en-US" sz="1200" kern="1200" dirty="0">
               <a:solidFill>
                 <a:prstClr val="white"/>
               </a:solidFill>
@@ -4292,8 +4622,8 @@
         </a:p>
       </dsp:txBody>
       <dsp:txXfrm>
-        <a:off x="3077498" y="4714613"/>
-        <a:ext cx="954914" cy="678755"/>
+        <a:off x="5347706" y="4614172"/>
+        <a:ext cx="994359" cy="778388"/>
       </dsp:txXfrm>
     </dsp:sp>
     <dsp:sp modelId="{5A4CD250-3F8C-EE48-A23F-C4EB38B05826}">
@@ -4303,8 +4633,8 @@
       </dsp:nvSpPr>
       <dsp:spPr>
         <a:xfrm>
-          <a:off x="4074470" y="3911944"/>
-          <a:ext cx="4051414" cy="720989"/>
+          <a:off x="6388182" y="3672342"/>
+          <a:ext cx="4236870" cy="826822"/>
         </a:xfrm>
         <a:prstGeom prst="roundRect">
           <a:avLst>
@@ -4387,7 +4717,7 @@
             <a:buNone/>
           </a:pPr>
           <a:r>
-            <a:rPr lang="en-US" sz="1100" kern="1200" dirty="0">
+            <a:rPr lang="en-US" sz="2000" kern="1200" dirty="0">
               <a:solidFill>
                 <a:prstClr val="white"/>
               </a:solidFill>
@@ -4395,13 +4725,13 @@
               <a:ea typeface="+mn-ea"/>
               <a:cs typeface="+mn-cs"/>
             </a:rPr>
-            <a:t>Instances</a:t>
+            <a:t>Implementation</a:t>
           </a:r>
         </a:p>
       </dsp:txBody>
       <dsp:txXfrm>
-        <a:off x="4095587" y="3933061"/>
-        <a:ext cx="4009180" cy="678755"/>
+        <a:off x="6412399" y="3696559"/>
+        <a:ext cx="4188436" cy="778388"/>
       </dsp:txXfrm>
     </dsp:sp>
     <dsp:sp modelId="{6FFF63E7-2999-2D4D-AE4E-8D5A452097ED}">
@@ -4411,8 +4741,8 @@
       </dsp:nvSpPr>
       <dsp:spPr>
         <a:xfrm>
-          <a:off x="4074470" y="4693496"/>
-          <a:ext cx="997148" cy="720989"/>
+          <a:off x="6388182" y="4589955"/>
+          <a:ext cx="1042793" cy="826822"/>
         </a:xfrm>
         <a:prstGeom prst="roundRect">
           <a:avLst>
@@ -4495,7 +4825,7 @@
             <a:buNone/>
           </a:pPr>
           <a:r>
-            <a:rPr lang="en-US" sz="1100" kern="1200" dirty="0">
+            <a:rPr lang="en-US" sz="1200" kern="1200" dirty="0">
               <a:solidFill>
                 <a:prstClr val="white"/>
               </a:solidFill>
@@ -4508,8 +4838,8 @@
         </a:p>
       </dsp:txBody>
       <dsp:txXfrm>
-        <a:off x="4095587" y="4714613"/>
-        <a:ext cx="954914" cy="678755"/>
+        <a:off x="6412399" y="4614172"/>
+        <a:ext cx="994359" cy="778388"/>
       </dsp:txXfrm>
     </dsp:sp>
     <dsp:sp modelId="{40815CA2-1E42-ED40-97A8-FC7E4A190301}">
@@ -4519,8 +4849,8 @@
       </dsp:nvSpPr>
       <dsp:spPr>
         <a:xfrm>
-          <a:off x="5092558" y="4693496"/>
-          <a:ext cx="997148" cy="720989"/>
+          <a:off x="7452874" y="4589955"/>
+          <a:ext cx="1042793" cy="826822"/>
         </a:xfrm>
         <a:prstGeom prst="roundRect">
           <a:avLst>
@@ -4603,7 +4933,7 @@
             <a:buNone/>
           </a:pPr>
           <a:r>
-            <a:rPr lang="en-US" sz="1100" kern="1200" dirty="0">
+            <a:rPr lang="en-US" sz="1200" kern="1200" dirty="0">
               <a:solidFill>
                 <a:prstClr val="white"/>
               </a:solidFill>
@@ -4616,8 +4946,8 @@
         </a:p>
       </dsp:txBody>
       <dsp:txXfrm>
-        <a:off x="5113675" y="4714613"/>
-        <a:ext cx="954914" cy="678755"/>
+        <a:off x="7477091" y="4614172"/>
+        <a:ext cx="994359" cy="778388"/>
       </dsp:txXfrm>
     </dsp:sp>
     <dsp:sp modelId="{D6F9B091-7293-EE43-B389-9D8941B2A94B}">
@@ -4627,8 +4957,8 @@
       </dsp:nvSpPr>
       <dsp:spPr>
         <a:xfrm>
-          <a:off x="6110647" y="4693496"/>
-          <a:ext cx="997148" cy="720989"/>
+          <a:off x="8517566" y="4589955"/>
+          <a:ext cx="1042793" cy="826822"/>
         </a:xfrm>
         <a:prstGeom prst="roundRect">
           <a:avLst>
@@ -4698,7 +5028,7 @@
         </a:bodyPr>
         <a:lstStyle/>
         <a:p>
-          <a:pPr marL="0" lvl="0" indent="0" algn="ctr" defTabSz="488950">
+          <a:pPr marL="0" lvl="0" indent="0" algn="ctr" defTabSz="533400">
             <a:lnSpc>
               <a:spcPct val="90000"/>
             </a:lnSpc>
@@ -4711,7 +5041,7 @@
             <a:buNone/>
           </a:pPr>
           <a:r>
-            <a:rPr lang="en-US" sz="1100" kern="1200" dirty="0">
+            <a:rPr lang="en-US" sz="1200" kern="1200" dirty="0">
               <a:solidFill>
                 <a:prstClr val="white"/>
               </a:solidFill>
@@ -4728,7 +5058,7 @@
             <a:t> </a:t>
           </a:r>
           <a:r>
-            <a:rPr lang="en-US" sz="1100" kern="1200" dirty="0">
+            <a:rPr lang="en-US" sz="1200" kern="1200" dirty="0">
               <a:solidFill>
                 <a:prstClr val="white"/>
               </a:solidFill>
@@ -4741,8 +5071,8 @@
         </a:p>
       </dsp:txBody>
       <dsp:txXfrm>
-        <a:off x="6131764" y="4714613"/>
-        <a:ext cx="954914" cy="678755"/>
+        <a:off x="8541783" y="4614172"/>
+        <a:ext cx="994359" cy="778388"/>
       </dsp:txXfrm>
     </dsp:sp>
     <dsp:sp modelId="{3DFDB91B-335C-1C4C-81FB-D6F8C75BF934}">
@@ -4752,8 +5082,8 @@
       </dsp:nvSpPr>
       <dsp:spPr>
         <a:xfrm>
-          <a:off x="7128735" y="4693496"/>
-          <a:ext cx="997148" cy="720989"/>
+          <a:off x="9582258" y="4589955"/>
+          <a:ext cx="1042793" cy="826822"/>
         </a:xfrm>
         <a:prstGeom prst="roundRect">
           <a:avLst>
@@ -4823,7 +5153,7 @@
         </a:bodyPr>
         <a:lstStyle/>
         <a:p>
-          <a:pPr marL="0" lvl="0" indent="0" algn="ctr" defTabSz="488950">
+          <a:pPr marL="0" lvl="0" indent="0" algn="ctr" defTabSz="533400">
             <a:lnSpc>
               <a:spcPct val="90000"/>
             </a:lnSpc>
@@ -4836,7 +5166,7 @@
             <a:buNone/>
           </a:pPr>
           <a:r>
-            <a:rPr lang="en-US" sz="1100" kern="1200" dirty="0">
+            <a:rPr lang="en-US" sz="1200" kern="1200" dirty="0">
               <a:solidFill>
                 <a:prstClr val="white"/>
               </a:solidFill>
@@ -4849,8 +5179,8 @@
         </a:p>
       </dsp:txBody>
       <dsp:txXfrm>
-        <a:off x="7149852" y="4714613"/>
-        <a:ext cx="954914" cy="678755"/>
+        <a:off x="9606475" y="4614172"/>
+        <a:ext cx="994359" cy="778388"/>
       </dsp:txXfrm>
     </dsp:sp>
   </dsp:spTree>
@@ -6435,7 +6765,7 @@
           <p:cNvPr id="2" name="Title 1">
             <a:extLst>
               <a:ext uri="{FF2B5EF4-FFF2-40B4-BE49-F238E27FC236}">
-                <a16:creationId xmlns:a16="http://schemas.microsoft.com/office/drawing/2014/main" id="{4CE3401D-6D22-4B42-81F4-743C93380744}"/>
+                <a16:creationId xmlns:a16="http://schemas.microsoft.com/office/drawing/2014/main" id="{CFA7BB7C-9EC3-744B-94C6-75DFD22E10DC}"/>
               </a:ext>
             </a:extLst>
           </p:cNvPr>
@@ -6472,7 +6802,7 @@
           <p:cNvPr id="3" name="Subtitle 2">
             <a:extLst>
               <a:ext uri="{FF2B5EF4-FFF2-40B4-BE49-F238E27FC236}">
-                <a16:creationId xmlns:a16="http://schemas.microsoft.com/office/drawing/2014/main" id="{64725D68-FAD0-5C40-AE35-85310BBC607F}"/>
+                <a16:creationId xmlns:a16="http://schemas.microsoft.com/office/drawing/2014/main" id="{2FF5BF04-D89E-0B4C-A065-4D0A4B828364}"/>
               </a:ext>
             </a:extLst>
           </p:cNvPr>
@@ -6542,7 +6872,7 @@
           <p:cNvPr id="4" name="Date Placeholder 3">
             <a:extLst>
               <a:ext uri="{FF2B5EF4-FFF2-40B4-BE49-F238E27FC236}">
-                <a16:creationId xmlns:a16="http://schemas.microsoft.com/office/drawing/2014/main" id="{46E99B47-3DC9-2B4B-B48D-156DFF136DC5}"/>
+                <a16:creationId xmlns:a16="http://schemas.microsoft.com/office/drawing/2014/main" id="{1E6B6D22-029D-7C4B-AD00-FF4838B23343}"/>
               </a:ext>
             </a:extLst>
           </p:cNvPr>
@@ -6560,7 +6890,7 @@
           <a:p>
             <a:fld id="{2CDF07C8-1333-1A42-9028-3F4BB35A012A}" type="datetimeFigureOut">
               <a:rPr lang="en-US" smtClean="0"/>
-              <a:t>10/23/20</a:t>
+              <a:t>10/24/20</a:t>
             </a:fld>
             <a:endParaRPr lang="en-US"/>
           </a:p>
@@ -6571,7 +6901,7 @@
           <p:cNvPr id="5" name="Footer Placeholder 4">
             <a:extLst>
               <a:ext uri="{FF2B5EF4-FFF2-40B4-BE49-F238E27FC236}">
-                <a16:creationId xmlns:a16="http://schemas.microsoft.com/office/drawing/2014/main" id="{D16A90AA-F06B-7C44-8F18-1D1F9A587280}"/>
+                <a16:creationId xmlns:a16="http://schemas.microsoft.com/office/drawing/2014/main" id="{6D6E30CB-086C-4040-BC8B-859F525731E8}"/>
               </a:ext>
             </a:extLst>
           </p:cNvPr>
@@ -6596,7 +6926,7 @@
           <p:cNvPr id="6" name="Slide Number Placeholder 5">
             <a:extLst>
               <a:ext uri="{FF2B5EF4-FFF2-40B4-BE49-F238E27FC236}">
-                <a16:creationId xmlns:a16="http://schemas.microsoft.com/office/drawing/2014/main" id="{F2D5F7D2-5A42-4D45-B85D-890647F083C6}"/>
+                <a16:creationId xmlns:a16="http://schemas.microsoft.com/office/drawing/2014/main" id="{A086ABEF-C7A2-9F40-9A89-D29C5F3C830E}"/>
               </a:ext>
             </a:extLst>
           </p:cNvPr>
@@ -6623,7 +6953,7 @@
     </p:spTree>
     <p:extLst>
       <p:ext uri="{BB962C8B-B14F-4D97-AF65-F5344CB8AC3E}">
-        <p14:creationId xmlns:p14="http://schemas.microsoft.com/office/powerpoint/2010/main" val="230873959"/>
+        <p14:creationId xmlns:p14="http://schemas.microsoft.com/office/powerpoint/2010/main" val="931730676"/>
       </p:ext>
     </p:extLst>
   </p:cSld>
@@ -6655,7 +6985,7 @@
           <p:cNvPr id="2" name="Title 1">
             <a:extLst>
               <a:ext uri="{FF2B5EF4-FFF2-40B4-BE49-F238E27FC236}">
-                <a16:creationId xmlns:a16="http://schemas.microsoft.com/office/drawing/2014/main" id="{E524B742-AFE8-794A-9652-66B1B86FBBF8}"/>
+                <a16:creationId xmlns:a16="http://schemas.microsoft.com/office/drawing/2014/main" id="{EB490D6A-5798-564A-9176-324B2123AC83}"/>
               </a:ext>
             </a:extLst>
           </p:cNvPr>
@@ -6683,7 +7013,7 @@
           <p:cNvPr id="3" name="Vertical Text Placeholder 2">
             <a:extLst>
               <a:ext uri="{FF2B5EF4-FFF2-40B4-BE49-F238E27FC236}">
-                <a16:creationId xmlns:a16="http://schemas.microsoft.com/office/drawing/2014/main" id="{02D8BE30-E8A3-7543-B79C-77C2BF373ACA}"/>
+                <a16:creationId xmlns:a16="http://schemas.microsoft.com/office/drawing/2014/main" id="{BDD647A6-1DFA-7041-9E7D-37E460AB7D8F}"/>
               </a:ext>
             </a:extLst>
           </p:cNvPr>
@@ -6740,7 +7070,7 @@
           <p:cNvPr id="4" name="Date Placeholder 3">
             <a:extLst>
               <a:ext uri="{FF2B5EF4-FFF2-40B4-BE49-F238E27FC236}">
-                <a16:creationId xmlns:a16="http://schemas.microsoft.com/office/drawing/2014/main" id="{F4EC20CA-E6A1-6C46-A679-6DBC9FB1203C}"/>
+                <a16:creationId xmlns:a16="http://schemas.microsoft.com/office/drawing/2014/main" id="{82685D18-EBC9-2146-936C-1AA26E087ADB}"/>
               </a:ext>
             </a:extLst>
           </p:cNvPr>
@@ -6758,7 +7088,7 @@
           <a:p>
             <a:fld id="{2CDF07C8-1333-1A42-9028-3F4BB35A012A}" type="datetimeFigureOut">
               <a:rPr lang="en-US" smtClean="0"/>
-              <a:t>10/23/20</a:t>
+              <a:t>10/24/20</a:t>
             </a:fld>
             <a:endParaRPr lang="en-US"/>
           </a:p>
@@ -6769,7 +7099,7 @@
           <p:cNvPr id="5" name="Footer Placeholder 4">
             <a:extLst>
               <a:ext uri="{FF2B5EF4-FFF2-40B4-BE49-F238E27FC236}">
-                <a16:creationId xmlns:a16="http://schemas.microsoft.com/office/drawing/2014/main" id="{3FECD14E-48DA-5A4D-9DE5-4E3DF5B7CCF2}"/>
+                <a16:creationId xmlns:a16="http://schemas.microsoft.com/office/drawing/2014/main" id="{1C4F4179-27BA-D849-A6EF-F324E76D99D8}"/>
               </a:ext>
             </a:extLst>
           </p:cNvPr>
@@ -6794,7 +7124,7 @@
           <p:cNvPr id="6" name="Slide Number Placeholder 5">
             <a:extLst>
               <a:ext uri="{FF2B5EF4-FFF2-40B4-BE49-F238E27FC236}">
-                <a16:creationId xmlns:a16="http://schemas.microsoft.com/office/drawing/2014/main" id="{893625D0-8B27-3643-B6E0-9CFB7DE6322E}"/>
+                <a16:creationId xmlns:a16="http://schemas.microsoft.com/office/drawing/2014/main" id="{C85C17DD-29F6-D742-8DA5-3D60E04DE366}"/>
               </a:ext>
             </a:extLst>
           </p:cNvPr>
@@ -6821,7 +7151,7 @@
     </p:spTree>
     <p:extLst>
       <p:ext uri="{BB962C8B-B14F-4D97-AF65-F5344CB8AC3E}">
-        <p14:creationId xmlns:p14="http://schemas.microsoft.com/office/powerpoint/2010/main" val="2345138365"/>
+        <p14:creationId xmlns:p14="http://schemas.microsoft.com/office/powerpoint/2010/main" val="2295786580"/>
       </p:ext>
     </p:extLst>
   </p:cSld>
@@ -6853,7 +7183,7 @@
           <p:cNvPr id="2" name="Vertical Title 1">
             <a:extLst>
               <a:ext uri="{FF2B5EF4-FFF2-40B4-BE49-F238E27FC236}">
-                <a16:creationId xmlns:a16="http://schemas.microsoft.com/office/drawing/2014/main" id="{6D2DDEC5-D108-DA4E-B17C-B20DB87F79C4}"/>
+                <a16:creationId xmlns:a16="http://schemas.microsoft.com/office/drawing/2014/main" id="{50108DDC-6010-6E42-82CA-52F8601A3917}"/>
               </a:ext>
             </a:extLst>
           </p:cNvPr>
@@ -6886,7 +7216,7 @@
           <p:cNvPr id="3" name="Vertical Text Placeholder 2">
             <a:extLst>
               <a:ext uri="{FF2B5EF4-FFF2-40B4-BE49-F238E27FC236}">
-                <a16:creationId xmlns:a16="http://schemas.microsoft.com/office/drawing/2014/main" id="{F23C808D-C640-6D43-A998-250F173538CC}"/>
+                <a16:creationId xmlns:a16="http://schemas.microsoft.com/office/drawing/2014/main" id="{CF305F6D-7705-C94F-9536-450CD3A07906}"/>
               </a:ext>
             </a:extLst>
           </p:cNvPr>
@@ -6948,7 +7278,7 @@
           <p:cNvPr id="4" name="Date Placeholder 3">
             <a:extLst>
               <a:ext uri="{FF2B5EF4-FFF2-40B4-BE49-F238E27FC236}">
-                <a16:creationId xmlns:a16="http://schemas.microsoft.com/office/drawing/2014/main" id="{B785F730-7B8F-FE41-B15E-7907DC013D6B}"/>
+                <a16:creationId xmlns:a16="http://schemas.microsoft.com/office/drawing/2014/main" id="{A204199D-4A6B-8840-9B2E-2E2FB038CB64}"/>
               </a:ext>
             </a:extLst>
           </p:cNvPr>
@@ -6966,7 +7296,7 @@
           <a:p>
             <a:fld id="{2CDF07C8-1333-1A42-9028-3F4BB35A012A}" type="datetimeFigureOut">
               <a:rPr lang="en-US" smtClean="0"/>
-              <a:t>10/23/20</a:t>
+              <a:t>10/24/20</a:t>
             </a:fld>
             <a:endParaRPr lang="en-US"/>
           </a:p>
@@ -6977,7 +7307,7 @@
           <p:cNvPr id="5" name="Footer Placeholder 4">
             <a:extLst>
               <a:ext uri="{FF2B5EF4-FFF2-40B4-BE49-F238E27FC236}">
-                <a16:creationId xmlns:a16="http://schemas.microsoft.com/office/drawing/2014/main" id="{B8D45FBF-6077-7D45-B982-7D0BE1D72B26}"/>
+                <a16:creationId xmlns:a16="http://schemas.microsoft.com/office/drawing/2014/main" id="{D766C1DD-617F-6C4B-BB7E-AAA2FF8DA5DF}"/>
               </a:ext>
             </a:extLst>
           </p:cNvPr>
@@ -7002,7 +7332,7 @@
           <p:cNvPr id="6" name="Slide Number Placeholder 5">
             <a:extLst>
               <a:ext uri="{FF2B5EF4-FFF2-40B4-BE49-F238E27FC236}">
-                <a16:creationId xmlns:a16="http://schemas.microsoft.com/office/drawing/2014/main" id="{6DBA708F-8456-0B44-9A71-C2E80F0A291D}"/>
+                <a16:creationId xmlns:a16="http://schemas.microsoft.com/office/drawing/2014/main" id="{2200283D-4B16-2741-A6C4-83751DEFBAF6}"/>
               </a:ext>
             </a:extLst>
           </p:cNvPr>
@@ -7029,7 +7359,7 @@
     </p:spTree>
     <p:extLst>
       <p:ext uri="{BB962C8B-B14F-4D97-AF65-F5344CB8AC3E}">
-        <p14:creationId xmlns:p14="http://schemas.microsoft.com/office/powerpoint/2010/main" val="1284414591"/>
+        <p14:creationId xmlns:p14="http://schemas.microsoft.com/office/powerpoint/2010/main" val="1012327848"/>
       </p:ext>
     </p:extLst>
   </p:cSld>
@@ -7061,7 +7391,7 @@
           <p:cNvPr id="2" name="Title 1">
             <a:extLst>
               <a:ext uri="{FF2B5EF4-FFF2-40B4-BE49-F238E27FC236}">
-                <a16:creationId xmlns:a16="http://schemas.microsoft.com/office/drawing/2014/main" id="{A4AC0284-11C3-964B-B52D-04FA05BB02C2}"/>
+                <a16:creationId xmlns:a16="http://schemas.microsoft.com/office/drawing/2014/main" id="{DA3B64A8-C557-F64F-AEDF-FE8679BF86D1}"/>
               </a:ext>
             </a:extLst>
           </p:cNvPr>
@@ -7089,7 +7419,7 @@
           <p:cNvPr id="3" name="Content Placeholder 2">
             <a:extLst>
               <a:ext uri="{FF2B5EF4-FFF2-40B4-BE49-F238E27FC236}">
-                <a16:creationId xmlns:a16="http://schemas.microsoft.com/office/drawing/2014/main" id="{83FE7D14-F501-3742-8719-7622972DF3C1}"/>
+                <a16:creationId xmlns:a16="http://schemas.microsoft.com/office/drawing/2014/main" id="{F7D29A04-0E48-B148-AF5A-85A8A121D290}"/>
               </a:ext>
             </a:extLst>
           </p:cNvPr>
@@ -7146,7 +7476,7 @@
           <p:cNvPr id="4" name="Date Placeholder 3">
             <a:extLst>
               <a:ext uri="{FF2B5EF4-FFF2-40B4-BE49-F238E27FC236}">
-                <a16:creationId xmlns:a16="http://schemas.microsoft.com/office/drawing/2014/main" id="{54AD596B-454F-E54F-B07A-6611E509E656}"/>
+                <a16:creationId xmlns:a16="http://schemas.microsoft.com/office/drawing/2014/main" id="{664C2967-5FB0-2748-B344-63734276AA16}"/>
               </a:ext>
             </a:extLst>
           </p:cNvPr>
@@ -7164,7 +7494,7 @@
           <a:p>
             <a:fld id="{2CDF07C8-1333-1A42-9028-3F4BB35A012A}" type="datetimeFigureOut">
               <a:rPr lang="en-US" smtClean="0"/>
-              <a:t>10/23/20</a:t>
+              <a:t>10/24/20</a:t>
             </a:fld>
             <a:endParaRPr lang="en-US"/>
           </a:p>
@@ -7175,7 +7505,7 @@
           <p:cNvPr id="5" name="Footer Placeholder 4">
             <a:extLst>
               <a:ext uri="{FF2B5EF4-FFF2-40B4-BE49-F238E27FC236}">
-                <a16:creationId xmlns:a16="http://schemas.microsoft.com/office/drawing/2014/main" id="{7AD8F8B6-D028-4A4E-8DE5-F13AC36EE937}"/>
+                <a16:creationId xmlns:a16="http://schemas.microsoft.com/office/drawing/2014/main" id="{EEA020AA-6732-4A45-9A85-33D77267A96C}"/>
               </a:ext>
             </a:extLst>
           </p:cNvPr>
@@ -7200,7 +7530,7 @@
           <p:cNvPr id="6" name="Slide Number Placeholder 5">
             <a:extLst>
               <a:ext uri="{FF2B5EF4-FFF2-40B4-BE49-F238E27FC236}">
-                <a16:creationId xmlns:a16="http://schemas.microsoft.com/office/drawing/2014/main" id="{0F967A71-6F90-554E-A73D-4A068113ECF0}"/>
+                <a16:creationId xmlns:a16="http://schemas.microsoft.com/office/drawing/2014/main" id="{92604AD9-B1D2-F74B-AE63-890C456CE45C}"/>
               </a:ext>
             </a:extLst>
           </p:cNvPr>
@@ -7227,7 +7557,7 @@
     </p:spTree>
     <p:extLst>
       <p:ext uri="{BB962C8B-B14F-4D97-AF65-F5344CB8AC3E}">
-        <p14:creationId xmlns:p14="http://schemas.microsoft.com/office/powerpoint/2010/main" val="1186028798"/>
+        <p14:creationId xmlns:p14="http://schemas.microsoft.com/office/powerpoint/2010/main" val="1024814195"/>
       </p:ext>
     </p:extLst>
   </p:cSld>
@@ -7259,7 +7589,7 @@
           <p:cNvPr id="2" name="Title 1">
             <a:extLst>
               <a:ext uri="{FF2B5EF4-FFF2-40B4-BE49-F238E27FC236}">
-                <a16:creationId xmlns:a16="http://schemas.microsoft.com/office/drawing/2014/main" id="{857640B3-E3E4-FF47-A2AC-C4FC70E066ED}"/>
+                <a16:creationId xmlns:a16="http://schemas.microsoft.com/office/drawing/2014/main" id="{03795CE2-39F5-2A4E-91BC-F7C063A315E6}"/>
               </a:ext>
             </a:extLst>
           </p:cNvPr>
@@ -7296,7 +7626,7 @@
           <p:cNvPr id="3" name="Text Placeholder 2">
             <a:extLst>
               <a:ext uri="{FF2B5EF4-FFF2-40B4-BE49-F238E27FC236}">
-                <a16:creationId xmlns:a16="http://schemas.microsoft.com/office/drawing/2014/main" id="{72351698-347F-2B46-9054-91ADF8DFA70A}"/>
+                <a16:creationId xmlns:a16="http://schemas.microsoft.com/office/drawing/2014/main" id="{99EFEF2C-BB13-4643-82C6-B458BC84DDE3}"/>
               </a:ext>
             </a:extLst>
           </p:cNvPr>
@@ -7421,7 +7751,7 @@
           <p:cNvPr id="4" name="Date Placeholder 3">
             <a:extLst>
               <a:ext uri="{FF2B5EF4-FFF2-40B4-BE49-F238E27FC236}">
-                <a16:creationId xmlns:a16="http://schemas.microsoft.com/office/drawing/2014/main" id="{515FA2DD-41EB-1042-A7D8-2D06A9C3389E}"/>
+                <a16:creationId xmlns:a16="http://schemas.microsoft.com/office/drawing/2014/main" id="{BF82EF3C-82FF-3B47-A81F-043153A9772D}"/>
               </a:ext>
             </a:extLst>
           </p:cNvPr>
@@ -7439,7 +7769,7 @@
           <a:p>
             <a:fld id="{2CDF07C8-1333-1A42-9028-3F4BB35A012A}" type="datetimeFigureOut">
               <a:rPr lang="en-US" smtClean="0"/>
-              <a:t>10/23/20</a:t>
+              <a:t>10/24/20</a:t>
             </a:fld>
             <a:endParaRPr lang="en-US"/>
           </a:p>
@@ -7450,7 +7780,7 @@
           <p:cNvPr id="5" name="Footer Placeholder 4">
             <a:extLst>
               <a:ext uri="{FF2B5EF4-FFF2-40B4-BE49-F238E27FC236}">
-                <a16:creationId xmlns:a16="http://schemas.microsoft.com/office/drawing/2014/main" id="{D040CF46-4088-D94F-B8C1-0058761D8131}"/>
+                <a16:creationId xmlns:a16="http://schemas.microsoft.com/office/drawing/2014/main" id="{F2E4A357-07B4-3041-AE6D-13C71F0D40BF}"/>
               </a:ext>
             </a:extLst>
           </p:cNvPr>
@@ -7475,7 +7805,7 @@
           <p:cNvPr id="6" name="Slide Number Placeholder 5">
             <a:extLst>
               <a:ext uri="{FF2B5EF4-FFF2-40B4-BE49-F238E27FC236}">
-                <a16:creationId xmlns:a16="http://schemas.microsoft.com/office/drawing/2014/main" id="{62C97C9A-AE71-6745-8C66-2D6B28DFB6A0}"/>
+                <a16:creationId xmlns:a16="http://schemas.microsoft.com/office/drawing/2014/main" id="{0BC37904-68C1-F449-A250-EA493B0990EB}"/>
               </a:ext>
             </a:extLst>
           </p:cNvPr>
@@ -7502,7 +7832,7 @@
     </p:spTree>
     <p:extLst>
       <p:ext uri="{BB962C8B-B14F-4D97-AF65-F5344CB8AC3E}">
-        <p14:creationId xmlns:p14="http://schemas.microsoft.com/office/powerpoint/2010/main" val="1907823246"/>
+        <p14:creationId xmlns:p14="http://schemas.microsoft.com/office/powerpoint/2010/main" val="559475876"/>
       </p:ext>
     </p:extLst>
   </p:cSld>
@@ -7534,7 +7864,7 @@
           <p:cNvPr id="2" name="Title 1">
             <a:extLst>
               <a:ext uri="{FF2B5EF4-FFF2-40B4-BE49-F238E27FC236}">
-                <a16:creationId xmlns:a16="http://schemas.microsoft.com/office/drawing/2014/main" id="{087EC55E-4822-664F-941E-94BC68638F85}"/>
+                <a16:creationId xmlns:a16="http://schemas.microsoft.com/office/drawing/2014/main" id="{B769FEA0-477F-EA4F-8132-14FC473EB390}"/>
               </a:ext>
             </a:extLst>
           </p:cNvPr>
@@ -7562,7 +7892,7 @@
           <p:cNvPr id="3" name="Content Placeholder 2">
             <a:extLst>
               <a:ext uri="{FF2B5EF4-FFF2-40B4-BE49-F238E27FC236}">
-                <a16:creationId xmlns:a16="http://schemas.microsoft.com/office/drawing/2014/main" id="{6201B5B9-7280-BB48-BF1F-C1C03F0B1C44}"/>
+                <a16:creationId xmlns:a16="http://schemas.microsoft.com/office/drawing/2014/main" id="{8FBAEC4C-6A20-B44A-A1A3-799B9FD45DAB}"/>
               </a:ext>
             </a:extLst>
           </p:cNvPr>
@@ -7624,7 +7954,7 @@
           <p:cNvPr id="4" name="Content Placeholder 3">
             <a:extLst>
               <a:ext uri="{FF2B5EF4-FFF2-40B4-BE49-F238E27FC236}">
-                <a16:creationId xmlns:a16="http://schemas.microsoft.com/office/drawing/2014/main" id="{65BF74D1-E8B4-3243-84E9-3F8988A52A46}"/>
+                <a16:creationId xmlns:a16="http://schemas.microsoft.com/office/drawing/2014/main" id="{2810BC08-0AFD-114E-9C1D-74E6D076E080}"/>
               </a:ext>
             </a:extLst>
           </p:cNvPr>
@@ -7686,7 +8016,7 @@
           <p:cNvPr id="5" name="Date Placeholder 4">
             <a:extLst>
               <a:ext uri="{FF2B5EF4-FFF2-40B4-BE49-F238E27FC236}">
-                <a16:creationId xmlns:a16="http://schemas.microsoft.com/office/drawing/2014/main" id="{B7FB8CC2-6276-7940-BD21-F9AE600B4026}"/>
+                <a16:creationId xmlns:a16="http://schemas.microsoft.com/office/drawing/2014/main" id="{F002DED7-7F6C-A142-95EA-F246C76A05C6}"/>
               </a:ext>
             </a:extLst>
           </p:cNvPr>
@@ -7704,7 +8034,7 @@
           <a:p>
             <a:fld id="{2CDF07C8-1333-1A42-9028-3F4BB35A012A}" type="datetimeFigureOut">
               <a:rPr lang="en-US" smtClean="0"/>
-              <a:t>10/23/20</a:t>
+              <a:t>10/24/20</a:t>
             </a:fld>
             <a:endParaRPr lang="en-US"/>
           </a:p>
@@ -7715,7 +8045,7 @@
           <p:cNvPr id="6" name="Footer Placeholder 5">
             <a:extLst>
               <a:ext uri="{FF2B5EF4-FFF2-40B4-BE49-F238E27FC236}">
-                <a16:creationId xmlns:a16="http://schemas.microsoft.com/office/drawing/2014/main" id="{4D61308F-5881-904D-8851-D08A08A8AE0E}"/>
+                <a16:creationId xmlns:a16="http://schemas.microsoft.com/office/drawing/2014/main" id="{C63DEB72-BC30-994B-8F1A-E96417F798E3}"/>
               </a:ext>
             </a:extLst>
           </p:cNvPr>
@@ -7740,7 +8070,7 @@
           <p:cNvPr id="7" name="Slide Number Placeholder 6">
             <a:extLst>
               <a:ext uri="{FF2B5EF4-FFF2-40B4-BE49-F238E27FC236}">
-                <a16:creationId xmlns:a16="http://schemas.microsoft.com/office/drawing/2014/main" id="{787AD5AF-D129-A843-ACC8-50D1BFEF0FB7}"/>
+                <a16:creationId xmlns:a16="http://schemas.microsoft.com/office/drawing/2014/main" id="{1438B2A0-01B1-3543-B02A-760321718EC4}"/>
               </a:ext>
             </a:extLst>
           </p:cNvPr>
@@ -7767,7 +8097,7 @@
     </p:spTree>
     <p:extLst>
       <p:ext uri="{BB962C8B-B14F-4D97-AF65-F5344CB8AC3E}">
-        <p14:creationId xmlns:p14="http://schemas.microsoft.com/office/powerpoint/2010/main" val="4294230646"/>
+        <p14:creationId xmlns:p14="http://schemas.microsoft.com/office/powerpoint/2010/main" val="4228410558"/>
       </p:ext>
     </p:extLst>
   </p:cSld>
@@ -7799,7 +8129,7 @@
           <p:cNvPr id="2" name="Title 1">
             <a:extLst>
               <a:ext uri="{FF2B5EF4-FFF2-40B4-BE49-F238E27FC236}">
-                <a16:creationId xmlns:a16="http://schemas.microsoft.com/office/drawing/2014/main" id="{4EF6D2C0-9E66-CD45-BCAB-28CA0A0D6879}"/>
+                <a16:creationId xmlns:a16="http://schemas.microsoft.com/office/drawing/2014/main" id="{279C2EE3-33C3-E44B-BA6D-59F436C6F318}"/>
               </a:ext>
             </a:extLst>
           </p:cNvPr>
@@ -7832,7 +8162,7 @@
           <p:cNvPr id="3" name="Text Placeholder 2">
             <a:extLst>
               <a:ext uri="{FF2B5EF4-FFF2-40B4-BE49-F238E27FC236}">
-                <a16:creationId xmlns:a16="http://schemas.microsoft.com/office/drawing/2014/main" id="{65D5BFC3-257C-134F-B2DB-A7756FE8EFEB}"/>
+                <a16:creationId xmlns:a16="http://schemas.microsoft.com/office/drawing/2014/main" id="{34CDDD18-F7A0-7D4D-8750-4A217852A47F}"/>
               </a:ext>
             </a:extLst>
           </p:cNvPr>
@@ -7903,7 +8233,7 @@
           <p:cNvPr id="4" name="Content Placeholder 3">
             <a:extLst>
               <a:ext uri="{FF2B5EF4-FFF2-40B4-BE49-F238E27FC236}">
-                <a16:creationId xmlns:a16="http://schemas.microsoft.com/office/drawing/2014/main" id="{2EF5F0D9-5EF2-B148-9CB1-708A90B6D283}"/>
+                <a16:creationId xmlns:a16="http://schemas.microsoft.com/office/drawing/2014/main" id="{6D46B297-5B5A-E94A-BE42-DA8A2FD31CA3}"/>
               </a:ext>
             </a:extLst>
           </p:cNvPr>
@@ -7965,7 +8295,7 @@
           <p:cNvPr id="5" name="Text Placeholder 4">
             <a:extLst>
               <a:ext uri="{FF2B5EF4-FFF2-40B4-BE49-F238E27FC236}">
-                <a16:creationId xmlns:a16="http://schemas.microsoft.com/office/drawing/2014/main" id="{76362E5F-7081-9048-88DD-04AEA451DE37}"/>
+                <a16:creationId xmlns:a16="http://schemas.microsoft.com/office/drawing/2014/main" id="{359EF570-4670-9F4C-B06F-0153C5174812}"/>
               </a:ext>
             </a:extLst>
           </p:cNvPr>
@@ -8036,7 +8366,7 @@
           <p:cNvPr id="6" name="Content Placeholder 5">
             <a:extLst>
               <a:ext uri="{FF2B5EF4-FFF2-40B4-BE49-F238E27FC236}">
-                <a16:creationId xmlns:a16="http://schemas.microsoft.com/office/drawing/2014/main" id="{3CDF19AF-F77D-4B41-931C-10647FCE1757}"/>
+                <a16:creationId xmlns:a16="http://schemas.microsoft.com/office/drawing/2014/main" id="{9AE254A0-DBE9-6448-8B4F-64CADD1EA874}"/>
               </a:ext>
             </a:extLst>
           </p:cNvPr>
@@ -8098,7 +8428,7 @@
           <p:cNvPr id="7" name="Date Placeholder 6">
             <a:extLst>
               <a:ext uri="{FF2B5EF4-FFF2-40B4-BE49-F238E27FC236}">
-                <a16:creationId xmlns:a16="http://schemas.microsoft.com/office/drawing/2014/main" id="{903A970C-6B86-F34F-8F0F-8F7C73BB2ABB}"/>
+                <a16:creationId xmlns:a16="http://schemas.microsoft.com/office/drawing/2014/main" id="{71D0366E-5C6C-F441-BD8D-0CB2B9AB3212}"/>
               </a:ext>
             </a:extLst>
           </p:cNvPr>
@@ -8116,7 +8446,7 @@
           <a:p>
             <a:fld id="{2CDF07C8-1333-1A42-9028-3F4BB35A012A}" type="datetimeFigureOut">
               <a:rPr lang="en-US" smtClean="0"/>
-              <a:t>10/23/20</a:t>
+              <a:t>10/24/20</a:t>
             </a:fld>
             <a:endParaRPr lang="en-US"/>
           </a:p>
@@ -8127,7 +8457,7 @@
           <p:cNvPr id="8" name="Footer Placeholder 7">
             <a:extLst>
               <a:ext uri="{FF2B5EF4-FFF2-40B4-BE49-F238E27FC236}">
-                <a16:creationId xmlns:a16="http://schemas.microsoft.com/office/drawing/2014/main" id="{024633AE-2315-C84A-AC1D-B5762143BAE9}"/>
+                <a16:creationId xmlns:a16="http://schemas.microsoft.com/office/drawing/2014/main" id="{A29FCF7E-3570-3843-9EEC-E11EB9ABEB74}"/>
               </a:ext>
             </a:extLst>
           </p:cNvPr>
@@ -8152,7 +8482,7 @@
           <p:cNvPr id="9" name="Slide Number Placeholder 8">
             <a:extLst>
               <a:ext uri="{FF2B5EF4-FFF2-40B4-BE49-F238E27FC236}">
-                <a16:creationId xmlns:a16="http://schemas.microsoft.com/office/drawing/2014/main" id="{5532AC9C-3EFB-974F-90CC-DA0AEB1269AF}"/>
+                <a16:creationId xmlns:a16="http://schemas.microsoft.com/office/drawing/2014/main" id="{73B70287-FCFC-4145-B35C-065226CBB5E1}"/>
               </a:ext>
             </a:extLst>
           </p:cNvPr>
@@ -8179,7 +8509,7 @@
     </p:spTree>
     <p:extLst>
       <p:ext uri="{BB962C8B-B14F-4D97-AF65-F5344CB8AC3E}">
-        <p14:creationId xmlns:p14="http://schemas.microsoft.com/office/powerpoint/2010/main" val="1133721542"/>
+        <p14:creationId xmlns:p14="http://schemas.microsoft.com/office/powerpoint/2010/main" val="1301177811"/>
       </p:ext>
     </p:extLst>
   </p:cSld>
@@ -8211,7 +8541,7 @@
           <p:cNvPr id="2" name="Title 1">
             <a:extLst>
               <a:ext uri="{FF2B5EF4-FFF2-40B4-BE49-F238E27FC236}">
-                <a16:creationId xmlns:a16="http://schemas.microsoft.com/office/drawing/2014/main" id="{74409FC0-55B1-9945-AA9D-E1064367238F}"/>
+                <a16:creationId xmlns:a16="http://schemas.microsoft.com/office/drawing/2014/main" id="{56730E9D-A203-BC40-8355-3C67FA329336}"/>
               </a:ext>
             </a:extLst>
           </p:cNvPr>
@@ -8239,7 +8569,7 @@
           <p:cNvPr id="3" name="Date Placeholder 2">
             <a:extLst>
               <a:ext uri="{FF2B5EF4-FFF2-40B4-BE49-F238E27FC236}">
-                <a16:creationId xmlns:a16="http://schemas.microsoft.com/office/drawing/2014/main" id="{DBC5E51F-3288-1943-B4D9-0A283493BA78}"/>
+                <a16:creationId xmlns:a16="http://schemas.microsoft.com/office/drawing/2014/main" id="{C48054C8-8B33-2141-9E60-A27B4AC20E7A}"/>
               </a:ext>
             </a:extLst>
           </p:cNvPr>
@@ -8257,7 +8587,7 @@
           <a:p>
             <a:fld id="{2CDF07C8-1333-1A42-9028-3F4BB35A012A}" type="datetimeFigureOut">
               <a:rPr lang="en-US" smtClean="0"/>
-              <a:t>10/23/20</a:t>
+              <a:t>10/24/20</a:t>
             </a:fld>
             <a:endParaRPr lang="en-US"/>
           </a:p>
@@ -8268,7 +8598,7 @@
           <p:cNvPr id="4" name="Footer Placeholder 3">
             <a:extLst>
               <a:ext uri="{FF2B5EF4-FFF2-40B4-BE49-F238E27FC236}">
-                <a16:creationId xmlns:a16="http://schemas.microsoft.com/office/drawing/2014/main" id="{36B22697-C556-CB4B-BE36-2E1E82E629BA}"/>
+                <a16:creationId xmlns:a16="http://schemas.microsoft.com/office/drawing/2014/main" id="{3BEEE261-FD31-7743-8DD5-33412E20AD0A}"/>
               </a:ext>
             </a:extLst>
           </p:cNvPr>
@@ -8293,7 +8623,7 @@
           <p:cNvPr id="5" name="Slide Number Placeholder 4">
             <a:extLst>
               <a:ext uri="{FF2B5EF4-FFF2-40B4-BE49-F238E27FC236}">
-                <a16:creationId xmlns:a16="http://schemas.microsoft.com/office/drawing/2014/main" id="{ED947FF3-C9EE-7C48-AED2-0DF8CC7CA0E2}"/>
+                <a16:creationId xmlns:a16="http://schemas.microsoft.com/office/drawing/2014/main" id="{D84168A2-D3E5-974E-8E18-AEE7A447636F}"/>
               </a:ext>
             </a:extLst>
           </p:cNvPr>
@@ -8320,7 +8650,7 @@
     </p:spTree>
     <p:extLst>
       <p:ext uri="{BB962C8B-B14F-4D97-AF65-F5344CB8AC3E}">
-        <p14:creationId xmlns:p14="http://schemas.microsoft.com/office/powerpoint/2010/main" val="106927425"/>
+        <p14:creationId xmlns:p14="http://schemas.microsoft.com/office/powerpoint/2010/main" val="2033791538"/>
       </p:ext>
     </p:extLst>
   </p:cSld>
@@ -8352,7 +8682,7 @@
           <p:cNvPr id="2" name="Date Placeholder 1">
             <a:extLst>
               <a:ext uri="{FF2B5EF4-FFF2-40B4-BE49-F238E27FC236}">
-                <a16:creationId xmlns:a16="http://schemas.microsoft.com/office/drawing/2014/main" id="{B9153951-9258-4647-A6A5-010BEA3C5A57}"/>
+                <a16:creationId xmlns:a16="http://schemas.microsoft.com/office/drawing/2014/main" id="{EF262EC8-A18E-9848-BDBE-B1985F6473C6}"/>
               </a:ext>
             </a:extLst>
           </p:cNvPr>
@@ -8370,7 +8700,7 @@
           <a:p>
             <a:fld id="{2CDF07C8-1333-1A42-9028-3F4BB35A012A}" type="datetimeFigureOut">
               <a:rPr lang="en-US" smtClean="0"/>
-              <a:t>10/23/20</a:t>
+              <a:t>10/24/20</a:t>
             </a:fld>
             <a:endParaRPr lang="en-US"/>
           </a:p>
@@ -8381,7 +8711,7 @@
           <p:cNvPr id="3" name="Footer Placeholder 2">
             <a:extLst>
               <a:ext uri="{FF2B5EF4-FFF2-40B4-BE49-F238E27FC236}">
-                <a16:creationId xmlns:a16="http://schemas.microsoft.com/office/drawing/2014/main" id="{29B8D2C4-EF8F-1541-91B6-07F0A80CBCC1}"/>
+                <a16:creationId xmlns:a16="http://schemas.microsoft.com/office/drawing/2014/main" id="{0E1B18E4-20F1-6742-975F-67590589DB19}"/>
               </a:ext>
             </a:extLst>
           </p:cNvPr>
@@ -8406,7 +8736,7 @@
           <p:cNvPr id="4" name="Slide Number Placeholder 3">
             <a:extLst>
               <a:ext uri="{FF2B5EF4-FFF2-40B4-BE49-F238E27FC236}">
-                <a16:creationId xmlns:a16="http://schemas.microsoft.com/office/drawing/2014/main" id="{A4459EB4-2663-CF45-9A32-3142C6AFBD35}"/>
+                <a16:creationId xmlns:a16="http://schemas.microsoft.com/office/drawing/2014/main" id="{CDE85F2D-6FF1-AD47-A1C6-2281E0E0FE6F}"/>
               </a:ext>
             </a:extLst>
           </p:cNvPr>
@@ -8433,7 +8763,7 @@
     </p:spTree>
     <p:extLst>
       <p:ext uri="{BB962C8B-B14F-4D97-AF65-F5344CB8AC3E}">
-        <p14:creationId xmlns:p14="http://schemas.microsoft.com/office/powerpoint/2010/main" val="1430203719"/>
+        <p14:creationId xmlns:p14="http://schemas.microsoft.com/office/powerpoint/2010/main" val="1654585809"/>
       </p:ext>
     </p:extLst>
   </p:cSld>
@@ -8465,7 +8795,7 @@
           <p:cNvPr id="2" name="Title 1">
             <a:extLst>
               <a:ext uri="{FF2B5EF4-FFF2-40B4-BE49-F238E27FC236}">
-                <a16:creationId xmlns:a16="http://schemas.microsoft.com/office/drawing/2014/main" id="{64788BA9-1399-4E45-B565-89788A8B77D3}"/>
+                <a16:creationId xmlns:a16="http://schemas.microsoft.com/office/drawing/2014/main" id="{1CE7DCC6-B473-6F4C-9BA7-7EF127E36459}"/>
               </a:ext>
             </a:extLst>
           </p:cNvPr>
@@ -8502,7 +8832,7 @@
           <p:cNvPr id="3" name="Content Placeholder 2">
             <a:extLst>
               <a:ext uri="{FF2B5EF4-FFF2-40B4-BE49-F238E27FC236}">
-                <a16:creationId xmlns:a16="http://schemas.microsoft.com/office/drawing/2014/main" id="{B8907B5B-16B0-CB43-B85C-FD155FCC3AD5}"/>
+                <a16:creationId xmlns:a16="http://schemas.microsoft.com/office/drawing/2014/main" id="{9812F606-54BE-2143-BCB1-3BC052D244A4}"/>
               </a:ext>
             </a:extLst>
           </p:cNvPr>
@@ -8592,7 +8922,7 @@
           <p:cNvPr id="4" name="Text Placeholder 3">
             <a:extLst>
               <a:ext uri="{FF2B5EF4-FFF2-40B4-BE49-F238E27FC236}">
-                <a16:creationId xmlns:a16="http://schemas.microsoft.com/office/drawing/2014/main" id="{87D88415-8F52-9C44-9136-4F6097DA244A}"/>
+                <a16:creationId xmlns:a16="http://schemas.microsoft.com/office/drawing/2014/main" id="{EFF5AF88-1DFC-7045-ABD6-8AB2508A8620}"/>
               </a:ext>
             </a:extLst>
           </p:cNvPr>
@@ -8663,7 +8993,7 @@
           <p:cNvPr id="5" name="Date Placeholder 4">
             <a:extLst>
               <a:ext uri="{FF2B5EF4-FFF2-40B4-BE49-F238E27FC236}">
-                <a16:creationId xmlns:a16="http://schemas.microsoft.com/office/drawing/2014/main" id="{FB5CE6D2-3EC1-A14F-A918-022BCA169F40}"/>
+                <a16:creationId xmlns:a16="http://schemas.microsoft.com/office/drawing/2014/main" id="{4D998261-F336-D240-83CF-743C99886D24}"/>
               </a:ext>
             </a:extLst>
           </p:cNvPr>
@@ -8681,7 +9011,7 @@
           <a:p>
             <a:fld id="{2CDF07C8-1333-1A42-9028-3F4BB35A012A}" type="datetimeFigureOut">
               <a:rPr lang="en-US" smtClean="0"/>
-              <a:t>10/23/20</a:t>
+              <a:t>10/24/20</a:t>
             </a:fld>
             <a:endParaRPr lang="en-US"/>
           </a:p>
@@ -8692,7 +9022,7 @@
           <p:cNvPr id="6" name="Footer Placeholder 5">
             <a:extLst>
               <a:ext uri="{FF2B5EF4-FFF2-40B4-BE49-F238E27FC236}">
-                <a16:creationId xmlns:a16="http://schemas.microsoft.com/office/drawing/2014/main" id="{5CFDEC92-8CD5-2E4A-B13B-AB12AEEE6B42}"/>
+                <a16:creationId xmlns:a16="http://schemas.microsoft.com/office/drawing/2014/main" id="{E3F77170-B313-7B4C-A7CB-6930CD467CDA}"/>
               </a:ext>
             </a:extLst>
           </p:cNvPr>
@@ -8717,7 +9047,7 @@
           <p:cNvPr id="7" name="Slide Number Placeholder 6">
             <a:extLst>
               <a:ext uri="{FF2B5EF4-FFF2-40B4-BE49-F238E27FC236}">
-                <a16:creationId xmlns:a16="http://schemas.microsoft.com/office/drawing/2014/main" id="{30756684-CFDF-F142-B2E7-A92C37F25D31}"/>
+                <a16:creationId xmlns:a16="http://schemas.microsoft.com/office/drawing/2014/main" id="{29E4354A-A745-F142-AFA7-6A0CA4C6BFA8}"/>
               </a:ext>
             </a:extLst>
           </p:cNvPr>
@@ -8744,7 +9074,7 @@
     </p:spTree>
     <p:extLst>
       <p:ext uri="{BB962C8B-B14F-4D97-AF65-F5344CB8AC3E}">
-        <p14:creationId xmlns:p14="http://schemas.microsoft.com/office/powerpoint/2010/main" val="4280531682"/>
+        <p14:creationId xmlns:p14="http://schemas.microsoft.com/office/powerpoint/2010/main" val="3491702877"/>
       </p:ext>
     </p:extLst>
   </p:cSld>
@@ -8776,7 +9106,7 @@
           <p:cNvPr id="2" name="Title 1">
             <a:extLst>
               <a:ext uri="{FF2B5EF4-FFF2-40B4-BE49-F238E27FC236}">
-                <a16:creationId xmlns:a16="http://schemas.microsoft.com/office/drawing/2014/main" id="{9DB7457C-8B62-D34E-9085-46AA0B3560FC}"/>
+                <a16:creationId xmlns:a16="http://schemas.microsoft.com/office/drawing/2014/main" id="{8FB3B2C0-0E16-7246-A152-02270051256D}"/>
               </a:ext>
             </a:extLst>
           </p:cNvPr>
@@ -8813,7 +9143,7 @@
           <p:cNvPr id="3" name="Picture Placeholder 2">
             <a:extLst>
               <a:ext uri="{FF2B5EF4-FFF2-40B4-BE49-F238E27FC236}">
-                <a16:creationId xmlns:a16="http://schemas.microsoft.com/office/drawing/2014/main" id="{D6C344BC-C512-3B47-B941-323CEE6C1463}"/>
+                <a16:creationId xmlns:a16="http://schemas.microsoft.com/office/drawing/2014/main" id="{BFE88E09-E649-3E44-AFAD-5105E0F2B7F4}"/>
               </a:ext>
             </a:extLst>
           </p:cNvPr>
@@ -8880,7 +9210,7 @@
           <p:cNvPr id="4" name="Text Placeholder 3">
             <a:extLst>
               <a:ext uri="{FF2B5EF4-FFF2-40B4-BE49-F238E27FC236}">
-                <a16:creationId xmlns:a16="http://schemas.microsoft.com/office/drawing/2014/main" id="{0A9A8D2E-6D81-9044-B33C-27E906F5255A}"/>
+                <a16:creationId xmlns:a16="http://schemas.microsoft.com/office/drawing/2014/main" id="{5DC42998-8CD9-9D47-B46B-5C0958BE0FD5}"/>
               </a:ext>
             </a:extLst>
           </p:cNvPr>
@@ -8951,7 +9281,7 @@
           <p:cNvPr id="5" name="Date Placeholder 4">
             <a:extLst>
               <a:ext uri="{FF2B5EF4-FFF2-40B4-BE49-F238E27FC236}">
-                <a16:creationId xmlns:a16="http://schemas.microsoft.com/office/drawing/2014/main" id="{BFE33F40-0639-F54C-8627-C877E132A5EB}"/>
+                <a16:creationId xmlns:a16="http://schemas.microsoft.com/office/drawing/2014/main" id="{B517A9BF-4074-314D-A94D-10B209A8B56A}"/>
               </a:ext>
             </a:extLst>
           </p:cNvPr>
@@ -8969,7 +9299,7 @@
           <a:p>
             <a:fld id="{2CDF07C8-1333-1A42-9028-3F4BB35A012A}" type="datetimeFigureOut">
               <a:rPr lang="en-US" smtClean="0"/>
-              <a:t>10/23/20</a:t>
+              <a:t>10/24/20</a:t>
             </a:fld>
             <a:endParaRPr lang="en-US"/>
           </a:p>
@@ -8980,7 +9310,7 @@
           <p:cNvPr id="6" name="Footer Placeholder 5">
             <a:extLst>
               <a:ext uri="{FF2B5EF4-FFF2-40B4-BE49-F238E27FC236}">
-                <a16:creationId xmlns:a16="http://schemas.microsoft.com/office/drawing/2014/main" id="{91BBD158-DBEA-F14E-9E69-CA96F950FFBD}"/>
+                <a16:creationId xmlns:a16="http://schemas.microsoft.com/office/drawing/2014/main" id="{FC887484-1307-E841-A511-3404EABDB69B}"/>
               </a:ext>
             </a:extLst>
           </p:cNvPr>
@@ -9005,7 +9335,7 @@
           <p:cNvPr id="7" name="Slide Number Placeholder 6">
             <a:extLst>
               <a:ext uri="{FF2B5EF4-FFF2-40B4-BE49-F238E27FC236}">
-                <a16:creationId xmlns:a16="http://schemas.microsoft.com/office/drawing/2014/main" id="{464B3D37-D098-214D-A903-6D66B00CE682}"/>
+                <a16:creationId xmlns:a16="http://schemas.microsoft.com/office/drawing/2014/main" id="{F3741BC9-0D05-804B-A86E-BA3592698067}"/>
               </a:ext>
             </a:extLst>
           </p:cNvPr>
@@ -9032,7 +9362,7 @@
     </p:spTree>
     <p:extLst>
       <p:ext uri="{BB962C8B-B14F-4D97-AF65-F5344CB8AC3E}">
-        <p14:creationId xmlns:p14="http://schemas.microsoft.com/office/powerpoint/2010/main" val="2489758284"/>
+        <p14:creationId xmlns:p14="http://schemas.microsoft.com/office/powerpoint/2010/main" val="3875933252"/>
       </p:ext>
     </p:extLst>
   </p:cSld>
@@ -9046,12 +9376,9 @@
 <p:sldMaster xmlns:a="http://schemas.openxmlformats.org/drawingml/2006/main" xmlns:r="http://schemas.openxmlformats.org/officeDocument/2006/relationships" xmlns:p="http://schemas.openxmlformats.org/presentationml/2006/main">
   <p:cSld>
     <p:bg>
-      <p:bgPr>
-        <a:solidFill>
-          <a:srgbClr val="2A1029"/>
-        </a:solidFill>
-        <a:effectLst/>
-      </p:bgPr>
+      <p:bgRef idx="1001">
+        <a:schemeClr val="bg1"/>
+      </p:bgRef>
     </p:bg>
     <p:spTree>
       <p:nvGrpSpPr>
@@ -9067,44 +9394,12 @@
           <a:chExt cx="0" cy="0"/>
         </a:xfrm>
       </p:grpSpPr>
-      <p:pic>
-        <p:nvPicPr>
-          <p:cNvPr id="8" name="Picture 7">
-            <a:extLst>
-              <a:ext uri="{FF2B5EF4-FFF2-40B4-BE49-F238E27FC236}">
-                <a16:creationId xmlns:a16="http://schemas.microsoft.com/office/drawing/2014/main" id="{F3002BDE-F998-E548-B5BD-CDB2E15000C1}"/>
-              </a:ext>
-            </a:extLst>
-          </p:cNvPr>
-          <p:cNvPicPr>
-            <a:picLocks noChangeAspect="1"/>
-          </p:cNvPicPr>
-          <p:nvPr userDrawn="1"/>
-        </p:nvPicPr>
-        <p:blipFill>
-          <a:blip r:embed="rId13">
-            <a:alphaModFix amt="10000"/>
-          </a:blip>
-          <a:stretch>
-            <a:fillRect/>
-          </a:stretch>
-        </p:blipFill>
-        <p:spPr>
-          <a:xfrm>
-            <a:off x="0" y="587"/>
-            <a:ext cx="12192000" cy="6856826"/>
-          </a:xfrm>
-          <a:prstGeom prst="rect">
-            <a:avLst/>
-          </a:prstGeom>
-        </p:spPr>
-      </p:pic>
       <p:sp>
         <p:nvSpPr>
           <p:cNvPr id="2" name="Title Placeholder 1">
             <a:extLst>
               <a:ext uri="{FF2B5EF4-FFF2-40B4-BE49-F238E27FC236}">
-                <a16:creationId xmlns:a16="http://schemas.microsoft.com/office/drawing/2014/main" id="{E90E7F92-1F35-9844-8566-CCD5C08609E1}"/>
+                <a16:creationId xmlns:a16="http://schemas.microsoft.com/office/drawing/2014/main" id="{337C627E-C60E-5347-B81E-ED20DA3956D3}"/>
               </a:ext>
             </a:extLst>
           </p:cNvPr>
@@ -9131,7 +9426,7 @@
           <a:lstStyle/>
           <a:p>
             <a:r>
-              <a:rPr lang="en-US" dirty="0"/>
+              <a:rPr lang="en-US"/>
               <a:t>Click to edit Master title style</a:t>
             </a:r>
           </a:p>
@@ -9142,7 +9437,7 @@
           <p:cNvPr id="3" name="Text Placeholder 2">
             <a:extLst>
               <a:ext uri="{FF2B5EF4-FFF2-40B4-BE49-F238E27FC236}">
-                <a16:creationId xmlns:a16="http://schemas.microsoft.com/office/drawing/2014/main" id="{6FCEC3FA-6D7D-3440-BC18-B1482A174CA9}"/>
+                <a16:creationId xmlns:a16="http://schemas.microsoft.com/office/drawing/2014/main" id="{1E9D1268-4FAE-2648-8400-B63B79017E68}"/>
               </a:ext>
             </a:extLst>
           </p:cNvPr>
@@ -9170,35 +9465,35 @@
           <a:p>
             <a:pPr lvl="0"/>
             <a:r>
-              <a:rPr lang="en-US" dirty="0"/>
+              <a:rPr lang="en-US"/>
               <a:t>Click to edit Master text styles</a:t>
             </a:r>
           </a:p>
           <a:p>
             <a:pPr lvl="1"/>
             <a:r>
-              <a:rPr lang="en-US" dirty="0"/>
+              <a:rPr lang="en-US"/>
               <a:t>Second level</a:t>
             </a:r>
           </a:p>
           <a:p>
             <a:pPr lvl="2"/>
             <a:r>
-              <a:rPr lang="en-US" dirty="0"/>
+              <a:rPr lang="en-US"/>
               <a:t>Third level</a:t>
             </a:r>
           </a:p>
           <a:p>
             <a:pPr lvl="3"/>
             <a:r>
-              <a:rPr lang="en-US" dirty="0"/>
+              <a:rPr lang="en-US"/>
               <a:t>Fourth level</a:t>
             </a:r>
           </a:p>
           <a:p>
             <a:pPr lvl="4"/>
             <a:r>
-              <a:rPr lang="en-US" dirty="0"/>
+              <a:rPr lang="en-US"/>
               <a:t>Fifth level</a:t>
             </a:r>
           </a:p>
@@ -9209,7 +9504,7 @@
           <p:cNvPr id="4" name="Date Placeholder 3">
             <a:extLst>
               <a:ext uri="{FF2B5EF4-FFF2-40B4-BE49-F238E27FC236}">
-                <a16:creationId xmlns:a16="http://schemas.microsoft.com/office/drawing/2014/main" id="{F828DC60-12C6-A643-AFE0-31D182960D83}"/>
+                <a16:creationId xmlns:a16="http://schemas.microsoft.com/office/drawing/2014/main" id="{82EA4A91-BE05-DD46-BE42-701CC6E912FF}"/>
               </a:ext>
             </a:extLst>
           </p:cNvPr>
@@ -9235,7 +9530,9 @@
             <a:lvl1pPr algn="l">
               <a:defRPr sz="1200">
                 <a:solidFill>
-                  <a:srgbClr val="287897"/>
+                  <a:schemeClr val="tx1">
+                    <a:tint val="75000"/>
+                  </a:schemeClr>
                 </a:solidFill>
               </a:defRPr>
             </a:lvl1pPr>
@@ -9244,7 +9541,7 @@
             <a:fld id="{2CDF07C8-1333-1A42-9028-3F4BB35A012A}" type="datetimeFigureOut">
               <a:rPr lang="en-US" smtClean="0"/>
               <a:pPr/>
-              <a:t>10/23/20</a:t>
+              <a:t>10/24/20</a:t>
             </a:fld>
             <a:endParaRPr lang="en-US"/>
           </a:p>
@@ -9255,7 +9552,7 @@
           <p:cNvPr id="5" name="Footer Placeholder 4">
             <a:extLst>
               <a:ext uri="{FF2B5EF4-FFF2-40B4-BE49-F238E27FC236}">
-                <a16:creationId xmlns:a16="http://schemas.microsoft.com/office/drawing/2014/main" id="{D86D2233-136C-6E4B-868E-09F82317C80E}"/>
+                <a16:creationId xmlns:a16="http://schemas.microsoft.com/office/drawing/2014/main" id="{600C2ADD-03A4-D947-9678-4ED3F4842D8C}"/>
               </a:ext>
             </a:extLst>
           </p:cNvPr>
@@ -9281,7 +9578,9 @@
             <a:lvl1pPr algn="ctr">
               <a:defRPr sz="1200">
                 <a:solidFill>
-                  <a:srgbClr val="287897"/>
+                  <a:schemeClr val="tx1">
+                    <a:tint val="75000"/>
+                  </a:schemeClr>
                 </a:solidFill>
               </a:defRPr>
             </a:lvl1pPr>
@@ -9300,7 +9599,7 @@
           <p:cNvPr id="6" name="Slide Number Placeholder 5">
             <a:extLst>
               <a:ext uri="{FF2B5EF4-FFF2-40B4-BE49-F238E27FC236}">
-                <a16:creationId xmlns:a16="http://schemas.microsoft.com/office/drawing/2014/main" id="{8FF1C20E-CEED-AC41-A2F8-296C29D1DC0D}"/>
+                <a16:creationId xmlns:a16="http://schemas.microsoft.com/office/drawing/2014/main" id="{95266197-69AF-EC4A-B6F4-F6383A0A9005}"/>
               </a:ext>
             </a:extLst>
           </p:cNvPr>
@@ -9326,7 +9625,9 @@
             <a:lvl1pPr algn="r">
               <a:defRPr sz="1200">
                 <a:solidFill>
-                  <a:srgbClr val="287897"/>
+                  <a:schemeClr val="tx1">
+                    <a:tint val="75000"/>
+                  </a:schemeClr>
                 </a:solidFill>
               </a:defRPr>
             </a:lvl1pPr>
@@ -9344,23 +9645,23 @@
     </p:spTree>
     <p:extLst>
       <p:ext uri="{BB962C8B-B14F-4D97-AF65-F5344CB8AC3E}">
-        <p14:creationId xmlns:p14="http://schemas.microsoft.com/office/powerpoint/2010/main" val="4024380590"/>
+        <p14:creationId xmlns:p14="http://schemas.microsoft.com/office/powerpoint/2010/main" val="1914090911"/>
       </p:ext>
     </p:extLst>
   </p:cSld>
   <p:clrMap bg1="lt1" tx1="dk1" bg2="lt2" tx2="dk2" accent1="accent1" accent2="accent2" accent3="accent3" accent4="accent4" accent5="accent5" accent6="accent6" hlink="hlink" folHlink="folHlink"/>
   <p:sldLayoutIdLst>
-    <p:sldLayoutId id="2147483679" r:id="rId1"/>
-    <p:sldLayoutId id="2147483680" r:id="rId2"/>
-    <p:sldLayoutId id="2147483681" r:id="rId3"/>
-    <p:sldLayoutId id="2147483682" r:id="rId4"/>
-    <p:sldLayoutId id="2147483683" r:id="rId5"/>
-    <p:sldLayoutId id="2147483684" r:id="rId6"/>
-    <p:sldLayoutId id="2147483685" r:id="rId7"/>
-    <p:sldLayoutId id="2147483686" r:id="rId8"/>
-    <p:sldLayoutId id="2147483687" r:id="rId9"/>
-    <p:sldLayoutId id="2147483688" r:id="rId10"/>
-    <p:sldLayoutId id="2147483689" r:id="rId11"/>
+    <p:sldLayoutId id="2147483703" r:id="rId1"/>
+    <p:sldLayoutId id="2147483704" r:id="rId2"/>
+    <p:sldLayoutId id="2147483705" r:id="rId3"/>
+    <p:sldLayoutId id="2147483706" r:id="rId4"/>
+    <p:sldLayoutId id="2147483707" r:id="rId5"/>
+    <p:sldLayoutId id="2147483708" r:id="rId6"/>
+    <p:sldLayoutId id="2147483709" r:id="rId7"/>
+    <p:sldLayoutId id="2147483710" r:id="rId8"/>
+    <p:sldLayoutId id="2147483711" r:id="rId9"/>
+    <p:sldLayoutId id="2147483712" r:id="rId10"/>
+    <p:sldLayoutId id="2147483713" r:id="rId11"/>
   </p:sldLayoutIdLst>
   <p:txStyles>
     <p:titleStyle>
@@ -9372,11 +9673,11 @@
           <a:spcPct val="0"/>
         </a:spcBef>
         <a:buNone/>
-        <a:defRPr sz="4800" b="1" kern="1200">
+        <a:defRPr sz="4400" kern="1200">
           <a:solidFill>
-            <a:srgbClr val="FF004A"/>
+            <a:schemeClr val="tx1"/>
           </a:solidFill>
-          <a:latin typeface="Comfortaa" pitchFamily="2" charset="0"/>
+          <a:latin typeface="+mj-lt"/>
           <a:ea typeface="+mj-ea"/>
           <a:cs typeface="+mj-cs"/>
         </a:defRPr>
@@ -9394,9 +9695,9 @@
         <a:buChar char="•"/>
         <a:defRPr sz="2800" kern="1200">
           <a:solidFill>
-            <a:srgbClr val="8E0B2B"/>
+            <a:schemeClr val="tx1"/>
           </a:solidFill>
-          <a:latin typeface="Comfortaa" pitchFamily="2" charset="0"/>
+          <a:latin typeface="+mn-lt"/>
           <a:ea typeface="+mn-ea"/>
           <a:cs typeface="+mn-cs"/>
         </a:defRPr>
@@ -9412,9 +9713,9 @@
         <a:buChar char="•"/>
         <a:defRPr sz="2400" kern="1200">
           <a:solidFill>
-            <a:srgbClr val="8E0B2B"/>
+            <a:schemeClr val="tx1"/>
           </a:solidFill>
-          <a:latin typeface="Comfortaa" pitchFamily="2" charset="0"/>
+          <a:latin typeface="+mn-lt"/>
           <a:ea typeface="+mn-ea"/>
           <a:cs typeface="+mn-cs"/>
         </a:defRPr>
@@ -9430,9 +9731,9 @@
         <a:buChar char="•"/>
         <a:defRPr sz="2000" kern="1200">
           <a:solidFill>
-            <a:srgbClr val="8E0B2B"/>
+            <a:schemeClr val="tx1"/>
           </a:solidFill>
-          <a:latin typeface="Comfortaa" pitchFamily="2" charset="0"/>
+          <a:latin typeface="+mn-lt"/>
           <a:ea typeface="+mn-ea"/>
           <a:cs typeface="+mn-cs"/>
         </a:defRPr>
@@ -9448,9 +9749,9 @@
         <a:buChar char="•"/>
         <a:defRPr sz="1800" kern="1200">
           <a:solidFill>
-            <a:srgbClr val="8E0B2B"/>
+            <a:schemeClr val="tx1"/>
           </a:solidFill>
-          <a:latin typeface="Comfortaa" pitchFamily="2" charset="0"/>
+          <a:latin typeface="+mn-lt"/>
           <a:ea typeface="+mn-ea"/>
           <a:cs typeface="+mn-cs"/>
         </a:defRPr>
@@ -9466,9 +9767,9 @@
         <a:buChar char="•"/>
         <a:defRPr sz="1800" kern="1200">
           <a:solidFill>
-            <a:srgbClr val="8E0B2B"/>
+            <a:schemeClr val="tx1"/>
           </a:solidFill>
-          <a:latin typeface="Comfortaa" pitchFamily="2" charset="0"/>
+          <a:latin typeface="+mn-lt"/>
           <a:ea typeface="+mn-ea"/>
           <a:cs typeface="+mn-cs"/>
         </a:defRPr>
@@ -9716,7 +10017,9 @@
             <a:r>
               <a:rPr lang="en-US" sz="2900" b="1" dirty="0">
                 <a:solidFill>
-                  <a:srgbClr val="FF004A"/>
+                  <a:schemeClr val="accent5">
+                    <a:lumMod val="75000"/>
+                  </a:schemeClr>
                 </a:solidFill>
               </a:rPr>
               <a:t>Lambda</a:t>
@@ -9728,7 +10031,9 @@
             <a:r>
               <a:rPr lang="en-US" sz="2900" b="1" dirty="0">
                 <a:solidFill>
-                  <a:srgbClr val="FF004A"/>
+                  <a:schemeClr val="accent5">
+                    <a:lumMod val="75000"/>
+                  </a:schemeClr>
                 </a:solidFill>
               </a:rPr>
               <a:t>Server</a:t>
@@ -9740,7 +10045,9 @@
             <a:r>
               <a:rPr lang="en-US" sz="2900" b="1" dirty="0">
                 <a:solidFill>
-                  <a:srgbClr val="FF004A"/>
+                  <a:schemeClr val="accent5">
+                    <a:lumMod val="75000"/>
+                  </a:schemeClr>
                 </a:solidFill>
               </a:rPr>
               <a:t>Lambda</a:t>
@@ -9752,7 +10059,9 @@
             <a:r>
               <a:rPr lang="en-US" sz="2900" b="1" dirty="0">
                 <a:solidFill>
-                  <a:srgbClr val="FF004A"/>
+                  <a:schemeClr val="accent5">
+                    <a:lumMod val="75000"/>
+                  </a:schemeClr>
                 </a:solidFill>
               </a:rPr>
               <a:t>Assistant</a:t>
@@ -9762,13 +10071,22 @@
               <a:t> both have </a:t>
             </a:r>
             <a:r>
-              <a:rPr lang="en-US" b="1" dirty="0">
-                <a:solidFill>
-                  <a:srgbClr val="00B0F0"/>
+              <a:rPr lang="en-US" sz="2900" b="1" dirty="0">
+                <a:solidFill>
+                  <a:schemeClr val="accent6">
+                    <a:lumMod val="75000"/>
+                  </a:schemeClr>
                 </a:solidFill>
               </a:rPr>
               <a:t>Julia</a:t>
             </a:r>
+            <a:endParaRPr lang="en-US" b="1" dirty="0">
+              <a:solidFill>
+                <a:schemeClr val="accent6">
+                  <a:lumMod val="75000"/>
+                </a:schemeClr>
+              </a:solidFill>
+            </a:endParaRPr>
           </a:p>
           <a:p>
             <a:r>
@@ -9781,7 +10099,9 @@
             <a:r>
               <a:rPr lang="en-US" dirty="0">
                 <a:solidFill>
-                  <a:srgbClr val="FF004A"/>
+                  <a:schemeClr val="accent5">
+                    <a:lumMod val="75000"/>
+                  </a:schemeClr>
                 </a:solidFill>
               </a:rPr>
               <a:t>GATs</a:t>
@@ -9793,7 +10113,9 @@
             <a:r>
               <a:rPr lang="en-US" sz="1900" dirty="0">
                 <a:solidFill>
-                  <a:srgbClr val="00B0F0"/>
+                  <a:schemeClr val="accent6">
+                    <a:lumMod val="75000"/>
+                  </a:schemeClr>
                 </a:solidFill>
               </a:rPr>
               <a:t>Theory</a:t>
@@ -9805,7 +10127,9 @@
             <a:r>
               <a:rPr lang="en-US" sz="1900" dirty="0">
                 <a:solidFill>
-                  <a:srgbClr val="00B0F0"/>
+                  <a:schemeClr val="accent6">
+                    <a:lumMod val="75000"/>
+                  </a:schemeClr>
                 </a:solidFill>
               </a:rPr>
               <a:t>Type</a:t>
@@ -9817,7 +10141,9 @@
             <a:r>
               <a:rPr lang="en-US" sz="1900" dirty="0">
                 <a:solidFill>
-                  <a:srgbClr val="00B0F0"/>
+                  <a:schemeClr val="accent6">
+                    <a:lumMod val="75000"/>
+                  </a:schemeClr>
                 </a:solidFill>
               </a:rPr>
               <a:t>Term</a:t>
@@ -9829,7 +10155,9 @@
             <a:r>
               <a:rPr lang="en-US" sz="1900" dirty="0">
                 <a:solidFill>
-                  <a:srgbClr val="00B0F0"/>
+                  <a:schemeClr val="accent6">
+                    <a:lumMod val="75000"/>
+                  </a:schemeClr>
                 </a:solidFill>
               </a:rPr>
               <a:t>Axiom</a:t>
@@ -9841,7 +10169,9 @@
             <a:r>
               <a:rPr lang="en-US" sz="1900" dirty="0">
                 <a:solidFill>
-                  <a:srgbClr val="00B0F0"/>
+                  <a:schemeClr val="accent6">
+                    <a:lumMod val="75000"/>
+                  </a:schemeClr>
                 </a:solidFill>
               </a:rPr>
               <a:t>Alias</a:t>
@@ -9856,7 +10186,9 @@
             <a:r>
               <a:rPr lang="en-US" dirty="0" err="1">
                 <a:solidFill>
-                  <a:srgbClr val="FF004A"/>
+                  <a:schemeClr val="accent5">
+                    <a:lumMod val="75000"/>
+                  </a:schemeClr>
                 </a:solidFill>
               </a:rPr>
               <a:t>CatML</a:t>
@@ -9868,7 +10200,9 @@
             <a:r>
               <a:rPr lang="en-US" sz="1900" dirty="0">
                 <a:solidFill>
-                  <a:srgbClr val="00B0F0"/>
+                  <a:schemeClr val="accent6">
+                    <a:lumMod val="75000"/>
+                  </a:schemeClr>
                 </a:solidFill>
               </a:rPr>
               <a:t>Theory</a:t>
@@ -9880,7 +10214,9 @@
             <a:r>
               <a:rPr lang="en-US" sz="1900" dirty="0">
                 <a:solidFill>
-                  <a:srgbClr val="00B0F0"/>
+                  <a:schemeClr val="accent6">
+                    <a:lumMod val="75000"/>
+                  </a:schemeClr>
                 </a:solidFill>
               </a:rPr>
               <a:t>Syntax</a:t>
@@ -9892,7 +10228,9 @@
             <a:r>
               <a:rPr lang="en-US" sz="1900" dirty="0">
                 <a:solidFill>
-                  <a:srgbClr val="00B0F0"/>
+                  <a:schemeClr val="accent6">
+                    <a:lumMod val="75000"/>
+                  </a:schemeClr>
                 </a:solidFill>
               </a:rPr>
               <a:t>Program</a:t>
@@ -9904,7 +10242,9 @@
             <a:r>
               <a:rPr lang="en-US" sz="1900" dirty="0">
                 <a:solidFill>
-                  <a:srgbClr val="00B0F0"/>
+                  <a:schemeClr val="accent6">
+                    <a:lumMod val="75000"/>
+                  </a:schemeClr>
                 </a:solidFill>
               </a:rPr>
               <a:t>Diagram</a:t>
@@ -9916,7 +10256,9 @@
             <a:r>
               <a:rPr lang="en-US" sz="1900" dirty="0">
                 <a:solidFill>
-                  <a:srgbClr val="00B0F0"/>
+                  <a:schemeClr val="accent6">
+                    <a:lumMod val="75000"/>
+                  </a:schemeClr>
                 </a:solidFill>
               </a:rPr>
               <a:t>Instance</a:t>
@@ -9931,7 +10273,9 @@
             <a:r>
               <a:rPr lang="en-US" dirty="0">
                 <a:solidFill>
-                  <a:srgbClr val="FF004A"/>
+                  <a:schemeClr val="accent5">
+                    <a:lumMod val="75000"/>
+                  </a:schemeClr>
                 </a:solidFill>
               </a:rPr>
               <a:t>Theories</a:t>
@@ -9942,7 +10286,9 @@
             <a:r>
               <a:rPr lang="en-US" dirty="0">
                 <a:solidFill>
-                  <a:srgbClr val="00B0F0"/>
+                  <a:schemeClr val="accent6">
+                    <a:lumMod val="75000"/>
+                  </a:schemeClr>
                 </a:solidFill>
               </a:rPr>
               <a:t>Category</a:t>
@@ -9953,7 +10299,9 @@
             <a:r>
               <a:rPr lang="en-US" dirty="0">
                 <a:solidFill>
-                  <a:srgbClr val="FF004A"/>
+                  <a:schemeClr val="accent5">
+                    <a:lumMod val="75000"/>
+                  </a:schemeClr>
                 </a:solidFill>
               </a:rPr>
               <a:t>Derived</a:t>
@@ -9965,7 +10313,9 @@
             <a:r>
               <a:rPr lang="en-US" dirty="0">
                 <a:solidFill>
-                  <a:srgbClr val="00B0F0"/>
+                  <a:schemeClr val="accent6">
+                    <a:lumMod val="75000"/>
+                  </a:schemeClr>
                 </a:solidFill>
               </a:rPr>
               <a:t>Monoidal</a:t>
@@ -9977,7 +10327,9 @@
             <a:r>
               <a:rPr lang="en-US" sz="1900" dirty="0">
                 <a:solidFill>
-                  <a:srgbClr val="00B0F0"/>
+                  <a:schemeClr val="accent6">
+                    <a:lumMod val="75000"/>
+                  </a:schemeClr>
                 </a:solidFill>
               </a:rPr>
               <a:t>Symmetric</a:t>
@@ -9989,7 +10341,9 @@
             <a:r>
               <a:rPr lang="en-US" sz="1900" dirty="0">
                 <a:solidFill>
-                  <a:srgbClr val="00B0F0"/>
+                  <a:schemeClr val="accent6">
+                    <a:lumMod val="75000"/>
+                  </a:schemeClr>
                 </a:solidFill>
               </a:rPr>
               <a:t>Monoidal</a:t>
@@ -10001,7 +10355,9 @@
             <a:r>
               <a:rPr lang="en-US" sz="1900" dirty="0">
                 <a:solidFill>
-                  <a:srgbClr val="00B0F0"/>
+                  <a:schemeClr val="accent6">
+                    <a:lumMod val="75000"/>
+                  </a:schemeClr>
                 </a:solidFill>
               </a:rPr>
               <a:t>Monoidal</a:t>
@@ -10013,7 +10369,9 @@
             <a:r>
               <a:rPr lang="en-US" sz="1900" dirty="0">
                 <a:solidFill>
-                  <a:srgbClr val="00B0F0"/>
+                  <a:schemeClr val="accent6">
+                    <a:lumMod val="75000"/>
+                  </a:schemeClr>
                 </a:solidFill>
               </a:rPr>
               <a:t>with</a:t>
@@ -10025,7 +10383,9 @@
             <a:r>
               <a:rPr lang="en-US" sz="1900" dirty="0">
                 <a:solidFill>
-                  <a:srgbClr val="00B0F0"/>
+                  <a:schemeClr val="accent6">
+                    <a:lumMod val="75000"/>
+                  </a:schemeClr>
                 </a:solidFill>
               </a:rPr>
               <a:t>Diagonals</a:t>
@@ -10037,7 +10397,9 @@
             <a:r>
               <a:rPr lang="en-US" sz="1900" dirty="0">
                 <a:solidFill>
-                  <a:srgbClr val="00B0F0"/>
+                  <a:schemeClr val="accent6">
+                    <a:lumMod val="75000"/>
+                  </a:schemeClr>
                 </a:solidFill>
               </a:rPr>
               <a:t>Cartesian</a:t>
@@ -10049,7 +10411,9 @@
             <a:r>
               <a:rPr lang="en-US" sz="1900" dirty="0">
                 <a:solidFill>
-                  <a:srgbClr val="00B0F0"/>
+                  <a:schemeClr val="accent6">
+                    <a:lumMod val="75000"/>
+                  </a:schemeClr>
                 </a:solidFill>
               </a:rPr>
               <a:t>Monoidal</a:t>
@@ -10061,7 +10425,9 @@
             <a:r>
               <a:rPr lang="en-US" sz="1900" dirty="0">
                 <a:solidFill>
-                  <a:srgbClr val="00B0F0"/>
+                  <a:schemeClr val="accent6">
+                    <a:lumMod val="75000"/>
+                  </a:schemeClr>
                 </a:solidFill>
               </a:rPr>
               <a:t>with</a:t>
@@ -10073,7 +10439,9 @@
             <a:r>
               <a:rPr lang="en-US" sz="1900" dirty="0" err="1">
                 <a:solidFill>
-                  <a:srgbClr val="00B0F0"/>
+                  <a:schemeClr val="accent6">
+                    <a:lumMod val="75000"/>
+                  </a:schemeClr>
                 </a:solidFill>
               </a:rPr>
               <a:t>Bidiagonals</a:t>
@@ -10085,7 +10453,9 @@
             <a:r>
               <a:rPr lang="en-US" sz="1900" dirty="0">
                 <a:solidFill>
-                  <a:srgbClr val="00B0F0"/>
+                  <a:schemeClr val="accent6">
+                    <a:lumMod val="75000"/>
+                  </a:schemeClr>
                 </a:solidFill>
               </a:rPr>
               <a:t>Biproduct</a:t>
@@ -10097,7 +10467,9 @@
             <a:r>
               <a:rPr lang="en-US" sz="1900" dirty="0">
                 <a:solidFill>
-                  <a:srgbClr val="00B0F0"/>
+                  <a:schemeClr val="accent6">
+                    <a:lumMod val="75000"/>
+                  </a:schemeClr>
                 </a:solidFill>
               </a:rPr>
               <a:t>Closed</a:t>
@@ -10109,7 +10481,9 @@
             <a:r>
               <a:rPr lang="en-US" sz="1900" dirty="0">
                 <a:solidFill>
-                  <a:srgbClr val="00B0F0"/>
+                  <a:schemeClr val="accent6">
+                    <a:lumMod val="75000"/>
+                  </a:schemeClr>
                 </a:solidFill>
               </a:rPr>
               <a:t>Monoidal</a:t>
@@ -10121,7 +10495,9 @@
             <a:r>
               <a:rPr lang="en-US" sz="1900" dirty="0">
                 <a:solidFill>
-                  <a:srgbClr val="00B0F0"/>
+                  <a:schemeClr val="accent6">
+                    <a:lumMod val="75000"/>
+                  </a:schemeClr>
                 </a:solidFill>
               </a:rPr>
               <a:t>Markov</a:t>
@@ -10133,7 +10509,9 @@
             <a:r>
               <a:rPr lang="en-US" sz="1900" dirty="0">
                 <a:solidFill>
-                  <a:srgbClr val="00B0F0"/>
+                  <a:schemeClr val="accent6">
+                    <a:lumMod val="75000"/>
+                  </a:schemeClr>
                 </a:solidFill>
               </a:rPr>
               <a:t>Cartesian</a:t>
@@ -10145,7 +10523,9 @@
             <a:r>
               <a:rPr lang="en-US" sz="1900" dirty="0">
                 <a:solidFill>
-                  <a:srgbClr val="00B0F0"/>
+                  <a:schemeClr val="accent6">
+                    <a:lumMod val="75000"/>
+                  </a:schemeClr>
                 </a:solidFill>
               </a:rPr>
               <a:t>Closed</a:t>
@@ -10157,7 +10537,9 @@
             <a:r>
               <a:rPr lang="en-US" sz="1900" dirty="0">
                 <a:solidFill>
-                  <a:srgbClr val="00B0F0"/>
+                  <a:schemeClr val="accent6">
+                    <a:lumMod val="75000"/>
+                  </a:schemeClr>
                 </a:solidFill>
               </a:rPr>
               <a:t>Compact</a:t>
@@ -10169,7 +10551,9 @@
             <a:r>
               <a:rPr lang="en-US" sz="1900" dirty="0">
                 <a:solidFill>
-                  <a:srgbClr val="00B0F0"/>
+                  <a:schemeClr val="accent6">
+                    <a:lumMod val="75000"/>
+                  </a:schemeClr>
                 </a:solidFill>
               </a:rPr>
               <a:t>Closed</a:t>
@@ -10181,7 +10565,9 @@
             <a:r>
               <a:rPr lang="en-US" sz="1900" dirty="0">
                 <a:solidFill>
-                  <a:srgbClr val="00B0F0"/>
+                  <a:schemeClr val="accent6">
+                    <a:lumMod val="75000"/>
+                  </a:schemeClr>
                 </a:solidFill>
               </a:rPr>
               <a:t>Dagger</a:t>
@@ -10193,7 +10579,9 @@
             <a:r>
               <a:rPr lang="en-US" sz="1900" dirty="0">
                 <a:solidFill>
-                  <a:srgbClr val="00B0F0"/>
+                  <a:schemeClr val="accent6">
+                    <a:lumMod val="75000"/>
+                  </a:schemeClr>
                 </a:solidFill>
               </a:rPr>
               <a:t>Dagger</a:t>
@@ -10205,7 +10593,9 @@
             <a:r>
               <a:rPr lang="en-US" sz="1900" dirty="0">
                 <a:solidFill>
-                  <a:srgbClr val="00B0F0"/>
+                  <a:schemeClr val="accent6">
+                    <a:lumMod val="75000"/>
+                  </a:schemeClr>
                 </a:solidFill>
               </a:rPr>
               <a:t>Symmetric</a:t>
@@ -10217,7 +10607,9 @@
             <a:r>
               <a:rPr lang="en-US" sz="1900" dirty="0">
                 <a:solidFill>
-                  <a:srgbClr val="00B0F0"/>
+                  <a:schemeClr val="accent6">
+                    <a:lumMod val="75000"/>
+                  </a:schemeClr>
                 </a:solidFill>
               </a:rPr>
               <a:t>Monoidal</a:t>
@@ -10229,7 +10621,9 @@
             <a:r>
               <a:rPr lang="en-US" sz="1900" dirty="0">
                 <a:solidFill>
-                  <a:srgbClr val="00B0F0"/>
+                  <a:schemeClr val="accent6">
+                    <a:lumMod val="75000"/>
+                  </a:schemeClr>
                 </a:solidFill>
               </a:rPr>
               <a:t>Dagger</a:t>
@@ -10241,7 +10635,9 @@
             <a:r>
               <a:rPr lang="en-US" sz="1900" dirty="0">
                 <a:solidFill>
-                  <a:srgbClr val="00B0F0"/>
+                  <a:schemeClr val="accent6">
+                    <a:lumMod val="75000"/>
+                  </a:schemeClr>
                 </a:solidFill>
               </a:rPr>
               <a:t>Compact</a:t>
@@ -10253,7 +10649,9 @@
             <a:r>
               <a:rPr lang="en-US" sz="1900" dirty="0">
                 <a:solidFill>
-                  <a:srgbClr val="00B0F0"/>
+                  <a:schemeClr val="accent6">
+                    <a:lumMod val="75000"/>
+                  </a:schemeClr>
                 </a:solidFill>
               </a:rPr>
               <a:t>Traced</a:t>
@@ -10265,7 +10663,9 @@
             <a:r>
               <a:rPr lang="en-US" sz="1900" dirty="0">
                 <a:solidFill>
-                  <a:srgbClr val="00B0F0"/>
+                  <a:schemeClr val="accent6">
+                    <a:lumMod val="75000"/>
+                  </a:schemeClr>
                 </a:solidFill>
               </a:rPr>
               <a:t>Monoidal</a:t>
@@ -10277,7 +10677,9 @@
             <a:r>
               <a:rPr lang="en-US" sz="1900" dirty="0">
                 <a:solidFill>
-                  <a:srgbClr val="00B0F0"/>
+                  <a:schemeClr val="accent6">
+                    <a:lumMod val="75000"/>
+                  </a:schemeClr>
                 </a:solidFill>
               </a:rPr>
               <a:t>Schema</a:t>
@@ -10289,7 +10691,9 @@
             <a:r>
               <a:rPr lang="en-US" sz="1900" dirty="0">
                 <a:solidFill>
-                  <a:srgbClr val="00B0F0"/>
+                  <a:schemeClr val="accent6">
+                    <a:lumMod val="75000"/>
+                  </a:schemeClr>
                 </a:solidFill>
               </a:rPr>
               <a:t>Hypergraph</a:t>
@@ -10300,7 +10704,9 @@
             <a:r>
               <a:rPr lang="en-US" sz="1900" dirty="0">
                 <a:solidFill>
-                  <a:srgbClr val="FF004A"/>
+                  <a:schemeClr val="accent5">
+                    <a:lumMod val="75000"/>
+                  </a:schemeClr>
                 </a:solidFill>
               </a:rPr>
               <a:t>Instances</a:t>
@@ -10312,7 +10718,9 @@
             <a:r>
               <a:rPr lang="en-US" sz="1900" dirty="0">
                 <a:solidFill>
-                  <a:srgbClr val="00B0F0"/>
+                  <a:schemeClr val="accent6">
+                    <a:lumMod val="75000"/>
+                  </a:schemeClr>
                 </a:solidFill>
               </a:rPr>
               <a:t>Matrix</a:t>
@@ -10324,7 +10732,9 @@
             <a:r>
               <a:rPr lang="en-US" sz="1900" dirty="0">
                 <a:solidFill>
-                  <a:srgbClr val="00B0F0"/>
+                  <a:schemeClr val="accent6">
+                    <a:lumMod val="75000"/>
+                  </a:schemeClr>
                 </a:solidFill>
               </a:rPr>
               <a:t>Category</a:t>
@@ -10336,7 +10746,9 @@
             <a:r>
               <a:rPr lang="en-US" sz="1900" dirty="0">
                 <a:solidFill>
-                  <a:srgbClr val="00B0F0"/>
+                  <a:schemeClr val="accent6">
+                    <a:lumMod val="75000"/>
+                  </a:schemeClr>
                 </a:solidFill>
               </a:rPr>
               <a:t>Graph</a:t>
@@ -10348,7 +10760,9 @@
             <a:r>
               <a:rPr lang="en-US" sz="1900" dirty="0">
                 <a:solidFill>
-                  <a:srgbClr val="00B0F0"/>
+                  <a:schemeClr val="accent6">
+                    <a:lumMod val="75000"/>
+                  </a:schemeClr>
                 </a:solidFill>
               </a:rPr>
               <a:t>Schema</a:t>
@@ -10360,7 +10774,9 @@
             <a:r>
               <a:rPr lang="en-US" sz="1900" dirty="0">
                 <a:solidFill>
-                  <a:srgbClr val="00B0F0"/>
+                  <a:schemeClr val="accent6">
+                    <a:lumMod val="75000"/>
+                  </a:schemeClr>
                 </a:solidFill>
               </a:rPr>
               <a:t>Property</a:t>
@@ -10372,7 +10788,9 @@
             <a:r>
               <a:rPr lang="en-US" sz="1900" dirty="0">
                 <a:solidFill>
-                  <a:srgbClr val="00B0F0"/>
+                  <a:schemeClr val="accent6">
+                    <a:lumMod val="75000"/>
+                  </a:schemeClr>
                 </a:solidFill>
               </a:rPr>
               <a:t>Graph</a:t>
@@ -10384,7 +10802,9 @@
             <a:r>
               <a:rPr lang="en-US" sz="1900" dirty="0">
                 <a:solidFill>
-                  <a:srgbClr val="00B0F0"/>
+                  <a:schemeClr val="accent6">
+                    <a:lumMod val="75000"/>
+                  </a:schemeClr>
                 </a:solidFill>
               </a:rPr>
               <a:t>Schema</a:t>
@@ -10395,7 +10815,9 @@
             <a:r>
               <a:rPr lang="en-US" dirty="0">
                 <a:solidFill>
-                  <a:srgbClr val="00B0F0"/>
+                  <a:schemeClr val="accent6">
+                    <a:lumMod val="75000"/>
+                  </a:schemeClr>
                 </a:solidFill>
               </a:rPr>
               <a:t>Monoid</a:t>
@@ -10415,20 +10837,32 @@
           </a:p>
           <a:p>
             <a:r>
-              <a:rPr lang="en-US" b="1" dirty="0" err="1">
+              <a:rPr lang="en-US" sz="2900" b="1" dirty="0" err="1">
+                <a:solidFill>
+                  <a:schemeClr val="accent5">
+                    <a:lumMod val="75000"/>
+                  </a:schemeClr>
+                </a:solidFill>
+              </a:rPr>
+              <a:t>CatML</a:t>
+            </a:r>
+            <a:r>
+              <a:rPr lang="en-US" b="1" dirty="0">
                 <a:solidFill>
                   <a:srgbClr val="FF004A"/>
                 </a:solidFill>
               </a:rPr>
-              <a:t>CatML</a:t>
-            </a:r>
-            <a:r>
-              <a:rPr lang="en-US" b="1" dirty="0">
-                <a:solidFill>
-                  <a:srgbClr val="FF004A"/>
-                </a:solidFill>
-              </a:rPr>
-              <a:t> Assistant</a:t>
+              <a:t> </a:t>
+            </a:r>
+            <a:r>
+              <a:rPr lang="en-US" sz="2900" b="1" dirty="0">
+                <a:solidFill>
+                  <a:schemeClr val="accent5">
+                    <a:lumMod val="75000"/>
+                  </a:schemeClr>
+                </a:solidFill>
+              </a:rPr>
+              <a:t>Assistant</a:t>
             </a:r>
           </a:p>
           <a:p>
@@ -10504,69 +10938,6 @@
           <a:chExt cx="0" cy="0"/>
         </a:xfrm>
       </p:grpSpPr>
-      <p:sp>
-        <p:nvSpPr>
-          <p:cNvPr id="18" name="Rectangle 17">
-            <a:extLst>
-              <a:ext uri="{FF2B5EF4-FFF2-40B4-BE49-F238E27FC236}">
-                <a16:creationId xmlns:a16="http://schemas.microsoft.com/office/drawing/2014/main" id="{C5E6CFF1-2F42-4E10-9A97-F116F46F53FE}"/>
-              </a:ext>
-              <a:ext uri="{C183D7F6-B498-43B3-948B-1728B52AA6E4}">
-                <adec:decorative xmlns:adec="http://schemas.microsoft.com/office/drawing/2017/decorative" val="1"/>
-              </a:ext>
-            </a:extLst>
-          </p:cNvPr>
-          <p:cNvSpPr>
-            <a:spLocks noGrp="1" noRot="1" noChangeAspect="1" noMove="1" noResize="1" noEditPoints="1" noAdjustHandles="1" noChangeArrowheads="1" noChangeShapeType="1" noTextEdit="1"/>
-          </p:cNvSpPr>
-          <p:nvPr>
-            <p:extLst>
-              <p:ext uri="{386F3935-93C4-4BCD-93E2-E3B085C9AB24}">
-                <p16:designElem xmlns:p16="http://schemas.microsoft.com/office/powerpoint/2015/main" val="1"/>
-              </p:ext>
-            </p:extLst>
-          </p:nvPr>
-        </p:nvSpPr>
-        <p:spPr>
-          <a:xfrm>
-            <a:off x="0" y="0"/>
-            <a:ext cx="12192000" cy="6858000"/>
-          </a:xfrm>
-          <a:prstGeom prst="rect">
-            <a:avLst/>
-          </a:prstGeom>
-          <a:solidFill>
-            <a:srgbClr val="000000"/>
-          </a:solidFill>
-          <a:ln>
-            <a:noFill/>
-          </a:ln>
-        </p:spPr>
-        <p:style>
-          <a:lnRef idx="2">
-            <a:schemeClr val="accent1">
-              <a:shade val="50000"/>
-            </a:schemeClr>
-          </a:lnRef>
-          <a:fillRef idx="1">
-            <a:schemeClr val="accent1"/>
-          </a:fillRef>
-          <a:effectRef idx="0">
-            <a:schemeClr val="accent1"/>
-          </a:effectRef>
-          <a:fontRef idx="minor">
-            <a:schemeClr val="lt1"/>
-          </a:fontRef>
-        </p:style>
-        <p:txBody>
-          <a:bodyPr rtlCol="0" anchor="ctr"/>
-          <a:lstStyle/>
-          <a:p>
-            <a:pPr algn="ctr"/>
-            <a:endParaRPr lang="en-US"/>
-          </a:p>
-        </p:txBody>
-      </p:sp>
       <p:pic>
         <p:nvPicPr>
           <p:cNvPr id="4" name="Picture 3">
@@ -10638,58 +11009,6 @@
           </a:p>
         </p:txBody>
       </p:sp>
-      <p:cxnSp>
-        <p:nvCxnSpPr>
-          <p:cNvPr id="20" name="Straight Connector 19">
-            <a:extLst>
-              <a:ext uri="{FF2B5EF4-FFF2-40B4-BE49-F238E27FC236}">
-                <a16:creationId xmlns:a16="http://schemas.microsoft.com/office/drawing/2014/main" id="{67182200-4859-4C8D-BCBB-55B245C28BA3}"/>
-              </a:ext>
-              <a:ext uri="{C183D7F6-B498-43B3-948B-1728B52AA6E4}">
-                <adec:decorative xmlns:adec="http://schemas.microsoft.com/office/drawing/2017/decorative" val="1"/>
-              </a:ext>
-            </a:extLst>
-          </p:cNvPr>
-          <p:cNvCxnSpPr>
-            <a:cxnSpLocks noGrp="1" noRot="1" noChangeAspect="1" noMove="1" noResize="1" noEditPoints="1" noAdjustHandles="1" noChangeArrowheads="1" noChangeShapeType="1"/>
-          </p:cNvCxnSpPr>
-          <p:nvPr>
-            <p:extLst>
-              <p:ext uri="{386F3935-93C4-4BCD-93E2-E3B085C9AB24}">
-                <p16:designElem xmlns:p16="http://schemas.microsoft.com/office/powerpoint/2015/main" val="1"/>
-              </p:ext>
-            </p:extLst>
-          </p:nvPr>
-        </p:nvCxnSpPr>
-        <p:spPr>
-          <a:xfrm>
-            <a:off x="4653372" y="2286000"/>
-            <a:ext cx="0" cy="2286000"/>
-          </a:xfrm>
-          <a:prstGeom prst="line">
-            <a:avLst/>
-          </a:prstGeom>
-          <a:ln w="15875">
-            <a:solidFill>
-              <a:srgbClr val="FFFFFF"/>
-            </a:solidFill>
-          </a:ln>
-        </p:spPr>
-        <p:style>
-          <a:lnRef idx="1">
-            <a:schemeClr val="accent1"/>
-          </a:lnRef>
-          <a:fillRef idx="0">
-            <a:schemeClr val="accent1"/>
-          </a:fillRef>
-          <a:effectRef idx="0">
-            <a:schemeClr val="accent1"/>
-          </a:effectRef>
-          <a:fontRef idx="minor">
-            <a:schemeClr val="tx1"/>
-          </a:fontRef>
-        </p:style>
-      </p:cxnSp>
       <p:sp>
         <p:nvSpPr>
           <p:cNvPr id="3" name="Content Placeholder 2">
@@ -11338,6 +11657,7 @@
           <a:prstGeom prst="rect">
             <a:avLst/>
           </a:prstGeom>
+          <a:noFill/>
           <a:ln w="57150">
             <a:solidFill>
               <a:srgbClr val="00B0F0"/>
@@ -11352,9 +11672,6 @@
           <a:p>
             <a:r>
               <a:rPr lang="en-US" dirty="0">
-                <a:solidFill>
-                  <a:srgbClr val="FFFFFF"/>
-                </a:solidFill>
                 <a:latin typeface="3270-MEDIUM" panose="02000609000000000000" pitchFamily="49" charset="77"/>
                 <a:ea typeface="3270-MEDIUM" panose="02000609000000000000" pitchFamily="49" charset="77"/>
               </a:rPr>
@@ -11378,10 +11695,27 @@
                 <a:latin typeface="3270-MEDIUM" panose="02000609000000000000" pitchFamily="49" charset="77"/>
                 <a:ea typeface="3270-MEDIUM" panose="02000609000000000000" pitchFamily="49" charset="77"/>
               </a:rPr>
-              <a:t> &lt;: </a:t>
+              <a:t> </a:t>
             </a:r>
             <a:r>
               <a:rPr lang="en-US" dirty="0">
+                <a:latin typeface="3270-MEDIUM" panose="02000609000000000000" pitchFamily="49" charset="77"/>
+                <a:ea typeface="3270-MEDIUM" panose="02000609000000000000" pitchFamily="49" charset="77"/>
+              </a:rPr>
+              <a:t>&lt;:</a:t>
+            </a:r>
+            <a:r>
+              <a:rPr lang="en-US" dirty="0">
+                <a:solidFill>
+                  <a:srgbClr val="FFFFFF"/>
+                </a:solidFill>
+                <a:latin typeface="3270-MEDIUM" panose="02000609000000000000" pitchFamily="49" charset="77"/>
+                <a:ea typeface="3270-MEDIUM" panose="02000609000000000000" pitchFamily="49" charset="77"/>
+              </a:rPr>
+              <a:t> </a:t>
+            </a:r>
+            <a:r>
+              <a:rPr lang="en-US" dirty="0">
                 <a:solidFill>
                   <a:srgbClr val="FF7E1C"/>
                 </a:solidFill>
@@ -11398,12 +11732,19 @@
                 <a:latin typeface="3270-MEDIUM" panose="02000609000000000000" pitchFamily="49" charset="77"/>
                 <a:ea typeface="3270-MEDIUM" panose="02000609000000000000" pitchFamily="49" charset="77"/>
               </a:rPr>
-              <a:t> { </a:t>
-            </a:r>
-          </a:p>
-          <a:p>
+              <a:t> </a:t>
+            </a:r>
             <a:r>
               <a:rPr lang="en-US" dirty="0">
+                <a:latin typeface="3270-MEDIUM" panose="02000609000000000000" pitchFamily="49" charset="77"/>
+                <a:ea typeface="3270-MEDIUM" panose="02000609000000000000" pitchFamily="49" charset="77"/>
+              </a:rPr>
+              <a:t>{ </a:t>
+            </a:r>
+          </a:p>
+          <a:p>
+            <a:r>
+              <a:rPr lang="en-US" dirty="0">
                 <a:solidFill>
                   <a:srgbClr val="FFFFFF"/>
                 </a:solidFill>
@@ -11424,9 +11765,6 @@
             </a:r>
             <a:r>
               <a:rPr lang="en-US" dirty="0">
-                <a:solidFill>
-                  <a:srgbClr val="FFFFFF"/>
-                </a:solidFill>
                 <a:latin typeface="3270-MEDIUM" panose="02000609000000000000" pitchFamily="49" charset="77"/>
                 <a:ea typeface="3270-MEDIUM" panose="02000609000000000000" pitchFamily="49" charset="77"/>
               </a:rPr>
@@ -11444,13 +11782,20 @@
             </a:r>
             <a:r>
               <a:rPr lang="en-US" dirty="0">
-                <a:solidFill>
-                  <a:srgbClr val="FFFFFF"/>
-                </a:solidFill>
-                <a:latin typeface="3270-MEDIUM" panose="02000609000000000000" pitchFamily="49" charset="77"/>
-                <a:ea typeface="3270-MEDIUM" panose="02000609000000000000" pitchFamily="49" charset="77"/>
-              </a:rPr>
-              <a:t>, </a:t>
+                <a:latin typeface="3270-MEDIUM" panose="02000609000000000000" pitchFamily="49" charset="77"/>
+                <a:ea typeface="3270-MEDIUM" panose="02000609000000000000" pitchFamily="49" charset="77"/>
+              </a:rPr>
+              <a:t>,</a:t>
+            </a:r>
+            <a:r>
+              <a:rPr lang="en-US" dirty="0">
+                <a:solidFill>
+                  <a:srgbClr val="FFFFFF"/>
+                </a:solidFill>
+                <a:latin typeface="3270-MEDIUM" panose="02000609000000000000" pitchFamily="49" charset="77"/>
+                <a:ea typeface="3270-MEDIUM" panose="02000609000000000000" pitchFamily="49" charset="77"/>
+              </a:rPr>
+              <a:t> </a:t>
             </a:r>
             <a:r>
               <a:rPr lang="en-US" dirty="0" err="1">
@@ -11464,9 +11809,6 @@
             </a:r>
             <a:r>
               <a:rPr lang="en-US" dirty="0">
-                <a:solidFill>
-                  <a:srgbClr val="FFFFFF"/>
-                </a:solidFill>
                 <a:latin typeface="3270-MEDIUM" panose="02000609000000000000" pitchFamily="49" charset="77"/>
                 <a:ea typeface="3270-MEDIUM" panose="02000609000000000000" pitchFamily="49" charset="77"/>
               </a:rPr>
@@ -11496,9 +11838,6 @@
             </a:r>
             <a:r>
               <a:rPr lang="en-US" dirty="0">
-                <a:solidFill>
-                  <a:srgbClr val="FFFFFF"/>
-                </a:solidFill>
                 <a:latin typeface="3270-MEDIUM" panose="02000609000000000000" pitchFamily="49" charset="77"/>
                 <a:ea typeface="3270-MEDIUM" panose="02000609000000000000" pitchFamily="49" charset="77"/>
               </a:rPr>
@@ -11516,9 +11855,6 @@
             </a:r>
             <a:r>
               <a:rPr lang="en-US" dirty="0">
-                <a:solidFill>
-                  <a:srgbClr val="FFFFFF"/>
-                </a:solidFill>
                 <a:latin typeface="3270-MEDIUM" panose="02000609000000000000" pitchFamily="49" charset="77"/>
                 <a:ea typeface="3270-MEDIUM" panose="02000609000000000000" pitchFamily="49" charset="77"/>
               </a:rPr>
@@ -11548,9 +11884,6 @@
             </a:r>
             <a:r>
               <a:rPr lang="en-US" dirty="0">
-                <a:solidFill>
-                  <a:srgbClr val="FFFFFF"/>
-                </a:solidFill>
                 <a:latin typeface="3270-MEDIUM" panose="02000609000000000000" pitchFamily="49" charset="77"/>
                 <a:ea typeface="3270-MEDIUM" panose="02000609000000000000" pitchFamily="49" charset="77"/>
               </a:rPr>
@@ -11568,13 +11901,20 @@
             </a:r>
             <a:r>
               <a:rPr lang="en-US" dirty="0">
-                <a:solidFill>
-                  <a:srgbClr val="FFFFFF"/>
-                </a:solidFill>
-                <a:latin typeface="3270-MEDIUM" panose="02000609000000000000" pitchFamily="49" charset="77"/>
-                <a:ea typeface="3270-MEDIUM" panose="02000609000000000000" pitchFamily="49" charset="77"/>
-              </a:rPr>
-              <a:t>, </a:t>
+                <a:latin typeface="3270-MEDIUM" panose="02000609000000000000" pitchFamily="49" charset="77"/>
+                <a:ea typeface="3270-MEDIUM" panose="02000609000000000000" pitchFamily="49" charset="77"/>
+              </a:rPr>
+              <a:t>,</a:t>
+            </a:r>
+            <a:r>
+              <a:rPr lang="en-US" dirty="0">
+                <a:solidFill>
+                  <a:srgbClr val="FFFFFF"/>
+                </a:solidFill>
+                <a:latin typeface="3270-MEDIUM" panose="02000609000000000000" pitchFamily="49" charset="77"/>
+                <a:ea typeface="3270-MEDIUM" panose="02000609000000000000" pitchFamily="49" charset="77"/>
+              </a:rPr>
+              <a:t> </a:t>
             </a:r>
             <a:r>
               <a:rPr lang="en-US" dirty="0" err="1">
@@ -11588,9 +11928,6 @@
             </a:r>
             <a:r>
               <a:rPr lang="en-US" dirty="0">
-                <a:solidFill>
-                  <a:srgbClr val="FFFFFF"/>
-                </a:solidFill>
                 <a:latin typeface="3270-MEDIUM" panose="02000609000000000000" pitchFamily="49" charset="77"/>
                 <a:ea typeface="3270-MEDIUM" panose="02000609000000000000" pitchFamily="49" charset="77"/>
               </a:rPr>
@@ -11600,9 +11937,6 @@
           <a:p>
             <a:r>
               <a:rPr lang="en-US" dirty="0">
-                <a:solidFill>
-                  <a:srgbClr val="FFFFFF"/>
-                </a:solidFill>
                 <a:latin typeface="3270-MEDIUM" panose="02000609000000000000" pitchFamily="49" charset="77"/>
                 <a:ea typeface="3270-MEDIUM" panose="02000609000000000000" pitchFamily="49" charset="77"/>
               </a:rPr>
@@ -11631,6 +11965,11 @@
           <a:prstGeom prst="rect">
             <a:avLst/>
           </a:prstGeom>
+          <a:solidFill>
+            <a:schemeClr val="accent6">
+              <a:lumMod val="50000"/>
+            </a:schemeClr>
+          </a:solidFill>
           <a:ln w="57150">
             <a:solidFill>
               <a:srgbClr val="00B0F0"/>
@@ -12060,6 +12399,11 @@
           <a:prstGeom prst="rect">
             <a:avLst/>
           </a:prstGeom>
+          <a:solidFill>
+            <a:schemeClr val="accent6">
+              <a:lumMod val="50000"/>
+            </a:schemeClr>
+          </a:solidFill>
           <a:ln w="57150">
             <a:solidFill>
               <a:srgbClr val="00B0F0"/>
@@ -12494,69 +12838,6 @@
           <a:chExt cx="0" cy="0"/>
         </a:xfrm>
       </p:grpSpPr>
-      <p:sp>
-        <p:nvSpPr>
-          <p:cNvPr id="45" name="Rectangle 44">
-            <a:extLst>
-              <a:ext uri="{FF2B5EF4-FFF2-40B4-BE49-F238E27FC236}">
-                <a16:creationId xmlns:a16="http://schemas.microsoft.com/office/drawing/2014/main" id="{C5E6CFF1-2F42-4E10-9A97-F116F46F53FE}"/>
-              </a:ext>
-              <a:ext uri="{C183D7F6-B498-43B3-948B-1728B52AA6E4}">
-                <adec:decorative xmlns:adec="http://schemas.microsoft.com/office/drawing/2017/decorative" val="1"/>
-              </a:ext>
-            </a:extLst>
-          </p:cNvPr>
-          <p:cNvSpPr>
-            <a:spLocks noGrp="1" noRot="1" noChangeAspect="1" noMove="1" noResize="1" noEditPoints="1" noAdjustHandles="1" noChangeArrowheads="1" noChangeShapeType="1" noTextEdit="1"/>
-          </p:cNvSpPr>
-          <p:nvPr>
-            <p:extLst>
-              <p:ext uri="{386F3935-93C4-4BCD-93E2-E3B085C9AB24}">
-                <p16:designElem xmlns:p16="http://schemas.microsoft.com/office/powerpoint/2015/main" val="1"/>
-              </p:ext>
-            </p:extLst>
-          </p:nvPr>
-        </p:nvSpPr>
-        <p:spPr>
-          <a:xfrm>
-            <a:off x="0" y="0"/>
-            <a:ext cx="12192000" cy="6858000"/>
-          </a:xfrm>
-          <a:prstGeom prst="rect">
-            <a:avLst/>
-          </a:prstGeom>
-          <a:solidFill>
-            <a:srgbClr val="000000"/>
-          </a:solidFill>
-          <a:ln>
-            <a:noFill/>
-          </a:ln>
-        </p:spPr>
-        <p:style>
-          <a:lnRef idx="2">
-            <a:schemeClr val="accent1">
-              <a:shade val="50000"/>
-            </a:schemeClr>
-          </a:lnRef>
-          <a:fillRef idx="1">
-            <a:schemeClr val="accent1"/>
-          </a:fillRef>
-          <a:effectRef idx="0">
-            <a:schemeClr val="accent1"/>
-          </a:effectRef>
-          <a:fontRef idx="minor">
-            <a:schemeClr val="lt1"/>
-          </a:fontRef>
-        </p:style>
-        <p:txBody>
-          <a:bodyPr rtlCol="0" anchor="ctr"/>
-          <a:lstStyle/>
-          <a:p>
-            <a:pPr algn="ctr"/>
-            <a:endParaRPr lang="en-US"/>
-          </a:p>
-        </p:txBody>
-      </p:sp>
       <p:pic>
         <p:nvPicPr>
           <p:cNvPr id="5" name="Picture 4">
@@ -12633,58 +12914,6 @@
           </a:p>
         </p:txBody>
       </p:sp>
-      <p:cxnSp>
-        <p:nvCxnSpPr>
-          <p:cNvPr id="47" name="Straight Connector 46">
-            <a:extLst>
-              <a:ext uri="{FF2B5EF4-FFF2-40B4-BE49-F238E27FC236}">
-                <a16:creationId xmlns:a16="http://schemas.microsoft.com/office/drawing/2014/main" id="{67182200-4859-4C8D-BCBB-55B245C28BA3}"/>
-              </a:ext>
-              <a:ext uri="{C183D7F6-B498-43B3-948B-1728B52AA6E4}">
-                <adec:decorative xmlns:adec="http://schemas.microsoft.com/office/drawing/2017/decorative" val="1"/>
-              </a:ext>
-            </a:extLst>
-          </p:cNvPr>
-          <p:cNvCxnSpPr>
-            <a:cxnSpLocks noGrp="1" noRot="1" noChangeAspect="1" noMove="1" noResize="1" noEditPoints="1" noAdjustHandles="1" noChangeArrowheads="1" noChangeShapeType="1"/>
-          </p:cNvCxnSpPr>
-          <p:nvPr>
-            <p:extLst>
-              <p:ext uri="{386F3935-93C4-4BCD-93E2-E3B085C9AB24}">
-                <p16:designElem xmlns:p16="http://schemas.microsoft.com/office/powerpoint/2015/main" val="1"/>
-              </p:ext>
-            </p:extLst>
-          </p:nvPr>
-        </p:nvCxnSpPr>
-        <p:spPr>
-          <a:xfrm>
-            <a:off x="4653372" y="2286000"/>
-            <a:ext cx="0" cy="2286000"/>
-          </a:xfrm>
-          <a:prstGeom prst="line">
-            <a:avLst/>
-          </a:prstGeom>
-          <a:ln w="15875">
-            <a:solidFill>
-              <a:srgbClr val="FFFFFF"/>
-            </a:solidFill>
-          </a:ln>
-        </p:spPr>
-        <p:style>
-          <a:lnRef idx="1">
-            <a:schemeClr val="accent1"/>
-          </a:lnRef>
-          <a:fillRef idx="0">
-            <a:schemeClr val="accent1"/>
-          </a:fillRef>
-          <a:effectRef idx="0">
-            <a:schemeClr val="accent1"/>
-          </a:effectRef>
-          <a:fontRef idx="minor">
-            <a:schemeClr val="tx1"/>
-          </a:fontRef>
-        </p:style>
-      </p:cxnSp>
       <p:sp>
         <p:nvSpPr>
           <p:cNvPr id="3" name="Content Placeholder 2">
@@ -13408,6 +13637,11 @@
           <a:prstGeom prst="rect">
             <a:avLst/>
           </a:prstGeom>
+          <a:solidFill>
+            <a:schemeClr val="accent6">
+              <a:lumMod val="50000"/>
+            </a:schemeClr>
+          </a:solidFill>
           <a:ln w="57150">
             <a:solidFill>
               <a:srgbClr val="00B0F0"/>
@@ -13701,6 +13935,11 @@
           <a:prstGeom prst="rect">
             <a:avLst/>
           </a:prstGeom>
+          <a:solidFill>
+            <a:schemeClr val="accent6">
+              <a:lumMod val="50000"/>
+            </a:schemeClr>
+          </a:solidFill>
           <a:ln w="57150">
             <a:solidFill>
               <a:srgbClr val="00B0F0"/>
@@ -14130,6 +14369,11 @@
           <a:prstGeom prst="rect">
             <a:avLst/>
           </a:prstGeom>
+          <a:solidFill>
+            <a:schemeClr val="accent6">
+              <a:lumMod val="50000"/>
+            </a:schemeClr>
+          </a:solidFill>
           <a:ln w="57150">
             <a:solidFill>
               <a:srgbClr val="00B0F0"/>
@@ -14564,69 +14808,6 @@
           <a:chExt cx="0" cy="0"/>
         </a:xfrm>
       </p:grpSpPr>
-      <p:sp>
-        <p:nvSpPr>
-          <p:cNvPr id="43" name="Rectangle 38">
-            <a:extLst>
-              <a:ext uri="{FF2B5EF4-FFF2-40B4-BE49-F238E27FC236}">
-                <a16:creationId xmlns:a16="http://schemas.microsoft.com/office/drawing/2014/main" id="{C5E6CFF1-2F42-4E10-9A97-F116F46F53FE}"/>
-              </a:ext>
-              <a:ext uri="{C183D7F6-B498-43B3-948B-1728B52AA6E4}">
-                <adec:decorative xmlns:adec="http://schemas.microsoft.com/office/drawing/2017/decorative" val="1"/>
-              </a:ext>
-            </a:extLst>
-          </p:cNvPr>
-          <p:cNvSpPr>
-            <a:spLocks noGrp="1" noRot="1" noChangeAspect="1" noMove="1" noResize="1" noEditPoints="1" noAdjustHandles="1" noChangeArrowheads="1" noChangeShapeType="1" noTextEdit="1"/>
-          </p:cNvSpPr>
-          <p:nvPr>
-            <p:extLst>
-              <p:ext uri="{386F3935-93C4-4BCD-93E2-E3B085C9AB24}">
-                <p16:designElem xmlns:p16="http://schemas.microsoft.com/office/powerpoint/2015/main" val="1"/>
-              </p:ext>
-            </p:extLst>
-          </p:nvPr>
-        </p:nvSpPr>
-        <p:spPr>
-          <a:xfrm>
-            <a:off x="0" y="0"/>
-            <a:ext cx="12192000" cy="6858000"/>
-          </a:xfrm>
-          <a:prstGeom prst="rect">
-            <a:avLst/>
-          </a:prstGeom>
-          <a:solidFill>
-            <a:srgbClr val="000000"/>
-          </a:solidFill>
-          <a:ln>
-            <a:noFill/>
-          </a:ln>
-        </p:spPr>
-        <p:style>
-          <a:lnRef idx="2">
-            <a:schemeClr val="accent1">
-              <a:shade val="50000"/>
-            </a:schemeClr>
-          </a:lnRef>
-          <a:fillRef idx="1">
-            <a:schemeClr val="accent1"/>
-          </a:fillRef>
-          <a:effectRef idx="0">
-            <a:schemeClr val="accent1"/>
-          </a:effectRef>
-          <a:fontRef idx="minor">
-            <a:schemeClr val="lt1"/>
-          </a:fontRef>
-        </p:style>
-        <p:txBody>
-          <a:bodyPr rtlCol="0" anchor="ctr"/>
-          <a:lstStyle/>
-          <a:p>
-            <a:pPr algn="ctr"/>
-            <a:endParaRPr lang="en-US"/>
-          </a:p>
-        </p:txBody>
-      </p:sp>
       <p:pic>
         <p:nvPicPr>
           <p:cNvPr id="5" name="Picture 4">
@@ -14703,58 +14884,6 @@
           </a:p>
         </p:txBody>
       </p:sp>
-      <p:cxnSp>
-        <p:nvCxnSpPr>
-          <p:cNvPr id="44" name="Straight Connector 40">
-            <a:extLst>
-              <a:ext uri="{FF2B5EF4-FFF2-40B4-BE49-F238E27FC236}">
-                <a16:creationId xmlns:a16="http://schemas.microsoft.com/office/drawing/2014/main" id="{67182200-4859-4C8D-BCBB-55B245C28BA3}"/>
-              </a:ext>
-              <a:ext uri="{C183D7F6-B498-43B3-948B-1728B52AA6E4}">
-                <adec:decorative xmlns:adec="http://schemas.microsoft.com/office/drawing/2017/decorative" val="1"/>
-              </a:ext>
-            </a:extLst>
-          </p:cNvPr>
-          <p:cNvCxnSpPr>
-            <a:cxnSpLocks noGrp="1" noRot="1" noChangeAspect="1" noMove="1" noResize="1" noEditPoints="1" noAdjustHandles="1" noChangeArrowheads="1" noChangeShapeType="1"/>
-          </p:cNvCxnSpPr>
-          <p:nvPr>
-            <p:extLst>
-              <p:ext uri="{386F3935-93C4-4BCD-93E2-E3B085C9AB24}">
-                <p16:designElem xmlns:p16="http://schemas.microsoft.com/office/powerpoint/2015/main" val="1"/>
-              </p:ext>
-            </p:extLst>
-          </p:nvPr>
-        </p:nvCxnSpPr>
-        <p:spPr>
-          <a:xfrm>
-            <a:off x="4653372" y="2286000"/>
-            <a:ext cx="0" cy="2286000"/>
-          </a:xfrm>
-          <a:prstGeom prst="line">
-            <a:avLst/>
-          </a:prstGeom>
-          <a:ln w="15875">
-            <a:solidFill>
-              <a:srgbClr val="FFFFFF"/>
-            </a:solidFill>
-          </a:ln>
-        </p:spPr>
-        <p:style>
-          <a:lnRef idx="1">
-            <a:schemeClr val="accent1"/>
-          </a:lnRef>
-          <a:fillRef idx="0">
-            <a:schemeClr val="accent1"/>
-          </a:fillRef>
-          <a:effectRef idx="0">
-            <a:schemeClr val="accent1"/>
-          </a:effectRef>
-          <a:fontRef idx="minor">
-            <a:schemeClr val="tx1"/>
-          </a:fontRef>
-        </p:style>
-      </p:cxnSp>
       <p:sp>
         <p:nvSpPr>
           <p:cNvPr id="3" name="Content Placeholder 2">
@@ -15394,69 +15523,6 @@
           <a:chExt cx="0" cy="0"/>
         </a:xfrm>
       </p:grpSpPr>
-      <p:sp>
-        <p:nvSpPr>
-          <p:cNvPr id="49" name="Rectangle 48">
-            <a:extLst>
-              <a:ext uri="{FF2B5EF4-FFF2-40B4-BE49-F238E27FC236}">
-                <a16:creationId xmlns:a16="http://schemas.microsoft.com/office/drawing/2014/main" id="{C5E6CFF1-2F42-4E10-9A97-F116F46F53FE}"/>
-              </a:ext>
-              <a:ext uri="{C183D7F6-B498-43B3-948B-1728B52AA6E4}">
-                <adec:decorative xmlns:adec="http://schemas.microsoft.com/office/drawing/2017/decorative" val="1"/>
-              </a:ext>
-            </a:extLst>
-          </p:cNvPr>
-          <p:cNvSpPr>
-            <a:spLocks noGrp="1" noRot="1" noChangeAspect="1" noMove="1" noResize="1" noEditPoints="1" noAdjustHandles="1" noChangeArrowheads="1" noChangeShapeType="1" noTextEdit="1"/>
-          </p:cNvSpPr>
-          <p:nvPr>
-            <p:extLst>
-              <p:ext uri="{386F3935-93C4-4BCD-93E2-E3B085C9AB24}">
-                <p16:designElem xmlns:p16="http://schemas.microsoft.com/office/powerpoint/2015/main" val="1"/>
-              </p:ext>
-            </p:extLst>
-          </p:nvPr>
-        </p:nvSpPr>
-        <p:spPr>
-          <a:xfrm>
-            <a:off x="0" y="0"/>
-            <a:ext cx="12192000" cy="6858000"/>
-          </a:xfrm>
-          <a:prstGeom prst="rect">
-            <a:avLst/>
-          </a:prstGeom>
-          <a:solidFill>
-            <a:srgbClr val="000000"/>
-          </a:solidFill>
-          <a:ln>
-            <a:noFill/>
-          </a:ln>
-        </p:spPr>
-        <p:style>
-          <a:lnRef idx="2">
-            <a:schemeClr val="accent1">
-              <a:shade val="50000"/>
-            </a:schemeClr>
-          </a:lnRef>
-          <a:fillRef idx="1">
-            <a:schemeClr val="accent1"/>
-          </a:fillRef>
-          <a:effectRef idx="0">
-            <a:schemeClr val="accent1"/>
-          </a:effectRef>
-          <a:fontRef idx="minor">
-            <a:schemeClr val="lt1"/>
-          </a:fontRef>
-        </p:style>
-        <p:txBody>
-          <a:bodyPr rtlCol="0" anchor="ctr"/>
-          <a:lstStyle/>
-          <a:p>
-            <a:pPr algn="ctr"/>
-            <a:endParaRPr lang="en-US"/>
-          </a:p>
-        </p:txBody>
-      </p:sp>
       <p:pic>
         <p:nvPicPr>
           <p:cNvPr id="4" name="Picture 3">
@@ -15533,58 +15599,6 @@
           </a:p>
         </p:txBody>
       </p:sp>
-      <p:cxnSp>
-        <p:nvCxnSpPr>
-          <p:cNvPr id="51" name="Straight Connector 50">
-            <a:extLst>
-              <a:ext uri="{FF2B5EF4-FFF2-40B4-BE49-F238E27FC236}">
-                <a16:creationId xmlns:a16="http://schemas.microsoft.com/office/drawing/2014/main" id="{67182200-4859-4C8D-BCBB-55B245C28BA3}"/>
-              </a:ext>
-              <a:ext uri="{C183D7F6-B498-43B3-948B-1728B52AA6E4}">
-                <adec:decorative xmlns:adec="http://schemas.microsoft.com/office/drawing/2017/decorative" val="1"/>
-              </a:ext>
-            </a:extLst>
-          </p:cNvPr>
-          <p:cNvCxnSpPr>
-            <a:cxnSpLocks noGrp="1" noRot="1" noChangeAspect="1" noMove="1" noResize="1" noEditPoints="1" noAdjustHandles="1" noChangeArrowheads="1" noChangeShapeType="1"/>
-          </p:cNvCxnSpPr>
-          <p:nvPr>
-            <p:extLst>
-              <p:ext uri="{386F3935-93C4-4BCD-93E2-E3B085C9AB24}">
-                <p16:designElem xmlns:p16="http://schemas.microsoft.com/office/powerpoint/2015/main" val="1"/>
-              </p:ext>
-            </p:extLst>
-          </p:nvPr>
-        </p:nvCxnSpPr>
-        <p:spPr>
-          <a:xfrm>
-            <a:off x="4653372" y="2286000"/>
-            <a:ext cx="0" cy="2286000"/>
-          </a:xfrm>
-          <a:prstGeom prst="line">
-            <a:avLst/>
-          </a:prstGeom>
-          <a:ln w="15875">
-            <a:solidFill>
-              <a:srgbClr val="FFFFFF"/>
-            </a:solidFill>
-          </a:ln>
-        </p:spPr>
-        <p:style>
-          <a:lnRef idx="1">
-            <a:schemeClr val="accent1"/>
-          </a:lnRef>
-          <a:fillRef idx="0">
-            <a:schemeClr val="accent1"/>
-          </a:fillRef>
-          <a:effectRef idx="0">
-            <a:schemeClr val="accent1"/>
-          </a:effectRef>
-          <a:fontRef idx="minor">
-            <a:schemeClr val="tx1"/>
-          </a:fontRef>
-        </p:style>
-      </p:cxnSp>
       <p:sp>
         <p:nvSpPr>
           <p:cNvPr id="3" name="Content Placeholder 2">
@@ -16113,69 +16127,6 @@
           <a:chExt cx="0" cy="0"/>
         </a:xfrm>
       </p:grpSpPr>
-      <p:sp>
-        <p:nvSpPr>
-          <p:cNvPr id="49" name="Rectangle 48">
-            <a:extLst>
-              <a:ext uri="{FF2B5EF4-FFF2-40B4-BE49-F238E27FC236}">
-                <a16:creationId xmlns:a16="http://schemas.microsoft.com/office/drawing/2014/main" id="{C5E6CFF1-2F42-4E10-9A97-F116F46F53FE}"/>
-              </a:ext>
-              <a:ext uri="{C183D7F6-B498-43B3-948B-1728B52AA6E4}">
-                <adec:decorative xmlns:adec="http://schemas.microsoft.com/office/drawing/2017/decorative" val="1"/>
-              </a:ext>
-            </a:extLst>
-          </p:cNvPr>
-          <p:cNvSpPr>
-            <a:spLocks noGrp="1" noRot="1" noChangeAspect="1" noMove="1" noResize="1" noEditPoints="1" noAdjustHandles="1" noChangeArrowheads="1" noChangeShapeType="1" noTextEdit="1"/>
-          </p:cNvSpPr>
-          <p:nvPr>
-            <p:extLst>
-              <p:ext uri="{386F3935-93C4-4BCD-93E2-E3B085C9AB24}">
-                <p16:designElem xmlns:p16="http://schemas.microsoft.com/office/powerpoint/2015/main" val="1"/>
-              </p:ext>
-            </p:extLst>
-          </p:nvPr>
-        </p:nvSpPr>
-        <p:spPr>
-          <a:xfrm>
-            <a:off x="0" y="0"/>
-            <a:ext cx="12192000" cy="6858000"/>
-          </a:xfrm>
-          <a:prstGeom prst="rect">
-            <a:avLst/>
-          </a:prstGeom>
-          <a:solidFill>
-            <a:srgbClr val="000000"/>
-          </a:solidFill>
-          <a:ln>
-            <a:noFill/>
-          </a:ln>
-        </p:spPr>
-        <p:style>
-          <a:lnRef idx="2">
-            <a:schemeClr val="accent1">
-              <a:shade val="50000"/>
-            </a:schemeClr>
-          </a:lnRef>
-          <a:fillRef idx="1">
-            <a:schemeClr val="accent1"/>
-          </a:fillRef>
-          <a:effectRef idx="0">
-            <a:schemeClr val="accent1"/>
-          </a:effectRef>
-          <a:fontRef idx="minor">
-            <a:schemeClr val="lt1"/>
-          </a:fontRef>
-        </p:style>
-        <p:txBody>
-          <a:bodyPr rtlCol="0" anchor="ctr"/>
-          <a:lstStyle/>
-          <a:p>
-            <a:pPr algn="ctr"/>
-            <a:endParaRPr lang="en-US"/>
-          </a:p>
-        </p:txBody>
-      </p:sp>
       <p:pic>
         <p:nvPicPr>
           <p:cNvPr id="4" name="Picture 3">
@@ -16252,58 +16203,6 @@
           </a:p>
         </p:txBody>
       </p:sp>
-      <p:cxnSp>
-        <p:nvCxnSpPr>
-          <p:cNvPr id="51" name="Straight Connector 50">
-            <a:extLst>
-              <a:ext uri="{FF2B5EF4-FFF2-40B4-BE49-F238E27FC236}">
-                <a16:creationId xmlns:a16="http://schemas.microsoft.com/office/drawing/2014/main" id="{67182200-4859-4C8D-BCBB-55B245C28BA3}"/>
-              </a:ext>
-              <a:ext uri="{C183D7F6-B498-43B3-948B-1728B52AA6E4}">
-                <adec:decorative xmlns:adec="http://schemas.microsoft.com/office/drawing/2017/decorative" val="1"/>
-              </a:ext>
-            </a:extLst>
-          </p:cNvPr>
-          <p:cNvCxnSpPr>
-            <a:cxnSpLocks noGrp="1" noRot="1" noChangeAspect="1" noMove="1" noResize="1" noEditPoints="1" noAdjustHandles="1" noChangeArrowheads="1" noChangeShapeType="1"/>
-          </p:cNvCxnSpPr>
-          <p:nvPr>
-            <p:extLst>
-              <p:ext uri="{386F3935-93C4-4BCD-93E2-E3B085C9AB24}">
-                <p16:designElem xmlns:p16="http://schemas.microsoft.com/office/powerpoint/2015/main" val="1"/>
-              </p:ext>
-            </p:extLst>
-          </p:nvPr>
-        </p:nvCxnSpPr>
-        <p:spPr>
-          <a:xfrm>
-            <a:off x="4653372" y="2286000"/>
-            <a:ext cx="0" cy="2286000"/>
-          </a:xfrm>
-          <a:prstGeom prst="line">
-            <a:avLst/>
-          </a:prstGeom>
-          <a:ln w="15875">
-            <a:solidFill>
-              <a:srgbClr val="FFFFFF"/>
-            </a:solidFill>
-          </a:ln>
-        </p:spPr>
-        <p:style>
-          <a:lnRef idx="1">
-            <a:schemeClr val="accent1"/>
-          </a:lnRef>
-          <a:fillRef idx="0">
-            <a:schemeClr val="accent1"/>
-          </a:fillRef>
-          <a:effectRef idx="0">
-            <a:schemeClr val="accent1"/>
-          </a:effectRef>
-          <a:fontRef idx="minor">
-            <a:schemeClr val="tx1"/>
-          </a:fontRef>
-        </p:style>
-      </p:cxnSp>
       <p:sp>
         <p:nvSpPr>
           <p:cNvPr id="3" name="Content Placeholder 2">
@@ -16736,69 +16635,6 @@
           <a:chExt cx="0" cy="0"/>
         </a:xfrm>
       </p:grpSpPr>
-      <p:sp>
-        <p:nvSpPr>
-          <p:cNvPr id="49" name="Rectangle 48">
-            <a:extLst>
-              <a:ext uri="{FF2B5EF4-FFF2-40B4-BE49-F238E27FC236}">
-                <a16:creationId xmlns:a16="http://schemas.microsoft.com/office/drawing/2014/main" id="{C5E6CFF1-2F42-4E10-9A97-F116F46F53FE}"/>
-              </a:ext>
-              <a:ext uri="{C183D7F6-B498-43B3-948B-1728B52AA6E4}">
-                <adec:decorative xmlns:adec="http://schemas.microsoft.com/office/drawing/2017/decorative" val="1"/>
-              </a:ext>
-            </a:extLst>
-          </p:cNvPr>
-          <p:cNvSpPr>
-            <a:spLocks noGrp="1" noRot="1" noChangeAspect="1" noMove="1" noResize="1" noEditPoints="1" noAdjustHandles="1" noChangeArrowheads="1" noChangeShapeType="1" noTextEdit="1"/>
-          </p:cNvSpPr>
-          <p:nvPr>
-            <p:extLst>
-              <p:ext uri="{386F3935-93C4-4BCD-93E2-E3B085C9AB24}">
-                <p16:designElem xmlns:p16="http://schemas.microsoft.com/office/powerpoint/2015/main" val="1"/>
-              </p:ext>
-            </p:extLst>
-          </p:nvPr>
-        </p:nvSpPr>
-        <p:spPr>
-          <a:xfrm>
-            <a:off x="0" y="0"/>
-            <a:ext cx="12192000" cy="6858000"/>
-          </a:xfrm>
-          <a:prstGeom prst="rect">
-            <a:avLst/>
-          </a:prstGeom>
-          <a:solidFill>
-            <a:srgbClr val="000000"/>
-          </a:solidFill>
-          <a:ln>
-            <a:noFill/>
-          </a:ln>
-        </p:spPr>
-        <p:style>
-          <a:lnRef idx="2">
-            <a:schemeClr val="accent1">
-              <a:shade val="50000"/>
-            </a:schemeClr>
-          </a:lnRef>
-          <a:fillRef idx="1">
-            <a:schemeClr val="accent1"/>
-          </a:fillRef>
-          <a:effectRef idx="0">
-            <a:schemeClr val="accent1"/>
-          </a:effectRef>
-          <a:fontRef idx="minor">
-            <a:schemeClr val="lt1"/>
-          </a:fontRef>
-        </p:style>
-        <p:txBody>
-          <a:bodyPr rtlCol="0" anchor="ctr"/>
-          <a:lstStyle/>
-          <a:p>
-            <a:pPr algn="ctr"/>
-            <a:endParaRPr lang="en-US"/>
-          </a:p>
-        </p:txBody>
-      </p:sp>
       <p:pic>
         <p:nvPicPr>
           <p:cNvPr id="4" name="Picture 3">
@@ -16875,58 +16711,6 @@
           </a:p>
         </p:txBody>
       </p:sp>
-      <p:cxnSp>
-        <p:nvCxnSpPr>
-          <p:cNvPr id="51" name="Straight Connector 50">
-            <a:extLst>
-              <a:ext uri="{FF2B5EF4-FFF2-40B4-BE49-F238E27FC236}">
-                <a16:creationId xmlns:a16="http://schemas.microsoft.com/office/drawing/2014/main" id="{67182200-4859-4C8D-BCBB-55B245C28BA3}"/>
-              </a:ext>
-              <a:ext uri="{C183D7F6-B498-43B3-948B-1728B52AA6E4}">
-                <adec:decorative xmlns:adec="http://schemas.microsoft.com/office/drawing/2017/decorative" val="1"/>
-              </a:ext>
-            </a:extLst>
-          </p:cNvPr>
-          <p:cNvCxnSpPr>
-            <a:cxnSpLocks noGrp="1" noRot="1" noChangeAspect="1" noMove="1" noResize="1" noEditPoints="1" noAdjustHandles="1" noChangeArrowheads="1" noChangeShapeType="1"/>
-          </p:cNvCxnSpPr>
-          <p:nvPr>
-            <p:extLst>
-              <p:ext uri="{386F3935-93C4-4BCD-93E2-E3B085C9AB24}">
-                <p16:designElem xmlns:p16="http://schemas.microsoft.com/office/powerpoint/2015/main" val="1"/>
-              </p:ext>
-            </p:extLst>
-          </p:nvPr>
-        </p:nvCxnSpPr>
-        <p:spPr>
-          <a:xfrm>
-            <a:off x="4653372" y="2286000"/>
-            <a:ext cx="0" cy="2286000"/>
-          </a:xfrm>
-          <a:prstGeom prst="line">
-            <a:avLst/>
-          </a:prstGeom>
-          <a:ln w="15875">
-            <a:solidFill>
-              <a:srgbClr val="FFFFFF"/>
-            </a:solidFill>
-          </a:ln>
-        </p:spPr>
-        <p:style>
-          <a:lnRef idx="1">
-            <a:schemeClr val="accent1"/>
-          </a:lnRef>
-          <a:fillRef idx="0">
-            <a:schemeClr val="accent1"/>
-          </a:fillRef>
-          <a:effectRef idx="0">
-            <a:schemeClr val="accent1"/>
-          </a:effectRef>
-          <a:fontRef idx="minor">
-            <a:schemeClr val="tx1"/>
-          </a:fontRef>
-        </p:style>
-      </p:cxnSp>
       <p:sp>
         <p:nvSpPr>
           <p:cNvPr id="3" name="Content Placeholder 2">
@@ -17597,7 +17381,7 @@
         <p:spPr/>
         <p:txBody>
           <a:bodyPr>
-            <a:normAutofit fontScale="90000"/>
+            <a:normAutofit/>
           </a:bodyPr>
           <a:lstStyle/>
           <a:p>
@@ -17796,6 +17580,16 @@
 <file path=ppt/slides/slide2.xml><?xml version="1.0" encoding="utf-8"?>
 <p:sld xmlns:a="http://schemas.openxmlformats.org/drawingml/2006/main" xmlns:r="http://schemas.openxmlformats.org/officeDocument/2006/relationships" xmlns:p="http://schemas.openxmlformats.org/presentationml/2006/main">
   <p:cSld>
+    <p:bg>
+      <p:bgPr>
+        <a:solidFill>
+          <a:schemeClr val="accent6">
+            <a:lumMod val="50000"/>
+          </a:schemeClr>
+        </a:solidFill>
+        <a:effectLst/>
+      </p:bgPr>
+    </p:bg>
     <p:spTree>
       <p:nvGrpSpPr>
         <p:cNvPr id="1" name=""/>
@@ -17824,7 +17618,7 @@
         </p:nvSpPr>
         <p:spPr>
           <a:xfrm>
-            <a:off x="1750742" y="210068"/>
+            <a:off x="1830659" y="210068"/>
             <a:ext cx="8530683" cy="6437864"/>
           </a:xfrm>
           <a:prstGeom prst="roundRect">
@@ -18782,7 +18576,7 @@
         </p:nvSpPr>
         <p:spPr>
           <a:xfrm>
-            <a:off x="1985636" y="611976"/>
+            <a:off x="1985636" y="569936"/>
             <a:ext cx="3842719" cy="369332"/>
           </a:xfrm>
           <a:prstGeom prst="rect">
@@ -19379,7 +19173,9 @@
         </p:nvSpPr>
         <p:spPr/>
         <p:txBody>
-          <a:bodyPr/>
+          <a:bodyPr>
+            <a:normAutofit/>
+          </a:bodyPr>
           <a:lstStyle/>
           <a:p>
             <a:r>
@@ -26102,6 +25898,16 @@
 <file path=ppt/slides/slide3.xml><?xml version="1.0" encoding="utf-8"?>
 <p:sld xmlns:a="http://schemas.openxmlformats.org/drawingml/2006/main" xmlns:r="http://schemas.openxmlformats.org/officeDocument/2006/relationships" xmlns:p="http://schemas.openxmlformats.org/presentationml/2006/main">
   <p:cSld>
+    <p:bg>
+      <p:bgPr>
+        <a:solidFill>
+          <a:schemeClr val="accent6">
+            <a:lumMod val="50000"/>
+          </a:schemeClr>
+        </a:solidFill>
+        <a:effectLst/>
+      </p:bgPr>
+    </p:bg>
     <p:spTree>
       <p:nvGrpSpPr>
         <p:cNvPr id="1" name=""/>
@@ -26130,8 +25936,8 @@
         </p:nvGrpSpPr>
         <p:grpSpPr>
           <a:xfrm>
-            <a:off x="1750742" y="210068"/>
-            <a:ext cx="8530683" cy="6437864"/>
+            <a:off x="520262" y="210068"/>
+            <a:ext cx="11151476" cy="6437864"/>
             <a:chOff x="1817649" y="546410"/>
             <a:chExt cx="8530683" cy="6437864"/>
           </a:xfrm>
@@ -26222,7 +26028,7 @@
             <p:nvPr>
               <p:extLst>
                 <p:ext uri="{D42A27DB-BD31-4B8C-83A1-F6EECF244321}">
-                  <p14:modId xmlns:p14="http://schemas.microsoft.com/office/powerpoint/2010/main" val="4089084605"/>
+                  <p14:modId xmlns:p14="http://schemas.microsoft.com/office/powerpoint/2010/main" val="3348343433"/>
                 </p:ext>
               </p:extLst>
             </p:nvPr>
@@ -26273,6 +26079,1299 @@
           <p:cNvPr id="2" name="Title 1">
             <a:extLst>
               <a:ext uri="{FF2B5EF4-FFF2-40B4-BE49-F238E27FC236}">
+                <a16:creationId xmlns:a16="http://schemas.microsoft.com/office/drawing/2014/main" id="{04B9500C-6C8B-814C-A193-4E6F336D99D4}"/>
+              </a:ext>
+            </a:extLst>
+          </p:cNvPr>
+          <p:cNvSpPr>
+            <a:spLocks noGrp="1"/>
+          </p:cNvSpPr>
+          <p:nvPr>
+            <p:ph type="title"/>
+          </p:nvPr>
+        </p:nvSpPr>
+        <p:spPr/>
+        <p:txBody>
+          <a:bodyPr/>
+          <a:lstStyle/>
+          <a:p>
+            <a:r>
+              <a:rPr lang="en-US" dirty="0"/>
+              <a:t>Concept Hierarchy</a:t>
+            </a:r>
+          </a:p>
+        </p:txBody>
+      </p:sp>
+      <p:sp>
+        <p:nvSpPr>
+          <p:cNvPr id="3" name="Content Placeholder 2">
+            <a:extLst>
+              <a:ext uri="{FF2B5EF4-FFF2-40B4-BE49-F238E27FC236}">
+                <a16:creationId xmlns:a16="http://schemas.microsoft.com/office/drawing/2014/main" id="{EE3925BB-267B-4043-A7DC-56C29C1CC9B7}"/>
+              </a:ext>
+            </a:extLst>
+          </p:cNvPr>
+          <p:cNvSpPr>
+            <a:spLocks noGrp="1"/>
+          </p:cNvSpPr>
+          <p:nvPr>
+            <p:ph sz="half" idx="1"/>
+          </p:nvPr>
+        </p:nvSpPr>
+        <p:spPr/>
+        <p:txBody>
+          <a:bodyPr>
+            <a:normAutofit fontScale="47500" lnSpcReduction="20000"/>
+          </a:bodyPr>
+          <a:lstStyle/>
+          <a:p>
+            <a:pPr>
+              <a:lnSpc>
+                <a:spcPct val="120000"/>
+              </a:lnSpc>
+            </a:pPr>
+            <a:r>
+              <a:rPr lang="en-US" dirty="0"/>
+              <a:t>Theory</a:t>
+            </a:r>
+          </a:p>
+          <a:p>
+            <a:pPr lvl="1">
+              <a:lnSpc>
+                <a:spcPct val="120000"/>
+              </a:lnSpc>
+            </a:pPr>
+            <a:r>
+              <a:rPr lang="en-US" dirty="0"/>
+              <a:t>Types, Terms, Axioms, Aliases</a:t>
+            </a:r>
+          </a:p>
+          <a:p>
+            <a:pPr lvl="1">
+              <a:lnSpc>
+                <a:spcPct val="120000"/>
+              </a:lnSpc>
+            </a:pPr>
+            <a:r>
+              <a:rPr lang="en-US" dirty="0"/>
+              <a:t>Theories can include other theories</a:t>
+            </a:r>
+          </a:p>
+          <a:p>
+            <a:pPr lvl="2">
+              <a:lnSpc>
+                <a:spcPct val="120000"/>
+              </a:lnSpc>
+            </a:pPr>
+            <a:r>
+              <a:rPr lang="en-US" dirty="0"/>
+              <a:t>Simply adds to Types, Terms, …</a:t>
+            </a:r>
+          </a:p>
+          <a:p>
+            <a:pPr lvl="2">
+              <a:lnSpc>
+                <a:spcPct val="120000"/>
+              </a:lnSpc>
+            </a:pPr>
+            <a:r>
+              <a:rPr lang="en-US" dirty="0"/>
+              <a:t>Can’t contradict</a:t>
+            </a:r>
+          </a:p>
+          <a:p>
+            <a:pPr lvl="1">
+              <a:lnSpc>
+                <a:spcPct val="120000"/>
+              </a:lnSpc>
+            </a:pPr>
+            <a:r>
+              <a:rPr lang="en-US" dirty="0"/>
+              <a:t>Generates a free workspace</a:t>
+            </a:r>
+          </a:p>
+          <a:p>
+            <a:pPr lvl="1">
+              <a:lnSpc>
+                <a:spcPct val="120000"/>
+              </a:lnSpc>
+            </a:pPr>
+            <a:r>
+              <a:rPr lang="en-US" dirty="0"/>
+              <a:t>e.g., Monoid, Category, Schema (incl. Category theory)</a:t>
+            </a:r>
+          </a:p>
+          <a:p>
+            <a:pPr>
+              <a:lnSpc>
+                <a:spcPct val="120000"/>
+              </a:lnSpc>
+            </a:pPr>
+            <a:r>
+              <a:rPr lang="en-US" dirty="0"/>
+              <a:t>Metamodels</a:t>
+            </a:r>
+          </a:p>
+          <a:p>
+            <a:pPr lvl="1">
+              <a:lnSpc>
+                <a:spcPct val="120000"/>
+              </a:lnSpc>
+            </a:pPr>
+            <a:r>
+              <a:rPr lang="en-US" dirty="0"/>
+              <a:t>Instances of Theory (i.e., Types, Terms, …)</a:t>
+            </a:r>
+          </a:p>
+          <a:p>
+            <a:pPr lvl="1">
+              <a:lnSpc>
+                <a:spcPct val="120000"/>
+              </a:lnSpc>
+            </a:pPr>
+            <a:r>
+              <a:rPr lang="en-US" dirty="0"/>
+              <a:t>Models can include other models</a:t>
+            </a:r>
+          </a:p>
+          <a:p>
+            <a:pPr lvl="1">
+              <a:lnSpc>
+                <a:spcPct val="120000"/>
+              </a:lnSpc>
+            </a:pPr>
+            <a:r>
+              <a:rPr lang="en-US" dirty="0"/>
+              <a:t>e.g., Category -&gt; Matrix, Schema -&gt; Graph, Graph -&gt; Property Graph (incl. Graph metamodel)</a:t>
+            </a:r>
+          </a:p>
+          <a:p>
+            <a:pPr lvl="1">
+              <a:lnSpc>
+                <a:spcPct val="120000"/>
+              </a:lnSpc>
+            </a:pPr>
+            <a:r>
+              <a:rPr lang="en-US" dirty="0"/>
+              <a:t>Generates a free workspace</a:t>
+            </a:r>
+          </a:p>
+          <a:p>
+            <a:pPr lvl="2">
+              <a:lnSpc>
+                <a:spcPct val="120000"/>
+              </a:lnSpc>
+            </a:pPr>
+            <a:r>
+              <a:rPr lang="en-US" dirty="0"/>
+              <a:t>includes Theory workspace</a:t>
+            </a:r>
+          </a:p>
+          <a:p>
+            <a:pPr>
+              <a:lnSpc>
+                <a:spcPct val="120000"/>
+              </a:lnSpc>
+            </a:pPr>
+            <a:r>
+              <a:rPr lang="en-US" dirty="0"/>
+              <a:t>Models</a:t>
+            </a:r>
+          </a:p>
+          <a:p>
+            <a:pPr lvl="1">
+              <a:lnSpc>
+                <a:spcPct val="120000"/>
+              </a:lnSpc>
+            </a:pPr>
+            <a:r>
+              <a:rPr lang="en-US" dirty="0"/>
+              <a:t>Instances of a Metamodel</a:t>
+            </a:r>
+          </a:p>
+          <a:p>
+            <a:pPr lvl="1">
+              <a:lnSpc>
+                <a:spcPct val="120000"/>
+              </a:lnSpc>
+            </a:pPr>
+            <a:r>
+              <a:rPr lang="en-US" dirty="0"/>
+              <a:t>e.g., a matrix, a graph, a property graph</a:t>
+            </a:r>
+          </a:p>
+          <a:p>
+            <a:pPr lvl="1"/>
+            <a:endParaRPr lang="en-US" dirty="0"/>
+          </a:p>
+          <a:p>
+            <a:pPr lvl="1"/>
+            <a:endParaRPr lang="en-US" dirty="0"/>
+          </a:p>
+        </p:txBody>
+      </p:sp>
+      <p:sp>
+        <p:nvSpPr>
+          <p:cNvPr id="5" name="Rectangle 4">
+            <a:extLst>
+              <a:ext uri="{FF2B5EF4-FFF2-40B4-BE49-F238E27FC236}">
+                <a16:creationId xmlns:a16="http://schemas.microsoft.com/office/drawing/2014/main" id="{87E573AC-FC52-DA47-8567-BE2B12A11DF5}"/>
+              </a:ext>
+            </a:extLst>
+          </p:cNvPr>
+          <p:cNvSpPr/>
+          <p:nvPr/>
+        </p:nvSpPr>
+        <p:spPr>
+          <a:xfrm>
+            <a:off x="7094481" y="1825625"/>
+            <a:ext cx="1629103" cy="914400"/>
+          </a:xfrm>
+          <a:prstGeom prst="rect">
+            <a:avLst/>
+          </a:prstGeom>
+          <a:solidFill>
+            <a:schemeClr val="bg1"/>
+          </a:solidFill>
+          <a:ln>
+            <a:solidFill>
+              <a:schemeClr val="tx1"/>
+            </a:solidFill>
+          </a:ln>
+        </p:spPr>
+        <p:style>
+          <a:lnRef idx="2">
+            <a:schemeClr val="accent1">
+              <a:shade val="50000"/>
+            </a:schemeClr>
+          </a:lnRef>
+          <a:fillRef idx="1">
+            <a:schemeClr val="accent1"/>
+          </a:fillRef>
+          <a:effectRef idx="0">
+            <a:schemeClr val="accent1"/>
+          </a:effectRef>
+          <a:fontRef idx="minor">
+            <a:schemeClr val="lt1"/>
+          </a:fontRef>
+        </p:style>
+        <p:txBody>
+          <a:bodyPr rtlCol="0" anchor="ctr"/>
+          <a:lstStyle/>
+          <a:p>
+            <a:pPr algn="ctr"/>
+            <a:r>
+              <a:rPr lang="en-US" dirty="0">
+                <a:solidFill>
+                  <a:schemeClr val="tx1"/>
+                </a:solidFill>
+              </a:rPr>
+              <a:t>Theory</a:t>
+            </a:r>
+          </a:p>
+        </p:txBody>
+      </p:sp>
+      <p:sp>
+        <p:nvSpPr>
+          <p:cNvPr id="6" name="Rectangle 5">
+            <a:extLst>
+              <a:ext uri="{FF2B5EF4-FFF2-40B4-BE49-F238E27FC236}">
+                <a16:creationId xmlns:a16="http://schemas.microsoft.com/office/drawing/2014/main" id="{8F18596C-6801-B649-83FB-CE1AF2220551}"/>
+              </a:ext>
+            </a:extLst>
+          </p:cNvPr>
+          <p:cNvSpPr/>
+          <p:nvPr/>
+        </p:nvSpPr>
+        <p:spPr>
+          <a:xfrm>
+            <a:off x="7094483" y="3544094"/>
+            <a:ext cx="1629103" cy="914400"/>
+          </a:xfrm>
+          <a:prstGeom prst="rect">
+            <a:avLst/>
+          </a:prstGeom>
+          <a:solidFill>
+            <a:schemeClr val="bg1"/>
+          </a:solidFill>
+          <a:ln>
+            <a:solidFill>
+              <a:schemeClr val="tx1"/>
+            </a:solidFill>
+          </a:ln>
+        </p:spPr>
+        <p:style>
+          <a:lnRef idx="2">
+            <a:schemeClr val="accent1">
+              <a:shade val="50000"/>
+            </a:schemeClr>
+          </a:lnRef>
+          <a:fillRef idx="1">
+            <a:schemeClr val="accent1"/>
+          </a:fillRef>
+          <a:effectRef idx="0">
+            <a:schemeClr val="accent1"/>
+          </a:effectRef>
+          <a:fontRef idx="minor">
+            <a:schemeClr val="lt1"/>
+          </a:fontRef>
+        </p:style>
+        <p:txBody>
+          <a:bodyPr rtlCol="0" anchor="ctr"/>
+          <a:lstStyle/>
+          <a:p>
+            <a:pPr algn="ctr"/>
+            <a:r>
+              <a:rPr lang="en-US" dirty="0">
+                <a:solidFill>
+                  <a:schemeClr val="tx1"/>
+                </a:solidFill>
+              </a:rPr>
+              <a:t>Metamodel</a:t>
+            </a:r>
+          </a:p>
+        </p:txBody>
+      </p:sp>
+      <p:sp>
+        <p:nvSpPr>
+          <p:cNvPr id="7" name="Rectangle 6">
+            <a:extLst>
+              <a:ext uri="{FF2B5EF4-FFF2-40B4-BE49-F238E27FC236}">
+                <a16:creationId xmlns:a16="http://schemas.microsoft.com/office/drawing/2014/main" id="{59CD8E41-F1D4-4B49-8D4D-4DD66DD7EAF8}"/>
+              </a:ext>
+            </a:extLst>
+          </p:cNvPr>
+          <p:cNvSpPr/>
+          <p:nvPr/>
+        </p:nvSpPr>
+        <p:spPr>
+          <a:xfrm>
+            <a:off x="7094482" y="5262563"/>
+            <a:ext cx="1629103" cy="914400"/>
+          </a:xfrm>
+          <a:prstGeom prst="rect">
+            <a:avLst/>
+          </a:prstGeom>
+          <a:solidFill>
+            <a:schemeClr val="bg1"/>
+          </a:solidFill>
+          <a:ln>
+            <a:solidFill>
+              <a:schemeClr val="tx1"/>
+            </a:solidFill>
+          </a:ln>
+        </p:spPr>
+        <p:style>
+          <a:lnRef idx="2">
+            <a:schemeClr val="accent1">
+              <a:shade val="50000"/>
+            </a:schemeClr>
+          </a:lnRef>
+          <a:fillRef idx="1">
+            <a:schemeClr val="accent1"/>
+          </a:fillRef>
+          <a:effectRef idx="0">
+            <a:schemeClr val="accent1"/>
+          </a:effectRef>
+          <a:fontRef idx="minor">
+            <a:schemeClr val="lt1"/>
+          </a:fontRef>
+        </p:style>
+        <p:txBody>
+          <a:bodyPr rtlCol="0" anchor="ctr"/>
+          <a:lstStyle/>
+          <a:p>
+            <a:pPr algn="ctr"/>
+            <a:r>
+              <a:rPr lang="en-US" dirty="0">
+                <a:solidFill>
+                  <a:schemeClr val="tx1"/>
+                </a:solidFill>
+              </a:rPr>
+              <a:t>Model</a:t>
+            </a:r>
+          </a:p>
+        </p:txBody>
+      </p:sp>
+      <p:cxnSp>
+        <p:nvCxnSpPr>
+          <p:cNvPr id="9" name="Straight Arrow Connector 8">
+            <a:extLst>
+              <a:ext uri="{FF2B5EF4-FFF2-40B4-BE49-F238E27FC236}">
+                <a16:creationId xmlns:a16="http://schemas.microsoft.com/office/drawing/2014/main" id="{4ED49FAB-D359-4444-8A8B-009911612207}"/>
+              </a:ext>
+            </a:extLst>
+          </p:cNvPr>
+          <p:cNvCxnSpPr>
+            <a:cxnSpLocks/>
+            <a:stCxn id="6" idx="0"/>
+            <a:endCxn id="5" idx="2"/>
+          </p:cNvCxnSpPr>
+          <p:nvPr/>
+        </p:nvCxnSpPr>
+        <p:spPr>
+          <a:xfrm flipH="1" flipV="1">
+            <a:off x="7909033" y="2740025"/>
+            <a:ext cx="2" cy="804069"/>
+          </a:xfrm>
+          <a:prstGeom prst="straightConnector1">
+            <a:avLst/>
+          </a:prstGeom>
+          <a:ln w="19050">
+            <a:solidFill>
+              <a:schemeClr val="tx1"/>
+            </a:solidFill>
+            <a:tailEnd type="triangle"/>
+          </a:ln>
+        </p:spPr>
+        <p:style>
+          <a:lnRef idx="1">
+            <a:schemeClr val="accent1"/>
+          </a:lnRef>
+          <a:fillRef idx="0">
+            <a:schemeClr val="accent1"/>
+          </a:fillRef>
+          <a:effectRef idx="0">
+            <a:schemeClr val="accent1"/>
+          </a:effectRef>
+          <a:fontRef idx="minor">
+            <a:schemeClr val="tx1"/>
+          </a:fontRef>
+        </p:style>
+      </p:cxnSp>
+      <p:cxnSp>
+        <p:nvCxnSpPr>
+          <p:cNvPr id="10" name="Straight Arrow Connector 9">
+            <a:extLst>
+              <a:ext uri="{FF2B5EF4-FFF2-40B4-BE49-F238E27FC236}">
+                <a16:creationId xmlns:a16="http://schemas.microsoft.com/office/drawing/2014/main" id="{0ACC7DAD-0C4A-D941-A4E9-78FF4FC82F6C}"/>
+              </a:ext>
+            </a:extLst>
+          </p:cNvPr>
+          <p:cNvCxnSpPr>
+            <a:cxnSpLocks/>
+            <a:stCxn id="7" idx="0"/>
+            <a:endCxn id="6" idx="2"/>
+          </p:cNvCxnSpPr>
+          <p:nvPr/>
+        </p:nvCxnSpPr>
+        <p:spPr>
+          <a:xfrm flipV="1">
+            <a:off x="7909034" y="4458494"/>
+            <a:ext cx="1" cy="804069"/>
+          </a:xfrm>
+          <a:prstGeom prst="straightConnector1">
+            <a:avLst/>
+          </a:prstGeom>
+          <a:ln w="19050">
+            <a:solidFill>
+              <a:schemeClr val="tx1"/>
+            </a:solidFill>
+            <a:tailEnd type="triangle"/>
+          </a:ln>
+        </p:spPr>
+        <p:style>
+          <a:lnRef idx="1">
+            <a:schemeClr val="accent1"/>
+          </a:lnRef>
+          <a:fillRef idx="0">
+            <a:schemeClr val="accent1"/>
+          </a:fillRef>
+          <a:effectRef idx="0">
+            <a:schemeClr val="accent1"/>
+          </a:effectRef>
+          <a:fontRef idx="minor">
+            <a:schemeClr val="tx1"/>
+          </a:fontRef>
+        </p:style>
+      </p:cxnSp>
+      <p:cxnSp>
+        <p:nvCxnSpPr>
+          <p:cNvPr id="21" name="Elbow Connector 20">
+            <a:extLst>
+              <a:ext uri="{FF2B5EF4-FFF2-40B4-BE49-F238E27FC236}">
+                <a16:creationId xmlns:a16="http://schemas.microsoft.com/office/drawing/2014/main" id="{E853478A-4467-FC46-827F-2915EDF1E5A4}"/>
+              </a:ext>
+            </a:extLst>
+          </p:cNvPr>
+          <p:cNvCxnSpPr>
+            <a:cxnSpLocks/>
+            <a:stCxn id="5" idx="2"/>
+            <a:endCxn id="5" idx="1"/>
+          </p:cNvCxnSpPr>
+          <p:nvPr/>
+        </p:nvCxnSpPr>
+        <p:spPr>
+          <a:xfrm rot="5400000" flipH="1">
+            <a:off x="7273157" y="2104149"/>
+            <a:ext cx="457200" cy="814552"/>
+          </a:xfrm>
+          <a:prstGeom prst="bentConnector4">
+            <a:avLst>
+              <a:gd name="adj1" fmla="val -50000"/>
+              <a:gd name="adj2" fmla="val 128065"/>
+            </a:avLst>
+          </a:prstGeom>
+          <a:ln w="19050">
+            <a:solidFill>
+              <a:schemeClr val="tx1"/>
+            </a:solidFill>
+            <a:tailEnd type="triangle"/>
+          </a:ln>
+        </p:spPr>
+        <p:style>
+          <a:lnRef idx="1">
+            <a:schemeClr val="accent1"/>
+          </a:lnRef>
+          <a:fillRef idx="0">
+            <a:schemeClr val="accent1"/>
+          </a:fillRef>
+          <a:effectRef idx="0">
+            <a:schemeClr val="accent1"/>
+          </a:effectRef>
+          <a:fontRef idx="minor">
+            <a:schemeClr val="tx1"/>
+          </a:fontRef>
+        </p:style>
+      </p:cxnSp>
+      <p:cxnSp>
+        <p:nvCxnSpPr>
+          <p:cNvPr id="22" name="Elbow Connector 21">
+            <a:extLst>
+              <a:ext uri="{FF2B5EF4-FFF2-40B4-BE49-F238E27FC236}">
+                <a16:creationId xmlns:a16="http://schemas.microsoft.com/office/drawing/2014/main" id="{921F4946-467A-824C-A961-AA3C8FFA4BA1}"/>
+              </a:ext>
+            </a:extLst>
+          </p:cNvPr>
+          <p:cNvCxnSpPr>
+            <a:cxnSpLocks/>
+            <a:stCxn id="6" idx="2"/>
+            <a:endCxn id="6" idx="1"/>
+          </p:cNvCxnSpPr>
+          <p:nvPr/>
+        </p:nvCxnSpPr>
+        <p:spPr>
+          <a:xfrm rot="5400000" flipH="1">
+            <a:off x="7273159" y="3822618"/>
+            <a:ext cx="457200" cy="814552"/>
+          </a:xfrm>
+          <a:prstGeom prst="bentConnector4">
+            <a:avLst>
+              <a:gd name="adj1" fmla="val -50000"/>
+              <a:gd name="adj2" fmla="val 128065"/>
+            </a:avLst>
+          </a:prstGeom>
+          <a:ln w="19050">
+            <a:solidFill>
+              <a:schemeClr val="tx1"/>
+            </a:solidFill>
+            <a:tailEnd type="triangle"/>
+          </a:ln>
+        </p:spPr>
+        <p:style>
+          <a:lnRef idx="1">
+            <a:schemeClr val="accent1"/>
+          </a:lnRef>
+          <a:fillRef idx="0">
+            <a:schemeClr val="accent1"/>
+          </a:fillRef>
+          <a:effectRef idx="0">
+            <a:schemeClr val="accent1"/>
+          </a:effectRef>
+          <a:fontRef idx="minor">
+            <a:schemeClr val="tx1"/>
+          </a:fontRef>
+        </p:style>
+      </p:cxnSp>
+      <p:sp>
+        <p:nvSpPr>
+          <p:cNvPr id="30" name="TextBox 29">
+            <a:extLst>
+              <a:ext uri="{FF2B5EF4-FFF2-40B4-BE49-F238E27FC236}">
+                <a16:creationId xmlns:a16="http://schemas.microsoft.com/office/drawing/2014/main" id="{0DDCA442-9661-DA4C-AAA2-82CFCC7D5423}"/>
+              </a:ext>
+            </a:extLst>
+          </p:cNvPr>
+          <p:cNvSpPr txBox="1"/>
+          <p:nvPr/>
+        </p:nvSpPr>
+        <p:spPr>
+          <a:xfrm>
+            <a:off x="7998372" y="3160017"/>
+            <a:ext cx="1019831" cy="307777"/>
+          </a:xfrm>
+          <a:prstGeom prst="rect">
+            <a:avLst/>
+          </a:prstGeom>
+          <a:solidFill>
+            <a:schemeClr val="bg1"/>
+          </a:solidFill>
+          <a:ln>
+            <a:noFill/>
+          </a:ln>
+        </p:spPr>
+        <p:txBody>
+          <a:bodyPr wrap="none" rtlCol="0">
+            <a:spAutoFit/>
+          </a:bodyPr>
+          <a:lstStyle>
+            <a:defPPr>
+              <a:defRPr lang="en-US"/>
+            </a:defPPr>
+            <a:lvl1pPr>
+              <a:defRPr sz="1400"/>
+            </a:lvl1pPr>
+          </a:lstStyle>
+          <a:p>
+            <a:r>
+              <a:rPr lang="en-US" dirty="0"/>
+              <a:t>instance of</a:t>
+            </a:r>
+          </a:p>
+        </p:txBody>
+      </p:sp>
+      <p:sp>
+        <p:nvSpPr>
+          <p:cNvPr id="31" name="TextBox 30">
+            <a:extLst>
+              <a:ext uri="{FF2B5EF4-FFF2-40B4-BE49-F238E27FC236}">
+                <a16:creationId xmlns:a16="http://schemas.microsoft.com/office/drawing/2014/main" id="{20436F4B-AD72-984B-855B-F61BE69F45F6}"/>
+              </a:ext>
+            </a:extLst>
+          </p:cNvPr>
+          <p:cNvSpPr txBox="1"/>
+          <p:nvPr/>
+        </p:nvSpPr>
+        <p:spPr>
+          <a:xfrm>
+            <a:off x="7994002" y="4878487"/>
+            <a:ext cx="1019831" cy="307777"/>
+          </a:xfrm>
+          <a:prstGeom prst="rect">
+            <a:avLst/>
+          </a:prstGeom>
+          <a:solidFill>
+            <a:schemeClr val="bg1"/>
+          </a:solidFill>
+          <a:ln>
+            <a:noFill/>
+          </a:ln>
+        </p:spPr>
+        <p:txBody>
+          <a:bodyPr wrap="none" rtlCol="0">
+            <a:spAutoFit/>
+          </a:bodyPr>
+          <a:lstStyle>
+            <a:defPPr>
+              <a:defRPr lang="en-US"/>
+            </a:defPPr>
+            <a:lvl1pPr>
+              <a:defRPr sz="1400"/>
+            </a:lvl1pPr>
+          </a:lstStyle>
+          <a:p>
+            <a:r>
+              <a:rPr lang="en-US" dirty="0"/>
+              <a:t>instance of</a:t>
+            </a:r>
+          </a:p>
+        </p:txBody>
+      </p:sp>
+      <p:sp>
+        <p:nvSpPr>
+          <p:cNvPr id="32" name="TextBox 31">
+            <a:extLst>
+              <a:ext uri="{FF2B5EF4-FFF2-40B4-BE49-F238E27FC236}">
+                <a16:creationId xmlns:a16="http://schemas.microsoft.com/office/drawing/2014/main" id="{E168AB07-BFF6-4E4F-81A7-FE6AC67A3D4D}"/>
+              </a:ext>
+            </a:extLst>
+          </p:cNvPr>
+          <p:cNvSpPr txBox="1"/>
+          <p:nvPr/>
+        </p:nvSpPr>
+        <p:spPr>
+          <a:xfrm>
+            <a:off x="6095999" y="3847405"/>
+            <a:ext cx="731290" cy="307777"/>
+          </a:xfrm>
+          <a:prstGeom prst="rect">
+            <a:avLst/>
+          </a:prstGeom>
+          <a:solidFill>
+            <a:schemeClr val="bg1"/>
+          </a:solidFill>
+          <a:ln>
+            <a:noFill/>
+          </a:ln>
+        </p:spPr>
+        <p:txBody>
+          <a:bodyPr wrap="none" rtlCol="0">
+            <a:spAutoFit/>
+          </a:bodyPr>
+          <a:lstStyle>
+            <a:defPPr>
+              <a:defRPr lang="en-US"/>
+            </a:defPPr>
+            <a:lvl1pPr>
+              <a:defRPr sz="1400"/>
+            </a:lvl1pPr>
+          </a:lstStyle>
+          <a:p>
+            <a:r>
+              <a:rPr lang="en-US" dirty="0"/>
+              <a:t>include</a:t>
+            </a:r>
+          </a:p>
+        </p:txBody>
+      </p:sp>
+      <p:sp>
+        <p:nvSpPr>
+          <p:cNvPr id="33" name="TextBox 32">
+            <a:extLst>
+              <a:ext uri="{FF2B5EF4-FFF2-40B4-BE49-F238E27FC236}">
+                <a16:creationId xmlns:a16="http://schemas.microsoft.com/office/drawing/2014/main" id="{D0F1B3C0-3D7F-9C45-AA0D-3156230E76B7}"/>
+              </a:ext>
+            </a:extLst>
+          </p:cNvPr>
+          <p:cNvSpPr txBox="1"/>
+          <p:nvPr/>
+        </p:nvSpPr>
+        <p:spPr>
+          <a:xfrm>
+            <a:off x="6095998" y="2128936"/>
+            <a:ext cx="731290" cy="307777"/>
+          </a:xfrm>
+          <a:prstGeom prst="rect">
+            <a:avLst/>
+          </a:prstGeom>
+          <a:solidFill>
+            <a:schemeClr val="bg1"/>
+          </a:solidFill>
+          <a:ln>
+            <a:noFill/>
+          </a:ln>
+        </p:spPr>
+        <p:txBody>
+          <a:bodyPr wrap="none" rtlCol="0">
+            <a:spAutoFit/>
+          </a:bodyPr>
+          <a:lstStyle/>
+          <a:p>
+            <a:r>
+              <a:rPr lang="en-US" sz="1400" dirty="0"/>
+              <a:t>include</a:t>
+            </a:r>
+          </a:p>
+        </p:txBody>
+      </p:sp>
+      <p:sp>
+        <p:nvSpPr>
+          <p:cNvPr id="39" name="Rectangle 38">
+            <a:extLst>
+              <a:ext uri="{FF2B5EF4-FFF2-40B4-BE49-F238E27FC236}">
+                <a16:creationId xmlns:a16="http://schemas.microsoft.com/office/drawing/2014/main" id="{347401B9-E74D-1042-97A2-7C6B34CD0F23}"/>
+              </a:ext>
+            </a:extLst>
+          </p:cNvPr>
+          <p:cNvSpPr/>
+          <p:nvPr/>
+        </p:nvSpPr>
+        <p:spPr>
+          <a:xfrm>
+            <a:off x="10641721" y="1950984"/>
+            <a:ext cx="1182412" cy="663677"/>
+          </a:xfrm>
+          <a:prstGeom prst="rect">
+            <a:avLst/>
+          </a:prstGeom>
+          <a:solidFill>
+            <a:schemeClr val="bg1"/>
+          </a:solidFill>
+          <a:ln>
+            <a:solidFill>
+              <a:schemeClr val="tx1"/>
+            </a:solidFill>
+          </a:ln>
+        </p:spPr>
+        <p:style>
+          <a:lnRef idx="2">
+            <a:schemeClr val="accent1">
+              <a:shade val="50000"/>
+            </a:schemeClr>
+          </a:lnRef>
+          <a:fillRef idx="1">
+            <a:schemeClr val="accent1"/>
+          </a:fillRef>
+          <a:effectRef idx="0">
+            <a:schemeClr val="accent1"/>
+          </a:effectRef>
+          <a:fontRef idx="minor">
+            <a:schemeClr val="lt1"/>
+          </a:fontRef>
+        </p:style>
+        <p:txBody>
+          <a:bodyPr rtlCol="0" anchor="ctr"/>
+          <a:lstStyle/>
+          <a:p>
+            <a:pPr algn="ctr"/>
+            <a:r>
+              <a:rPr lang="en-US" sz="1100" dirty="0">
+                <a:solidFill>
+                  <a:schemeClr val="tx1"/>
+                </a:solidFill>
+              </a:rPr>
+              <a:t>Implementation</a:t>
+            </a:r>
+          </a:p>
+        </p:txBody>
+      </p:sp>
+      <p:cxnSp>
+        <p:nvCxnSpPr>
+          <p:cNvPr id="41" name="Straight Connector 40">
+            <a:extLst>
+              <a:ext uri="{FF2B5EF4-FFF2-40B4-BE49-F238E27FC236}">
+                <a16:creationId xmlns:a16="http://schemas.microsoft.com/office/drawing/2014/main" id="{9E7126D9-96C2-9C45-859C-BBE0003CCC7F}"/>
+              </a:ext>
+            </a:extLst>
+          </p:cNvPr>
+          <p:cNvCxnSpPr>
+            <a:stCxn id="5" idx="3"/>
+            <a:endCxn id="39" idx="1"/>
+          </p:cNvCxnSpPr>
+          <p:nvPr/>
+        </p:nvCxnSpPr>
+        <p:spPr>
+          <a:xfrm flipV="1">
+            <a:off x="8723584" y="2282823"/>
+            <a:ext cx="1918137" cy="2"/>
+          </a:xfrm>
+          <a:prstGeom prst="line">
+            <a:avLst/>
+          </a:prstGeom>
+          <a:ln w="19050">
+            <a:solidFill>
+              <a:schemeClr val="tx1"/>
+            </a:solidFill>
+          </a:ln>
+        </p:spPr>
+        <p:style>
+          <a:lnRef idx="1">
+            <a:schemeClr val="accent1"/>
+          </a:lnRef>
+          <a:fillRef idx="0">
+            <a:schemeClr val="accent1"/>
+          </a:fillRef>
+          <a:effectRef idx="0">
+            <a:schemeClr val="accent1"/>
+          </a:effectRef>
+          <a:fontRef idx="minor">
+            <a:schemeClr val="tx1"/>
+          </a:fontRef>
+        </p:style>
+      </p:cxnSp>
+      <p:sp>
+        <p:nvSpPr>
+          <p:cNvPr id="38" name="Rectangle 37">
+            <a:extLst>
+              <a:ext uri="{FF2B5EF4-FFF2-40B4-BE49-F238E27FC236}">
+                <a16:creationId xmlns:a16="http://schemas.microsoft.com/office/drawing/2014/main" id="{79E41C83-AC01-2C4F-A5FE-1CB5236D7BEC}"/>
+              </a:ext>
+            </a:extLst>
+          </p:cNvPr>
+          <p:cNvSpPr/>
+          <p:nvPr/>
+        </p:nvSpPr>
+        <p:spPr>
+          <a:xfrm>
+            <a:off x="9207059" y="1950985"/>
+            <a:ext cx="1182412" cy="663677"/>
+          </a:xfrm>
+          <a:prstGeom prst="rect">
+            <a:avLst/>
+          </a:prstGeom>
+          <a:solidFill>
+            <a:schemeClr val="bg1"/>
+          </a:solidFill>
+          <a:ln>
+            <a:solidFill>
+              <a:schemeClr val="tx1"/>
+            </a:solidFill>
+          </a:ln>
+        </p:spPr>
+        <p:style>
+          <a:lnRef idx="2">
+            <a:schemeClr val="accent1">
+              <a:shade val="50000"/>
+            </a:schemeClr>
+          </a:lnRef>
+          <a:fillRef idx="1">
+            <a:schemeClr val="accent1"/>
+          </a:fillRef>
+          <a:effectRef idx="0">
+            <a:schemeClr val="accent1"/>
+          </a:effectRef>
+          <a:fontRef idx="minor">
+            <a:schemeClr val="lt1"/>
+          </a:fontRef>
+        </p:style>
+        <p:txBody>
+          <a:bodyPr rtlCol="0" anchor="ctr"/>
+          <a:lstStyle/>
+          <a:p>
+            <a:pPr algn="ctr"/>
+            <a:r>
+              <a:rPr lang="en-US" sz="1400" dirty="0">
+                <a:solidFill>
+                  <a:schemeClr val="tx1"/>
+                </a:solidFill>
+              </a:rPr>
+              <a:t>Workspace</a:t>
+            </a:r>
+          </a:p>
+        </p:txBody>
+      </p:sp>
+      <p:sp>
+        <p:nvSpPr>
+          <p:cNvPr id="42" name="Rectangle 41">
+            <a:extLst>
+              <a:ext uri="{FF2B5EF4-FFF2-40B4-BE49-F238E27FC236}">
+                <a16:creationId xmlns:a16="http://schemas.microsoft.com/office/drawing/2014/main" id="{B0F6B80C-CEF9-0E42-B40A-FD7921318198}"/>
+              </a:ext>
+            </a:extLst>
+          </p:cNvPr>
+          <p:cNvSpPr/>
+          <p:nvPr/>
+        </p:nvSpPr>
+        <p:spPr>
+          <a:xfrm>
+            <a:off x="10641721" y="3669455"/>
+            <a:ext cx="1182412" cy="663677"/>
+          </a:xfrm>
+          <a:prstGeom prst="rect">
+            <a:avLst/>
+          </a:prstGeom>
+          <a:solidFill>
+            <a:schemeClr val="bg1"/>
+          </a:solidFill>
+          <a:ln>
+            <a:solidFill>
+              <a:schemeClr val="tx1"/>
+            </a:solidFill>
+          </a:ln>
+        </p:spPr>
+        <p:style>
+          <a:lnRef idx="2">
+            <a:schemeClr val="accent1">
+              <a:shade val="50000"/>
+            </a:schemeClr>
+          </a:lnRef>
+          <a:fillRef idx="1">
+            <a:schemeClr val="accent1"/>
+          </a:fillRef>
+          <a:effectRef idx="0">
+            <a:schemeClr val="accent1"/>
+          </a:effectRef>
+          <a:fontRef idx="minor">
+            <a:schemeClr val="lt1"/>
+          </a:fontRef>
+        </p:style>
+        <p:txBody>
+          <a:bodyPr rtlCol="0" anchor="ctr"/>
+          <a:lstStyle/>
+          <a:p>
+            <a:pPr algn="ctr"/>
+            <a:r>
+              <a:rPr lang="en-US" sz="1100" dirty="0">
+                <a:solidFill>
+                  <a:schemeClr val="tx1"/>
+                </a:solidFill>
+              </a:rPr>
+              <a:t>Implementation</a:t>
+            </a:r>
+          </a:p>
+        </p:txBody>
+      </p:sp>
+      <p:cxnSp>
+        <p:nvCxnSpPr>
+          <p:cNvPr id="43" name="Straight Connector 42">
+            <a:extLst>
+              <a:ext uri="{FF2B5EF4-FFF2-40B4-BE49-F238E27FC236}">
+                <a16:creationId xmlns:a16="http://schemas.microsoft.com/office/drawing/2014/main" id="{8844E8D2-060A-A047-9F7C-AEB861B5A12D}"/>
+              </a:ext>
+            </a:extLst>
+          </p:cNvPr>
+          <p:cNvCxnSpPr>
+            <a:cxnSpLocks/>
+            <a:stCxn id="6" idx="3"/>
+            <a:endCxn id="42" idx="1"/>
+          </p:cNvCxnSpPr>
+          <p:nvPr/>
+        </p:nvCxnSpPr>
+        <p:spPr>
+          <a:xfrm>
+            <a:off x="8723586" y="4001294"/>
+            <a:ext cx="1918135" cy="0"/>
+          </a:xfrm>
+          <a:prstGeom prst="line">
+            <a:avLst/>
+          </a:prstGeom>
+          <a:ln w="19050">
+            <a:solidFill>
+              <a:schemeClr val="tx1"/>
+            </a:solidFill>
+          </a:ln>
+        </p:spPr>
+        <p:style>
+          <a:lnRef idx="1">
+            <a:schemeClr val="accent1"/>
+          </a:lnRef>
+          <a:fillRef idx="0">
+            <a:schemeClr val="accent1"/>
+          </a:fillRef>
+          <a:effectRef idx="0">
+            <a:schemeClr val="accent1"/>
+          </a:effectRef>
+          <a:fontRef idx="minor">
+            <a:schemeClr val="tx1"/>
+          </a:fontRef>
+        </p:style>
+      </p:cxnSp>
+      <p:sp>
+        <p:nvSpPr>
+          <p:cNvPr id="44" name="Rectangle 43">
+            <a:extLst>
+              <a:ext uri="{FF2B5EF4-FFF2-40B4-BE49-F238E27FC236}">
+                <a16:creationId xmlns:a16="http://schemas.microsoft.com/office/drawing/2014/main" id="{C3A00240-63FC-E04B-8B11-BEF724A21A36}"/>
+              </a:ext>
+            </a:extLst>
+          </p:cNvPr>
+          <p:cNvSpPr/>
+          <p:nvPr/>
+        </p:nvSpPr>
+        <p:spPr>
+          <a:xfrm>
+            <a:off x="9207059" y="3669455"/>
+            <a:ext cx="1182412" cy="663677"/>
+          </a:xfrm>
+          <a:prstGeom prst="rect">
+            <a:avLst/>
+          </a:prstGeom>
+          <a:solidFill>
+            <a:schemeClr val="bg1"/>
+          </a:solidFill>
+          <a:ln>
+            <a:solidFill>
+              <a:schemeClr val="tx1"/>
+            </a:solidFill>
+          </a:ln>
+        </p:spPr>
+        <p:style>
+          <a:lnRef idx="2">
+            <a:schemeClr val="accent1">
+              <a:shade val="50000"/>
+            </a:schemeClr>
+          </a:lnRef>
+          <a:fillRef idx="1">
+            <a:schemeClr val="accent1"/>
+          </a:fillRef>
+          <a:effectRef idx="0">
+            <a:schemeClr val="accent1"/>
+          </a:effectRef>
+          <a:fontRef idx="minor">
+            <a:schemeClr val="lt1"/>
+          </a:fontRef>
+        </p:style>
+        <p:txBody>
+          <a:bodyPr rtlCol="0" anchor="ctr"/>
+          <a:lstStyle/>
+          <a:p>
+            <a:pPr algn="ctr"/>
+            <a:r>
+              <a:rPr lang="en-US" sz="1400" dirty="0">
+                <a:solidFill>
+                  <a:schemeClr val="tx1"/>
+                </a:solidFill>
+              </a:rPr>
+              <a:t>Workspace</a:t>
+            </a:r>
+          </a:p>
+        </p:txBody>
+      </p:sp>
+      <p:cxnSp>
+        <p:nvCxnSpPr>
+          <p:cNvPr id="48" name="Straight Arrow Connector 47">
+            <a:extLst>
+              <a:ext uri="{FF2B5EF4-FFF2-40B4-BE49-F238E27FC236}">
+                <a16:creationId xmlns:a16="http://schemas.microsoft.com/office/drawing/2014/main" id="{07712339-5C5F-8444-9B82-9656E1CC2487}"/>
+              </a:ext>
+            </a:extLst>
+          </p:cNvPr>
+          <p:cNvCxnSpPr>
+            <a:stCxn id="38" idx="2"/>
+            <a:endCxn id="44" idx="0"/>
+          </p:cNvCxnSpPr>
+          <p:nvPr/>
+        </p:nvCxnSpPr>
+        <p:spPr>
+          <a:xfrm>
+            <a:off x="9798265" y="2614662"/>
+            <a:ext cx="0" cy="1054793"/>
+          </a:xfrm>
+          <a:prstGeom prst="straightConnector1">
+            <a:avLst/>
+          </a:prstGeom>
+          <a:ln>
+            <a:solidFill>
+              <a:schemeClr val="tx1"/>
+            </a:solidFill>
+            <a:prstDash val="lgDash"/>
+            <a:tailEnd type="triangle"/>
+          </a:ln>
+        </p:spPr>
+        <p:style>
+          <a:lnRef idx="1">
+            <a:schemeClr val="accent1"/>
+          </a:lnRef>
+          <a:fillRef idx="0">
+            <a:schemeClr val="accent1"/>
+          </a:fillRef>
+          <a:effectRef idx="0">
+            <a:schemeClr val="accent1"/>
+          </a:effectRef>
+          <a:fontRef idx="minor">
+            <a:schemeClr val="tx1"/>
+          </a:fontRef>
+        </p:style>
+      </p:cxnSp>
+      <p:cxnSp>
+        <p:nvCxnSpPr>
+          <p:cNvPr id="49" name="Straight Arrow Connector 48">
+            <a:extLst>
+              <a:ext uri="{FF2B5EF4-FFF2-40B4-BE49-F238E27FC236}">
+                <a16:creationId xmlns:a16="http://schemas.microsoft.com/office/drawing/2014/main" id="{F27D9752-79E5-184A-B575-C9BDC67A521B}"/>
+              </a:ext>
+            </a:extLst>
+          </p:cNvPr>
+          <p:cNvCxnSpPr>
+            <a:cxnSpLocks/>
+            <a:stCxn id="39" idx="2"/>
+            <a:endCxn id="42" idx="0"/>
+          </p:cNvCxnSpPr>
+          <p:nvPr/>
+        </p:nvCxnSpPr>
+        <p:spPr>
+          <a:xfrm>
+            <a:off x="11232927" y="2614661"/>
+            <a:ext cx="0" cy="1054794"/>
+          </a:xfrm>
+          <a:prstGeom prst="straightConnector1">
+            <a:avLst/>
+          </a:prstGeom>
+          <a:ln>
+            <a:solidFill>
+              <a:schemeClr val="tx1"/>
+            </a:solidFill>
+            <a:prstDash val="lgDash"/>
+            <a:tailEnd type="triangle"/>
+          </a:ln>
+        </p:spPr>
+        <p:style>
+          <a:lnRef idx="1">
+            <a:schemeClr val="accent1"/>
+          </a:lnRef>
+          <a:fillRef idx="0">
+            <a:schemeClr val="accent1"/>
+          </a:fillRef>
+          <a:effectRef idx="0">
+            <a:schemeClr val="accent1"/>
+          </a:effectRef>
+          <a:fontRef idx="minor">
+            <a:schemeClr val="tx1"/>
+          </a:fontRef>
+        </p:style>
+      </p:cxnSp>
+      <p:sp>
+        <p:nvSpPr>
+          <p:cNvPr id="52" name="TextBox 51">
+            <a:extLst>
+              <a:ext uri="{FF2B5EF4-FFF2-40B4-BE49-F238E27FC236}">
+                <a16:creationId xmlns:a16="http://schemas.microsoft.com/office/drawing/2014/main" id="{14F41839-317E-9A44-8908-C039B410E008}"/>
+              </a:ext>
+            </a:extLst>
+          </p:cNvPr>
+          <p:cNvSpPr txBox="1"/>
+          <p:nvPr/>
+        </p:nvSpPr>
+        <p:spPr>
+          <a:xfrm>
+            <a:off x="9882179" y="2764083"/>
+            <a:ext cx="598241" cy="307777"/>
+          </a:xfrm>
+          <a:prstGeom prst="rect">
+            <a:avLst/>
+          </a:prstGeom>
+          <a:solidFill>
+            <a:schemeClr val="bg1"/>
+          </a:solidFill>
+          <a:ln>
+            <a:noFill/>
+          </a:ln>
+        </p:spPr>
+        <p:txBody>
+          <a:bodyPr wrap="none" rtlCol="0">
+            <a:spAutoFit/>
+          </a:bodyPr>
+          <a:lstStyle>
+            <a:defPPr>
+              <a:defRPr lang="en-US"/>
+            </a:defPPr>
+            <a:lvl1pPr>
+              <a:defRPr sz="1400"/>
+            </a:lvl1pPr>
+          </a:lstStyle>
+          <a:p>
+            <a:r>
+              <a:rPr lang="en-US" dirty="0"/>
+              <a:t>clone</a:t>
+            </a:r>
+          </a:p>
+        </p:txBody>
+      </p:sp>
+    </p:spTree>
+    <p:extLst>
+      <p:ext uri="{BB962C8B-B14F-4D97-AF65-F5344CB8AC3E}">
+        <p14:creationId xmlns:p14="http://schemas.microsoft.com/office/powerpoint/2010/main" val="869362830"/>
+      </p:ext>
+    </p:extLst>
+  </p:cSld>
+  <p:clrMapOvr>
+    <a:masterClrMapping/>
+  </p:clrMapOvr>
+</p:sld>
+</file>
+
+<file path=ppt/slides/slide5.xml><?xml version="1.0" encoding="utf-8"?>
+<p:sld xmlns:a="http://schemas.openxmlformats.org/drawingml/2006/main" xmlns:r="http://schemas.openxmlformats.org/officeDocument/2006/relationships" xmlns:p="http://schemas.openxmlformats.org/presentationml/2006/main">
+  <p:cSld>
+    <p:spTree>
+      <p:nvGrpSpPr>
+        <p:cNvPr id="1" name=""/>
+        <p:cNvGrpSpPr/>
+        <p:nvPr/>
+      </p:nvGrpSpPr>
+      <p:grpSpPr>
+        <a:xfrm>
+          <a:off x="0" y="0"/>
+          <a:ext cx="0" cy="0"/>
+          <a:chOff x="0" y="0"/>
+          <a:chExt cx="0" cy="0"/>
+        </a:xfrm>
+      </p:grpSpPr>
+      <p:sp>
+        <p:nvSpPr>
+          <p:cNvPr id="2" name="Title 1">
+            <a:extLst>
+              <a:ext uri="{FF2B5EF4-FFF2-40B4-BE49-F238E27FC236}">
                 <a16:creationId xmlns:a16="http://schemas.microsoft.com/office/drawing/2014/main" id="{5C4E9625-AD4A-7D41-BDAE-C4A7326F8164}"/>
               </a:ext>
             </a:extLst>
@@ -26318,7 +27417,9 @@
         </p:nvSpPr>
         <p:spPr/>
         <p:txBody>
-          <a:bodyPr/>
+          <a:bodyPr>
+            <a:normAutofit lnSpcReduction="10000"/>
+          </a:bodyPr>
           <a:lstStyle/>
           <a:p>
             <a:r>
@@ -26329,54 +27430,76 @@
           <a:p>
             <a:pPr lvl="1"/>
             <a:r>
-              <a:rPr lang="en-US" dirty="0"/>
-              <a:t>Add</a:t>
+              <a:rPr lang="en-US" sz="2000" dirty="0"/>
+              <a:t>Browse, Filter, Search</a:t>
             </a:r>
           </a:p>
           <a:p>
             <a:pPr lvl="1"/>
             <a:r>
-              <a:rPr lang="en-US" dirty="0"/>
-              <a:t>Edit</a:t>
+              <a:rPr lang="en-US" sz="2000" dirty="0"/>
+              <a:t>Add, Edit, Delete</a:t>
             </a:r>
           </a:p>
           <a:p>
             <a:pPr lvl="1"/>
             <a:r>
-              <a:rPr lang="en-US" dirty="0"/>
-              <a:t>Delete</a:t>
+              <a:rPr lang="en-US" sz="2000" dirty="0"/>
+              <a:t>Extend</a:t>
+            </a:r>
+          </a:p>
+          <a:p>
+            <a:r>
+              <a:rPr lang="en-US" sz="2400" dirty="0"/>
+              <a:t>Syntax</a:t>
             </a:r>
           </a:p>
           <a:p>
             <a:pPr lvl="1"/>
             <a:r>
-              <a:rPr lang="en-US" dirty="0"/>
+              <a:rPr lang="en-US" sz="2000" dirty="0"/>
+              <a:t>Add, Edit, Delete</a:t>
+            </a:r>
+          </a:p>
+          <a:p>
+            <a:r>
+              <a:rPr lang="en-US" sz="2400" dirty="0"/>
+              <a:t>Meta Models</a:t>
+            </a:r>
+          </a:p>
+          <a:p>
+            <a:pPr lvl="1"/>
+            <a:r>
+              <a:rPr lang="en-US" sz="2000" dirty="0"/>
+              <a:t>Add, Edit, Delete</a:t>
+            </a:r>
+          </a:p>
+          <a:p>
+            <a:pPr lvl="1"/>
+            <a:r>
+              <a:rPr lang="en-US" sz="2000" dirty="0"/>
               <a:t>Extend</a:t>
             </a:r>
           </a:p>
           <a:p>
+            <a:r>
+              <a:rPr lang="en-US" sz="2400" dirty="0"/>
+              <a:t>Models</a:t>
+            </a:r>
+          </a:p>
+          <a:p>
             <a:pPr lvl="1"/>
             <a:r>
-              <a:rPr lang="en-US" dirty="0"/>
-              <a:t>Instance</a:t>
+              <a:rPr lang="en-US" sz="2000" dirty="0"/>
+              <a:t>Add, Edit, Delete</a:t>
             </a:r>
           </a:p>
           <a:p>
             <a:pPr lvl="1"/>
             <a:r>
-              <a:rPr lang="en-US" dirty="0"/>
-              <a:t>Syntax</a:t>
-            </a:r>
-          </a:p>
-          <a:p>
-            <a:pPr lvl="1"/>
-            <a:r>
-              <a:rPr lang="en-US" dirty="0"/>
-              <a:t>Model</a:t>
-            </a:r>
-          </a:p>
-          <a:p>
-            <a:endParaRPr lang="en-US" dirty="0"/>
+              <a:rPr lang="en-US" sz="2000" dirty="0"/>
+              <a:t>Clone</a:t>
+            </a:r>
           </a:p>
         </p:txBody>
       </p:sp>
@@ -26394,8 +27517,8 @@
         </p:nvGrpSpPr>
         <p:grpSpPr>
           <a:xfrm>
-            <a:off x="3412475" y="1746648"/>
-            <a:ext cx="8210320" cy="4430315"/>
+            <a:off x="5217405" y="2079460"/>
+            <a:ext cx="6136395" cy="3843667"/>
             <a:chOff x="3412475" y="1746648"/>
             <a:chExt cx="8210320" cy="4430315"/>
           </a:xfrm>
@@ -26649,7 +27772,7 @@
             <a:p>
               <a:pPr algn="ctr"/>
               <a:r>
-                <a:rPr lang="en-US" sz="1200" dirty="0">
+                <a:rPr lang="en-US" sz="800" dirty="0">
                   <a:latin typeface="Comfortaa Light" pitchFamily="2" charset="0"/>
                 </a:rPr>
                 <a:t>Theory</a:t>
@@ -26706,7 +27829,7 @@
             <a:p>
               <a:pPr algn="ctr"/>
               <a:r>
-                <a:rPr lang="en-US" sz="1200" b="1" dirty="0">
+                <a:rPr lang="en-US" sz="800" b="1" dirty="0">
                   <a:solidFill>
                     <a:srgbClr val="FF7E1C"/>
                   </a:solidFill>
@@ -26766,10 +27889,10 @@
             <a:p>
               <a:pPr algn="ctr"/>
               <a:r>
-                <a:rPr lang="en-US" sz="1200" dirty="0">
+                <a:rPr lang="en-US" sz="800" dirty="0">
                   <a:latin typeface="Comfortaa Light" pitchFamily="2" charset="0"/>
                 </a:rPr>
-                <a:t>Syntax</a:t>
+                <a:t>Meta Models</a:t>
               </a:r>
             </a:p>
           </p:txBody>
@@ -26823,10 +27946,10 @@
             <a:p>
               <a:pPr algn="ctr"/>
               <a:r>
-                <a:rPr lang="en-US" sz="1200" dirty="0">
+                <a:rPr lang="en-US" sz="800" dirty="0">
                   <a:latin typeface="Comfortaa Light" pitchFamily="2" charset="0"/>
                 </a:rPr>
-                <a:t>Instances</a:t>
+                <a:t>Syntax</a:t>
               </a:r>
             </a:p>
           </p:txBody>
@@ -26836,208 +27959,6 @@
     <p:extLst>
       <p:ext uri="{BB962C8B-B14F-4D97-AF65-F5344CB8AC3E}">
         <p14:creationId xmlns:p14="http://schemas.microsoft.com/office/powerpoint/2010/main" val="653152270"/>
-      </p:ext>
-    </p:extLst>
-  </p:cSld>
-  <p:clrMapOvr>
-    <a:masterClrMapping/>
-  </p:clrMapOvr>
-</p:sld>
-</file>
-
-<file path=ppt/slides/slide5.xml><?xml version="1.0" encoding="utf-8"?>
-<p:sld xmlns:a="http://schemas.openxmlformats.org/drawingml/2006/main" xmlns:r="http://schemas.openxmlformats.org/officeDocument/2006/relationships" xmlns:p="http://schemas.openxmlformats.org/presentationml/2006/main">
-  <p:cSld>
-    <p:spTree>
-      <p:nvGrpSpPr>
-        <p:cNvPr id="1" name=""/>
-        <p:cNvGrpSpPr/>
-        <p:nvPr/>
-      </p:nvGrpSpPr>
-      <p:grpSpPr>
-        <a:xfrm>
-          <a:off x="0" y="0"/>
-          <a:ext cx="0" cy="0"/>
-          <a:chOff x="0" y="0"/>
-          <a:chExt cx="0" cy="0"/>
-        </a:xfrm>
-      </p:grpSpPr>
-      <p:sp>
-        <p:nvSpPr>
-          <p:cNvPr id="2" name="Title 1">
-            <a:extLst>
-              <a:ext uri="{FF2B5EF4-FFF2-40B4-BE49-F238E27FC236}">
-                <a16:creationId xmlns:a16="http://schemas.microsoft.com/office/drawing/2014/main" id="{1ED55302-3930-45A8-A06D-3944EF1C7422}"/>
-              </a:ext>
-            </a:extLst>
-          </p:cNvPr>
-          <p:cNvSpPr>
-            <a:spLocks noGrp="1"/>
-          </p:cNvSpPr>
-          <p:nvPr>
-            <p:ph type="title"/>
-          </p:nvPr>
-        </p:nvSpPr>
-        <p:spPr/>
-        <p:txBody>
-          <a:bodyPr/>
-          <a:lstStyle/>
-          <a:p>
-            <a:r>
-              <a:rPr lang="en-US" dirty="0" err="1"/>
-              <a:t>CatML</a:t>
-            </a:r>
-            <a:r>
-              <a:rPr lang="en-US" dirty="0"/>
-              <a:t> Assistant</a:t>
-            </a:r>
-          </a:p>
-        </p:txBody>
-      </p:sp>
-      <p:pic>
-        <p:nvPicPr>
-          <p:cNvPr id="4" name="Content Placeholder 3">
-            <a:extLst>
-              <a:ext uri="{FF2B5EF4-FFF2-40B4-BE49-F238E27FC236}">
-                <a16:creationId xmlns:a16="http://schemas.microsoft.com/office/drawing/2014/main" id="{90AD445E-D15C-BC4A-B39B-026327C99870}"/>
-              </a:ext>
-            </a:extLst>
-          </p:cNvPr>
-          <p:cNvPicPr>
-            <a:picLocks noGrp="1" noChangeAspect="1"/>
-          </p:cNvPicPr>
-          <p:nvPr>
-            <p:ph idx="4294967295"/>
-          </p:nvPr>
-        </p:nvPicPr>
-        <p:blipFill>
-          <a:blip r:embed="rId2"/>
-          <a:stretch>
-            <a:fillRect/>
-          </a:stretch>
-        </p:blipFill>
-        <p:spPr>
-          <a:xfrm>
-            <a:off x="1465262" y="1998715"/>
-            <a:ext cx="9261475" cy="4352925"/>
-          </a:xfrm>
-          <a:prstGeom prst="rect">
-            <a:avLst/>
-          </a:prstGeom>
-          <a:effectLst>
-            <a:outerShdw blurRad="50800" dist="38100" dir="2700000" algn="tl" rotWithShape="0">
-              <a:prstClr val="black">
-                <a:alpha val="40000"/>
-              </a:prstClr>
-            </a:outerShdw>
-          </a:effectLst>
-        </p:spPr>
-      </p:pic>
-      <p:cxnSp>
-        <p:nvCxnSpPr>
-          <p:cNvPr id="6" name="Straight Arrow Connector 5">
-            <a:extLst>
-              <a:ext uri="{FF2B5EF4-FFF2-40B4-BE49-F238E27FC236}">
-                <a16:creationId xmlns:a16="http://schemas.microsoft.com/office/drawing/2014/main" id="{94C36755-ECF0-6647-BECE-9FFE1871E5E5}"/>
-              </a:ext>
-            </a:extLst>
-          </p:cNvPr>
-          <p:cNvCxnSpPr/>
-          <p:nvPr/>
-        </p:nvCxnSpPr>
-        <p:spPr>
-          <a:xfrm flipH="1" flipV="1">
-            <a:off x="3888954" y="4175178"/>
-            <a:ext cx="914400" cy="407624"/>
-          </a:xfrm>
-          <a:prstGeom prst="straightConnector1">
-            <a:avLst/>
-          </a:prstGeom>
-          <a:ln w="76200">
-            <a:solidFill>
-              <a:srgbClr val="FF0000"/>
-            </a:solidFill>
-            <a:tailEnd type="triangle"/>
-          </a:ln>
-        </p:spPr>
-        <p:style>
-          <a:lnRef idx="1">
-            <a:schemeClr val="accent1"/>
-          </a:lnRef>
-          <a:fillRef idx="0">
-            <a:schemeClr val="accent1"/>
-          </a:fillRef>
-          <a:effectRef idx="0">
-            <a:schemeClr val="accent1"/>
-          </a:effectRef>
-          <a:fontRef idx="minor">
-            <a:schemeClr val="tx1"/>
-          </a:fontRef>
-        </p:style>
-      </p:cxnSp>
-      <p:sp>
-        <p:nvSpPr>
-          <p:cNvPr id="7" name="TextBox 6">
-            <a:extLst>
-              <a:ext uri="{FF2B5EF4-FFF2-40B4-BE49-F238E27FC236}">
-                <a16:creationId xmlns:a16="http://schemas.microsoft.com/office/drawing/2014/main" id="{1BDEB51D-D61B-2843-A9CF-3F4292303978}"/>
-              </a:ext>
-            </a:extLst>
-          </p:cNvPr>
-          <p:cNvSpPr txBox="1"/>
-          <p:nvPr/>
-        </p:nvSpPr>
-        <p:spPr>
-          <a:xfrm>
-            <a:off x="4786424" y="4546740"/>
-            <a:ext cx="4114588" cy="523220"/>
-          </a:xfrm>
-          <a:prstGeom prst="rect">
-            <a:avLst/>
-          </a:prstGeom>
-          <a:solidFill>
-            <a:srgbClr val="FF0000">
-              <a:alpha val="10980"/>
-            </a:srgbClr>
-          </a:solidFill>
-          <a:ln>
-            <a:solidFill>
-              <a:srgbClr val="FF0000"/>
-            </a:solidFill>
-          </a:ln>
-        </p:spPr>
-        <p:txBody>
-          <a:bodyPr wrap="none" rtlCol="0">
-            <a:spAutoFit/>
-          </a:bodyPr>
-          <a:lstStyle/>
-          <a:p>
-            <a:r>
-              <a:rPr lang="en-US" sz="2800" b="1" dirty="0" err="1">
-                <a:latin typeface="3270-MEDIUM" panose="02000609000000000000" pitchFamily="49" charset="0"/>
-                <a:ea typeface="3270-MEDIUM" panose="02000609000000000000" pitchFamily="49" charset="0"/>
-              </a:rPr>
-              <a:t>nteract</a:t>
-            </a:r>
-            <a:r>
-              <a:rPr lang="en-US" sz="2800" dirty="0"/>
-              <a:t> notebook (</a:t>
-            </a:r>
-            <a:r>
-              <a:rPr lang="en-US" sz="2800" i="1" dirty="0" err="1"/>
-              <a:t>kinda</a:t>
-            </a:r>
-            <a:r>
-              <a:rPr lang="en-US" sz="2800" dirty="0"/>
-              <a:t>)</a:t>
-            </a:r>
-          </a:p>
-        </p:txBody>
-      </p:sp>
-    </p:spTree>
-    <p:extLst>
-      <p:ext uri="{BB962C8B-B14F-4D97-AF65-F5344CB8AC3E}">
-        <p14:creationId xmlns:p14="http://schemas.microsoft.com/office/powerpoint/2010/main" val="1599905579"/>
       </p:ext>
     </p:extLst>
   </p:cSld>
@@ -27120,12 +28041,20 @@
             <a:r>
               <a:rPr lang="en-US" dirty="0" err="1">
                 <a:solidFill>
-                  <a:srgbClr val="00B0F0"/>
+                  <a:schemeClr val="accent6">
+                    <a:lumMod val="75000"/>
+                  </a:schemeClr>
                 </a:solidFill>
               </a:rPr>
               <a:t>Src</a:t>
             </a:r>
-            <a:endParaRPr lang="en-US" dirty="0"/>
+            <a:endParaRPr lang="en-US" dirty="0">
+              <a:solidFill>
+                <a:schemeClr val="accent6">
+                  <a:lumMod val="75000"/>
+                </a:schemeClr>
+              </a:solidFill>
+            </a:endParaRPr>
           </a:p>
           <a:p>
             <a:r>
@@ -27135,7 +28064,9 @@
             <a:r>
               <a:rPr lang="en-US" dirty="0" err="1">
                 <a:solidFill>
-                  <a:srgbClr val="00B0F0"/>
+                  <a:schemeClr val="accent6">
+                    <a:lumMod val="75000"/>
+                  </a:schemeClr>
                 </a:solidFill>
               </a:rPr>
               <a:t>Tgt</a:t>
@@ -27147,14 +28078,18 @@
             <a:r>
               <a:rPr lang="en-US" dirty="0" err="1">
                 <a:solidFill>
-                  <a:srgbClr val="00B0F0"/>
+                  <a:schemeClr val="accent6">
+                    <a:lumMod val="75000"/>
+                  </a:schemeClr>
                 </a:solidFill>
               </a:rPr>
               <a:t>Src</a:t>
             </a:r>
             <a:endParaRPr lang="en-US" dirty="0">
               <a:solidFill>
-                <a:srgbClr val="00B0F0"/>
+                <a:schemeClr val="accent6">
+                  <a:lumMod val="75000"/>
+                </a:schemeClr>
               </a:solidFill>
             </a:endParaRPr>
           </a:p>
@@ -27169,7 +28104,9 @@
             <a:r>
               <a:rPr lang="en-US" dirty="0">
                 <a:solidFill>
-                  <a:srgbClr val="00B0F0"/>
+                  <a:schemeClr val="accent6">
+                    <a:lumMod val="75000"/>
+                  </a:schemeClr>
                 </a:solidFill>
               </a:rPr>
               <a:t>Ob</a:t>
@@ -27181,7 +28118,9 @@
             <a:r>
               <a:rPr lang="en-US" dirty="0" err="1">
                 <a:solidFill>
-                  <a:srgbClr val="00B0F0"/>
+                  <a:schemeClr val="accent6">
+                    <a:lumMod val="75000"/>
+                  </a:schemeClr>
                 </a:solidFill>
               </a:rPr>
               <a:t>Src</a:t>
@@ -27193,7 +28132,9 @@
             <a:r>
               <a:rPr lang="en-US" dirty="0">
                 <a:solidFill>
-                  <a:srgbClr val="00B0F0"/>
+                  <a:schemeClr val="accent6">
+                    <a:lumMod val="75000"/>
+                  </a:schemeClr>
                 </a:solidFill>
               </a:rPr>
               <a:t>Ob</a:t>
@@ -27205,7 +28146,9 @@
             <a:r>
               <a:rPr lang="en-US" dirty="0" err="1">
                 <a:solidFill>
-                  <a:srgbClr val="00B0F0"/>
+                  <a:schemeClr val="accent6">
+                    <a:lumMod val="75000"/>
+                  </a:schemeClr>
                 </a:solidFill>
               </a:rPr>
               <a:t>Tgt</a:t>
@@ -27220,7 +28163,9 @@
             <a:r>
               <a:rPr lang="en-US" dirty="0" err="1">
                 <a:solidFill>
-                  <a:srgbClr val="00B0F0"/>
+                  <a:schemeClr val="accent6">
+                    <a:lumMod val="75000"/>
+                  </a:schemeClr>
                 </a:solidFill>
               </a:rPr>
               <a:t>Hom</a:t>
@@ -27232,7 +28177,9 @@
             <a:r>
               <a:rPr lang="en-US" dirty="0" err="1">
                 <a:solidFill>
-                  <a:srgbClr val="00B0F0"/>
+                  <a:schemeClr val="accent6">
+                    <a:lumMod val="75000"/>
+                  </a:schemeClr>
                 </a:solidFill>
               </a:rPr>
               <a:t>Src</a:t>
@@ -27244,7 +28191,9 @@
             <a:r>
               <a:rPr lang="en-US" dirty="0" err="1">
                 <a:solidFill>
-                  <a:srgbClr val="00B0F0"/>
+                  <a:schemeClr val="accent6">
+                    <a:lumMod val="75000"/>
+                  </a:schemeClr>
                 </a:solidFill>
               </a:rPr>
               <a:t>Hom</a:t>
@@ -27256,7 +28205,9 @@
             <a:r>
               <a:rPr lang="en-US" dirty="0" err="1">
                 <a:solidFill>
-                  <a:srgbClr val="00B0F0"/>
+                  <a:schemeClr val="accent6">
+                    <a:lumMod val="75000"/>
+                  </a:schemeClr>
                 </a:solidFill>
               </a:rPr>
               <a:t>Tgt</a:t>
@@ -27375,7 +28326,9 @@
             <a:r>
               <a:rPr lang="en-US" dirty="0">
                 <a:solidFill>
-                  <a:srgbClr val="00B0F0"/>
+                  <a:schemeClr val="accent6">
+                    <a:lumMod val="75000"/>
+                  </a:schemeClr>
                 </a:solidFill>
               </a:rPr>
               <a:t>Kind</a:t>
@@ -27387,7 +28340,9 @@
             <a:r>
               <a:rPr lang="en-US" dirty="0">
                 <a:solidFill>
-                  <a:srgbClr val="00B0F0"/>
+                  <a:schemeClr val="accent6">
+                    <a:lumMod val="75000"/>
+                  </a:schemeClr>
                 </a:solidFill>
               </a:rPr>
               <a:t>Ob</a:t>
@@ -27402,7 +28357,9 @@
             <a:r>
               <a:rPr lang="en-US" dirty="0">
                 <a:solidFill>
-                  <a:srgbClr val="00B0F0"/>
+                  <a:schemeClr val="accent6">
+                    <a:lumMod val="75000"/>
+                  </a:schemeClr>
                 </a:solidFill>
               </a:rPr>
               <a:t>Kind</a:t>
@@ -27421,7 +28378,9 @@
             <a:r>
               <a:rPr lang="en-US" dirty="0">
                 <a:solidFill>
-                  <a:srgbClr val="00B050"/>
+                  <a:schemeClr val="accent1">
+                    <a:lumMod val="75000"/>
+                  </a:schemeClr>
                 </a:solidFill>
               </a:rPr>
               <a:t>function</a:t>
@@ -27475,69 +28434,6 @@
           <a:chExt cx="0" cy="0"/>
         </a:xfrm>
       </p:grpSpPr>
-      <p:sp>
-        <p:nvSpPr>
-          <p:cNvPr id="17" name="Rectangle 16">
-            <a:extLst>
-              <a:ext uri="{FF2B5EF4-FFF2-40B4-BE49-F238E27FC236}">
-                <a16:creationId xmlns:a16="http://schemas.microsoft.com/office/drawing/2014/main" id="{C5E6CFF1-2F42-4E10-9A97-F116F46F53FE}"/>
-              </a:ext>
-              <a:ext uri="{C183D7F6-B498-43B3-948B-1728B52AA6E4}">
-                <adec:decorative xmlns:adec="http://schemas.microsoft.com/office/drawing/2017/decorative" val="1"/>
-              </a:ext>
-            </a:extLst>
-          </p:cNvPr>
-          <p:cNvSpPr>
-            <a:spLocks noGrp="1" noRot="1" noChangeAspect="1" noMove="1" noResize="1" noEditPoints="1" noAdjustHandles="1" noChangeArrowheads="1" noChangeShapeType="1" noTextEdit="1"/>
-          </p:cNvSpPr>
-          <p:nvPr>
-            <p:extLst>
-              <p:ext uri="{386F3935-93C4-4BCD-93E2-E3B085C9AB24}">
-                <p16:designElem xmlns:p16="http://schemas.microsoft.com/office/powerpoint/2015/main" val="1"/>
-              </p:ext>
-            </p:extLst>
-          </p:nvPr>
-        </p:nvSpPr>
-        <p:spPr>
-          <a:xfrm>
-            <a:off x="0" y="0"/>
-            <a:ext cx="12192000" cy="6858000"/>
-          </a:xfrm>
-          <a:prstGeom prst="rect">
-            <a:avLst/>
-          </a:prstGeom>
-          <a:solidFill>
-            <a:srgbClr val="000000"/>
-          </a:solidFill>
-          <a:ln>
-            <a:noFill/>
-          </a:ln>
-        </p:spPr>
-        <p:style>
-          <a:lnRef idx="2">
-            <a:schemeClr val="accent1">
-              <a:shade val="50000"/>
-            </a:schemeClr>
-          </a:lnRef>
-          <a:fillRef idx="1">
-            <a:schemeClr val="accent1"/>
-          </a:fillRef>
-          <a:effectRef idx="0">
-            <a:schemeClr val="accent1"/>
-          </a:effectRef>
-          <a:fontRef idx="minor">
-            <a:schemeClr val="lt1"/>
-          </a:fontRef>
-        </p:style>
-        <p:txBody>
-          <a:bodyPr rtlCol="0" anchor="ctr"/>
-          <a:lstStyle/>
-          <a:p>
-            <a:pPr algn="ctr"/>
-            <a:endParaRPr lang="en-US"/>
-          </a:p>
-        </p:txBody>
-      </p:sp>
       <p:pic>
         <p:nvPicPr>
           <p:cNvPr id="5" name="Picture 4">
@@ -27609,58 +28505,6 @@
           </a:p>
         </p:txBody>
       </p:sp>
-      <p:cxnSp>
-        <p:nvCxnSpPr>
-          <p:cNvPr id="19" name="Straight Connector 18">
-            <a:extLst>
-              <a:ext uri="{FF2B5EF4-FFF2-40B4-BE49-F238E27FC236}">
-                <a16:creationId xmlns:a16="http://schemas.microsoft.com/office/drawing/2014/main" id="{67182200-4859-4C8D-BCBB-55B245C28BA3}"/>
-              </a:ext>
-              <a:ext uri="{C183D7F6-B498-43B3-948B-1728B52AA6E4}">
-                <adec:decorative xmlns:adec="http://schemas.microsoft.com/office/drawing/2017/decorative" val="1"/>
-              </a:ext>
-            </a:extLst>
-          </p:cNvPr>
-          <p:cNvCxnSpPr>
-            <a:cxnSpLocks noGrp="1" noRot="1" noChangeAspect="1" noMove="1" noResize="1" noEditPoints="1" noAdjustHandles="1" noChangeArrowheads="1" noChangeShapeType="1"/>
-          </p:cNvCxnSpPr>
-          <p:nvPr>
-            <p:extLst>
-              <p:ext uri="{386F3935-93C4-4BCD-93E2-E3B085C9AB24}">
-                <p16:designElem xmlns:p16="http://schemas.microsoft.com/office/powerpoint/2015/main" val="1"/>
-              </p:ext>
-            </p:extLst>
-          </p:nvPr>
-        </p:nvCxnSpPr>
-        <p:spPr>
-          <a:xfrm>
-            <a:off x="4653372" y="2286000"/>
-            <a:ext cx="0" cy="2286000"/>
-          </a:xfrm>
-          <a:prstGeom prst="line">
-            <a:avLst/>
-          </a:prstGeom>
-          <a:ln w="15875">
-            <a:solidFill>
-              <a:srgbClr val="FFFFFF"/>
-            </a:solidFill>
-          </a:ln>
-        </p:spPr>
-        <p:style>
-          <a:lnRef idx="1">
-            <a:schemeClr val="accent1"/>
-          </a:lnRef>
-          <a:fillRef idx="0">
-            <a:schemeClr val="accent1"/>
-          </a:fillRef>
-          <a:effectRef idx="0">
-            <a:schemeClr val="accent1"/>
-          </a:effectRef>
-          <a:fontRef idx="minor">
-            <a:schemeClr val="tx1"/>
-          </a:fontRef>
-        </p:style>
-      </p:cxnSp>
       <p:sp>
         <p:nvSpPr>
           <p:cNvPr id="3" name="Content Placeholder 2">
@@ -28313,1112 +29157,817 @@
           </a:p>
         </p:txBody>
       </p:sp>
-      <p:sp>
-        <p:nvSpPr>
-          <p:cNvPr id="4" name="Rectangle 3">
+      <p:grpSp>
+        <p:nvGrpSpPr>
+          <p:cNvPr id="8" name="Group 7">
             <a:extLst>
               <a:ext uri="{FF2B5EF4-FFF2-40B4-BE49-F238E27FC236}">
-                <a16:creationId xmlns:a16="http://schemas.microsoft.com/office/drawing/2014/main" id="{54EBC93E-3109-7B4A-ACA9-0134BB83EB32}"/>
+                <a16:creationId xmlns:a16="http://schemas.microsoft.com/office/drawing/2014/main" id="{8DD69802-D637-004C-8668-20390B7DD6A3}"/>
               </a:ext>
             </a:extLst>
           </p:cNvPr>
-          <p:cNvSpPr/>
+          <p:cNvGrpSpPr/>
           <p:nvPr/>
-        </p:nvSpPr>
-        <p:spPr>
+        </p:nvGrpSpPr>
+        <p:grpSpPr>
           <a:xfrm>
-            <a:off x="838200" y="1694090"/>
-            <a:ext cx="3544389" cy="1754326"/>
+            <a:off x="838200" y="2551837"/>
+            <a:ext cx="10515600" cy="1754326"/>
+            <a:chOff x="838200" y="1694090"/>
+            <a:chExt cx="10515600" cy="1754326"/>
           </a:xfrm>
-          <a:prstGeom prst="rect">
-            <a:avLst/>
-          </a:prstGeom>
-          <a:ln w="57150">
-            <a:solidFill>
-              <a:srgbClr val="00B0F0"/>
-            </a:solidFill>
-          </a:ln>
-        </p:spPr>
-        <p:txBody>
-          <a:bodyPr wrap="square">
-            <a:spAutoFit/>
-          </a:bodyPr>
-          <a:lstStyle/>
-          <a:p>
-            <a:r>
-              <a:rPr lang="en-US" dirty="0">
-                <a:solidFill>
-                  <a:srgbClr val="FFFFFF"/>
-                </a:solidFill>
-                <a:latin typeface="3270-MEDIUM" panose="02000609000000000000" pitchFamily="49" charset="77"/>
-                <a:ea typeface="3270-MEDIUM" panose="02000609000000000000" pitchFamily="49" charset="77"/>
-              </a:rPr>
-              <a:t>@theory </a:t>
-            </a:r>
-            <a:r>
-              <a:rPr lang="en-US" dirty="0">
-                <a:solidFill>
-                  <a:srgbClr val="FF7E1C"/>
-                </a:solidFill>
-                <a:latin typeface="3270-MEDIUM" panose="02000609000000000000" pitchFamily="49" charset="77"/>
-                <a:ea typeface="3270-MEDIUM" panose="02000609000000000000" pitchFamily="49" charset="77"/>
-              </a:rPr>
-              <a:t>Category</a:t>
-            </a:r>
-            <a:r>
-              <a:rPr lang="en-US" dirty="0">
-                <a:solidFill>
-                  <a:srgbClr val="FFFFFF"/>
-                </a:solidFill>
-                <a:latin typeface="3270-MEDIUM" panose="02000609000000000000" pitchFamily="49" charset="77"/>
-                <a:ea typeface="3270-MEDIUM" panose="02000609000000000000" pitchFamily="49" charset="77"/>
-              </a:rPr>
-              <a:t> { </a:t>
-            </a:r>
-          </a:p>
-          <a:p>
-            <a:r>
-              <a:rPr lang="en-US" dirty="0">
-                <a:solidFill>
-                  <a:srgbClr val="FFFFFF"/>
-                </a:solidFill>
-                <a:latin typeface="3270-MEDIUM" panose="02000609000000000000" pitchFamily="49" charset="77"/>
-                <a:ea typeface="3270-MEDIUM" panose="02000609000000000000" pitchFamily="49" charset="77"/>
-              </a:rPr>
-              <a:t>  </a:t>
-            </a:r>
-            <a:r>
-              <a:rPr lang="en-US" dirty="0">
-                <a:solidFill>
-                  <a:srgbClr val="00B0F0"/>
-                </a:solidFill>
-                <a:latin typeface="3270-MEDIUM" panose="02000609000000000000" pitchFamily="49" charset="77"/>
-                <a:ea typeface="3270-MEDIUM" panose="02000609000000000000" pitchFamily="49" charset="77"/>
-              </a:rPr>
-              <a:t>types</a:t>
-            </a:r>
-            <a:r>
-              <a:rPr lang="en-US" dirty="0">
-                <a:solidFill>
-                  <a:srgbClr val="FFFFFF"/>
-                </a:solidFill>
-                <a:latin typeface="3270-MEDIUM" panose="02000609000000000000" pitchFamily="49" charset="77"/>
-                <a:ea typeface="3270-MEDIUM" panose="02000609000000000000" pitchFamily="49" charset="77"/>
-              </a:rPr>
-              <a:t>: {</a:t>
-            </a:r>
-            <a:r>
-              <a:rPr lang="en-US" dirty="0">
-                <a:solidFill>
-                  <a:srgbClr val="00B0F0"/>
-                </a:solidFill>
-                <a:latin typeface="3270-MEDIUM" panose="02000609000000000000" pitchFamily="49" charset="77"/>
-                <a:ea typeface="3270-MEDIUM" panose="02000609000000000000" pitchFamily="49" charset="77"/>
-              </a:rPr>
-              <a:t>Ob</a:t>
-            </a:r>
-            <a:r>
-              <a:rPr lang="en-US" dirty="0">
-                <a:solidFill>
-                  <a:srgbClr val="FFFFFF"/>
-                </a:solidFill>
-                <a:latin typeface="3270-MEDIUM" panose="02000609000000000000" pitchFamily="49" charset="77"/>
-                <a:ea typeface="3270-MEDIUM" panose="02000609000000000000" pitchFamily="49" charset="77"/>
-              </a:rPr>
-              <a:t>, </a:t>
-            </a:r>
-            <a:r>
-              <a:rPr lang="en-US" dirty="0" err="1">
-                <a:solidFill>
-                  <a:srgbClr val="00B0F0"/>
-                </a:solidFill>
-                <a:latin typeface="3270-MEDIUM" panose="02000609000000000000" pitchFamily="49" charset="77"/>
-                <a:ea typeface="3270-MEDIUM" panose="02000609000000000000" pitchFamily="49" charset="77"/>
-              </a:rPr>
-              <a:t>Hom</a:t>
-            </a:r>
-            <a:r>
-              <a:rPr lang="en-US" dirty="0">
-                <a:solidFill>
-                  <a:srgbClr val="FFFFFF"/>
-                </a:solidFill>
-                <a:latin typeface="3270-MEDIUM" panose="02000609000000000000" pitchFamily="49" charset="77"/>
-                <a:ea typeface="3270-MEDIUM" panose="02000609000000000000" pitchFamily="49" charset="77"/>
-              </a:rPr>
-              <a:t>},</a:t>
-            </a:r>
-          </a:p>
-          <a:p>
-            <a:r>
-              <a:rPr lang="en-US" dirty="0">
-                <a:solidFill>
-                  <a:srgbClr val="FFFFFF"/>
-                </a:solidFill>
-                <a:latin typeface="3270-MEDIUM" panose="02000609000000000000" pitchFamily="49" charset="77"/>
-                <a:ea typeface="3270-MEDIUM" panose="02000609000000000000" pitchFamily="49" charset="77"/>
-              </a:rPr>
-              <a:t>  </a:t>
-            </a:r>
-            <a:r>
-              <a:rPr lang="en-US" dirty="0">
-                <a:solidFill>
-                  <a:srgbClr val="00B050"/>
-                </a:solidFill>
-                <a:latin typeface="3270-MEDIUM" panose="02000609000000000000" pitchFamily="49" charset="77"/>
-                <a:ea typeface="3270-MEDIUM" panose="02000609000000000000" pitchFamily="49" charset="77"/>
-              </a:rPr>
-              <a:t>terms</a:t>
-            </a:r>
-            <a:r>
-              <a:rPr lang="en-US" dirty="0">
-                <a:solidFill>
-                  <a:srgbClr val="FFFFFF"/>
-                </a:solidFill>
-                <a:latin typeface="3270-MEDIUM" panose="02000609000000000000" pitchFamily="49" charset="77"/>
-                <a:ea typeface="3270-MEDIUM" panose="02000609000000000000" pitchFamily="49" charset="77"/>
-              </a:rPr>
-              <a:t>: {</a:t>
-            </a:r>
-            <a:r>
-              <a:rPr lang="en-US" dirty="0">
-                <a:solidFill>
-                  <a:srgbClr val="00B050"/>
-                </a:solidFill>
-                <a:latin typeface="3270-MEDIUM" panose="02000609000000000000" pitchFamily="49" charset="77"/>
-                <a:ea typeface="3270-MEDIUM" panose="02000609000000000000" pitchFamily="49" charset="77"/>
-              </a:rPr>
-              <a:t>id</a:t>
-            </a:r>
-            <a:r>
-              <a:rPr lang="en-US" dirty="0">
-                <a:solidFill>
-                  <a:srgbClr val="FFFFFF"/>
-                </a:solidFill>
-                <a:latin typeface="3270-MEDIUM" panose="02000609000000000000" pitchFamily="49" charset="77"/>
-                <a:ea typeface="3270-MEDIUM" panose="02000609000000000000" pitchFamily="49" charset="77"/>
-              </a:rPr>
-              <a:t>, </a:t>
-            </a:r>
-            <a:r>
-              <a:rPr lang="en-US" dirty="0">
-                <a:solidFill>
-                  <a:srgbClr val="00B050"/>
-                </a:solidFill>
-                <a:latin typeface="3270-MEDIUM" panose="02000609000000000000" pitchFamily="49" charset="77"/>
-                <a:ea typeface="3270-MEDIUM" panose="02000609000000000000" pitchFamily="49" charset="77"/>
-              </a:rPr>
-              <a:t>compose</a:t>
-            </a:r>
-            <a:r>
-              <a:rPr lang="en-US" dirty="0">
-                <a:solidFill>
-                  <a:srgbClr val="FFFFFF"/>
-                </a:solidFill>
-                <a:latin typeface="3270-MEDIUM" panose="02000609000000000000" pitchFamily="49" charset="77"/>
-                <a:ea typeface="3270-MEDIUM" panose="02000609000000000000" pitchFamily="49" charset="77"/>
-              </a:rPr>
-              <a:t>},</a:t>
-            </a:r>
-          </a:p>
-          <a:p>
-            <a:r>
-              <a:rPr lang="en-US" dirty="0">
-                <a:solidFill>
-                  <a:srgbClr val="FFFFFF"/>
-                </a:solidFill>
-                <a:latin typeface="3270-MEDIUM" panose="02000609000000000000" pitchFamily="49" charset="77"/>
-                <a:ea typeface="3270-MEDIUM" panose="02000609000000000000" pitchFamily="49" charset="77"/>
-              </a:rPr>
-              <a:t>  </a:t>
-            </a:r>
-            <a:r>
-              <a:rPr lang="en-US" dirty="0">
-                <a:solidFill>
-                  <a:srgbClr val="00B050"/>
-                </a:solidFill>
-                <a:latin typeface="3270-MEDIUM" panose="02000609000000000000" pitchFamily="49" charset="77"/>
-                <a:ea typeface="3270-MEDIUM" panose="02000609000000000000" pitchFamily="49" charset="77"/>
-              </a:rPr>
-              <a:t>axioms</a:t>
-            </a:r>
-            <a:r>
-              <a:rPr lang="en-US" dirty="0">
-                <a:solidFill>
-                  <a:srgbClr val="FFFFFF"/>
-                </a:solidFill>
-                <a:latin typeface="3270-MEDIUM" panose="02000609000000000000" pitchFamily="49" charset="77"/>
-                <a:ea typeface="3270-MEDIUM" panose="02000609000000000000" pitchFamily="49" charset="77"/>
-              </a:rPr>
-              <a:t>: {</a:t>
-            </a:r>
-            <a:r>
-              <a:rPr lang="en-US" dirty="0" err="1">
-                <a:solidFill>
-                  <a:srgbClr val="00B050"/>
-                </a:solidFill>
-                <a:latin typeface="3270-MEDIUM" panose="02000609000000000000" pitchFamily="49" charset="77"/>
-                <a:ea typeface="3270-MEDIUM" panose="02000609000000000000" pitchFamily="49" charset="77"/>
-              </a:rPr>
-              <a:t>assoc</a:t>
-            </a:r>
-            <a:r>
-              <a:rPr lang="en-US" dirty="0">
-                <a:solidFill>
-                  <a:srgbClr val="FFFFFF"/>
-                </a:solidFill>
-                <a:latin typeface="3270-MEDIUM" panose="02000609000000000000" pitchFamily="49" charset="77"/>
-                <a:ea typeface="3270-MEDIUM" panose="02000609000000000000" pitchFamily="49" charset="77"/>
-              </a:rPr>
-              <a:t>, </a:t>
-            </a:r>
-            <a:r>
-              <a:rPr lang="en-US" dirty="0">
-                <a:solidFill>
-                  <a:srgbClr val="00B050"/>
-                </a:solidFill>
-                <a:latin typeface="3270-MEDIUM" panose="02000609000000000000" pitchFamily="49" charset="77"/>
-                <a:ea typeface="3270-MEDIUM" panose="02000609000000000000" pitchFamily="49" charset="77"/>
-              </a:rPr>
-              <a:t>unital</a:t>
-            </a:r>
-            <a:r>
-              <a:rPr lang="en-US" dirty="0">
-                <a:solidFill>
-                  <a:srgbClr val="FFFFFF"/>
-                </a:solidFill>
-                <a:latin typeface="3270-MEDIUM" panose="02000609000000000000" pitchFamily="49" charset="77"/>
-                <a:ea typeface="3270-MEDIUM" panose="02000609000000000000" pitchFamily="49" charset="77"/>
-              </a:rPr>
-              <a:t>},</a:t>
-            </a:r>
-          </a:p>
-          <a:p>
-            <a:r>
-              <a:rPr lang="en-US" dirty="0">
-                <a:solidFill>
-                  <a:srgbClr val="FFFFFF"/>
-                </a:solidFill>
-                <a:latin typeface="3270-MEDIUM" panose="02000609000000000000" pitchFamily="49" charset="77"/>
-                <a:ea typeface="3270-MEDIUM" panose="02000609000000000000" pitchFamily="49" charset="77"/>
-              </a:rPr>
-              <a:t>  </a:t>
-            </a:r>
-            <a:r>
-              <a:rPr lang="en-US" dirty="0">
-                <a:solidFill>
-                  <a:srgbClr val="00B050"/>
-                </a:solidFill>
-                <a:latin typeface="3270-MEDIUM" panose="02000609000000000000" pitchFamily="49" charset="77"/>
-                <a:ea typeface="3270-MEDIUM" panose="02000609000000000000" pitchFamily="49" charset="77"/>
-              </a:rPr>
-              <a:t>aliases</a:t>
-            </a:r>
-            <a:r>
-              <a:rPr lang="en-US" dirty="0">
-                <a:solidFill>
-                  <a:srgbClr val="FFFFFF"/>
-                </a:solidFill>
-                <a:latin typeface="3270-MEDIUM" panose="02000609000000000000" pitchFamily="49" charset="77"/>
-                <a:ea typeface="3270-MEDIUM" panose="02000609000000000000" pitchFamily="49" charset="77"/>
-              </a:rPr>
-              <a:t>: {</a:t>
-            </a:r>
-            <a:r>
-              <a:rPr lang="en-US" dirty="0">
-                <a:solidFill>
-                  <a:srgbClr val="00B050"/>
-                </a:solidFill>
-                <a:latin typeface="3270-MEDIUM" panose="02000609000000000000" pitchFamily="49" charset="77"/>
-                <a:ea typeface="3270-MEDIUM" panose="02000609000000000000" pitchFamily="49" charset="77"/>
-              </a:rPr>
-              <a:t>→</a:t>
-            </a:r>
-            <a:r>
-              <a:rPr lang="en-US" dirty="0">
-                <a:solidFill>
-                  <a:srgbClr val="FFFFFF"/>
-                </a:solidFill>
-                <a:latin typeface="3270-MEDIUM" panose="02000609000000000000" pitchFamily="49" charset="77"/>
-                <a:ea typeface="3270-MEDIUM" panose="02000609000000000000" pitchFamily="49" charset="77"/>
-              </a:rPr>
-              <a:t>, </a:t>
-            </a:r>
-            <a:r>
-              <a:rPr lang="en-US" dirty="0">
-                <a:solidFill>
-                  <a:srgbClr val="00B050"/>
-                </a:solidFill>
-                <a:latin typeface="3270-MEDIUM" panose="02000609000000000000" pitchFamily="49" charset="77"/>
-                <a:ea typeface="3270-MEDIUM" panose="02000609000000000000" pitchFamily="49" charset="77"/>
-              </a:rPr>
-              <a:t>•</a:t>
-            </a:r>
-            <a:r>
-              <a:rPr lang="en-US" dirty="0">
-                <a:solidFill>
-                  <a:srgbClr val="FFFFFF"/>
-                </a:solidFill>
-                <a:latin typeface="3270-MEDIUM" panose="02000609000000000000" pitchFamily="49" charset="77"/>
-                <a:ea typeface="3270-MEDIUM" panose="02000609000000000000" pitchFamily="49" charset="77"/>
-              </a:rPr>
-              <a:t>}</a:t>
-            </a:r>
-          </a:p>
-          <a:p>
-            <a:r>
-              <a:rPr lang="en-US" dirty="0">
-                <a:solidFill>
-                  <a:srgbClr val="FFFFFF"/>
-                </a:solidFill>
-                <a:latin typeface="3270-MEDIUM" panose="02000609000000000000" pitchFamily="49" charset="77"/>
-                <a:ea typeface="3270-MEDIUM" panose="02000609000000000000" pitchFamily="49" charset="77"/>
-              </a:rPr>
-              <a:t>}</a:t>
-            </a:r>
-          </a:p>
-        </p:txBody>
-      </p:sp>
-      <p:sp>
-        <p:nvSpPr>
-          <p:cNvPr id="6" name="Rectangle 5">
-            <a:extLst>
-              <a:ext uri="{FF2B5EF4-FFF2-40B4-BE49-F238E27FC236}">
-                <a16:creationId xmlns:a16="http://schemas.microsoft.com/office/drawing/2014/main" id="{B75E8DD8-41E2-EA43-BBB2-7E10606F5B5E}"/>
-              </a:ext>
-            </a:extLst>
-          </p:cNvPr>
-          <p:cNvSpPr/>
-          <p:nvPr/>
-        </p:nvSpPr>
-        <p:spPr>
-          <a:xfrm>
-            <a:off x="7809411" y="1694090"/>
-            <a:ext cx="3544389" cy="1754326"/>
-          </a:xfrm>
-          <a:prstGeom prst="rect">
-            <a:avLst/>
-          </a:prstGeom>
-          <a:ln w="57150">
-            <a:solidFill>
-              <a:srgbClr val="00B0F0"/>
-            </a:solidFill>
-          </a:ln>
-        </p:spPr>
-        <p:txBody>
-          <a:bodyPr wrap="square">
-            <a:spAutoFit/>
-          </a:bodyPr>
-          <a:lstStyle/>
-          <a:p>
-            <a:r>
-              <a:rPr lang="en-US" dirty="0">
-                <a:solidFill>
-                  <a:srgbClr val="FFFFFF"/>
-                </a:solidFill>
-                <a:latin typeface="3270-MEDIUM" panose="02000609000000000000" pitchFamily="49" charset="77"/>
-                <a:ea typeface="3270-MEDIUM" panose="02000609000000000000" pitchFamily="49" charset="77"/>
-              </a:rPr>
-              <a:t>@service </a:t>
-            </a:r>
-            <a:r>
-              <a:rPr lang="en-US" dirty="0">
-                <a:solidFill>
-                  <a:srgbClr val="FF7E1C"/>
-                </a:solidFill>
-                <a:latin typeface="3270-MEDIUM" panose="02000609000000000000" pitchFamily="49" charset="77"/>
-                <a:ea typeface="3270-MEDIUM" panose="02000609000000000000" pitchFamily="49" charset="77"/>
-              </a:rPr>
-              <a:t>Category</a:t>
-            </a:r>
-            <a:r>
-              <a:rPr lang="en-US" dirty="0">
-                <a:solidFill>
-                  <a:srgbClr val="FFFFFF"/>
-                </a:solidFill>
-                <a:latin typeface="3270-MEDIUM" panose="02000609000000000000" pitchFamily="49" charset="77"/>
-                <a:ea typeface="3270-MEDIUM" panose="02000609000000000000" pitchFamily="49" charset="77"/>
-              </a:rPr>
-              <a:t> { </a:t>
-            </a:r>
-          </a:p>
-          <a:p>
-            <a:r>
-              <a:rPr lang="en-US" dirty="0">
-                <a:solidFill>
-                  <a:srgbClr val="FFFFFF"/>
-                </a:solidFill>
-                <a:latin typeface="3270-MEDIUM" panose="02000609000000000000" pitchFamily="49" charset="77"/>
-                <a:ea typeface="3270-MEDIUM" panose="02000609000000000000" pitchFamily="49" charset="77"/>
-              </a:rPr>
-              <a:t>  </a:t>
-            </a:r>
-            <a:r>
-              <a:rPr lang="en-US" dirty="0">
-                <a:solidFill>
-                  <a:srgbClr val="00B0F0"/>
-                </a:solidFill>
-                <a:latin typeface="3270-MEDIUM" panose="02000609000000000000" pitchFamily="49" charset="77"/>
-                <a:ea typeface="3270-MEDIUM" panose="02000609000000000000" pitchFamily="49" charset="77"/>
-              </a:rPr>
-              <a:t>kinds</a:t>
-            </a:r>
-            <a:r>
-              <a:rPr lang="en-US" dirty="0">
-                <a:solidFill>
-                  <a:srgbClr val="FFFFFF"/>
-                </a:solidFill>
-                <a:latin typeface="3270-MEDIUM" panose="02000609000000000000" pitchFamily="49" charset="77"/>
-                <a:ea typeface="3270-MEDIUM" panose="02000609000000000000" pitchFamily="49" charset="77"/>
-              </a:rPr>
-              <a:t>: {</a:t>
-            </a:r>
-            <a:r>
-              <a:rPr lang="en-US" dirty="0">
-                <a:solidFill>
-                  <a:srgbClr val="00B0F0"/>
-                </a:solidFill>
-                <a:latin typeface="3270-MEDIUM" panose="02000609000000000000" pitchFamily="49" charset="77"/>
-                <a:ea typeface="3270-MEDIUM" panose="02000609000000000000" pitchFamily="49" charset="77"/>
-              </a:rPr>
-              <a:t>Ob</a:t>
-            </a:r>
-            <a:r>
-              <a:rPr lang="en-US" dirty="0">
-                <a:solidFill>
-                  <a:srgbClr val="FFFFFF"/>
-                </a:solidFill>
-                <a:latin typeface="3270-MEDIUM" panose="02000609000000000000" pitchFamily="49" charset="77"/>
-                <a:ea typeface="3270-MEDIUM" panose="02000609000000000000" pitchFamily="49" charset="77"/>
-              </a:rPr>
-              <a:t>, </a:t>
-            </a:r>
-            <a:r>
-              <a:rPr lang="en-US" dirty="0" err="1">
-                <a:solidFill>
-                  <a:srgbClr val="00B0F0"/>
-                </a:solidFill>
-                <a:latin typeface="3270-MEDIUM" panose="02000609000000000000" pitchFamily="49" charset="77"/>
-                <a:ea typeface="3270-MEDIUM" panose="02000609000000000000" pitchFamily="49" charset="77"/>
-              </a:rPr>
-              <a:t>Hom</a:t>
-            </a:r>
-            <a:r>
-              <a:rPr lang="en-US" dirty="0">
-                <a:solidFill>
-                  <a:srgbClr val="FFFFFF"/>
-                </a:solidFill>
-                <a:latin typeface="3270-MEDIUM" panose="02000609000000000000" pitchFamily="49" charset="77"/>
-                <a:ea typeface="3270-MEDIUM" panose="02000609000000000000" pitchFamily="49" charset="77"/>
-              </a:rPr>
-              <a:t>},</a:t>
-            </a:r>
-          </a:p>
-          <a:p>
-            <a:r>
-              <a:rPr lang="en-US" dirty="0">
-                <a:solidFill>
-                  <a:srgbClr val="FFFFFF"/>
-                </a:solidFill>
-                <a:latin typeface="3270-MEDIUM" panose="02000609000000000000" pitchFamily="49" charset="77"/>
-                <a:ea typeface="3270-MEDIUM" panose="02000609000000000000" pitchFamily="49" charset="77"/>
-              </a:rPr>
-              <a:t>  </a:t>
-            </a:r>
-            <a:r>
-              <a:rPr lang="en-US" dirty="0" err="1">
-                <a:solidFill>
-                  <a:srgbClr val="00B050"/>
-                </a:solidFill>
-                <a:latin typeface="3270-MEDIUM" panose="02000609000000000000" pitchFamily="49" charset="77"/>
-                <a:ea typeface="3270-MEDIUM" panose="02000609000000000000" pitchFamily="49" charset="77"/>
-              </a:rPr>
-              <a:t>fns</a:t>
-            </a:r>
-            <a:r>
-              <a:rPr lang="en-US" dirty="0">
-                <a:solidFill>
-                  <a:srgbClr val="FFFFFF"/>
-                </a:solidFill>
-                <a:latin typeface="3270-MEDIUM" panose="02000609000000000000" pitchFamily="49" charset="77"/>
-                <a:ea typeface="3270-MEDIUM" panose="02000609000000000000" pitchFamily="49" charset="77"/>
-              </a:rPr>
-              <a:t>: {</a:t>
-            </a:r>
-            <a:r>
-              <a:rPr lang="en-US" dirty="0">
-                <a:solidFill>
-                  <a:srgbClr val="00B050"/>
-                </a:solidFill>
-                <a:latin typeface="3270-MEDIUM" panose="02000609000000000000" pitchFamily="49" charset="77"/>
-                <a:ea typeface="3270-MEDIUM" panose="02000609000000000000" pitchFamily="49" charset="77"/>
-              </a:rPr>
-              <a:t>id</a:t>
-            </a:r>
-            <a:r>
-              <a:rPr lang="en-US" dirty="0">
-                <a:solidFill>
-                  <a:srgbClr val="FFFFFF"/>
-                </a:solidFill>
-                <a:latin typeface="3270-MEDIUM" panose="02000609000000000000" pitchFamily="49" charset="77"/>
-                <a:ea typeface="3270-MEDIUM" panose="02000609000000000000" pitchFamily="49" charset="77"/>
-              </a:rPr>
-              <a:t>, </a:t>
-            </a:r>
-            <a:r>
-              <a:rPr lang="en-US" dirty="0">
-                <a:solidFill>
-                  <a:srgbClr val="00B050"/>
-                </a:solidFill>
-                <a:latin typeface="3270-MEDIUM" panose="02000609000000000000" pitchFamily="49" charset="77"/>
-                <a:ea typeface="3270-MEDIUM" panose="02000609000000000000" pitchFamily="49" charset="77"/>
-              </a:rPr>
-              <a:t>compose</a:t>
-            </a:r>
-            <a:r>
-              <a:rPr lang="en-US" dirty="0">
-                <a:solidFill>
-                  <a:srgbClr val="FFFFFF"/>
-                </a:solidFill>
-                <a:latin typeface="3270-MEDIUM" panose="02000609000000000000" pitchFamily="49" charset="77"/>
-                <a:ea typeface="3270-MEDIUM" panose="02000609000000000000" pitchFamily="49" charset="77"/>
-              </a:rPr>
-              <a:t>, </a:t>
-            </a:r>
-          </a:p>
-          <a:p>
-            <a:r>
-              <a:rPr lang="en-US" dirty="0">
-                <a:solidFill>
-                  <a:srgbClr val="FFFFFF"/>
-                </a:solidFill>
-                <a:latin typeface="3270-MEDIUM" panose="02000609000000000000" pitchFamily="49" charset="77"/>
-                <a:ea typeface="3270-MEDIUM" panose="02000609000000000000" pitchFamily="49" charset="77"/>
-              </a:rPr>
-              <a:t>        </a:t>
-            </a:r>
-            <a:r>
-              <a:rPr lang="en-US" dirty="0" err="1">
-                <a:solidFill>
-                  <a:srgbClr val="00B050"/>
-                </a:solidFill>
-                <a:latin typeface="3270-MEDIUM" panose="02000609000000000000" pitchFamily="49" charset="77"/>
-                <a:ea typeface="3270-MEDIUM" panose="02000609000000000000" pitchFamily="49" charset="77"/>
-              </a:rPr>
-              <a:t>assoc</a:t>
-            </a:r>
-            <a:r>
-              <a:rPr lang="en-US" dirty="0">
-                <a:solidFill>
-                  <a:srgbClr val="FFFFFF"/>
-                </a:solidFill>
-                <a:latin typeface="3270-MEDIUM" panose="02000609000000000000" pitchFamily="49" charset="77"/>
-                <a:ea typeface="3270-MEDIUM" panose="02000609000000000000" pitchFamily="49" charset="77"/>
-              </a:rPr>
-              <a:t>, </a:t>
-            </a:r>
-            <a:r>
-              <a:rPr lang="en-US" dirty="0">
-                <a:solidFill>
-                  <a:srgbClr val="00B050"/>
-                </a:solidFill>
-                <a:latin typeface="3270-MEDIUM" panose="02000609000000000000" pitchFamily="49" charset="77"/>
-                <a:ea typeface="3270-MEDIUM" panose="02000609000000000000" pitchFamily="49" charset="77"/>
-              </a:rPr>
-              <a:t>unital</a:t>
-            </a:r>
-            <a:r>
-              <a:rPr lang="en-US" dirty="0">
-                <a:solidFill>
-                  <a:srgbClr val="FFFFFF"/>
-                </a:solidFill>
-                <a:latin typeface="3270-MEDIUM" panose="02000609000000000000" pitchFamily="49" charset="77"/>
-                <a:ea typeface="3270-MEDIUM" panose="02000609000000000000" pitchFamily="49" charset="77"/>
-              </a:rPr>
-              <a:t>,</a:t>
-            </a:r>
-          </a:p>
-          <a:p>
-            <a:r>
-              <a:rPr lang="en-US" dirty="0">
-                <a:solidFill>
-                  <a:srgbClr val="FFFFFF"/>
-                </a:solidFill>
-                <a:latin typeface="3270-MEDIUM" panose="02000609000000000000" pitchFamily="49" charset="77"/>
-                <a:ea typeface="3270-MEDIUM" panose="02000609000000000000" pitchFamily="49" charset="77"/>
-              </a:rPr>
-              <a:t>        </a:t>
-            </a:r>
-            <a:r>
-              <a:rPr lang="en-US" dirty="0">
-                <a:solidFill>
-                  <a:srgbClr val="00B050"/>
-                </a:solidFill>
-                <a:latin typeface="3270-MEDIUM" panose="02000609000000000000" pitchFamily="49" charset="77"/>
-                <a:ea typeface="3270-MEDIUM" panose="02000609000000000000" pitchFamily="49" charset="77"/>
-              </a:rPr>
-              <a:t>→</a:t>
-            </a:r>
-            <a:r>
-              <a:rPr lang="en-US" dirty="0">
-                <a:solidFill>
-                  <a:srgbClr val="FFFFFF"/>
-                </a:solidFill>
-                <a:latin typeface="3270-MEDIUM" panose="02000609000000000000" pitchFamily="49" charset="77"/>
-                <a:ea typeface="3270-MEDIUM" panose="02000609000000000000" pitchFamily="49" charset="77"/>
-              </a:rPr>
-              <a:t>, </a:t>
-            </a:r>
-            <a:r>
-              <a:rPr lang="en-US" dirty="0">
-                <a:solidFill>
-                  <a:srgbClr val="00B050"/>
-                </a:solidFill>
-                <a:latin typeface="3270-MEDIUM" panose="02000609000000000000" pitchFamily="49" charset="77"/>
-                <a:ea typeface="3270-MEDIUM" panose="02000609000000000000" pitchFamily="49" charset="77"/>
-              </a:rPr>
-              <a:t>•</a:t>
-            </a:r>
-            <a:r>
-              <a:rPr lang="en-US" dirty="0">
-                <a:solidFill>
-                  <a:srgbClr val="FFFFFF"/>
-                </a:solidFill>
-                <a:latin typeface="3270-MEDIUM" panose="02000609000000000000" pitchFamily="49" charset="77"/>
-                <a:ea typeface="3270-MEDIUM" panose="02000609000000000000" pitchFamily="49" charset="77"/>
-              </a:rPr>
-              <a:t>}</a:t>
-            </a:r>
-          </a:p>
-          <a:p>
-            <a:r>
-              <a:rPr lang="en-US" dirty="0">
-                <a:solidFill>
-                  <a:srgbClr val="FFFFFF"/>
-                </a:solidFill>
-                <a:latin typeface="3270-MEDIUM" panose="02000609000000000000" pitchFamily="49" charset="77"/>
-                <a:ea typeface="3270-MEDIUM" panose="02000609000000000000" pitchFamily="49" charset="77"/>
-              </a:rPr>
-              <a:t>}</a:t>
-            </a:r>
-          </a:p>
-        </p:txBody>
-      </p:sp>
-      <p:sp>
-        <p:nvSpPr>
-          <p:cNvPr id="7" name="Rectangle 6">
-            <a:extLst>
-              <a:ext uri="{FF2B5EF4-FFF2-40B4-BE49-F238E27FC236}">
-                <a16:creationId xmlns:a16="http://schemas.microsoft.com/office/drawing/2014/main" id="{C5407C41-380E-534C-A25A-3942990DF328}"/>
-              </a:ext>
-            </a:extLst>
-          </p:cNvPr>
-          <p:cNvSpPr/>
-          <p:nvPr/>
-        </p:nvSpPr>
-        <p:spPr>
-          <a:xfrm>
-            <a:off x="4323805" y="4466839"/>
-            <a:ext cx="3544389" cy="1754326"/>
-          </a:xfrm>
-          <a:prstGeom prst="rect">
-            <a:avLst/>
-          </a:prstGeom>
-          <a:ln w="57150">
-            <a:solidFill>
-              <a:srgbClr val="00B0F0"/>
-            </a:solidFill>
-          </a:ln>
-        </p:spPr>
-        <p:txBody>
-          <a:bodyPr wrap="square">
-            <a:spAutoFit/>
-          </a:bodyPr>
-          <a:lstStyle/>
-          <a:p>
-            <a:r>
-              <a:rPr lang="en-US" dirty="0">
-                <a:solidFill>
-                  <a:srgbClr val="FFFFFF"/>
-                </a:solidFill>
-                <a:latin typeface="3270-MEDIUM" panose="02000609000000000000" pitchFamily="49" charset="77"/>
-                <a:ea typeface="3270-MEDIUM" panose="02000609000000000000" pitchFamily="49" charset="77"/>
-              </a:rPr>
-              <a:t>@functor </a:t>
-            </a:r>
-            <a:r>
-              <a:rPr lang="en-US" dirty="0" err="1">
-                <a:solidFill>
-                  <a:srgbClr val="FF7E1C"/>
-                </a:solidFill>
-                <a:latin typeface="3270-MEDIUM" panose="02000609000000000000" pitchFamily="49" charset="77"/>
-                <a:ea typeface="3270-MEDIUM" panose="02000609000000000000" pitchFamily="49" charset="77"/>
-              </a:rPr>
-              <a:t>GATToQSvc</a:t>
-            </a:r>
-            <a:r>
-              <a:rPr lang="en-US" dirty="0">
-                <a:solidFill>
-                  <a:srgbClr val="FFFFFF"/>
-                </a:solidFill>
-                <a:latin typeface="3270-MEDIUM" panose="02000609000000000000" pitchFamily="49" charset="77"/>
-                <a:ea typeface="3270-MEDIUM" panose="02000609000000000000" pitchFamily="49" charset="77"/>
-              </a:rPr>
-              <a:t> { </a:t>
-            </a:r>
-          </a:p>
-          <a:p>
-            <a:r>
-              <a:rPr lang="en-US" dirty="0">
-                <a:solidFill>
-                  <a:srgbClr val="FFFFFF"/>
-                </a:solidFill>
-                <a:latin typeface="3270-MEDIUM" panose="02000609000000000000" pitchFamily="49" charset="77"/>
-                <a:ea typeface="3270-MEDIUM" panose="02000609000000000000" pitchFamily="49" charset="77"/>
-              </a:rPr>
-              <a:t>  </a:t>
-            </a:r>
-            <a:r>
-              <a:rPr lang="en-US" dirty="0">
-                <a:solidFill>
-                  <a:srgbClr val="00B0F0"/>
-                </a:solidFill>
-                <a:latin typeface="3270-MEDIUM" panose="02000609000000000000" pitchFamily="49" charset="77"/>
-                <a:ea typeface="3270-MEDIUM" panose="02000609000000000000" pitchFamily="49" charset="77"/>
-              </a:rPr>
-              <a:t>Ob</a:t>
-            </a:r>
-            <a:r>
-              <a:rPr lang="en-US" dirty="0">
-                <a:solidFill>
-                  <a:srgbClr val="FFFFFF"/>
-                </a:solidFill>
-                <a:latin typeface="3270-MEDIUM" panose="02000609000000000000" pitchFamily="49" charset="77"/>
-                <a:ea typeface="3270-MEDIUM" panose="02000609000000000000" pitchFamily="49" charset="77"/>
-              </a:rPr>
-              <a:t>: {{</a:t>
-            </a:r>
-            <a:r>
-              <a:rPr lang="en-US" dirty="0">
-                <a:solidFill>
-                  <a:srgbClr val="00B0F0"/>
-                </a:solidFill>
-                <a:latin typeface="3270-MEDIUM" panose="02000609000000000000" pitchFamily="49" charset="77"/>
-                <a:ea typeface="3270-MEDIUM" panose="02000609000000000000" pitchFamily="49" charset="77"/>
-              </a:rPr>
-              <a:t>types</a:t>
-            </a:r>
-            <a:r>
-              <a:rPr lang="en-US" dirty="0">
-                <a:solidFill>
-                  <a:srgbClr val="FFFFFF"/>
-                </a:solidFill>
-                <a:latin typeface="3270-MEDIUM" panose="02000609000000000000" pitchFamily="49" charset="77"/>
-                <a:ea typeface="3270-MEDIUM" panose="02000609000000000000" pitchFamily="49" charset="77"/>
-              </a:rPr>
-              <a:t>, </a:t>
-            </a:r>
-            <a:r>
-              <a:rPr lang="en-US" dirty="0">
-                <a:solidFill>
-                  <a:srgbClr val="00B0F0"/>
-                </a:solidFill>
-                <a:latin typeface="3270-MEDIUM" panose="02000609000000000000" pitchFamily="49" charset="77"/>
-                <a:ea typeface="3270-MEDIUM" panose="02000609000000000000" pitchFamily="49" charset="77"/>
-              </a:rPr>
-              <a:t>kinds</a:t>
-            </a:r>
-            <a:r>
-              <a:rPr lang="en-US" dirty="0">
-                <a:solidFill>
-                  <a:srgbClr val="FFFFFF"/>
-                </a:solidFill>
-                <a:latin typeface="3270-MEDIUM" panose="02000609000000000000" pitchFamily="49" charset="77"/>
-                <a:ea typeface="3270-MEDIUM" panose="02000609000000000000" pitchFamily="49" charset="77"/>
-              </a:rPr>
-              <a:t>}} </a:t>
-            </a:r>
-          </a:p>
-          <a:p>
-            <a:r>
-              <a:rPr lang="en-US" dirty="0">
-                <a:solidFill>
-                  <a:srgbClr val="FFFFFF"/>
-                </a:solidFill>
-                <a:latin typeface="3270-MEDIUM" panose="02000609000000000000" pitchFamily="49" charset="77"/>
-                <a:ea typeface="3270-MEDIUM" panose="02000609000000000000" pitchFamily="49" charset="77"/>
-              </a:rPr>
-              <a:t>  </a:t>
-            </a:r>
-            <a:r>
-              <a:rPr lang="en-US" dirty="0" err="1">
-                <a:solidFill>
-                  <a:srgbClr val="00B0F0"/>
-                </a:solidFill>
-                <a:latin typeface="3270-MEDIUM" panose="02000609000000000000" pitchFamily="49" charset="77"/>
-                <a:ea typeface="3270-MEDIUM" panose="02000609000000000000" pitchFamily="49" charset="77"/>
-              </a:rPr>
-              <a:t>Hom</a:t>
-            </a:r>
-            <a:r>
-              <a:rPr lang="en-US" dirty="0">
-                <a:solidFill>
-                  <a:srgbClr val="FFFFFF"/>
-                </a:solidFill>
-                <a:latin typeface="3270-MEDIUM" panose="02000609000000000000" pitchFamily="49" charset="77"/>
-                <a:ea typeface="3270-MEDIUM" panose="02000609000000000000" pitchFamily="49" charset="77"/>
-              </a:rPr>
-              <a:t>: {{</a:t>
-            </a:r>
-            <a:r>
-              <a:rPr lang="en-US" dirty="0">
-                <a:solidFill>
-                  <a:srgbClr val="00B050"/>
-                </a:solidFill>
-                <a:latin typeface="3270-MEDIUM" panose="02000609000000000000" pitchFamily="49" charset="77"/>
-                <a:ea typeface="3270-MEDIUM" panose="02000609000000000000" pitchFamily="49" charset="77"/>
-              </a:rPr>
-              <a:t>terms</a:t>
-            </a:r>
-            <a:r>
-              <a:rPr lang="en-US" dirty="0">
-                <a:solidFill>
-                  <a:srgbClr val="FFFFFF"/>
-                </a:solidFill>
-                <a:latin typeface="3270-MEDIUM" panose="02000609000000000000" pitchFamily="49" charset="77"/>
-                <a:ea typeface="3270-MEDIUM" panose="02000609000000000000" pitchFamily="49" charset="77"/>
-              </a:rPr>
-              <a:t>, </a:t>
-            </a:r>
-            <a:r>
-              <a:rPr lang="en-US" dirty="0" err="1">
-                <a:solidFill>
-                  <a:srgbClr val="00B050"/>
-                </a:solidFill>
-                <a:latin typeface="3270-MEDIUM" panose="02000609000000000000" pitchFamily="49" charset="77"/>
-                <a:ea typeface="3270-MEDIUM" panose="02000609000000000000" pitchFamily="49" charset="77"/>
-              </a:rPr>
-              <a:t>fns</a:t>
-            </a:r>
-            <a:r>
-              <a:rPr lang="en-US" dirty="0">
-                <a:solidFill>
-                  <a:srgbClr val="FFFFFF"/>
-                </a:solidFill>
-                <a:latin typeface="3270-MEDIUM" panose="02000609000000000000" pitchFamily="49" charset="77"/>
-                <a:ea typeface="3270-MEDIUM" panose="02000609000000000000" pitchFamily="49" charset="77"/>
-              </a:rPr>
-              <a:t>},</a:t>
-            </a:r>
-          </a:p>
-          <a:p>
-            <a:r>
-              <a:rPr lang="en-US" dirty="0">
-                <a:solidFill>
-                  <a:srgbClr val="FFFFFF"/>
-                </a:solidFill>
-                <a:latin typeface="3270-MEDIUM" panose="02000609000000000000" pitchFamily="49" charset="77"/>
-                <a:ea typeface="3270-MEDIUM" panose="02000609000000000000" pitchFamily="49" charset="77"/>
-              </a:rPr>
-              <a:t>        {</a:t>
-            </a:r>
-            <a:r>
-              <a:rPr lang="en-US" dirty="0">
-                <a:solidFill>
-                  <a:srgbClr val="00B050"/>
-                </a:solidFill>
-                <a:latin typeface="3270-MEDIUM" panose="02000609000000000000" pitchFamily="49" charset="77"/>
-                <a:ea typeface="3270-MEDIUM" panose="02000609000000000000" pitchFamily="49" charset="77"/>
-              </a:rPr>
-              <a:t>axioms</a:t>
-            </a:r>
-            <a:r>
-              <a:rPr lang="en-US" dirty="0">
-                <a:solidFill>
-                  <a:srgbClr val="FFFFFF"/>
-                </a:solidFill>
-                <a:latin typeface="3270-MEDIUM" panose="02000609000000000000" pitchFamily="49" charset="77"/>
-                <a:ea typeface="3270-MEDIUM" panose="02000609000000000000" pitchFamily="49" charset="77"/>
-              </a:rPr>
-              <a:t>, </a:t>
-            </a:r>
-            <a:r>
-              <a:rPr lang="en-US" dirty="0" err="1">
-                <a:solidFill>
-                  <a:srgbClr val="00B050"/>
-                </a:solidFill>
-                <a:latin typeface="3270-MEDIUM" panose="02000609000000000000" pitchFamily="49" charset="77"/>
-                <a:ea typeface="3270-MEDIUM" panose="02000609000000000000" pitchFamily="49" charset="77"/>
-              </a:rPr>
-              <a:t>fns</a:t>
-            </a:r>
-            <a:r>
-              <a:rPr lang="en-US" dirty="0">
-                <a:solidFill>
-                  <a:srgbClr val="FFFFFF"/>
-                </a:solidFill>
-                <a:latin typeface="3270-MEDIUM" panose="02000609000000000000" pitchFamily="49" charset="77"/>
-                <a:ea typeface="3270-MEDIUM" panose="02000609000000000000" pitchFamily="49" charset="77"/>
-              </a:rPr>
-              <a:t>},</a:t>
-            </a:r>
-          </a:p>
-          <a:p>
-            <a:r>
-              <a:rPr lang="en-US" dirty="0">
-                <a:solidFill>
-                  <a:srgbClr val="FFFFFF"/>
-                </a:solidFill>
-                <a:latin typeface="3270-MEDIUM" panose="02000609000000000000" pitchFamily="49" charset="77"/>
-                <a:ea typeface="3270-MEDIUM" panose="02000609000000000000" pitchFamily="49" charset="77"/>
-              </a:rPr>
-              <a:t>        {</a:t>
-            </a:r>
-            <a:r>
-              <a:rPr lang="en-US" dirty="0">
-                <a:solidFill>
-                  <a:srgbClr val="00B050"/>
-                </a:solidFill>
-                <a:latin typeface="3270-MEDIUM" panose="02000609000000000000" pitchFamily="49" charset="77"/>
-                <a:ea typeface="3270-MEDIUM" panose="02000609000000000000" pitchFamily="49" charset="77"/>
-              </a:rPr>
-              <a:t>aliases</a:t>
-            </a:r>
-            <a:r>
-              <a:rPr lang="en-US" dirty="0">
-                <a:solidFill>
-                  <a:srgbClr val="FFFFFF"/>
-                </a:solidFill>
-                <a:latin typeface="3270-MEDIUM" panose="02000609000000000000" pitchFamily="49" charset="77"/>
-                <a:ea typeface="3270-MEDIUM" panose="02000609000000000000" pitchFamily="49" charset="77"/>
-              </a:rPr>
-              <a:t>, </a:t>
-            </a:r>
-            <a:r>
-              <a:rPr lang="en-US" dirty="0" err="1">
-                <a:solidFill>
-                  <a:srgbClr val="00B050"/>
-                </a:solidFill>
-                <a:latin typeface="3270-MEDIUM" panose="02000609000000000000" pitchFamily="49" charset="77"/>
-                <a:ea typeface="3270-MEDIUM" panose="02000609000000000000" pitchFamily="49" charset="77"/>
-              </a:rPr>
-              <a:t>fns</a:t>
-            </a:r>
-            <a:r>
-              <a:rPr lang="en-US" dirty="0">
-                <a:solidFill>
-                  <a:srgbClr val="FFFFFF"/>
-                </a:solidFill>
-                <a:latin typeface="3270-MEDIUM" panose="02000609000000000000" pitchFamily="49" charset="77"/>
-                <a:ea typeface="3270-MEDIUM" panose="02000609000000000000" pitchFamily="49" charset="77"/>
-              </a:rPr>
-              <a:t>}}</a:t>
-            </a:r>
-          </a:p>
-          <a:p>
-            <a:r>
-              <a:rPr lang="en-US" dirty="0">
-                <a:solidFill>
-                  <a:srgbClr val="FFFFFF"/>
-                </a:solidFill>
-                <a:latin typeface="3270-MEDIUM" panose="02000609000000000000" pitchFamily="49" charset="77"/>
-                <a:ea typeface="3270-MEDIUM" panose="02000609000000000000" pitchFamily="49" charset="77"/>
-              </a:rPr>
-              <a:t>}</a:t>
-            </a:r>
-          </a:p>
-        </p:txBody>
-      </p:sp>
-      <p:cxnSp>
-        <p:nvCxnSpPr>
-          <p:cNvPr id="11" name="Straight Arrow Connector 10">
-            <a:extLst>
-              <a:ext uri="{FF2B5EF4-FFF2-40B4-BE49-F238E27FC236}">
-                <a16:creationId xmlns:a16="http://schemas.microsoft.com/office/drawing/2014/main" id="{DE9177B2-F103-0448-8213-FBC770A842E8}"/>
-              </a:ext>
-            </a:extLst>
-          </p:cNvPr>
-          <p:cNvCxnSpPr>
-            <a:cxnSpLocks/>
-            <a:stCxn id="4" idx="3"/>
-            <a:endCxn id="6" idx="1"/>
-          </p:cNvCxnSpPr>
-          <p:nvPr/>
-        </p:nvCxnSpPr>
-        <p:spPr>
-          <a:xfrm>
-            <a:off x="4382589" y="2571253"/>
-            <a:ext cx="3426822" cy="0"/>
-          </a:xfrm>
-          <a:prstGeom prst="straightConnector1">
-            <a:avLst/>
-          </a:prstGeom>
-          <a:ln w="57150">
-            <a:solidFill>
-              <a:srgbClr val="00B0F0"/>
-            </a:solidFill>
-            <a:tailEnd type="triangle"/>
-          </a:ln>
-        </p:spPr>
-        <p:style>
-          <a:lnRef idx="1">
-            <a:schemeClr val="accent1"/>
-          </a:lnRef>
-          <a:fillRef idx="0">
-            <a:schemeClr val="accent1"/>
-          </a:fillRef>
-          <a:effectRef idx="0">
-            <a:schemeClr val="accent1"/>
-          </a:effectRef>
-          <a:fontRef idx="minor">
-            <a:schemeClr val="tx1"/>
-          </a:fontRef>
-        </p:style>
-      </p:cxnSp>
-      <p:cxnSp>
-        <p:nvCxnSpPr>
-          <p:cNvPr id="15" name="Straight Connector 14">
-            <a:extLst>
-              <a:ext uri="{FF2B5EF4-FFF2-40B4-BE49-F238E27FC236}">
-                <a16:creationId xmlns:a16="http://schemas.microsoft.com/office/drawing/2014/main" id="{A1406307-EF38-264F-B5B1-DAC64C570F76}"/>
-              </a:ext>
-            </a:extLst>
-          </p:cNvPr>
-          <p:cNvCxnSpPr>
-            <a:cxnSpLocks/>
-            <a:endCxn id="7" idx="0"/>
-          </p:cNvCxnSpPr>
-          <p:nvPr/>
-        </p:nvCxnSpPr>
-        <p:spPr>
-          <a:xfrm>
-            <a:off x="6096000" y="2567851"/>
-            <a:ext cx="0" cy="1898988"/>
-          </a:xfrm>
-          <a:prstGeom prst="line">
-            <a:avLst/>
-          </a:prstGeom>
-          <a:ln w="57150">
-            <a:solidFill>
-              <a:srgbClr val="00B0F0"/>
-            </a:solidFill>
-            <a:prstDash val="sysDash"/>
-          </a:ln>
-        </p:spPr>
-        <p:style>
-          <a:lnRef idx="1">
-            <a:schemeClr val="accent1"/>
-          </a:lnRef>
-          <a:fillRef idx="0">
-            <a:schemeClr val="accent1"/>
-          </a:fillRef>
-          <a:effectRef idx="0">
-            <a:schemeClr val="accent1"/>
-          </a:effectRef>
-          <a:fontRef idx="minor">
-            <a:schemeClr val="tx1"/>
-          </a:fontRef>
-        </p:style>
-      </p:cxnSp>
+        </p:grpSpPr>
+        <p:sp>
+          <p:nvSpPr>
+            <p:cNvPr id="4" name="Rectangle 3">
+              <a:extLst>
+                <a:ext uri="{FF2B5EF4-FFF2-40B4-BE49-F238E27FC236}">
+                  <a16:creationId xmlns:a16="http://schemas.microsoft.com/office/drawing/2014/main" id="{54EBC93E-3109-7B4A-ACA9-0134BB83EB32}"/>
+                </a:ext>
+              </a:extLst>
+            </p:cNvPr>
+            <p:cNvSpPr/>
+            <p:nvPr/>
+          </p:nvSpPr>
+          <p:spPr>
+            <a:xfrm>
+              <a:off x="838200" y="1694090"/>
+              <a:ext cx="3544389" cy="1754326"/>
+            </a:xfrm>
+            <a:prstGeom prst="rect">
+              <a:avLst/>
+            </a:prstGeom>
+            <a:noFill/>
+            <a:ln w="19050">
+              <a:solidFill>
+                <a:schemeClr val="bg1">
+                  <a:lumMod val="75000"/>
+                </a:schemeClr>
+              </a:solidFill>
+            </a:ln>
+          </p:spPr>
+          <p:txBody>
+            <a:bodyPr wrap="square">
+              <a:spAutoFit/>
+            </a:bodyPr>
+            <a:lstStyle/>
+            <a:p>
+              <a:r>
+                <a:rPr lang="en-US" dirty="0">
+                  <a:latin typeface="3270-MEDIUM" panose="02000609000000000000" pitchFamily="49" charset="77"/>
+                  <a:ea typeface="3270-MEDIUM" panose="02000609000000000000" pitchFamily="49" charset="77"/>
+                </a:rPr>
+                <a:t>@theory</a:t>
+              </a:r>
+              <a:r>
+                <a:rPr lang="en-US" dirty="0">
+                  <a:solidFill>
+                    <a:srgbClr val="FFFFFF"/>
+                  </a:solidFill>
+                  <a:latin typeface="3270-MEDIUM" panose="02000609000000000000" pitchFamily="49" charset="77"/>
+                  <a:ea typeface="3270-MEDIUM" panose="02000609000000000000" pitchFamily="49" charset="77"/>
+                </a:rPr>
+                <a:t> </a:t>
+              </a:r>
+              <a:r>
+                <a:rPr lang="en-US" dirty="0">
+                  <a:solidFill>
+                    <a:srgbClr val="FF7E1C"/>
+                  </a:solidFill>
+                  <a:latin typeface="3270-MEDIUM" panose="02000609000000000000" pitchFamily="49" charset="77"/>
+                  <a:ea typeface="3270-MEDIUM" panose="02000609000000000000" pitchFamily="49" charset="77"/>
+                </a:rPr>
+                <a:t>Category</a:t>
+              </a:r>
+              <a:r>
+                <a:rPr lang="en-US" dirty="0">
+                  <a:solidFill>
+                    <a:srgbClr val="FFFFFF"/>
+                  </a:solidFill>
+                  <a:latin typeface="3270-MEDIUM" panose="02000609000000000000" pitchFamily="49" charset="77"/>
+                  <a:ea typeface="3270-MEDIUM" panose="02000609000000000000" pitchFamily="49" charset="77"/>
+                </a:rPr>
+                <a:t> </a:t>
+              </a:r>
+              <a:r>
+                <a:rPr lang="en-US" dirty="0">
+                  <a:latin typeface="3270-MEDIUM" panose="02000609000000000000" pitchFamily="49" charset="77"/>
+                  <a:ea typeface="3270-MEDIUM" panose="02000609000000000000" pitchFamily="49" charset="77"/>
+                </a:rPr>
+                <a:t>{ </a:t>
+              </a:r>
+            </a:p>
+            <a:p>
+              <a:r>
+                <a:rPr lang="en-US" dirty="0">
+                  <a:solidFill>
+                    <a:srgbClr val="FFFFFF"/>
+                  </a:solidFill>
+                  <a:latin typeface="3270-MEDIUM" panose="02000609000000000000" pitchFamily="49" charset="77"/>
+                  <a:ea typeface="3270-MEDIUM" panose="02000609000000000000" pitchFamily="49" charset="77"/>
+                </a:rPr>
+                <a:t>  </a:t>
+              </a:r>
+              <a:r>
+                <a:rPr lang="en-US" dirty="0">
+                  <a:solidFill>
+                    <a:srgbClr val="00B0F0"/>
+                  </a:solidFill>
+                  <a:latin typeface="3270-MEDIUM" panose="02000609000000000000" pitchFamily="49" charset="77"/>
+                  <a:ea typeface="3270-MEDIUM" panose="02000609000000000000" pitchFamily="49" charset="77"/>
+                </a:rPr>
+                <a:t>types</a:t>
+              </a:r>
+              <a:r>
+                <a:rPr lang="en-US" dirty="0">
+                  <a:latin typeface="3270-MEDIUM" panose="02000609000000000000" pitchFamily="49" charset="77"/>
+                  <a:ea typeface="3270-MEDIUM" panose="02000609000000000000" pitchFamily="49" charset="77"/>
+                </a:rPr>
+                <a:t>: {</a:t>
+              </a:r>
+              <a:r>
+                <a:rPr lang="en-US" dirty="0">
+                  <a:solidFill>
+                    <a:srgbClr val="00B0F0"/>
+                  </a:solidFill>
+                  <a:latin typeface="3270-MEDIUM" panose="02000609000000000000" pitchFamily="49" charset="77"/>
+                  <a:ea typeface="3270-MEDIUM" panose="02000609000000000000" pitchFamily="49" charset="77"/>
+                </a:rPr>
+                <a:t>Ob</a:t>
+              </a:r>
+              <a:r>
+                <a:rPr lang="en-US" dirty="0">
+                  <a:latin typeface="3270-MEDIUM" panose="02000609000000000000" pitchFamily="49" charset="77"/>
+                  <a:ea typeface="3270-MEDIUM" panose="02000609000000000000" pitchFamily="49" charset="77"/>
+                </a:rPr>
+                <a:t>,</a:t>
+              </a:r>
+              <a:r>
+                <a:rPr lang="en-US" dirty="0">
+                  <a:solidFill>
+                    <a:srgbClr val="FFFFFF"/>
+                  </a:solidFill>
+                  <a:latin typeface="3270-MEDIUM" panose="02000609000000000000" pitchFamily="49" charset="77"/>
+                  <a:ea typeface="3270-MEDIUM" panose="02000609000000000000" pitchFamily="49" charset="77"/>
+                </a:rPr>
+                <a:t> </a:t>
+              </a:r>
+              <a:r>
+                <a:rPr lang="en-US" dirty="0" err="1">
+                  <a:solidFill>
+                    <a:srgbClr val="00B0F0"/>
+                  </a:solidFill>
+                  <a:latin typeface="3270-MEDIUM" panose="02000609000000000000" pitchFamily="49" charset="77"/>
+                  <a:ea typeface="3270-MEDIUM" panose="02000609000000000000" pitchFamily="49" charset="77"/>
+                </a:rPr>
+                <a:t>Hom</a:t>
+              </a:r>
+              <a:r>
+                <a:rPr lang="en-US" dirty="0">
+                  <a:latin typeface="3270-MEDIUM" panose="02000609000000000000" pitchFamily="49" charset="77"/>
+                  <a:ea typeface="3270-MEDIUM" panose="02000609000000000000" pitchFamily="49" charset="77"/>
+                </a:rPr>
+                <a:t>},</a:t>
+              </a:r>
+            </a:p>
+            <a:p>
+              <a:r>
+                <a:rPr lang="en-US" dirty="0">
+                  <a:solidFill>
+                    <a:srgbClr val="FFFFFF"/>
+                  </a:solidFill>
+                  <a:latin typeface="3270-MEDIUM" panose="02000609000000000000" pitchFamily="49" charset="77"/>
+                  <a:ea typeface="3270-MEDIUM" panose="02000609000000000000" pitchFamily="49" charset="77"/>
+                </a:rPr>
+                <a:t>  </a:t>
+              </a:r>
+              <a:r>
+                <a:rPr lang="en-US" dirty="0">
+                  <a:solidFill>
+                    <a:srgbClr val="00B050"/>
+                  </a:solidFill>
+                  <a:latin typeface="3270-MEDIUM" panose="02000609000000000000" pitchFamily="49" charset="77"/>
+                  <a:ea typeface="3270-MEDIUM" panose="02000609000000000000" pitchFamily="49" charset="77"/>
+                </a:rPr>
+                <a:t>terms</a:t>
+              </a:r>
+              <a:r>
+                <a:rPr lang="en-US" dirty="0">
+                  <a:latin typeface="3270-MEDIUM" panose="02000609000000000000" pitchFamily="49" charset="77"/>
+                  <a:ea typeface="3270-MEDIUM" panose="02000609000000000000" pitchFamily="49" charset="77"/>
+                </a:rPr>
+                <a:t>: {</a:t>
+              </a:r>
+              <a:r>
+                <a:rPr lang="en-US" dirty="0">
+                  <a:solidFill>
+                    <a:srgbClr val="00B050"/>
+                  </a:solidFill>
+                  <a:latin typeface="3270-MEDIUM" panose="02000609000000000000" pitchFamily="49" charset="77"/>
+                  <a:ea typeface="3270-MEDIUM" panose="02000609000000000000" pitchFamily="49" charset="77"/>
+                </a:rPr>
+                <a:t>id</a:t>
+              </a:r>
+              <a:r>
+                <a:rPr lang="en-US" dirty="0">
+                  <a:latin typeface="3270-MEDIUM" panose="02000609000000000000" pitchFamily="49" charset="77"/>
+                  <a:ea typeface="3270-MEDIUM" panose="02000609000000000000" pitchFamily="49" charset="77"/>
+                </a:rPr>
+                <a:t>,</a:t>
+              </a:r>
+              <a:r>
+                <a:rPr lang="en-US" dirty="0">
+                  <a:solidFill>
+                    <a:srgbClr val="FFFFFF"/>
+                  </a:solidFill>
+                  <a:latin typeface="3270-MEDIUM" panose="02000609000000000000" pitchFamily="49" charset="77"/>
+                  <a:ea typeface="3270-MEDIUM" panose="02000609000000000000" pitchFamily="49" charset="77"/>
+                </a:rPr>
+                <a:t> </a:t>
+              </a:r>
+              <a:r>
+                <a:rPr lang="en-US" dirty="0">
+                  <a:solidFill>
+                    <a:srgbClr val="00B050"/>
+                  </a:solidFill>
+                  <a:latin typeface="3270-MEDIUM" panose="02000609000000000000" pitchFamily="49" charset="77"/>
+                  <a:ea typeface="3270-MEDIUM" panose="02000609000000000000" pitchFamily="49" charset="77"/>
+                </a:rPr>
+                <a:t>compose</a:t>
+              </a:r>
+              <a:r>
+                <a:rPr lang="en-US" dirty="0">
+                  <a:latin typeface="3270-MEDIUM" panose="02000609000000000000" pitchFamily="49" charset="77"/>
+                  <a:ea typeface="3270-MEDIUM" panose="02000609000000000000" pitchFamily="49" charset="77"/>
+                </a:rPr>
+                <a:t>},</a:t>
+              </a:r>
+            </a:p>
+            <a:p>
+              <a:r>
+                <a:rPr lang="en-US" dirty="0">
+                  <a:solidFill>
+                    <a:srgbClr val="FFFFFF"/>
+                  </a:solidFill>
+                  <a:latin typeface="3270-MEDIUM" panose="02000609000000000000" pitchFamily="49" charset="77"/>
+                  <a:ea typeface="3270-MEDIUM" panose="02000609000000000000" pitchFamily="49" charset="77"/>
+                </a:rPr>
+                <a:t>  </a:t>
+              </a:r>
+              <a:r>
+                <a:rPr lang="en-US" dirty="0">
+                  <a:solidFill>
+                    <a:srgbClr val="00B050"/>
+                  </a:solidFill>
+                  <a:latin typeface="3270-MEDIUM" panose="02000609000000000000" pitchFamily="49" charset="77"/>
+                  <a:ea typeface="3270-MEDIUM" panose="02000609000000000000" pitchFamily="49" charset="77"/>
+                </a:rPr>
+                <a:t>axioms</a:t>
+              </a:r>
+              <a:r>
+                <a:rPr lang="en-US" dirty="0">
+                  <a:latin typeface="3270-MEDIUM" panose="02000609000000000000" pitchFamily="49" charset="77"/>
+                  <a:ea typeface="3270-MEDIUM" panose="02000609000000000000" pitchFamily="49" charset="77"/>
+                </a:rPr>
+                <a:t>: {</a:t>
+              </a:r>
+              <a:r>
+                <a:rPr lang="en-US" dirty="0" err="1">
+                  <a:solidFill>
+                    <a:srgbClr val="00B050"/>
+                  </a:solidFill>
+                  <a:latin typeface="3270-MEDIUM" panose="02000609000000000000" pitchFamily="49" charset="77"/>
+                  <a:ea typeface="3270-MEDIUM" panose="02000609000000000000" pitchFamily="49" charset="77"/>
+                </a:rPr>
+                <a:t>assoc</a:t>
+              </a:r>
+              <a:r>
+                <a:rPr lang="en-US" dirty="0">
+                  <a:latin typeface="3270-MEDIUM" panose="02000609000000000000" pitchFamily="49" charset="77"/>
+                  <a:ea typeface="3270-MEDIUM" panose="02000609000000000000" pitchFamily="49" charset="77"/>
+                </a:rPr>
+                <a:t>,</a:t>
+              </a:r>
+              <a:r>
+                <a:rPr lang="en-US" dirty="0">
+                  <a:solidFill>
+                    <a:srgbClr val="FFFFFF"/>
+                  </a:solidFill>
+                  <a:latin typeface="3270-MEDIUM" panose="02000609000000000000" pitchFamily="49" charset="77"/>
+                  <a:ea typeface="3270-MEDIUM" panose="02000609000000000000" pitchFamily="49" charset="77"/>
+                </a:rPr>
+                <a:t> </a:t>
+              </a:r>
+              <a:r>
+                <a:rPr lang="en-US" dirty="0">
+                  <a:solidFill>
+                    <a:srgbClr val="00B050"/>
+                  </a:solidFill>
+                  <a:latin typeface="3270-MEDIUM" panose="02000609000000000000" pitchFamily="49" charset="77"/>
+                  <a:ea typeface="3270-MEDIUM" panose="02000609000000000000" pitchFamily="49" charset="77"/>
+                </a:rPr>
+                <a:t>unital</a:t>
+              </a:r>
+              <a:r>
+                <a:rPr lang="en-US" dirty="0">
+                  <a:latin typeface="3270-MEDIUM" panose="02000609000000000000" pitchFamily="49" charset="77"/>
+                  <a:ea typeface="3270-MEDIUM" panose="02000609000000000000" pitchFamily="49" charset="77"/>
+                </a:rPr>
+                <a:t>},</a:t>
+              </a:r>
+            </a:p>
+            <a:p>
+              <a:r>
+                <a:rPr lang="en-US" dirty="0">
+                  <a:solidFill>
+                    <a:srgbClr val="FFFFFF"/>
+                  </a:solidFill>
+                  <a:latin typeface="3270-MEDIUM" panose="02000609000000000000" pitchFamily="49" charset="77"/>
+                  <a:ea typeface="3270-MEDIUM" panose="02000609000000000000" pitchFamily="49" charset="77"/>
+                </a:rPr>
+                <a:t>  </a:t>
+              </a:r>
+              <a:r>
+                <a:rPr lang="en-US" dirty="0">
+                  <a:solidFill>
+                    <a:srgbClr val="00B050"/>
+                  </a:solidFill>
+                  <a:latin typeface="3270-MEDIUM" panose="02000609000000000000" pitchFamily="49" charset="77"/>
+                  <a:ea typeface="3270-MEDIUM" panose="02000609000000000000" pitchFamily="49" charset="77"/>
+                </a:rPr>
+                <a:t>aliases</a:t>
+              </a:r>
+              <a:r>
+                <a:rPr lang="en-US" dirty="0">
+                  <a:latin typeface="3270-MEDIUM" panose="02000609000000000000" pitchFamily="49" charset="77"/>
+                  <a:ea typeface="3270-MEDIUM" panose="02000609000000000000" pitchFamily="49" charset="77"/>
+                </a:rPr>
+                <a:t>: {</a:t>
+              </a:r>
+              <a:r>
+                <a:rPr lang="en-US" dirty="0">
+                  <a:solidFill>
+                    <a:srgbClr val="00B050"/>
+                  </a:solidFill>
+                  <a:latin typeface="3270-MEDIUM" panose="02000609000000000000" pitchFamily="49" charset="77"/>
+                  <a:ea typeface="3270-MEDIUM" panose="02000609000000000000" pitchFamily="49" charset="77"/>
+                </a:rPr>
+                <a:t>→</a:t>
+              </a:r>
+              <a:r>
+                <a:rPr lang="en-US" dirty="0">
+                  <a:latin typeface="3270-MEDIUM" panose="02000609000000000000" pitchFamily="49" charset="77"/>
+                  <a:ea typeface="3270-MEDIUM" panose="02000609000000000000" pitchFamily="49" charset="77"/>
+                </a:rPr>
+                <a:t>,</a:t>
+              </a:r>
+              <a:r>
+                <a:rPr lang="en-US" dirty="0">
+                  <a:solidFill>
+                    <a:srgbClr val="FFFFFF"/>
+                  </a:solidFill>
+                  <a:latin typeface="3270-MEDIUM" panose="02000609000000000000" pitchFamily="49" charset="77"/>
+                  <a:ea typeface="3270-MEDIUM" panose="02000609000000000000" pitchFamily="49" charset="77"/>
+                </a:rPr>
+                <a:t> </a:t>
+              </a:r>
+              <a:r>
+                <a:rPr lang="en-US" dirty="0">
+                  <a:solidFill>
+                    <a:srgbClr val="00B050"/>
+                  </a:solidFill>
+                  <a:latin typeface="3270-MEDIUM" panose="02000609000000000000" pitchFamily="49" charset="77"/>
+                  <a:ea typeface="3270-MEDIUM" panose="02000609000000000000" pitchFamily="49" charset="77"/>
+                </a:rPr>
+                <a:t>•</a:t>
+              </a:r>
+              <a:r>
+                <a:rPr lang="en-US" dirty="0">
+                  <a:latin typeface="3270-MEDIUM" panose="02000609000000000000" pitchFamily="49" charset="77"/>
+                  <a:ea typeface="3270-MEDIUM" panose="02000609000000000000" pitchFamily="49" charset="77"/>
+                </a:rPr>
+                <a:t>}</a:t>
+              </a:r>
+            </a:p>
+            <a:p>
+              <a:r>
+                <a:rPr lang="en-US" dirty="0">
+                  <a:latin typeface="3270-MEDIUM" panose="02000609000000000000" pitchFamily="49" charset="77"/>
+                  <a:ea typeface="3270-MEDIUM" panose="02000609000000000000" pitchFamily="49" charset="77"/>
+                </a:rPr>
+                <a:t>}</a:t>
+              </a:r>
+            </a:p>
+          </p:txBody>
+        </p:sp>
+        <p:sp>
+          <p:nvSpPr>
+            <p:cNvPr id="6" name="Rectangle 5">
+              <a:extLst>
+                <a:ext uri="{FF2B5EF4-FFF2-40B4-BE49-F238E27FC236}">
+                  <a16:creationId xmlns:a16="http://schemas.microsoft.com/office/drawing/2014/main" id="{B75E8DD8-41E2-EA43-BBB2-7E10606F5B5E}"/>
+                </a:ext>
+              </a:extLst>
+            </p:cNvPr>
+            <p:cNvSpPr/>
+            <p:nvPr/>
+          </p:nvSpPr>
+          <p:spPr>
+            <a:xfrm>
+              <a:off x="7809411" y="1694090"/>
+              <a:ext cx="3544389" cy="1754326"/>
+            </a:xfrm>
+            <a:prstGeom prst="rect">
+              <a:avLst/>
+            </a:prstGeom>
+            <a:noFill/>
+            <a:ln w="19050">
+              <a:solidFill>
+                <a:schemeClr val="bg1">
+                  <a:lumMod val="75000"/>
+                </a:schemeClr>
+              </a:solidFill>
+            </a:ln>
+          </p:spPr>
+          <p:txBody>
+            <a:bodyPr wrap="square">
+              <a:spAutoFit/>
+            </a:bodyPr>
+            <a:lstStyle/>
+            <a:p>
+              <a:r>
+                <a:rPr lang="en-US" dirty="0">
+                  <a:latin typeface="3270-MEDIUM" panose="02000609000000000000" pitchFamily="49" charset="77"/>
+                  <a:ea typeface="3270-MEDIUM" panose="02000609000000000000" pitchFamily="49" charset="77"/>
+                </a:rPr>
+                <a:t>@service</a:t>
+              </a:r>
+              <a:r>
+                <a:rPr lang="en-US" dirty="0">
+                  <a:solidFill>
+                    <a:srgbClr val="FFFFFF"/>
+                  </a:solidFill>
+                  <a:latin typeface="3270-MEDIUM" panose="02000609000000000000" pitchFamily="49" charset="77"/>
+                  <a:ea typeface="3270-MEDIUM" panose="02000609000000000000" pitchFamily="49" charset="77"/>
+                </a:rPr>
+                <a:t> </a:t>
+              </a:r>
+              <a:r>
+                <a:rPr lang="en-US" dirty="0">
+                  <a:solidFill>
+                    <a:srgbClr val="FF7E1C"/>
+                  </a:solidFill>
+                  <a:latin typeface="3270-MEDIUM" panose="02000609000000000000" pitchFamily="49" charset="77"/>
+                  <a:ea typeface="3270-MEDIUM" panose="02000609000000000000" pitchFamily="49" charset="77"/>
+                </a:rPr>
+                <a:t>Category</a:t>
+              </a:r>
+              <a:r>
+                <a:rPr lang="en-US" dirty="0">
+                  <a:solidFill>
+                    <a:srgbClr val="FFFFFF"/>
+                  </a:solidFill>
+                  <a:latin typeface="3270-MEDIUM" panose="02000609000000000000" pitchFamily="49" charset="77"/>
+                  <a:ea typeface="3270-MEDIUM" panose="02000609000000000000" pitchFamily="49" charset="77"/>
+                </a:rPr>
+                <a:t> </a:t>
+              </a:r>
+              <a:r>
+                <a:rPr lang="en-US" dirty="0">
+                  <a:latin typeface="3270-MEDIUM" panose="02000609000000000000" pitchFamily="49" charset="77"/>
+                  <a:ea typeface="3270-MEDIUM" panose="02000609000000000000" pitchFamily="49" charset="77"/>
+                </a:rPr>
+                <a:t>{</a:t>
+              </a:r>
+              <a:r>
+                <a:rPr lang="en-US" dirty="0">
+                  <a:solidFill>
+                    <a:srgbClr val="FFFFFF"/>
+                  </a:solidFill>
+                  <a:latin typeface="3270-MEDIUM" panose="02000609000000000000" pitchFamily="49" charset="77"/>
+                  <a:ea typeface="3270-MEDIUM" panose="02000609000000000000" pitchFamily="49" charset="77"/>
+                </a:rPr>
+                <a:t> </a:t>
+              </a:r>
+            </a:p>
+            <a:p>
+              <a:r>
+                <a:rPr lang="en-US" dirty="0">
+                  <a:solidFill>
+                    <a:srgbClr val="FFFFFF"/>
+                  </a:solidFill>
+                  <a:latin typeface="3270-MEDIUM" panose="02000609000000000000" pitchFamily="49" charset="77"/>
+                  <a:ea typeface="3270-MEDIUM" panose="02000609000000000000" pitchFamily="49" charset="77"/>
+                </a:rPr>
+                <a:t>  </a:t>
+              </a:r>
+              <a:r>
+                <a:rPr lang="en-US" dirty="0">
+                  <a:solidFill>
+                    <a:srgbClr val="00B0F0"/>
+                  </a:solidFill>
+                  <a:latin typeface="3270-MEDIUM" panose="02000609000000000000" pitchFamily="49" charset="77"/>
+                  <a:ea typeface="3270-MEDIUM" panose="02000609000000000000" pitchFamily="49" charset="77"/>
+                </a:rPr>
+                <a:t>kinds</a:t>
+              </a:r>
+              <a:r>
+                <a:rPr lang="en-US" dirty="0">
+                  <a:latin typeface="3270-MEDIUM" panose="02000609000000000000" pitchFamily="49" charset="77"/>
+                  <a:ea typeface="3270-MEDIUM" panose="02000609000000000000" pitchFamily="49" charset="77"/>
+                </a:rPr>
+                <a:t>: {</a:t>
+              </a:r>
+              <a:r>
+                <a:rPr lang="en-US" dirty="0">
+                  <a:solidFill>
+                    <a:srgbClr val="00B0F0"/>
+                  </a:solidFill>
+                  <a:latin typeface="3270-MEDIUM" panose="02000609000000000000" pitchFamily="49" charset="77"/>
+                  <a:ea typeface="3270-MEDIUM" panose="02000609000000000000" pitchFamily="49" charset="77"/>
+                </a:rPr>
+                <a:t>Ob</a:t>
+              </a:r>
+              <a:r>
+                <a:rPr lang="en-US" dirty="0">
+                  <a:latin typeface="3270-MEDIUM" panose="02000609000000000000" pitchFamily="49" charset="77"/>
+                  <a:ea typeface="3270-MEDIUM" panose="02000609000000000000" pitchFamily="49" charset="77"/>
+                </a:rPr>
+                <a:t>,</a:t>
+              </a:r>
+              <a:r>
+                <a:rPr lang="en-US" dirty="0">
+                  <a:solidFill>
+                    <a:srgbClr val="FFFFFF"/>
+                  </a:solidFill>
+                  <a:latin typeface="3270-MEDIUM" panose="02000609000000000000" pitchFamily="49" charset="77"/>
+                  <a:ea typeface="3270-MEDIUM" panose="02000609000000000000" pitchFamily="49" charset="77"/>
+                </a:rPr>
+                <a:t> </a:t>
+              </a:r>
+              <a:r>
+                <a:rPr lang="en-US" dirty="0" err="1">
+                  <a:solidFill>
+                    <a:srgbClr val="00B0F0"/>
+                  </a:solidFill>
+                  <a:latin typeface="3270-MEDIUM" panose="02000609000000000000" pitchFamily="49" charset="77"/>
+                  <a:ea typeface="3270-MEDIUM" panose="02000609000000000000" pitchFamily="49" charset="77"/>
+                </a:rPr>
+                <a:t>Hom</a:t>
+              </a:r>
+              <a:r>
+                <a:rPr lang="en-US" dirty="0">
+                  <a:latin typeface="3270-MEDIUM" panose="02000609000000000000" pitchFamily="49" charset="77"/>
+                  <a:ea typeface="3270-MEDIUM" panose="02000609000000000000" pitchFamily="49" charset="77"/>
+                </a:rPr>
+                <a:t>},</a:t>
+              </a:r>
+            </a:p>
+            <a:p>
+              <a:r>
+                <a:rPr lang="en-US" dirty="0">
+                  <a:solidFill>
+                    <a:srgbClr val="FFFFFF"/>
+                  </a:solidFill>
+                  <a:latin typeface="3270-MEDIUM" panose="02000609000000000000" pitchFamily="49" charset="77"/>
+                  <a:ea typeface="3270-MEDIUM" panose="02000609000000000000" pitchFamily="49" charset="77"/>
+                </a:rPr>
+                <a:t>  </a:t>
+              </a:r>
+              <a:r>
+                <a:rPr lang="en-US" dirty="0" err="1">
+                  <a:solidFill>
+                    <a:srgbClr val="00B050"/>
+                  </a:solidFill>
+                  <a:latin typeface="3270-MEDIUM" panose="02000609000000000000" pitchFamily="49" charset="77"/>
+                  <a:ea typeface="3270-MEDIUM" panose="02000609000000000000" pitchFamily="49" charset="77"/>
+                </a:rPr>
+                <a:t>fns</a:t>
+              </a:r>
+              <a:r>
+                <a:rPr lang="en-US" dirty="0">
+                  <a:latin typeface="3270-MEDIUM" panose="02000609000000000000" pitchFamily="49" charset="77"/>
+                  <a:ea typeface="3270-MEDIUM" panose="02000609000000000000" pitchFamily="49" charset="77"/>
+                </a:rPr>
+                <a:t>: {</a:t>
+              </a:r>
+              <a:r>
+                <a:rPr lang="en-US" dirty="0">
+                  <a:solidFill>
+                    <a:srgbClr val="00B050"/>
+                  </a:solidFill>
+                  <a:latin typeface="3270-MEDIUM" panose="02000609000000000000" pitchFamily="49" charset="77"/>
+                  <a:ea typeface="3270-MEDIUM" panose="02000609000000000000" pitchFamily="49" charset="77"/>
+                </a:rPr>
+                <a:t>id</a:t>
+              </a:r>
+              <a:r>
+                <a:rPr lang="en-US" dirty="0">
+                  <a:latin typeface="3270-MEDIUM" panose="02000609000000000000" pitchFamily="49" charset="77"/>
+                  <a:ea typeface="3270-MEDIUM" panose="02000609000000000000" pitchFamily="49" charset="77"/>
+                </a:rPr>
+                <a:t>,</a:t>
+              </a:r>
+              <a:r>
+                <a:rPr lang="en-US" dirty="0">
+                  <a:solidFill>
+                    <a:srgbClr val="FFFFFF"/>
+                  </a:solidFill>
+                  <a:latin typeface="3270-MEDIUM" panose="02000609000000000000" pitchFamily="49" charset="77"/>
+                  <a:ea typeface="3270-MEDIUM" panose="02000609000000000000" pitchFamily="49" charset="77"/>
+                </a:rPr>
+                <a:t> </a:t>
+              </a:r>
+              <a:r>
+                <a:rPr lang="en-US" dirty="0">
+                  <a:solidFill>
+                    <a:srgbClr val="00B050"/>
+                  </a:solidFill>
+                  <a:latin typeface="3270-MEDIUM" panose="02000609000000000000" pitchFamily="49" charset="77"/>
+                  <a:ea typeface="3270-MEDIUM" panose="02000609000000000000" pitchFamily="49" charset="77"/>
+                </a:rPr>
+                <a:t>compose</a:t>
+              </a:r>
+              <a:r>
+                <a:rPr lang="en-US" dirty="0">
+                  <a:latin typeface="3270-MEDIUM" panose="02000609000000000000" pitchFamily="49" charset="77"/>
+                  <a:ea typeface="3270-MEDIUM" panose="02000609000000000000" pitchFamily="49" charset="77"/>
+                </a:rPr>
+                <a:t>,</a:t>
+              </a:r>
+              <a:r>
+                <a:rPr lang="en-US" dirty="0">
+                  <a:solidFill>
+                    <a:srgbClr val="FFFFFF"/>
+                  </a:solidFill>
+                  <a:latin typeface="3270-MEDIUM" panose="02000609000000000000" pitchFamily="49" charset="77"/>
+                  <a:ea typeface="3270-MEDIUM" panose="02000609000000000000" pitchFamily="49" charset="77"/>
+                </a:rPr>
+                <a:t> </a:t>
+              </a:r>
+            </a:p>
+            <a:p>
+              <a:r>
+                <a:rPr lang="en-US" dirty="0">
+                  <a:solidFill>
+                    <a:srgbClr val="FFFFFF"/>
+                  </a:solidFill>
+                  <a:latin typeface="3270-MEDIUM" panose="02000609000000000000" pitchFamily="49" charset="77"/>
+                  <a:ea typeface="3270-MEDIUM" panose="02000609000000000000" pitchFamily="49" charset="77"/>
+                </a:rPr>
+                <a:t>        </a:t>
+              </a:r>
+              <a:r>
+                <a:rPr lang="en-US" dirty="0" err="1">
+                  <a:solidFill>
+                    <a:srgbClr val="00B050"/>
+                  </a:solidFill>
+                  <a:latin typeface="3270-MEDIUM" panose="02000609000000000000" pitchFamily="49" charset="77"/>
+                  <a:ea typeface="3270-MEDIUM" panose="02000609000000000000" pitchFamily="49" charset="77"/>
+                </a:rPr>
+                <a:t>assoc</a:t>
+              </a:r>
+              <a:r>
+                <a:rPr lang="en-US" dirty="0">
+                  <a:latin typeface="3270-MEDIUM" panose="02000609000000000000" pitchFamily="49" charset="77"/>
+                  <a:ea typeface="3270-MEDIUM" panose="02000609000000000000" pitchFamily="49" charset="77"/>
+                </a:rPr>
+                <a:t>,</a:t>
+              </a:r>
+              <a:r>
+                <a:rPr lang="en-US" dirty="0">
+                  <a:solidFill>
+                    <a:srgbClr val="FFFFFF"/>
+                  </a:solidFill>
+                  <a:latin typeface="3270-MEDIUM" panose="02000609000000000000" pitchFamily="49" charset="77"/>
+                  <a:ea typeface="3270-MEDIUM" panose="02000609000000000000" pitchFamily="49" charset="77"/>
+                </a:rPr>
+                <a:t> </a:t>
+              </a:r>
+              <a:r>
+                <a:rPr lang="en-US" dirty="0">
+                  <a:solidFill>
+                    <a:srgbClr val="00B050"/>
+                  </a:solidFill>
+                  <a:latin typeface="3270-MEDIUM" panose="02000609000000000000" pitchFamily="49" charset="77"/>
+                  <a:ea typeface="3270-MEDIUM" panose="02000609000000000000" pitchFamily="49" charset="77"/>
+                </a:rPr>
+                <a:t>unital</a:t>
+              </a:r>
+              <a:r>
+                <a:rPr lang="en-US" dirty="0">
+                  <a:latin typeface="3270-MEDIUM" panose="02000609000000000000" pitchFamily="49" charset="77"/>
+                  <a:ea typeface="3270-MEDIUM" panose="02000609000000000000" pitchFamily="49" charset="77"/>
+                </a:rPr>
+                <a:t>,</a:t>
+              </a:r>
+            </a:p>
+            <a:p>
+              <a:r>
+                <a:rPr lang="en-US" dirty="0">
+                  <a:solidFill>
+                    <a:srgbClr val="FFFFFF"/>
+                  </a:solidFill>
+                  <a:latin typeface="3270-MEDIUM" panose="02000609000000000000" pitchFamily="49" charset="77"/>
+                  <a:ea typeface="3270-MEDIUM" panose="02000609000000000000" pitchFamily="49" charset="77"/>
+                </a:rPr>
+                <a:t>        </a:t>
+              </a:r>
+              <a:r>
+                <a:rPr lang="en-US" dirty="0">
+                  <a:solidFill>
+                    <a:srgbClr val="00B050"/>
+                  </a:solidFill>
+                  <a:latin typeface="3270-MEDIUM" panose="02000609000000000000" pitchFamily="49" charset="77"/>
+                  <a:ea typeface="3270-MEDIUM" panose="02000609000000000000" pitchFamily="49" charset="77"/>
+                </a:rPr>
+                <a:t>→</a:t>
+              </a:r>
+              <a:r>
+                <a:rPr lang="en-US" dirty="0">
+                  <a:latin typeface="3270-MEDIUM" panose="02000609000000000000" pitchFamily="49" charset="77"/>
+                  <a:ea typeface="3270-MEDIUM" panose="02000609000000000000" pitchFamily="49" charset="77"/>
+                </a:rPr>
+                <a:t>, </a:t>
+              </a:r>
+              <a:r>
+                <a:rPr lang="en-US" dirty="0">
+                  <a:solidFill>
+                    <a:srgbClr val="00B050"/>
+                  </a:solidFill>
+                  <a:latin typeface="3270-MEDIUM" panose="02000609000000000000" pitchFamily="49" charset="77"/>
+                  <a:ea typeface="3270-MEDIUM" panose="02000609000000000000" pitchFamily="49" charset="77"/>
+                </a:rPr>
+                <a:t>•</a:t>
+              </a:r>
+              <a:r>
+                <a:rPr lang="en-US" dirty="0">
+                  <a:latin typeface="3270-MEDIUM" panose="02000609000000000000" pitchFamily="49" charset="77"/>
+                  <a:ea typeface="3270-MEDIUM" panose="02000609000000000000" pitchFamily="49" charset="77"/>
+                </a:rPr>
+                <a:t>}</a:t>
+              </a:r>
+            </a:p>
+            <a:p>
+              <a:r>
+                <a:rPr lang="en-US" dirty="0">
+                  <a:latin typeface="3270-MEDIUM" panose="02000609000000000000" pitchFamily="49" charset="77"/>
+                  <a:ea typeface="3270-MEDIUM" panose="02000609000000000000" pitchFamily="49" charset="77"/>
+                </a:rPr>
+                <a:t>}</a:t>
+              </a:r>
+            </a:p>
+          </p:txBody>
+        </p:sp>
+        <p:cxnSp>
+          <p:nvCxnSpPr>
+            <p:cNvPr id="11" name="Straight Arrow Connector 10">
+              <a:extLst>
+                <a:ext uri="{FF2B5EF4-FFF2-40B4-BE49-F238E27FC236}">
+                  <a16:creationId xmlns:a16="http://schemas.microsoft.com/office/drawing/2014/main" id="{DE9177B2-F103-0448-8213-FBC770A842E8}"/>
+                </a:ext>
+              </a:extLst>
+            </p:cNvPr>
+            <p:cNvCxnSpPr>
+              <a:cxnSpLocks/>
+              <a:stCxn id="4" idx="3"/>
+              <a:endCxn id="6" idx="1"/>
+            </p:cNvCxnSpPr>
+            <p:nvPr/>
+          </p:nvCxnSpPr>
+          <p:spPr>
+            <a:xfrm>
+              <a:off x="4382589" y="2571253"/>
+              <a:ext cx="3426822" cy="0"/>
+            </a:xfrm>
+            <a:prstGeom prst="straightConnector1">
+              <a:avLst/>
+            </a:prstGeom>
+            <a:ln w="19050">
+              <a:solidFill>
+                <a:schemeClr val="bg1">
+                  <a:lumMod val="75000"/>
+                </a:schemeClr>
+              </a:solidFill>
+              <a:tailEnd type="triangle"/>
+            </a:ln>
+          </p:spPr>
+          <p:style>
+            <a:lnRef idx="1">
+              <a:schemeClr val="accent1"/>
+            </a:lnRef>
+            <a:fillRef idx="0">
+              <a:schemeClr val="accent1"/>
+            </a:fillRef>
+            <a:effectRef idx="0">
+              <a:schemeClr val="accent1"/>
+            </a:effectRef>
+            <a:fontRef idx="minor">
+              <a:schemeClr val="tx1"/>
+            </a:fontRef>
+          </p:style>
+        </p:cxnSp>
+      </p:grpSp>
     </p:spTree>
     <p:extLst>
       <p:ext uri="{BB962C8B-B14F-4D97-AF65-F5344CB8AC3E}">
@@ -29435,7 +29984,7 @@
 <file path=ppt/theme/theme1.xml><?xml version="1.0" encoding="utf-8"?>
 <a:theme xmlns:a="http://schemas.openxmlformats.org/drawingml/2006/main" name="Office Theme">
   <a:themeElements>
-    <a:clrScheme name="Office">
+    <a:clrScheme name="Paper">
       <a:dk1>
         <a:sysClr val="windowText" lastClr="000000"/>
       </a:dk1>
@@ -29443,100 +29992,48 @@
         <a:sysClr val="window" lastClr="FFFFFF"/>
       </a:lt1>
       <a:dk2>
-        <a:srgbClr val="44546A"/>
+        <a:srgbClr val="444D26"/>
       </a:dk2>
       <a:lt2>
-        <a:srgbClr val="E7E6E6"/>
+        <a:srgbClr val="FEFAC9"/>
       </a:lt2>
       <a:accent1>
-        <a:srgbClr val="4472C4"/>
+        <a:srgbClr val="A5B592"/>
       </a:accent1>
       <a:accent2>
-        <a:srgbClr val="ED7D31"/>
+        <a:srgbClr val="F3A447"/>
       </a:accent2>
       <a:accent3>
-        <a:srgbClr val="A5A5A5"/>
+        <a:srgbClr val="E7BC29"/>
       </a:accent3>
       <a:accent4>
-        <a:srgbClr val="FFC000"/>
+        <a:srgbClr val="D092A7"/>
       </a:accent4>
       <a:accent5>
-        <a:srgbClr val="5B9BD5"/>
+        <a:srgbClr val="9C85C0"/>
       </a:accent5>
       <a:accent6>
-        <a:srgbClr val="70AD47"/>
+        <a:srgbClr val="809EC2"/>
       </a:accent6>
       <a:hlink>
-        <a:srgbClr val="0563C1"/>
+        <a:srgbClr val="8E58B6"/>
       </a:hlink>
       <a:folHlink>
-        <a:srgbClr val="954F72"/>
+        <a:srgbClr val="7F6F6F"/>
       </a:folHlink>
     </a:clrScheme>
-    <a:fontScheme name="Office">
+    <a:fontScheme name="Candara">
       <a:majorFont>
-        <a:latin typeface="Calibri Light" panose="020F0302020204030204"/>
+        <a:latin typeface="Candara" panose="020E0502030303020204"/>
         <a:ea typeface=""/>
         <a:cs typeface=""/>
-        <a:font script="Jpan" typeface="游ゴシック Light"/>
-        <a:font script="Hang" typeface="맑은 고딕"/>
-        <a:font script="Hans" typeface="等线 Light"/>
+        <a:font script="Jpan" typeface="HGｺﾞｼｯｸM"/>
+        <a:font script="Hang" typeface="HY엽서L"/>
+        <a:font script="Hans" typeface="华文楷体"/>
         <a:font script="Hant" typeface="新細明體"/>
-        <a:font script="Arab" typeface="Times New Roman"/>
-        <a:font script="Hebr" typeface="Times New Roman"/>
-        <a:font script="Thai" typeface="Angsana New"/>
-        <a:font script="Ethi" typeface="Nyala"/>
-        <a:font script="Beng" typeface="Vrinda"/>
-        <a:font script="Gujr" typeface="Shruti"/>
-        <a:font script="Khmr" typeface="MoolBoran"/>
-        <a:font script="Knda" typeface="Tunga"/>
-        <a:font script="Guru" typeface="Raavi"/>
-        <a:font script="Cans" typeface="Euphemia"/>
-        <a:font script="Cher" typeface="Plantagenet Cherokee"/>
-        <a:font script="Yiii" typeface="Microsoft Yi Baiti"/>
-        <a:font script="Tibt" typeface="Microsoft Himalaya"/>
-        <a:font script="Thaa" typeface="MV Boli"/>
-        <a:font script="Deva" typeface="Mangal"/>
-        <a:font script="Telu" typeface="Gautami"/>
-        <a:font script="Taml" typeface="Latha"/>
-        <a:font script="Syrc" typeface="Estrangelo Edessa"/>
-        <a:font script="Orya" typeface="Kalinga"/>
-        <a:font script="Mlym" typeface="Kartika"/>
-        <a:font script="Laoo" typeface="DokChampa"/>
-        <a:font script="Sinh" typeface="Iskoola Pota"/>
-        <a:font script="Mong" typeface="Mongolian Baiti"/>
-        <a:font script="Viet" typeface="Times New Roman"/>
-        <a:font script="Uigh" typeface="Microsoft Uighur"/>
-        <a:font script="Geor" typeface="Sylfaen"/>
-        <a:font script="Armn" typeface="Arial"/>
-        <a:font script="Bugi" typeface="Leelawadee UI"/>
-        <a:font script="Bopo" typeface="Microsoft JhengHei"/>
-        <a:font script="Java" typeface="Javanese Text"/>
-        <a:font script="Lisu" typeface="Segoe UI"/>
-        <a:font script="Mymr" typeface="Myanmar Text"/>
-        <a:font script="Nkoo" typeface="Ebrima"/>
-        <a:font script="Olck" typeface="Nirmala UI"/>
-        <a:font script="Osma" typeface="Ebrima"/>
-        <a:font script="Phag" typeface="Phagspa"/>
-        <a:font script="Syrn" typeface="Estrangelo Edessa"/>
-        <a:font script="Syrj" typeface="Estrangelo Edessa"/>
-        <a:font script="Syre" typeface="Estrangelo Edessa"/>
-        <a:font script="Sora" typeface="Nirmala UI"/>
-        <a:font script="Tale" typeface="Microsoft Tai Le"/>
-        <a:font script="Talu" typeface="Microsoft New Tai Lue"/>
-        <a:font script="Tfng" typeface="Ebrima"/>
-      </a:majorFont>
-      <a:minorFont>
-        <a:latin typeface="Calibri" panose="020F0502020204030204"/>
-        <a:ea typeface=""/>
-        <a:cs typeface=""/>
-        <a:font script="Jpan" typeface="游ゴシック"/>
-        <a:font script="Hang" typeface="맑은 고딕"/>
-        <a:font script="Hans" typeface="等线"/>
-        <a:font script="Hant" typeface="新細明體"/>
-        <a:font script="Arab" typeface="Arial"/>
-        <a:font script="Hebr" typeface="Arial"/>
-        <a:font script="Thai" typeface="Cordia New"/>
+        <a:font script="Arab" typeface="Tahoma"/>
+        <a:font script="Hebr" typeface="Miriam"/>
+        <a:font script="Thai" typeface="DilleniaUPC"/>
         <a:font script="Ethi" typeface="Nyala"/>
         <a:font script="Beng" typeface="Vrinda"/>
         <a:font script="Gujr" typeface="Shruti"/>
@@ -29560,23 +30057,41 @@
         <a:font script="Viet" typeface="Arial"/>
         <a:font script="Uigh" typeface="Microsoft Uighur"/>
         <a:font script="Geor" typeface="Sylfaen"/>
-        <a:font script="Armn" typeface="Arial"/>
-        <a:font script="Bugi" typeface="Leelawadee UI"/>
-        <a:font script="Bopo" typeface="Microsoft JhengHei"/>
-        <a:font script="Java" typeface="Javanese Text"/>
-        <a:font script="Lisu" typeface="Segoe UI"/>
-        <a:font script="Mymr" typeface="Myanmar Text"/>
-        <a:font script="Nkoo" typeface="Ebrima"/>
-        <a:font script="Olck" typeface="Nirmala UI"/>
-        <a:font script="Osma" typeface="Ebrima"/>
-        <a:font script="Phag" typeface="Phagspa"/>
-        <a:font script="Syrn" typeface="Estrangelo Edessa"/>
-        <a:font script="Syrj" typeface="Estrangelo Edessa"/>
-        <a:font script="Syre" typeface="Estrangelo Edessa"/>
-        <a:font script="Sora" typeface="Nirmala UI"/>
-        <a:font script="Tale" typeface="Microsoft Tai Le"/>
-        <a:font script="Talu" typeface="Microsoft New Tai Lue"/>
-        <a:font script="Tfng" typeface="Ebrima"/>
+      </a:majorFont>
+      <a:minorFont>
+        <a:latin typeface="Candara" panose="020E0502030303020204"/>
+        <a:ea typeface=""/>
+        <a:cs typeface=""/>
+        <a:font script="Jpan" typeface="HGｺﾞｼｯｸM"/>
+        <a:font script="Hang" typeface="HY엽서L"/>
+        <a:font script="Hans" typeface="华文楷体"/>
+        <a:font script="Hant" typeface="新細明體"/>
+        <a:font script="Arab" typeface="Tahoma"/>
+        <a:font script="Hebr" typeface="Miriam"/>
+        <a:font script="Thai" typeface="DilleniaUPC"/>
+        <a:font script="Ethi" typeface="Nyala"/>
+        <a:font script="Beng" typeface="Vrinda"/>
+        <a:font script="Gujr" typeface="Shruti"/>
+        <a:font script="Khmr" typeface="DaunPenh"/>
+        <a:font script="Knda" typeface="Tunga"/>
+        <a:font script="Guru" typeface="Raavi"/>
+        <a:font script="Cans" typeface="Euphemia"/>
+        <a:font script="Cher" typeface="Plantagenet Cherokee"/>
+        <a:font script="Yiii" typeface="Microsoft Yi Baiti"/>
+        <a:font script="Tibt" typeface="Microsoft Himalaya"/>
+        <a:font script="Thaa" typeface="MV Boli"/>
+        <a:font script="Deva" typeface="Mangal"/>
+        <a:font script="Telu" typeface="Gautami"/>
+        <a:font script="Taml" typeface="Latha"/>
+        <a:font script="Syrc" typeface="Estrangelo Edessa"/>
+        <a:font script="Orya" typeface="Kalinga"/>
+        <a:font script="Mlym" typeface="Kartika"/>
+        <a:font script="Laoo" typeface="DokChampa"/>
+        <a:font script="Sinh" typeface="Iskoola Pota"/>
+        <a:font script="Mong" typeface="Mongolian Baiti"/>
+        <a:font script="Viet" typeface="Arial"/>
+        <a:font script="Uigh" typeface="Microsoft Uighur"/>
+        <a:font script="Geor" typeface="Sylfaen"/>
       </a:minorFont>
     </a:fontScheme>
     <a:fmtScheme name="Office">
